--- a/presentations/02_variables.pptx
+++ b/presentations/02_variables.pptx
@@ -232,7 +232,7 @@
           <a:p>
             <a:fld id="{FD93C9B2-20F6-4DB1-B471-224337D0AC79}" type="datetimeFigureOut">
               <a:rPr lang="en-US" smtClean="0"/>
-              <a:t>12/6/2022</a:t>
+              <a:t>1/12/2023</a:t>
             </a:fld>
             <a:endParaRPr lang="en-US"/>
           </a:p>
@@ -2792,7 +2792,7 @@
           <a:p>
             <a:fld id="{C3F78080-8D0A-4BE8-A5B4-CB115102D524}" type="datetimeFigureOut">
               <a:rPr lang="en-US" smtClean="0"/>
-              <a:t>12/6/2022</a:t>
+              <a:t>1/12/2023</a:t>
             </a:fld>
             <a:endParaRPr lang="en-US"/>
           </a:p>
@@ -2990,7 +2990,7 @@
           <a:p>
             <a:fld id="{C3F78080-8D0A-4BE8-A5B4-CB115102D524}" type="datetimeFigureOut">
               <a:rPr lang="en-US" smtClean="0"/>
-              <a:t>12/6/2022</a:t>
+              <a:t>1/12/2023</a:t>
             </a:fld>
             <a:endParaRPr lang="en-US"/>
           </a:p>
@@ -3198,7 +3198,7 @@
           <a:p>
             <a:fld id="{C3F78080-8D0A-4BE8-A5B4-CB115102D524}" type="datetimeFigureOut">
               <a:rPr lang="en-US" smtClean="0"/>
-              <a:t>12/6/2022</a:t>
+              <a:t>1/12/2023</a:t>
             </a:fld>
             <a:endParaRPr lang="en-US"/>
           </a:p>
@@ -3396,7 +3396,7 @@
           <a:p>
             <a:fld id="{C3F78080-8D0A-4BE8-A5B4-CB115102D524}" type="datetimeFigureOut">
               <a:rPr lang="en-US" smtClean="0"/>
-              <a:t>12/6/2022</a:t>
+              <a:t>1/12/2023</a:t>
             </a:fld>
             <a:endParaRPr lang="en-US"/>
           </a:p>
@@ -3671,7 +3671,7 @@
           <a:p>
             <a:fld id="{C3F78080-8D0A-4BE8-A5B4-CB115102D524}" type="datetimeFigureOut">
               <a:rPr lang="en-US" smtClean="0"/>
-              <a:t>12/6/2022</a:t>
+              <a:t>1/12/2023</a:t>
             </a:fld>
             <a:endParaRPr lang="en-US"/>
           </a:p>
@@ -3936,7 +3936,7 @@
           <a:p>
             <a:fld id="{C3F78080-8D0A-4BE8-A5B4-CB115102D524}" type="datetimeFigureOut">
               <a:rPr lang="en-US" smtClean="0"/>
-              <a:t>12/6/2022</a:t>
+              <a:t>1/12/2023</a:t>
             </a:fld>
             <a:endParaRPr lang="en-US"/>
           </a:p>
@@ -4348,7 +4348,7 @@
           <a:p>
             <a:fld id="{C3F78080-8D0A-4BE8-A5B4-CB115102D524}" type="datetimeFigureOut">
               <a:rPr lang="en-US" smtClean="0"/>
-              <a:t>12/6/2022</a:t>
+              <a:t>1/12/2023</a:t>
             </a:fld>
             <a:endParaRPr lang="en-US"/>
           </a:p>
@@ -4489,7 +4489,7 @@
           <a:p>
             <a:fld id="{C3F78080-8D0A-4BE8-A5B4-CB115102D524}" type="datetimeFigureOut">
               <a:rPr lang="en-US" smtClean="0"/>
-              <a:t>12/6/2022</a:t>
+              <a:t>1/12/2023</a:t>
             </a:fld>
             <a:endParaRPr lang="en-US"/>
           </a:p>
@@ -4602,7 +4602,7 @@
           <a:p>
             <a:fld id="{C3F78080-8D0A-4BE8-A5B4-CB115102D524}" type="datetimeFigureOut">
               <a:rPr lang="en-US" smtClean="0"/>
-              <a:t>12/6/2022</a:t>
+              <a:t>1/12/2023</a:t>
             </a:fld>
             <a:endParaRPr lang="en-US"/>
           </a:p>
@@ -4913,7 +4913,7 @@
           <a:p>
             <a:fld id="{C3F78080-8D0A-4BE8-A5B4-CB115102D524}" type="datetimeFigureOut">
               <a:rPr lang="en-US" smtClean="0"/>
-              <a:t>12/6/2022</a:t>
+              <a:t>1/12/2023</a:t>
             </a:fld>
             <a:endParaRPr lang="en-US"/>
           </a:p>
@@ -5201,7 +5201,7 @@
           <a:p>
             <a:fld id="{C3F78080-8D0A-4BE8-A5B4-CB115102D524}" type="datetimeFigureOut">
               <a:rPr lang="en-US" smtClean="0"/>
-              <a:t>12/6/2022</a:t>
+              <a:t>1/12/2023</a:t>
             </a:fld>
             <a:endParaRPr lang="en-US"/>
           </a:p>
@@ -5442,7 +5442,7 @@
           <a:p>
             <a:fld id="{C3F78080-8D0A-4BE8-A5B4-CB115102D524}" type="datetimeFigureOut">
               <a:rPr lang="en-US" smtClean="0"/>
-              <a:t>12/6/2022</a:t>
+              <a:t>1/12/2023</a:t>
             </a:fld>
             <a:endParaRPr lang="en-US"/>
           </a:p>
@@ -6090,7 +6090,7 @@
             <a:r>
               <a:rPr lang="en-US" dirty="0">
                 <a:solidFill>
-                  <a:srgbClr val="65BB7B"/>
+                  <a:srgbClr val="5A5AA8"/>
                 </a:solidFill>
                 <a:latin typeface="Avenir" panose="02000503020000020003" pitchFamily="2" charset="0"/>
               </a:rPr>
@@ -6105,7 +6105,7 @@
             <a:r>
               <a:rPr lang="en-US" dirty="0">
                 <a:solidFill>
-                  <a:srgbClr val="65BB7B"/>
+                  <a:srgbClr val="5A5AA8"/>
                 </a:solidFill>
                 <a:latin typeface="Avenir" panose="02000503020000020003" pitchFamily="2" charset="0"/>
               </a:rPr>
@@ -6120,7 +6120,7 @@
             <a:r>
               <a:rPr lang="en-US" dirty="0">
                 <a:solidFill>
-                  <a:srgbClr val="65BB7B"/>
+                  <a:srgbClr val="5A5AA8"/>
                 </a:solidFill>
                 <a:latin typeface="Avenir" panose="02000503020000020003" pitchFamily="2" charset="0"/>
               </a:rPr>
@@ -6399,7 +6399,7 @@
               <a:rPr lang="en-US" dirty="0">
                 <a:latin typeface="Avenir" panose="02000503020000020003" pitchFamily="2" charset="0"/>
               </a:rPr>
-              <a:t>  Not Equal to  			           </a:t>
+              <a:t>  Not Equal to  			</a:t>
             </a:r>
             <a:r>
               <a:rPr lang="en-US" b="1" dirty="0">
@@ -7372,7 +7372,7 @@
             <a:r>
               <a:rPr lang="en-US" dirty="0">
                 <a:solidFill>
-                  <a:srgbClr val="65BB7B"/>
+                  <a:srgbClr val="5A5AA8"/>
                 </a:solidFill>
                 <a:latin typeface="Avenir Medium" panose="02000503020000020003" pitchFamily="2" charset="0"/>
               </a:rPr>
@@ -7387,7 +7387,7 @@
             <a:r>
               <a:rPr lang="en-US" dirty="0">
                 <a:solidFill>
-                  <a:srgbClr val="65BB7B"/>
+                  <a:srgbClr val="5A5AA8"/>
                 </a:solidFill>
                 <a:latin typeface="Avenir Medium" panose="02000503020000020003" pitchFamily="2" charset="0"/>
               </a:rPr>
@@ -7402,7 +7402,7 @@
             <a:r>
               <a:rPr lang="en-US" dirty="0">
                 <a:solidFill>
-                  <a:srgbClr val="65BB7B"/>
+                  <a:srgbClr val="5A5AA8"/>
                 </a:solidFill>
                 <a:latin typeface="Avenir" panose="02000503020000020003" pitchFamily="2" charset="0"/>
               </a:rPr>
@@ -7428,7 +7428,7 @@
             <a:r>
               <a:rPr lang="en-US" dirty="0">
                 <a:solidFill>
-                  <a:srgbClr val="65BB7B"/>
+                  <a:srgbClr val="5A5AA8"/>
                 </a:solidFill>
                 <a:latin typeface="Avenir Medium" panose="02000503020000020003" pitchFamily="2" charset="0"/>
               </a:rPr>
@@ -7443,7 +7443,7 @@
             <a:r>
               <a:rPr lang="en-US" dirty="0">
                 <a:solidFill>
-                  <a:srgbClr val="65BB7B"/>
+                  <a:srgbClr val="5A5AA8"/>
                 </a:solidFill>
                 <a:latin typeface="Avenir Medium" panose="02000503020000020003" pitchFamily="2" charset="0"/>
               </a:rPr>
@@ -7458,7 +7458,7 @@
             <a:r>
               <a:rPr lang="en-US" dirty="0">
                 <a:solidFill>
-                  <a:srgbClr val="65BB7B"/>
+                  <a:srgbClr val="5A5AA8"/>
                 </a:solidFill>
                 <a:latin typeface="Avenir" panose="02000503020000020003" pitchFamily="2" charset="0"/>
               </a:rPr>
@@ -7475,20 +7475,11 @@
             <a:r>
               <a:rPr lang="en-US" dirty="0">
                 <a:solidFill>
-                  <a:srgbClr val="65BB7B"/>
-                </a:solidFill>
-                <a:latin typeface="Avenir Medium" panose="02000503020000020003" pitchFamily="2" charset="0"/>
-              </a:rPr>
-              <a:t>not</a:t>
-            </a:r>
-            <a:r>
-              <a:rPr lang="en-US" dirty="0">
-                <a:solidFill>
                   <a:srgbClr val="5A5AA8"/>
                 </a:solidFill>
                 <a:latin typeface="Avenir Medium" panose="02000503020000020003" pitchFamily="2" charset="0"/>
               </a:rPr>
-              <a:t> </a:t>
+              <a:t>not </a:t>
             </a:r>
             <a:r>
               <a:rPr lang="en-US" dirty="0">
@@ -7534,16 +7525,16 @@
                 </a:solidFill>
                 <a:latin typeface="Avenir Medium" panose="02000503020000020003" pitchFamily="2" charset="0"/>
               </a:rPr>
-              <a:t>  </a:t>
+              <a:t>  is</a:t>
             </a:r>
             <a:r>
               <a:rPr lang="en-US" dirty="0">
                 <a:solidFill>
-                  <a:srgbClr val="65BB7B"/>
+                  <a:srgbClr val="5A5AA8"/>
                 </a:solidFill>
-                <a:latin typeface="Avenir Medium" panose="02000503020000020003" pitchFamily="2" charset="0"/>
+                <a:latin typeface="Avenir" panose="02000503020000020003" pitchFamily="2" charset="0"/>
               </a:rPr>
-              <a:t>is</a:t>
+              <a:t> </a:t>
             </a:r>
             <a:r>
               <a:rPr lang="en-US" dirty="0">
@@ -7554,7 +7545,7 @@
                 </a:solidFill>
                 <a:latin typeface="Avenir" panose="02000503020000020003" pitchFamily="2" charset="0"/>
               </a:rPr>
-              <a:t>      </a:t>
+              <a:t>     </a:t>
             </a:r>
             <a:r>
               <a:rPr lang="en-US" dirty="0">
@@ -7565,7 +7556,7 @@
             <a:r>
               <a:rPr lang="en-US" dirty="0">
                 <a:solidFill>
-                  <a:srgbClr val="65BB7B"/>
+                  <a:srgbClr val="5A5AA8"/>
                 </a:solidFill>
                 <a:latin typeface="Avenir" panose="02000503020000020003" pitchFamily="2" charset="0"/>
               </a:rPr>
@@ -7582,7 +7573,7 @@
             <a:r>
               <a:rPr lang="en-US" dirty="0">
                 <a:solidFill>
-                  <a:srgbClr val="65BB7B"/>
+                  <a:srgbClr val="5A5AA8"/>
                 </a:solidFill>
                 <a:latin typeface="Avenir Medium" panose="02000503020000020003" pitchFamily="2" charset="0"/>
               </a:rPr>
@@ -7600,7 +7591,7 @@
             <a:r>
               <a:rPr lang="en-US" dirty="0">
                 <a:solidFill>
-                  <a:srgbClr val="65BB7B"/>
+                  <a:srgbClr val="5A5AA8"/>
                 </a:solidFill>
                 <a:latin typeface="Avenir" panose="02000503020000020003" pitchFamily="2" charset="0"/>
               </a:rPr>
@@ -7659,42 +7650,22 @@
                 </a:solidFill>
                 <a:latin typeface="Avenir Medium" panose="02000503020000020003" pitchFamily="2" charset="0"/>
               </a:rPr>
-              <a:t>  </a:t>
+              <a:t>  in</a:t>
             </a:r>
             <a:r>
               <a:rPr lang="en-US" dirty="0">
                 <a:solidFill>
-                  <a:srgbClr val="65BB7B"/>
-                </a:solidFill>
-                <a:latin typeface="Avenir Medium" panose="02000503020000020003" pitchFamily="2" charset="0"/>
-              </a:rPr>
-              <a:t>in</a:t>
-            </a:r>
-            <a:r>
-              <a:rPr lang="en-US" dirty="0">
-                <a:solidFill>
-                  <a:srgbClr val="65BB7B"/>
+                  <a:srgbClr val="5A5AA8"/>
                 </a:solidFill>
                 <a:latin typeface="Avenir" panose="02000503020000020003" pitchFamily="2" charset="0"/>
               </a:rPr>
-              <a:t> </a:t>
-            </a:r>
-            <a:r>
-              <a:rPr lang="en-US" dirty="0">
-                <a:solidFill>
-                  <a:schemeClr val="accent5">
-                    <a:lumMod val="75000"/>
-                  </a:schemeClr>
-                </a:solidFill>
-                <a:latin typeface="Avenir" panose="02000503020000020003" pitchFamily="2" charset="0"/>
-              </a:rPr>
-              <a:t> </a:t>
+              <a:t>   </a:t>
             </a:r>
             <a:r>
               <a:rPr lang="en-US" dirty="0">
                 <a:latin typeface="Avenir" panose="02000503020000020003" pitchFamily="2" charset="0"/>
               </a:rPr>
-              <a:t>     </a:t>
+              <a:t>    </a:t>
             </a:r>
             <a:r>
               <a:rPr lang="en-US" dirty="0">
@@ -7708,7 +7679,7 @@
             <a:r>
               <a:rPr lang="en-US" dirty="0">
                 <a:solidFill>
-                  <a:srgbClr val="65BB7B"/>
+                  <a:srgbClr val="5A5AA8"/>
                 </a:solidFill>
                 <a:latin typeface="Avenir" panose="02000503020000020003" pitchFamily="2" charset="0"/>
               </a:rPr>
@@ -7725,7 +7696,7 @@
             <a:r>
               <a:rPr lang="en-US" dirty="0">
                 <a:solidFill>
-                  <a:srgbClr val="65BB7B"/>
+                  <a:srgbClr val="5A5AA8"/>
                 </a:solidFill>
                 <a:latin typeface="Avenir Medium" panose="02000503020000020003" pitchFamily="2" charset="0"/>
               </a:rPr>
@@ -7743,7 +7714,7 @@
             <a:r>
               <a:rPr lang="en-US" dirty="0">
                 <a:solidFill>
-                  <a:srgbClr val="65BB7B"/>
+                  <a:srgbClr val="5A5AA8"/>
                 </a:solidFill>
                 <a:latin typeface="Avenir" panose="02000503020000020003" pitchFamily="2" charset="0"/>
               </a:rPr>
@@ -8946,7 +8917,25 @@
                 </a:solidFill>
                 <a:latin typeface="Avenir" panose="02000503020000020003" pitchFamily="2" charset="0"/>
               </a:rPr>
-              <a:t> one </a:t>
+              <a:t> </a:t>
+            </a:r>
+            <a:r>
+              <a:rPr lang="en-US" dirty="0">
+                <a:solidFill>
+                  <a:srgbClr val="5A5AA8"/>
+                </a:solidFill>
+                <a:latin typeface="Avenir" panose="02000503020000020003" pitchFamily="2" charset="0"/>
+              </a:rPr>
+              <a:t>one</a:t>
+            </a:r>
+            <a:r>
+              <a:rPr lang="en-US" dirty="0">
+                <a:solidFill>
+                  <a:srgbClr val="65BB7B"/>
+                </a:solidFill>
+                <a:latin typeface="Avenir" panose="02000503020000020003" pitchFamily="2" charset="0"/>
+              </a:rPr>
+              <a:t> </a:t>
             </a:r>
             <a:r>
               <a:rPr lang="en-US" dirty="0">
@@ -8957,7 +8946,7 @@
             <a:r>
               <a:rPr lang="en-US" dirty="0">
                 <a:solidFill>
-                  <a:srgbClr val="65BB7B"/>
+                  <a:srgbClr val="5A5AA8"/>
                 </a:solidFill>
                 <a:latin typeface="Avenir" panose="02000503020000020003" pitchFamily="2" charset="0"/>
               </a:rPr>
@@ -8985,7 +8974,7 @@
             <a:r>
               <a:rPr lang="en-US" dirty="0">
                 <a:solidFill>
-                  <a:srgbClr val="65BB7B"/>
+                  <a:srgbClr val="5A5AA8"/>
                 </a:solidFill>
                 <a:latin typeface="Avenir" panose="02000503020000020003" pitchFamily="2" charset="0"/>
               </a:rPr>
@@ -9017,7 +9006,7 @@
             <a:r>
               <a:rPr lang="en-US" dirty="0">
                 <a:solidFill>
-                  <a:srgbClr val="65BB7B"/>
+                  <a:srgbClr val="5A5AA8"/>
                 </a:solidFill>
                 <a:latin typeface="Avenir" panose="02000503020000020003" pitchFamily="2" charset="0"/>
               </a:rPr>
@@ -9032,7 +9021,7 @@
             <a:r>
               <a:rPr lang="en-US" dirty="0">
                 <a:solidFill>
-                  <a:srgbClr val="65BB7B"/>
+                  <a:srgbClr val="5A5AA8"/>
                 </a:solidFill>
                 <a:latin typeface="Avenir" panose="02000503020000020003" pitchFamily="2" charset="0"/>
               </a:rPr>
@@ -9047,7 +9036,7 @@
             <a:r>
               <a:rPr lang="en-US" dirty="0">
                 <a:solidFill>
-                  <a:srgbClr val="65BB7B"/>
+                  <a:srgbClr val="5A5AA8"/>
                 </a:solidFill>
                 <a:latin typeface="Avenir" panose="02000503020000020003" pitchFamily="2" charset="0"/>
               </a:rPr>
@@ -9069,7 +9058,7 @@
             <a:r>
               <a:rPr lang="en-US" dirty="0">
                 <a:solidFill>
-                  <a:srgbClr val="65BB7B"/>
+                  <a:srgbClr val="5A5AA8"/>
                 </a:solidFill>
                 <a:latin typeface="Avenir" panose="02000503020000020003" pitchFamily="2" charset="0"/>
               </a:rPr>
@@ -14137,7 +14126,7 @@
             <a:r>
               <a:rPr lang="en-US" dirty="0">
                 <a:solidFill>
-                  <a:srgbClr val="65BB7B"/>
+                  <a:srgbClr val="5A5AA8"/>
                 </a:solidFill>
               </a:rPr>
               <a:t>1+3j</a:t>
@@ -14180,7 +14169,7 @@
             <a:r>
               <a:rPr lang="en-US" dirty="0">
                 <a:solidFill>
-                  <a:srgbClr val="65BB7B"/>
+                  <a:srgbClr val="5A5AA8"/>
                 </a:solidFill>
               </a:rPr>
               <a:t>35.75</a:t>
@@ -14223,7 +14212,7 @@
             <a:r>
               <a:rPr lang="en-US" dirty="0">
                 <a:solidFill>
-                  <a:srgbClr val="65BB7B"/>
+                  <a:srgbClr val="5A5AA8"/>
                 </a:solidFill>
               </a:rPr>
               <a:t>20</a:t>
@@ -14266,7 +14255,7 @@
             <a:r>
               <a:rPr lang="en-US" dirty="0">
                 <a:solidFill>
-                  <a:srgbClr val="65BB7B"/>
+                  <a:srgbClr val="5A5AA8"/>
                 </a:solidFill>
               </a:rPr>
               <a:t>‘Jessa’</a:t>
@@ -14309,7 +14298,7 @@
             <a:r>
               <a:rPr lang="en-US" dirty="0">
                 <a:solidFill>
-                  <a:srgbClr val="65BB7B"/>
+                  <a:srgbClr val="5A5AA8"/>
                 </a:solidFill>
               </a:rPr>
               <a:t>[2, ’a’, 5.7]</a:t>
@@ -14352,7 +14341,7 @@
             <a:r>
               <a:rPr lang="en-US" dirty="0">
                 <a:solidFill>
-                  <a:srgbClr val="65BB7B"/>
+                  <a:srgbClr val="5A5AA8"/>
                 </a:solidFill>
               </a:rPr>
               <a:t>[3, 4.5, ‘b’]</a:t>
@@ -14395,7 +14384,7 @@
             <a:r>
               <a:rPr lang="en-US" dirty="0">
                 <a:solidFill>
-                  <a:srgbClr val="65BB7B"/>
+                  <a:srgbClr val="5A5AA8"/>
                 </a:solidFill>
               </a:rPr>
               <a:t>True, False </a:t>
@@ -14438,7 +14427,7 @@
             <a:r>
               <a:rPr lang="en-US" dirty="0">
                 <a:solidFill>
-                  <a:srgbClr val="65BB7B"/>
+                  <a:srgbClr val="5A5AA8"/>
                 </a:solidFill>
               </a:rPr>
               <a:t>{2, 4, 6} </a:t>
@@ -14481,7 +14470,7 @@
             <a:r>
               <a:rPr lang="en-US" dirty="0">
                 <a:solidFill>
-                  <a:srgbClr val="65BB7B"/>
+                  <a:srgbClr val="5A5AA8"/>
                 </a:solidFill>
               </a:rPr>
               <a:t>{1:’a, 2:’b’} </a:t>
@@ -16221,22 +16210,11 @@
             <a:r>
               <a:rPr lang="en-US" dirty="0">
                 <a:solidFill>
-                  <a:schemeClr val="accent5">
-                    <a:lumMod val="75000"/>
-                  </a:schemeClr>
+                  <a:srgbClr val="5A5AA8"/>
                 </a:solidFill>
                 <a:latin typeface="Avenir" panose="02000503020000020003" pitchFamily="2" charset="0"/>
               </a:rPr>
-              <a:t> </a:t>
-            </a:r>
-            <a:r>
-              <a:rPr lang="en-US" dirty="0">
-                <a:solidFill>
-                  <a:srgbClr val="65BB7B"/>
-                </a:solidFill>
-                <a:latin typeface="Avenir" panose="02000503020000020003" pitchFamily="2" charset="0"/>
-              </a:rPr>
-              <a:t>#</a:t>
+              <a:t> #</a:t>
             </a:r>
           </a:p>
           <a:p>
@@ -16261,7 +16239,16 @@
                 </a:solidFill>
                 <a:latin typeface="Avenir" panose="02000503020000020003" pitchFamily="2" charset="0"/>
               </a:rPr>
-              <a:t> &lt;</a:t>
+              <a:t> </a:t>
+            </a:r>
+            <a:r>
+              <a:rPr lang="en-US" dirty="0">
+                <a:solidFill>
+                  <a:srgbClr val="5A5AA8"/>
+                </a:solidFill>
+                <a:latin typeface="Avenir" panose="02000503020000020003" pitchFamily="2" charset="0"/>
+              </a:rPr>
+              <a:t>&lt;ctl-1</a:t>
             </a:r>
             <a:r>
               <a:rPr lang="en-US" dirty="0">
@@ -16272,7 +16259,7 @@
                 </a:solidFill>
                 <a:latin typeface="Avenir" panose="02000503020000020003" pitchFamily="2" charset="0"/>
               </a:rPr>
-              <a:t>ctl-1&gt;</a:t>
+              <a:t>&gt;</a:t>
             </a:r>
           </a:p>
           <a:p>
@@ -16368,7 +16355,7 @@
             <a:r>
               <a:rPr lang="en-US" dirty="0">
                 <a:solidFill>
-                  <a:srgbClr val="65BB7B"/>
+                  <a:srgbClr val="5A5AA8"/>
                 </a:solidFill>
                 <a:latin typeface="Avenir" panose="02000503020000020003" pitchFamily="2" charset="0"/>
               </a:rPr>
@@ -16435,7 +16422,7 @@
             <a:r>
               <a:rPr lang="en-US" dirty="0">
                 <a:solidFill>
-                  <a:srgbClr val="FFC000"/>
+                  <a:srgbClr val="5A5AA8"/>
                 </a:solidFill>
                 <a:latin typeface="Avenir" panose="02000503020000020003" pitchFamily="2" charset="0"/>
               </a:rPr>
@@ -16461,7 +16448,7 @@
             <a:r>
               <a:rPr lang="en-US" dirty="0">
                 <a:solidFill>
-                  <a:srgbClr val="FFC000"/>
+                  <a:srgbClr val="5A5AA8"/>
                 </a:solidFill>
                 <a:latin typeface="Avenir" panose="02000503020000020003" pitchFamily="2" charset="0"/>
               </a:rPr>
@@ -22334,17 +22321,17 @@
             <a:r>
               <a:rPr lang="en-US" sz="2400" dirty="0">
                 <a:solidFill>
-                  <a:srgbClr val="65BB7B"/>
+                  <a:srgbClr val="5A5AA8"/>
                 </a:solidFill>
                 <a:latin typeface="Avenir" panose="02000503020000020003" pitchFamily="2" charset="0"/>
               </a:rPr>
-              <a:t>dynamically</a:t>
+              <a:t>dynamically </a:t>
             </a:r>
             <a:r>
               <a:rPr lang="en-US" sz="2400" dirty="0">
                 <a:latin typeface="Avenir" panose="02000503020000020003" pitchFamily="2" charset="0"/>
               </a:rPr>
-              <a:t> declared</a:t>
+              <a:t>declared</a:t>
             </a:r>
           </a:p>
           <a:p>
@@ -22362,7 +22349,7 @@
             <a:r>
               <a:rPr lang="en-US" sz="2400" dirty="0">
                 <a:solidFill>
-                  <a:srgbClr val="65BB7B"/>
+                  <a:srgbClr val="5A5AA8"/>
                 </a:solidFill>
                 <a:latin typeface="Avenir" panose="02000503020000020003" pitchFamily="2" charset="0"/>
               </a:rPr>
@@ -22385,7 +22372,7 @@
             <a:r>
               <a:rPr lang="en-US" dirty="0">
                 <a:solidFill>
-                  <a:srgbClr val="65BB7B"/>
+                  <a:srgbClr val="5A5AA8"/>
                 </a:solidFill>
                 <a:latin typeface="Avenir Medium" panose="02000503020000020003" pitchFamily="2" charset="0"/>
               </a:rPr>
@@ -22446,20 +22433,11 @@
             <a:r>
               <a:rPr lang="en-US" dirty="0">
                 <a:solidFill>
-                  <a:srgbClr val="65BB7B"/>
-                </a:solidFill>
-                <a:latin typeface="Avenir Medium" panose="02000503020000020003" pitchFamily="2" charset="0"/>
-              </a:rPr>
-              <a:t>Cons</a:t>
-            </a:r>
-            <a:r>
-              <a:rPr lang="en-US" dirty="0">
-                <a:solidFill>
                   <a:srgbClr val="5A5AA8"/>
                 </a:solidFill>
                 <a:latin typeface="Avenir Medium" panose="02000503020000020003" pitchFamily="2" charset="0"/>
               </a:rPr>
-              <a:t> </a:t>
+              <a:t>Cons </a:t>
             </a:r>
           </a:p>
           <a:p>
@@ -26063,7 +26041,7 @@
             <a:r>
               <a:rPr lang="en-US" u="sng" dirty="0">
                 <a:solidFill>
-                  <a:srgbClr val="65BB7B"/>
+                  <a:srgbClr val="5A5AA8"/>
                 </a:solidFill>
                 <a:latin typeface="Avenir" panose="02000503020000020003" pitchFamily="2" charset="0"/>
               </a:rPr>
@@ -26072,7 +26050,7 @@
             <a:r>
               <a:rPr lang="en-US" dirty="0">
                 <a:solidFill>
-                  <a:srgbClr val="65BB7B"/>
+                  <a:srgbClr val="5A5AA8"/>
                 </a:solidFill>
                 <a:latin typeface="Avenir" panose="02000503020000020003" pitchFamily="2" charset="0"/>
               </a:rPr>
@@ -26087,7 +26065,7 @@
             <a:r>
               <a:rPr lang="en-US" dirty="0">
                 <a:solidFill>
-                  <a:srgbClr val="65BB7B"/>
+                  <a:srgbClr val="5A5AA8"/>
                 </a:solidFill>
                 <a:latin typeface="Avenir" panose="02000503020000020003" pitchFamily="2" charset="0"/>
               </a:rPr>
@@ -26109,7 +26087,7 @@
             <a:r>
               <a:rPr lang="en-US" dirty="0">
                 <a:solidFill>
-                  <a:srgbClr val="65BB7B"/>
+                  <a:srgbClr val="5A5AA8"/>
                 </a:solidFill>
                 <a:latin typeface="Avenir" panose="02000503020000020003" pitchFamily="2" charset="0"/>
               </a:rPr>
@@ -26135,7 +26113,7 @@
             <a:r>
               <a:rPr lang="en-US" dirty="0">
                 <a:solidFill>
-                  <a:srgbClr val="65BB7B"/>
+                  <a:srgbClr val="5A5AA8"/>
                 </a:solidFill>
                 <a:latin typeface="Avenir" panose="02000503020000020003" pitchFamily="2" charset="0"/>
               </a:rPr>
@@ -26163,7 +26141,7 @@
             <a:r>
               <a:rPr lang="en-US" dirty="0">
                 <a:solidFill>
-                  <a:srgbClr val="65BB7B"/>
+                  <a:srgbClr val="5A5AA8"/>
                 </a:solidFill>
                 <a:latin typeface="Avenir" panose="02000503020000020003" pitchFamily="2" charset="0"/>
               </a:rPr>
@@ -26200,7 +26178,7 @@
             <a:r>
               <a:rPr lang="en-US" dirty="0">
                 <a:solidFill>
-                  <a:srgbClr val="65BB7B"/>
+                  <a:srgbClr val="5A5AA8"/>
                 </a:solidFill>
                 <a:latin typeface="Avenir" panose="02000503020000020003" pitchFamily="2" charset="0"/>
               </a:rPr>
@@ -26228,7 +26206,7 @@
             <a:r>
               <a:rPr lang="en-US" dirty="0">
                 <a:solidFill>
-                  <a:srgbClr val="65BB7B"/>
+                  <a:srgbClr val="5A5AA8"/>
                 </a:solidFill>
                 <a:latin typeface="Avenir" panose="02000503020000020003" pitchFamily="2" charset="0"/>
               </a:rPr>
@@ -26251,27 +26229,16 @@
               <a:rPr lang="en-US" dirty="0">
                 <a:latin typeface="Avenir" panose="02000503020000020003" pitchFamily="2" charset="0"/>
               </a:rPr>
-              <a:t> Be </a:t>
+              <a:t> Be</a:t>
             </a:r>
             <a:r>
               <a:rPr lang="en-US" dirty="0">
                 <a:solidFill>
-                  <a:srgbClr val="65BB7B"/>
+                  <a:srgbClr val="5A5AA8"/>
                 </a:solidFill>
                 <a:latin typeface="Avenir" panose="02000503020000020003" pitchFamily="2" charset="0"/>
               </a:rPr>
-              <a:t>unique</a:t>
-            </a:r>
-            <a:r>
-              <a:rPr lang="en-US" dirty="0">
-                <a:solidFill>
-                  <a:schemeClr val="accent5">
-                    <a:lumMod val="75000"/>
-                  </a:schemeClr>
-                </a:solidFill>
-                <a:latin typeface="Avenir" panose="02000503020000020003" pitchFamily="2" charset="0"/>
-              </a:rPr>
-              <a:t> </a:t>
+              <a:t> unique </a:t>
             </a:r>
             <a:r>
               <a:rPr lang="en-US" dirty="0">
@@ -26306,22 +26273,11 @@
             <a:r>
               <a:rPr lang="en-US" dirty="0">
                 <a:solidFill>
-                  <a:srgbClr val="65BB7B"/>
+                  <a:srgbClr val="5A5AA8"/>
                 </a:solidFill>
                 <a:latin typeface="Avenir" panose="02000503020000020003" pitchFamily="2" charset="0"/>
               </a:rPr>
-              <a:t>79</a:t>
-            </a:r>
-            <a:r>
-              <a:rPr lang="en-US" dirty="0">
-                <a:solidFill>
-                  <a:schemeClr val="accent5">
-                    <a:lumMod val="75000"/>
-                  </a:schemeClr>
-                </a:solidFill>
-                <a:latin typeface="Avenir" panose="02000503020000020003" pitchFamily="2" charset="0"/>
-              </a:rPr>
-              <a:t> </a:t>
+              <a:t>79 </a:t>
             </a:r>
             <a:r>
               <a:rPr lang="en-US" dirty="0">
@@ -29577,7 +29533,7 @@
             <a:r>
               <a:rPr lang="en-US" dirty="0">
                 <a:solidFill>
-                  <a:srgbClr val="64BA7F"/>
+                  <a:srgbClr val="5A5AA8"/>
                 </a:solidFill>
                 <a:latin typeface="Avenir" panose="02000503020000020003" pitchFamily="2" charset="0"/>
               </a:rPr>
@@ -29605,7 +29561,7 @@
             <a:r>
               <a:rPr lang="en-US" dirty="0">
                 <a:solidFill>
-                  <a:srgbClr val="64BA7F"/>
+                  <a:srgbClr val="5A5AA8"/>
                 </a:solidFill>
                 <a:latin typeface="Avenir" panose="02000503020000020003" pitchFamily="2" charset="0"/>
               </a:rPr>
@@ -29620,7 +29576,7 @@
             <a:r>
               <a:rPr lang="en-US" dirty="0">
                 <a:solidFill>
-                  <a:srgbClr val="64BA7F"/>
+                  <a:srgbClr val="5A5AA8"/>
                 </a:solidFill>
                 <a:latin typeface="Avenir" panose="02000503020000020003" pitchFamily="2" charset="0"/>
               </a:rPr>
@@ -29648,7 +29604,7 @@
             <a:r>
               <a:rPr lang="en-US" dirty="0">
                 <a:solidFill>
-                  <a:srgbClr val="64BA7F"/>
+                  <a:srgbClr val="5A5AA8"/>
                 </a:solidFill>
                 <a:latin typeface="Avenir" panose="02000503020000020003" pitchFamily="2" charset="0"/>
               </a:rPr>
@@ -29663,7 +29619,7 @@
             <a:r>
               <a:rPr lang="en-US" dirty="0" err="1">
                 <a:solidFill>
-                  <a:srgbClr val="64BA7F"/>
+                  <a:srgbClr val="5A5AA8"/>
                 </a:solidFill>
                 <a:latin typeface="Avenir" panose="02000503020000020003" pitchFamily="2" charset="0"/>
               </a:rPr>
@@ -29681,7 +29637,7 @@
             <a:r>
               <a:rPr lang="en-US" dirty="0" err="1">
                 <a:solidFill>
-                  <a:srgbClr val="64BA7F"/>
+                  <a:srgbClr val="5A5AA8"/>
                 </a:solidFill>
                 <a:latin typeface="Avenir" panose="02000503020000020003" pitchFamily="2" charset="0"/>
               </a:rPr>
@@ -29723,7 +29679,7 @@
             <a:r>
               <a:rPr lang="en-US" dirty="0" err="1">
                 <a:solidFill>
-                  <a:srgbClr val="64BA7F"/>
+                  <a:srgbClr val="5A5AA8"/>
                 </a:solidFill>
                 <a:latin typeface="Avenir" panose="02000503020000020003" pitchFamily="2" charset="0"/>
               </a:rPr>
@@ -29741,7 +29697,7 @@
             <a:r>
               <a:rPr lang="en-US" dirty="0" err="1">
                 <a:solidFill>
-                  <a:srgbClr val="64BA7F"/>
+                  <a:srgbClr val="5A5AA8"/>
                 </a:solidFill>
                 <a:latin typeface="Avenir" panose="02000503020000020003" pitchFamily="2" charset="0"/>
               </a:rPr>
@@ -29780,7 +29736,7 @@
             <a:r>
               <a:rPr lang="en-US" dirty="0" err="1">
                 <a:solidFill>
-                  <a:srgbClr val="64BA7F"/>
+                  <a:srgbClr val="5A5AA8"/>
                 </a:solidFill>
                 <a:latin typeface="Avenir" panose="02000503020000020003" pitchFamily="2" charset="0"/>
               </a:rPr>
@@ -29795,7 +29751,7 @@
             <a:r>
               <a:rPr lang="en-US" dirty="0" err="1">
                 <a:solidFill>
-                  <a:srgbClr val="64BA7F"/>
+                  <a:srgbClr val="5A5AA8"/>
                 </a:solidFill>
                 <a:latin typeface="Avenir" panose="02000503020000020003" pitchFamily="2" charset="0"/>
               </a:rPr>
@@ -31823,7 +31779,7 @@
             <a:r>
               <a:rPr lang="en-US" sz="3600" b="1" dirty="0">
                 <a:solidFill>
-                  <a:srgbClr val="64BA7F"/>
+                  <a:srgbClr val="5A5AA8"/>
                 </a:solidFill>
                 <a:latin typeface="Avenir Black" panose="02000503020000020003" pitchFamily="2" charset="0"/>
               </a:rPr>
@@ -31854,7 +31810,7 @@
             <a:r>
               <a:rPr lang="en-US" sz="3600" b="1" dirty="0">
                 <a:solidFill>
-                  <a:srgbClr val="64BA7F"/>
+                  <a:srgbClr val="5A5AA8"/>
                 </a:solidFill>
                 <a:latin typeface="Avenir Black" panose="02000503020000020003" pitchFamily="2" charset="0"/>
               </a:rPr>
@@ -31885,7 +31841,7 @@
             <a:r>
               <a:rPr lang="en-US" b="1" dirty="0">
                 <a:solidFill>
-                  <a:srgbClr val="64BA7F"/>
+                  <a:srgbClr val="5A5AA8"/>
                 </a:solidFill>
                 <a:latin typeface="Avenir Black" panose="02000503020000020003" pitchFamily="2" charset="0"/>
               </a:rPr>
@@ -31907,7 +31863,7 @@
             <a:r>
               <a:rPr lang="en-US" b="1" dirty="0">
                 <a:solidFill>
-                  <a:srgbClr val="64BA7F"/>
+                  <a:srgbClr val="5A5AA8"/>
                 </a:solidFill>
                 <a:latin typeface="Avenir Black" panose="02000503020000020003" pitchFamily="2" charset="0"/>
               </a:rPr>
@@ -31945,11 +31901,20 @@
             <a:r>
               <a:rPr lang="en-US" b="1" dirty="0">
                 <a:solidFill>
+                  <a:srgbClr val="5A5AA8"/>
+                </a:solidFill>
+                <a:latin typeface="Avenir Black" panose="02000503020000020003" pitchFamily="2" charset="0"/>
+              </a:rPr>
+              <a:t>**</a:t>
+            </a:r>
+            <a:r>
+              <a:rPr lang="en-US" b="1" dirty="0">
+                <a:solidFill>
                   <a:srgbClr val="64BA7F"/>
                 </a:solidFill>
                 <a:latin typeface="Avenir Black" panose="02000503020000020003" pitchFamily="2" charset="0"/>
               </a:rPr>
-              <a:t>** </a:t>
+              <a:t> </a:t>
             </a:r>
             <a:r>
               <a:rPr lang="en-US" dirty="0">
@@ -31983,18 +31948,25 @@
           <a:p>
             <a:r>
               <a:rPr lang="en-US" dirty="0">
+                <a:latin typeface="Avenir" panose="02000503020000020003" pitchFamily="2" charset="0"/>
+                <a:cs typeface="Times New Roman" panose="02020603050405020304" pitchFamily="18" charset="0"/>
+              </a:rPr>
+              <a:t>Grouping    </a:t>
+            </a:r>
+            <a:r>
+              <a:rPr lang="en-US" dirty="0">
                 <a:solidFill>
-                  <a:schemeClr val="tx1"/>
+                  <a:srgbClr val="5A5AA8"/>
                 </a:solidFill>
                 <a:latin typeface="Avenir" panose="02000503020000020003" pitchFamily="2" charset="0"/>
                 <a:cs typeface="Times New Roman" panose="02020603050405020304" pitchFamily="18" charset="0"/>
               </a:rPr>
-              <a:t>Grouping             </a:t>
+              <a:t>         </a:t>
             </a:r>
             <a:r>
               <a:rPr lang="en-US" b="1" dirty="0">
                 <a:solidFill>
-                  <a:srgbClr val="64BA7F"/>
+                  <a:srgbClr val="5A5AA8"/>
                 </a:solidFill>
                 <a:latin typeface="Avenir Black" panose="02000503020000020003" pitchFamily="2" charset="0"/>
                 <a:cs typeface="Times New Roman" panose="02020603050405020304" pitchFamily="18" charset="0"/>
@@ -32025,7 +31997,7 @@
             <a:r>
               <a:rPr lang="en-US" b="1" dirty="0">
                 <a:solidFill>
-                  <a:srgbClr val="64BA7F"/>
+                  <a:srgbClr val="5A5AA8"/>
                 </a:solidFill>
                 <a:latin typeface="Avenir Black" panose="02000503020000020003" pitchFamily="2" charset="0"/>
                 <a:cs typeface="Times New Roman" panose="02020603050405020304" pitchFamily="18" charset="0"/>
@@ -32061,7 +32033,17 @@
                 <a:latin typeface="Avenir Black" panose="02000503020000020003" pitchFamily="2" charset="0"/>
                 <a:cs typeface="Times New Roman" panose="02020603050405020304" pitchFamily="18" charset="0"/>
               </a:rPr>
-              <a:t> %</a:t>
+              <a:t> </a:t>
+            </a:r>
+            <a:r>
+              <a:rPr lang="en-US" b="1" dirty="0">
+                <a:solidFill>
+                  <a:srgbClr val="5A5AA8"/>
+                </a:solidFill>
+                <a:latin typeface="Avenir Black" panose="02000503020000020003" pitchFamily="2" charset="0"/>
+                <a:cs typeface="Times New Roman" panose="02020603050405020304" pitchFamily="18" charset="0"/>
+              </a:rPr>
+              <a:t>%</a:t>
             </a:r>
             <a:r>
               <a:rPr lang="en-US" dirty="0">

--- a/presentations/02_variables.pptx
+++ b/presentations/02_variables.pptx
@@ -6399,7 +6399,7 @@
               <a:rPr lang="en-US" dirty="0">
                 <a:latin typeface="Avenir" panose="02000503020000020003" pitchFamily="2" charset="0"/>
               </a:rPr>
-              <a:t>  Not Equal to  			</a:t>
+              <a:t>  Not Equal to  			           </a:t>
             </a:r>
             <a:r>
               <a:rPr lang="en-US" b="1" dirty="0">

--- a/presentations/02_variables.pptx
+++ b/presentations/02_variables.pptx
@@ -5,7 +5,7 @@
     <p:sldMasterId id="2147483648" r:id="rId1"/>
   </p:sldMasterIdLst>
   <p:notesMasterIdLst>
-    <p:notesMasterId r:id="rId27"/>
+    <p:notesMasterId r:id="rId28"/>
   </p:notesMasterIdLst>
   <p:sldIdLst>
     <p:sldId id="329" r:id="rId2"/>
@@ -15,24 +15,25 @@
     <p:sldId id="336" r:id="rId6"/>
     <p:sldId id="267" r:id="rId7"/>
     <p:sldId id="334" r:id="rId8"/>
-    <p:sldId id="278" r:id="rId9"/>
-    <p:sldId id="258" r:id="rId10"/>
-    <p:sldId id="259" r:id="rId11"/>
-    <p:sldId id="260" r:id="rId12"/>
-    <p:sldId id="271" r:id="rId13"/>
-    <p:sldId id="270" r:id="rId14"/>
-    <p:sldId id="276" r:id="rId15"/>
-    <p:sldId id="330" r:id="rId16"/>
-    <p:sldId id="277" r:id="rId17"/>
-    <p:sldId id="293" r:id="rId18"/>
-    <p:sldId id="331" r:id="rId19"/>
-    <p:sldId id="280" r:id="rId20"/>
-    <p:sldId id="273" r:id="rId21"/>
-    <p:sldId id="332" r:id="rId22"/>
-    <p:sldId id="287" r:id="rId23"/>
-    <p:sldId id="296" r:id="rId24"/>
-    <p:sldId id="289" r:id="rId25"/>
+    <p:sldId id="258" r:id="rId9"/>
+    <p:sldId id="259" r:id="rId10"/>
+    <p:sldId id="260" r:id="rId11"/>
+    <p:sldId id="271" r:id="rId12"/>
+    <p:sldId id="270" r:id="rId13"/>
+    <p:sldId id="276" r:id="rId14"/>
+    <p:sldId id="330" r:id="rId15"/>
+    <p:sldId id="277" r:id="rId16"/>
+    <p:sldId id="293" r:id="rId17"/>
+    <p:sldId id="331" r:id="rId18"/>
+    <p:sldId id="280" r:id="rId19"/>
+    <p:sldId id="273" r:id="rId20"/>
+    <p:sldId id="332" r:id="rId21"/>
+    <p:sldId id="287" r:id="rId22"/>
+    <p:sldId id="296" r:id="rId23"/>
+    <p:sldId id="289" r:id="rId24"/>
+    <p:sldId id="337" r:id="rId25"/>
     <p:sldId id="323" r:id="rId26"/>
+    <p:sldId id="278" r:id="rId27"/>
   </p:sldIdLst>
   <p:sldSz cx="12192000" cy="6858000"/>
   <p:notesSz cx="6858000" cy="9144000"/>
@@ -232,7 +233,7 @@
           <a:p>
             <a:fld id="{FD93C9B2-20F6-4DB1-B471-224337D0AC79}" type="datetimeFigureOut">
               <a:rPr lang="en-US" smtClean="0"/>
-              <a:t>1/12/2023</a:t>
+              <a:t>1/23/2023</a:t>
             </a:fld>
             <a:endParaRPr lang="en-US"/>
           </a:p>
@@ -543,6 +544,54 @@
           <a:bodyPr/>
           <a:lstStyle/>
           <a:p>
+            <a:r>
+              <a:rPr lang="en-US" altLang="en-US" dirty="0">
+                <a:ea typeface="ＭＳ Ｐゴシック" charset="-128"/>
+              </a:rPr>
+              <a:t>Hello and welcome to this Practicum AI recording</a:t>
+            </a:r>
+            <a:r>
+              <a:rPr lang="en-US" altLang="en-US" baseline="0" dirty="0">
+                <a:ea typeface="ＭＳ Ｐゴシック" charset="-128"/>
+              </a:rPr>
+              <a:t>.</a:t>
+            </a:r>
+          </a:p>
+          <a:p>
+            <a:endParaRPr lang="en-US" altLang="en-US" dirty="0">
+              <a:ea typeface="ＭＳ Ｐゴシック" charset="-128"/>
+            </a:endParaRPr>
+          </a:p>
+          <a:p>
+            <a:r>
+              <a:rPr lang="en-US" altLang="en-US" dirty="0">
+                <a:ea typeface="ＭＳ Ｐゴシック" charset="-128"/>
+              </a:rPr>
+              <a:t>I’m Dan Maxwell, the AI Trainer / Consultant for Research Computing.</a:t>
+            </a:r>
+          </a:p>
+          <a:p>
+            <a:endParaRPr lang="en-US" altLang="en-US" dirty="0">
+              <a:ea typeface="ＭＳ Ｐゴシック" charset="-128"/>
+            </a:endParaRPr>
+          </a:p>
+          <a:p>
+            <a:r>
+              <a:rPr lang="en-US" baseline="0" dirty="0"/>
+              <a:t>In this briefing, I will introduce you to Python variables.</a:t>
+            </a:r>
+          </a:p>
+          <a:p>
+            <a:endParaRPr lang="en-US" baseline="0" dirty="0"/>
+          </a:p>
+          <a:p>
+            <a:r>
+              <a:rPr lang="en-US" baseline="0" dirty="0"/>
+              <a:t>[NEXT SLIDE]</a:t>
+            </a:r>
+            <a:endParaRPr lang="en-US" dirty="0"/>
+          </a:p>
+          <a:p>
             <a:endParaRPr lang="en-US" dirty="0">
               <a:latin typeface="Palatino Linotype" panose="02040502050505030304" pitchFamily="18" charset="0"/>
             </a:endParaRPr>
@@ -634,7 +683,418 @@
           <a:bodyPr/>
           <a:lstStyle/>
           <a:p>
-            <a:endParaRPr lang="en-US"/>
+            <a:r>
+              <a:rPr lang="en-US" dirty="0">
+                <a:latin typeface="+mn-lt"/>
+              </a:rPr>
+              <a:t>And a slew of other operators.</a:t>
+            </a:r>
+          </a:p>
+          <a:p>
+            <a:endParaRPr lang="en-US" dirty="0">
+              <a:latin typeface="+mn-lt"/>
+            </a:endParaRPr>
+          </a:p>
+          <a:p>
+            <a:pPr>
+              <a:lnSpc>
+                <a:spcPct val="110000"/>
+              </a:lnSpc>
+            </a:pPr>
+            <a:r>
+              <a:rPr lang="en-US" dirty="0">
+                <a:latin typeface="+mn-lt"/>
+              </a:rPr>
+              <a:t>Logical Operators</a:t>
+            </a:r>
+          </a:p>
+          <a:p>
+            <a:pPr>
+              <a:lnSpc>
+                <a:spcPct val="110000"/>
+              </a:lnSpc>
+            </a:pPr>
+            <a:endParaRPr lang="en-US" b="1" dirty="0">
+              <a:solidFill>
+                <a:srgbClr val="5A5AA8"/>
+              </a:solidFill>
+              <a:latin typeface="+mn-lt"/>
+            </a:endParaRPr>
+          </a:p>
+          <a:p>
+            <a:pPr>
+              <a:lnSpc>
+                <a:spcPct val="110000"/>
+              </a:lnSpc>
+            </a:pPr>
+            <a:r>
+              <a:rPr lang="en-US" b="1" dirty="0">
+                <a:solidFill>
+                  <a:srgbClr val="5A5AA8"/>
+                </a:solidFill>
+                <a:latin typeface="+mn-lt"/>
+              </a:rPr>
+              <a:t>and</a:t>
+            </a:r>
+            <a:r>
+              <a:rPr lang="en-US" dirty="0">
+                <a:latin typeface="+mn-lt"/>
+              </a:rPr>
+              <a:t> - evaluates to True if left and right sides are </a:t>
+            </a:r>
+            <a:r>
+              <a:rPr lang="en-US" dirty="0">
+                <a:solidFill>
+                  <a:srgbClr val="5A5AA8"/>
+                </a:solidFill>
+                <a:latin typeface="+mn-lt"/>
+              </a:rPr>
+              <a:t>BOTH</a:t>
+            </a:r>
+            <a:r>
+              <a:rPr lang="en-US" dirty="0">
+                <a:latin typeface="+mn-lt"/>
+              </a:rPr>
+              <a:t> True  </a:t>
+            </a:r>
+            <a:r>
+              <a:rPr lang="en-US" dirty="0">
+                <a:solidFill>
+                  <a:srgbClr val="5A5AA8"/>
+                </a:solidFill>
+                <a:latin typeface="+mn-lt"/>
+              </a:rPr>
+              <a:t>(5 &gt; 2)  and (90 &lt; 100)</a:t>
+            </a:r>
+          </a:p>
+          <a:p>
+            <a:pPr>
+              <a:lnSpc>
+                <a:spcPct val="110000"/>
+              </a:lnSpc>
+            </a:pPr>
+            <a:r>
+              <a:rPr lang="en-US" b="1" dirty="0">
+                <a:solidFill>
+                  <a:srgbClr val="5A5AA8"/>
+                </a:solidFill>
+                <a:latin typeface="+mn-lt"/>
+              </a:rPr>
+              <a:t> or</a:t>
+            </a:r>
+            <a:r>
+              <a:rPr lang="en-US" dirty="0">
+                <a:solidFill>
+                  <a:srgbClr val="5A5AA8"/>
+                </a:solidFill>
+                <a:latin typeface="+mn-lt"/>
+              </a:rPr>
+              <a:t>   </a:t>
+            </a:r>
+            <a:r>
+              <a:rPr lang="en-US" dirty="0">
+                <a:latin typeface="+mn-lt"/>
+              </a:rPr>
+              <a:t>- evaluates to True </a:t>
+            </a:r>
+            <a:r>
+              <a:rPr lang="en-US" dirty="0">
+                <a:solidFill>
+                  <a:srgbClr val="5A5AA8"/>
+                </a:solidFill>
+                <a:latin typeface="+mn-lt"/>
+              </a:rPr>
+              <a:t>EITHER</a:t>
+            </a:r>
+            <a:r>
+              <a:rPr lang="en-US" dirty="0">
+                <a:latin typeface="+mn-lt"/>
+              </a:rPr>
+              <a:t> left or right sides are True   </a:t>
+            </a:r>
+            <a:r>
+              <a:rPr lang="en-US" dirty="0">
+                <a:solidFill>
+                  <a:srgbClr val="5A5AA8"/>
+                </a:solidFill>
+                <a:latin typeface="+mn-lt"/>
+              </a:rPr>
+              <a:t>(5 &lt; 2) or (90 &lt; 100)</a:t>
+            </a:r>
+          </a:p>
+          <a:p>
+            <a:pPr>
+              <a:lnSpc>
+                <a:spcPct val="110000"/>
+              </a:lnSpc>
+            </a:pPr>
+            <a:r>
+              <a:rPr lang="en-US" b="1" dirty="0">
+                <a:solidFill>
+                  <a:srgbClr val="5A5AA8"/>
+                </a:solidFill>
+                <a:latin typeface="+mn-lt"/>
+              </a:rPr>
+              <a:t>not</a:t>
+            </a:r>
+            <a:r>
+              <a:rPr lang="en-US" dirty="0">
+                <a:solidFill>
+                  <a:srgbClr val="5A5AA8"/>
+                </a:solidFill>
+                <a:latin typeface="+mn-lt"/>
+              </a:rPr>
+              <a:t> </a:t>
+            </a:r>
+            <a:r>
+              <a:rPr lang="en-US" dirty="0">
+                <a:latin typeface="+mn-lt"/>
+              </a:rPr>
+              <a:t> - reverses True to False and vice versa</a:t>
+            </a:r>
+          </a:p>
+          <a:p>
+            <a:pPr lvl="1">
+              <a:lnSpc>
+                <a:spcPct val="110000"/>
+              </a:lnSpc>
+            </a:pPr>
+            <a:endParaRPr lang="en-US" dirty="0">
+              <a:latin typeface="+mn-lt"/>
+            </a:endParaRPr>
+          </a:p>
+          <a:p>
+            <a:pPr>
+              <a:lnSpc>
+                <a:spcPct val="110000"/>
+              </a:lnSpc>
+            </a:pPr>
+            <a:r>
+              <a:rPr lang="en-US" dirty="0">
+                <a:latin typeface="+mn-lt"/>
+              </a:rPr>
+              <a:t>Identity Operators</a:t>
+            </a:r>
+          </a:p>
+          <a:p>
+            <a:pPr>
+              <a:lnSpc>
+                <a:spcPct val="110000"/>
+              </a:lnSpc>
+            </a:pPr>
+            <a:r>
+              <a:rPr lang="en-US" b="1" dirty="0">
+                <a:solidFill>
+                  <a:srgbClr val="5A5AA8"/>
+                </a:solidFill>
+                <a:latin typeface="+mn-lt"/>
+              </a:rPr>
+              <a:t>is </a:t>
+            </a:r>
+            <a:r>
+              <a:rPr lang="en-US" b="1" dirty="0">
+                <a:solidFill>
+                  <a:schemeClr val="accent5">
+                    <a:lumMod val="75000"/>
+                  </a:schemeClr>
+                </a:solidFill>
+                <a:latin typeface="+mn-lt"/>
+              </a:rPr>
+              <a:t>        </a:t>
+            </a:r>
+            <a:r>
+              <a:rPr lang="en-US" dirty="0">
+                <a:latin typeface="+mn-lt"/>
+              </a:rPr>
+              <a:t>- returns true if both variables are the same object </a:t>
+            </a:r>
+            <a:r>
+              <a:rPr lang="en-US" dirty="0">
+                <a:solidFill>
+                  <a:srgbClr val="5A5AA8"/>
+                </a:solidFill>
+                <a:latin typeface="+mn-lt"/>
+              </a:rPr>
+              <a:t>(more on this next lecture)</a:t>
+            </a:r>
+          </a:p>
+          <a:p>
+            <a:pPr>
+              <a:lnSpc>
+                <a:spcPct val="110000"/>
+              </a:lnSpc>
+            </a:pPr>
+            <a:r>
+              <a:rPr lang="en-US" b="1" dirty="0">
+                <a:solidFill>
+                  <a:srgbClr val="5A5AA8"/>
+                </a:solidFill>
+                <a:latin typeface="+mn-lt"/>
+              </a:rPr>
+              <a:t>is not  </a:t>
+            </a:r>
+            <a:r>
+              <a:rPr lang="en-US" dirty="0">
+                <a:solidFill>
+                  <a:schemeClr val="tx1"/>
+                </a:solidFill>
+                <a:latin typeface="+mn-lt"/>
+              </a:rPr>
+              <a:t>- returns true if both variables are </a:t>
+            </a:r>
+            <a:r>
+              <a:rPr lang="en-US" dirty="0">
+                <a:solidFill>
+                  <a:srgbClr val="5A5AA8"/>
+                </a:solidFill>
+                <a:latin typeface="+mn-lt"/>
+              </a:rPr>
+              <a:t>NOT</a:t>
+            </a:r>
+            <a:r>
+              <a:rPr lang="en-US" dirty="0">
+                <a:solidFill>
+                  <a:schemeClr val="tx1"/>
+                </a:solidFill>
+                <a:latin typeface="+mn-lt"/>
+              </a:rPr>
+              <a:t> the same object</a:t>
+            </a:r>
+          </a:p>
+          <a:p>
+            <a:pPr lvl="1">
+              <a:lnSpc>
+                <a:spcPct val="110000"/>
+              </a:lnSpc>
+            </a:pPr>
+            <a:endParaRPr lang="en-US" dirty="0">
+              <a:solidFill>
+                <a:schemeClr val="tx1"/>
+              </a:solidFill>
+              <a:latin typeface="+mn-lt"/>
+            </a:endParaRPr>
+          </a:p>
+          <a:p>
+            <a:pPr>
+              <a:lnSpc>
+                <a:spcPct val="110000"/>
+              </a:lnSpc>
+            </a:pPr>
+            <a:r>
+              <a:rPr lang="en-US" dirty="0">
+                <a:solidFill>
+                  <a:schemeClr val="tx1"/>
+                </a:solidFill>
+                <a:latin typeface="+mn-lt"/>
+              </a:rPr>
+              <a:t>Membership Operators</a:t>
+            </a:r>
+          </a:p>
+          <a:p>
+            <a:pPr>
+              <a:lnSpc>
+                <a:spcPct val="110000"/>
+              </a:lnSpc>
+            </a:pPr>
+            <a:r>
+              <a:rPr lang="en-US" b="1" dirty="0">
+                <a:solidFill>
+                  <a:srgbClr val="5A5AA8"/>
+                </a:solidFill>
+                <a:latin typeface="+mn-lt"/>
+              </a:rPr>
+              <a:t>in   </a:t>
+            </a:r>
+            <a:r>
+              <a:rPr lang="en-US" b="1" dirty="0">
+                <a:latin typeface="+mn-lt"/>
+              </a:rPr>
+              <a:t>      </a:t>
+            </a:r>
+            <a:r>
+              <a:rPr lang="en-US" dirty="0">
+                <a:solidFill>
+                  <a:schemeClr val="tx1"/>
+                </a:solidFill>
+                <a:latin typeface="+mn-lt"/>
+              </a:rPr>
+              <a:t>- returns true if specified sequence is present in the object </a:t>
+            </a:r>
+            <a:r>
+              <a:rPr lang="en-US" dirty="0">
+                <a:solidFill>
+                  <a:srgbClr val="5A5AA8"/>
+                </a:solidFill>
+                <a:latin typeface="+mn-lt"/>
+              </a:rPr>
+              <a:t>(x in y)</a:t>
+            </a:r>
+          </a:p>
+          <a:p>
+            <a:pPr>
+              <a:lnSpc>
+                <a:spcPct val="110000"/>
+              </a:lnSpc>
+            </a:pPr>
+            <a:r>
+              <a:rPr lang="en-US" b="1" dirty="0">
+                <a:solidFill>
+                  <a:srgbClr val="5A5AA8"/>
+                </a:solidFill>
+                <a:latin typeface="+mn-lt"/>
+              </a:rPr>
+              <a:t>not in  </a:t>
+            </a:r>
+            <a:r>
+              <a:rPr lang="en-US" dirty="0">
+                <a:solidFill>
+                  <a:schemeClr val="tx1"/>
+                </a:solidFill>
+                <a:latin typeface="+mn-lt"/>
+              </a:rPr>
+              <a:t>- returns true if specified sequence in NOT in the object </a:t>
+            </a:r>
+            <a:r>
+              <a:rPr lang="en-US" dirty="0">
+                <a:solidFill>
+                  <a:srgbClr val="5A5AA8"/>
+                </a:solidFill>
+                <a:latin typeface="+mn-lt"/>
+              </a:rPr>
+              <a:t>(x not in y)</a:t>
+            </a:r>
+          </a:p>
+          <a:p>
+            <a:pPr>
+              <a:lnSpc>
+                <a:spcPct val="110000"/>
+              </a:lnSpc>
+            </a:pPr>
+            <a:endParaRPr lang="en-US" dirty="0">
+              <a:solidFill>
+                <a:srgbClr val="5A5AA8"/>
+              </a:solidFill>
+              <a:latin typeface="+mn-lt"/>
+            </a:endParaRPr>
+          </a:p>
+          <a:p>
+            <a:pPr>
+              <a:lnSpc>
+                <a:spcPct val="110000"/>
+              </a:lnSpc>
+            </a:pPr>
+            <a:r>
+              <a:rPr lang="en-US" dirty="0">
+                <a:solidFill>
+                  <a:srgbClr val="5A5AA8"/>
+                </a:solidFill>
+                <a:latin typeface="+mn-lt"/>
+              </a:rPr>
+              <a:t>[NEXT SLIDE]</a:t>
+            </a:r>
+          </a:p>
+          <a:p>
+            <a:endParaRPr lang="en-US" dirty="0"/>
           </a:p>
         </p:txBody>
       </p:sp>
@@ -655,7 +1115,7 @@
           <a:p>
             <a:fld id="{41700375-1909-4892-9298-6739184E41A7}" type="slidenum">
               <a:rPr lang="en-US" smtClean="0"/>
-              <a:t>13</a:t>
+              <a:t>10</a:t>
             </a:fld>
             <a:endParaRPr lang="en-US"/>
           </a:p>
@@ -664,7 +1124,7 @@
     </p:spTree>
     <p:extLst>
       <p:ext uri="{BB962C8B-B14F-4D97-AF65-F5344CB8AC3E}">
-        <p14:creationId xmlns:p14="http://schemas.microsoft.com/office/powerpoint/2010/main" val="3198403894"/>
+        <p14:creationId xmlns:p14="http://schemas.microsoft.com/office/powerpoint/2010/main" val="888270255"/>
       </p:ext>
     </p:extLst>
   </p:cSld>
@@ -718,26 +1178,191 @@
           <a:bodyPr/>
           <a:lstStyle/>
           <a:p>
-            <a:pPr marL="0" marR="0" lvl="0" indent="0" algn="l" defTabSz="914400" rtl="0" eaLnBrk="1" fontAlgn="auto" latinLnBrk="0" hangingPunct="1">
+            <a:pPr marL="0" indent="0">
               <a:lnSpc>
                 <a:spcPct val="100000"/>
               </a:lnSpc>
-              <a:spcBef>
-                <a:spcPts val="0"/>
-              </a:spcBef>
-              <a:spcAft>
-                <a:spcPts val="0"/>
-              </a:spcAft>
-              <a:buClrTx/>
-              <a:buSzTx/>
-              <a:buFontTx/>
               <a:buNone/>
-              <a:tabLst/>
-              <a:defRPr/>
             </a:pPr>
             <a:r>
-              <a:rPr lang="en-US" dirty="0"/>
-              <a:t>Interpreted languages are much slower than compiled languages.  When performance matters, an interpreted language may not be the best solution.  If that’s the case with you, Nvidia provides the Cuda development environment which supports the C and C++ languages.  These are compiled languages as opposed to interpreted. </a:t>
+              <a:rPr lang="en-US" dirty="0">
+                <a:latin typeface="+mn-lt"/>
+              </a:rPr>
+              <a:t>Python allows you to do multiple assignments in one line.</a:t>
+            </a:r>
+          </a:p>
+          <a:p>
+            <a:pPr marL="0" indent="0">
+              <a:lnSpc>
+                <a:spcPct val="100000"/>
+              </a:lnSpc>
+              <a:buNone/>
+            </a:pPr>
+            <a:endParaRPr lang="en-US" dirty="0">
+              <a:latin typeface="+mn-lt"/>
+            </a:endParaRPr>
+          </a:p>
+          <a:p>
+            <a:pPr marL="171450" indent="-171450">
+              <a:lnSpc>
+                <a:spcPct val="100000"/>
+              </a:lnSpc>
+              <a:buFont typeface="Courier New" panose="02070309020205020404" pitchFamily="49" charset="0"/>
+              <a:buChar char="o"/>
+            </a:pPr>
+            <a:r>
+              <a:rPr lang="en-US" dirty="0">
+                <a:latin typeface="+mn-lt"/>
+              </a:rPr>
+              <a:t>Assign</a:t>
+            </a:r>
+            <a:r>
+              <a:rPr lang="en-US" dirty="0">
+                <a:solidFill>
+                  <a:srgbClr val="65BB7B"/>
+                </a:solidFill>
+                <a:latin typeface="+mn-lt"/>
+              </a:rPr>
+              <a:t> </a:t>
+            </a:r>
+            <a:r>
+              <a:rPr lang="en-US" dirty="0">
+                <a:solidFill>
+                  <a:srgbClr val="5A5AA8"/>
+                </a:solidFill>
+                <a:latin typeface="+mn-lt"/>
+              </a:rPr>
+              <a:t>one</a:t>
+            </a:r>
+            <a:r>
+              <a:rPr lang="en-US" dirty="0">
+                <a:solidFill>
+                  <a:srgbClr val="65BB7B"/>
+                </a:solidFill>
+                <a:latin typeface="+mn-lt"/>
+              </a:rPr>
+              <a:t> </a:t>
+            </a:r>
+            <a:r>
+              <a:rPr lang="en-US" dirty="0">
+                <a:latin typeface="+mn-lt"/>
+              </a:rPr>
+              <a:t>value to </a:t>
+            </a:r>
+            <a:r>
+              <a:rPr lang="en-US" dirty="0">
+                <a:solidFill>
+                  <a:srgbClr val="5A5AA8"/>
+                </a:solidFill>
+                <a:latin typeface="+mn-lt"/>
+              </a:rPr>
+              <a:t>multiple</a:t>
+            </a:r>
+            <a:r>
+              <a:rPr lang="en-US" dirty="0">
+                <a:latin typeface="+mn-lt"/>
+              </a:rPr>
+              <a:t> variables: </a:t>
+            </a:r>
+            <a:r>
+              <a:rPr lang="en-US" dirty="0">
+                <a:solidFill>
+                  <a:srgbClr val="5A5AA8"/>
+                </a:solidFill>
+                <a:latin typeface="+mn-lt"/>
+              </a:rPr>
+              <a:t>x = y = z = 45</a:t>
+            </a:r>
+          </a:p>
+          <a:p>
+            <a:pPr marL="171450" indent="-171450">
+              <a:lnSpc>
+                <a:spcPct val="100000"/>
+              </a:lnSpc>
+              <a:buFont typeface="Courier New" panose="02070309020205020404" pitchFamily="49" charset="0"/>
+              <a:buChar char="o"/>
+            </a:pPr>
+            <a:r>
+              <a:rPr lang="en-US" dirty="0">
+                <a:latin typeface="+mn-lt"/>
+              </a:rPr>
+              <a:t>Assign </a:t>
+            </a:r>
+            <a:r>
+              <a:rPr lang="en-US" dirty="0">
+                <a:solidFill>
+                  <a:srgbClr val="5A5AA8"/>
+                </a:solidFill>
+                <a:latin typeface="+mn-lt"/>
+              </a:rPr>
+              <a:t>multiple</a:t>
+            </a:r>
+            <a:r>
+              <a:rPr lang="en-US" dirty="0">
+                <a:latin typeface="+mn-lt"/>
+              </a:rPr>
+              <a:t> values to </a:t>
+            </a:r>
+            <a:r>
+              <a:rPr lang="en-US" dirty="0">
+                <a:solidFill>
+                  <a:srgbClr val="5A5AA8"/>
+                </a:solidFill>
+                <a:latin typeface="+mn-lt"/>
+              </a:rPr>
+              <a:t>multiple</a:t>
+            </a:r>
+            <a:r>
+              <a:rPr lang="en-US" dirty="0">
+                <a:latin typeface="+mn-lt"/>
+              </a:rPr>
+              <a:t> variables </a:t>
+            </a:r>
+            <a:r>
+              <a:rPr lang="en-US" dirty="0">
+                <a:solidFill>
+                  <a:srgbClr val="5A5AA8"/>
+                </a:solidFill>
+                <a:latin typeface="+mn-lt"/>
+              </a:rPr>
+              <a:t>(very pythonic!):  x, y, z = 1, 2, 'banana’</a:t>
+            </a:r>
+          </a:p>
+          <a:p>
+            <a:pPr marL="628650" lvl="1" indent="-171450">
+              <a:lnSpc>
+                <a:spcPct val="100000"/>
+              </a:lnSpc>
+              <a:buFont typeface="Courier New" panose="02070309020205020404" pitchFamily="49" charset="0"/>
+              <a:buChar char="o"/>
+            </a:pPr>
+            <a:r>
+              <a:rPr lang="en-US" dirty="0">
+                <a:solidFill>
+                  <a:schemeClr val="tx1"/>
+                </a:solidFill>
+                <a:latin typeface="+mn-lt"/>
+              </a:rPr>
+              <a:t>This is super handy for data structures</a:t>
+            </a:r>
+            <a:endParaRPr lang="en-US" dirty="0">
+              <a:solidFill>
+                <a:srgbClr val="FF0000"/>
+              </a:solidFill>
+              <a:latin typeface="+mn-lt"/>
+            </a:endParaRPr>
+          </a:p>
+          <a:p>
+            <a:endParaRPr lang="en-US" dirty="0">
+              <a:latin typeface="+mn-lt"/>
+            </a:endParaRPr>
+          </a:p>
+          <a:p>
+            <a:r>
+              <a:rPr lang="en-US" dirty="0">
+                <a:latin typeface="+mn-lt"/>
+              </a:rPr>
+              <a:t>[NEXT SLIDE]</a:t>
             </a:r>
           </a:p>
         </p:txBody>
@@ -759,7 +1384,7 @@
           <a:p>
             <a:fld id="{3148858F-F1DB-4027-9C85-CCA6849540DD}" type="slidenum">
               <a:rPr lang="en-US" smtClean="0"/>
-              <a:t>14</a:t>
+              <a:t>11</a:t>
             </a:fld>
             <a:endParaRPr lang="en-US"/>
           </a:p>
@@ -768,7 +1393,7 @@
     </p:spTree>
     <p:extLst>
       <p:ext uri="{BB962C8B-B14F-4D97-AF65-F5344CB8AC3E}">
-        <p14:creationId xmlns:p14="http://schemas.microsoft.com/office/powerpoint/2010/main" val="4129922841"/>
+        <p14:creationId xmlns:p14="http://schemas.microsoft.com/office/powerpoint/2010/main" val="4064635654"/>
       </p:ext>
     </p:extLst>
   </p:cSld>
@@ -822,14 +1447,104 @@
           <a:bodyPr/>
           <a:lstStyle/>
           <a:p>
-            <a:endParaRPr lang="en-US" dirty="0">
-              <a:latin typeface="Palatino Linotype" panose="02040502050505030304" pitchFamily="18" charset="0"/>
+            <a:pPr marL="0" marR="0" lvl="0" indent="0" algn="l" defTabSz="914400" rtl="0" eaLnBrk="1" fontAlgn="auto" latinLnBrk="0" hangingPunct="1">
+              <a:lnSpc>
+                <a:spcPct val="100000"/>
+              </a:lnSpc>
+              <a:spcBef>
+                <a:spcPts val="0"/>
+              </a:spcBef>
+              <a:spcAft>
+                <a:spcPts val="0"/>
+              </a:spcAft>
+              <a:buClrTx/>
+              <a:buSzTx/>
+              <a:buFontTx/>
+              <a:buNone/>
+              <a:tabLst/>
+              <a:defRPr/>
+            </a:pPr>
+            <a:r>
+              <a:rPr lang="en-US" sz="1200" dirty="0">
+                <a:latin typeface="+mn-lt"/>
+              </a:rPr>
+              <a:t>Python has several augmented operators that allow assignment and operations to be done simultaneously </a:t>
+            </a:r>
+            <a:r>
+              <a:rPr lang="en-US" sz="1200" dirty="0">
+                <a:solidFill>
+                  <a:srgbClr val="FF0000"/>
+                </a:solidFill>
+                <a:latin typeface="+mn-lt"/>
+              </a:rPr>
+              <a:t>(but no unary increment or decrement, ++ or -- ).</a:t>
+            </a:r>
+          </a:p>
+          <a:p>
+            <a:pPr marL="0" marR="0" lvl="0" indent="0" algn="l" defTabSz="914400" rtl="0" eaLnBrk="1" fontAlgn="auto" latinLnBrk="0" hangingPunct="1">
+              <a:lnSpc>
+                <a:spcPct val="100000"/>
+              </a:lnSpc>
+              <a:spcBef>
+                <a:spcPts val="0"/>
+              </a:spcBef>
+              <a:spcAft>
+                <a:spcPts val="0"/>
+              </a:spcAft>
+              <a:buClrTx/>
+              <a:buSzTx/>
+              <a:buFontTx/>
+              <a:buNone/>
+              <a:tabLst/>
+              <a:defRPr/>
+            </a:pPr>
+            <a:endParaRPr lang="en-US" sz="1200" dirty="0">
+              <a:solidFill>
+                <a:srgbClr val="FF0000"/>
+              </a:solidFill>
+              <a:latin typeface="+mn-lt"/>
             </a:endParaRPr>
           </a:p>
           <a:p>
-            <a:endParaRPr lang="en-US" dirty="0">
-              <a:latin typeface="Palatino Linotype" panose="02040502050505030304" pitchFamily="18" charset="0"/>
+            <a:pPr marL="0" marR="0" lvl="0" indent="0" algn="l" defTabSz="914400" rtl="0" eaLnBrk="1" fontAlgn="auto" latinLnBrk="0" hangingPunct="1">
+              <a:lnSpc>
+                <a:spcPct val="100000"/>
+              </a:lnSpc>
+              <a:spcBef>
+                <a:spcPts val="0"/>
+              </a:spcBef>
+              <a:spcAft>
+                <a:spcPts val="0"/>
+              </a:spcAft>
+              <a:buClrTx/>
+              <a:buSzTx/>
+              <a:buFontTx/>
+              <a:buNone/>
+              <a:tabLst/>
+              <a:defRPr/>
+            </a:pPr>
+            <a:r>
+              <a:rPr lang="en-US" sz="1200" dirty="0">
+                <a:solidFill>
+                  <a:srgbClr val="FF0000"/>
+                </a:solidFill>
+                <a:latin typeface="+mn-lt"/>
+              </a:rPr>
+              <a:t>These operators save typing time and are kind of neat.</a:t>
+            </a:r>
+          </a:p>
+          <a:p>
+            <a:endParaRPr lang="en-US" sz="1200" dirty="0">
+              <a:latin typeface="+mn-lt"/>
             </a:endParaRPr>
+          </a:p>
+          <a:p>
+            <a:r>
+              <a:rPr lang="en-US" sz="1200" dirty="0">
+                <a:latin typeface="+mn-lt"/>
+              </a:rPr>
+              <a:t>[NEXT SLIDE]</a:t>
+            </a:r>
           </a:p>
         </p:txBody>
       </p:sp>
@@ -840,7 +1555,7 @@
             <a:spLocks noGrp="1"/>
           </p:cNvSpPr>
           <p:nvPr>
-            <p:ph type="sldNum" sz="quarter" idx="5"/>
+            <p:ph type="sldNum" sz="quarter" idx="10"/>
           </p:nvPr>
         </p:nvSpPr>
         <p:spPr/>
@@ -848,9 +1563,9 @@
           <a:bodyPr/>
           <a:lstStyle/>
           <a:p>
-            <a:fld id="{3148858F-F1DB-4027-9C85-CCA6849540DD}" type="slidenum">
+            <a:fld id="{41700375-1909-4892-9298-6739184E41A7}" type="slidenum">
               <a:rPr lang="en-US" smtClean="0"/>
-              <a:t>15</a:t>
+              <a:t>12</a:t>
             </a:fld>
             <a:endParaRPr lang="en-US"/>
           </a:p>
@@ -859,7 +1574,7 @@
     </p:spTree>
     <p:extLst>
       <p:ext uri="{BB962C8B-B14F-4D97-AF65-F5344CB8AC3E}">
-        <p14:creationId xmlns:p14="http://schemas.microsoft.com/office/powerpoint/2010/main" val="4008361551"/>
+        <p14:creationId xmlns:p14="http://schemas.microsoft.com/office/powerpoint/2010/main" val="3198403894"/>
       </p:ext>
     </p:extLst>
   </p:cSld>
@@ -932,7 +1647,7 @@
             </a:pPr>
             <a:r>
               <a:rPr lang="en-US" dirty="0"/>
-              <a:t>Python’s base datatypes are shown here.</a:t>
+              <a:t>Interpreted languages are much slower than compiled languages.  When performance matters, an interpreted language may not be the best solution.  If that’s the case with you, Nvidia provides the Cuda development environment which supports the C and C++ languages.  These are compiled languages as opposed to interpreted. </a:t>
             </a:r>
           </a:p>
           <a:p>
@@ -956,55 +1671,6 @@
             <a:endParaRPr lang="en-US" dirty="0"/>
           </a:p>
           <a:p>
-            <a:r>
-              <a:rPr lang="en-US" sz="2200" dirty="0"/>
-              <a:t>Commonly used "scalar" data types in core Python</a:t>
-            </a:r>
-          </a:p>
-          <a:p>
-            <a:endParaRPr lang="en-US" sz="2200" dirty="0"/>
-          </a:p>
-          <a:p>
-            <a:pPr lvl="1"/>
-            <a:r>
-              <a:rPr lang="en-US" sz="2200" dirty="0"/>
-              <a:t>Integer (int)</a:t>
-            </a:r>
-          </a:p>
-          <a:p>
-            <a:pPr lvl="1"/>
-            <a:endParaRPr lang="en-US" sz="2200" dirty="0"/>
-          </a:p>
-          <a:p>
-            <a:pPr lvl="1"/>
-            <a:r>
-              <a:rPr lang="en-US" sz="2200" dirty="0"/>
-              <a:t>Float (float) - double-precision only, 64-bit</a:t>
-            </a:r>
-          </a:p>
-          <a:p>
-            <a:pPr lvl="1"/>
-            <a:endParaRPr lang="en-US" sz="2200" dirty="0"/>
-          </a:p>
-          <a:p>
-            <a:pPr lvl="1"/>
-            <a:r>
-              <a:rPr lang="en-US" sz="2200" dirty="0"/>
-              <a:t>String (str) – delimited by single OR double quotes</a:t>
-            </a:r>
-          </a:p>
-          <a:p>
-            <a:pPr lvl="1"/>
-            <a:endParaRPr lang="en-US" sz="2200" dirty="0"/>
-          </a:p>
-          <a:p>
-            <a:pPr lvl="1"/>
-            <a:r>
-              <a:rPr lang="en-US" sz="2200" dirty="0"/>
-              <a:t>Boolean (bool) – True / False</a:t>
-            </a:r>
-          </a:p>
-          <a:p>
             <a:pPr marL="0" marR="0" lvl="0" indent="0" algn="l" defTabSz="914400" rtl="0" eaLnBrk="1" fontAlgn="auto" latinLnBrk="0" hangingPunct="1">
               <a:lnSpc>
                 <a:spcPct val="100000"/>
@@ -1022,52 +1688,9 @@
               <a:tabLst/>
               <a:defRPr/>
             </a:pPr>
-            <a:endParaRPr lang="en-US" dirty="0"/>
-          </a:p>
-          <a:p>
-            <a:pPr marL="0" marR="0" lvl="0" indent="0" algn="l" defTabSz="914400" rtl="0" eaLnBrk="1" fontAlgn="auto" latinLnBrk="0" hangingPunct="1">
-              <a:lnSpc>
-                <a:spcPct val="100000"/>
-              </a:lnSpc>
-              <a:spcBef>
-                <a:spcPts val="0"/>
-              </a:spcBef>
-              <a:spcAft>
-                <a:spcPts val="0"/>
-              </a:spcAft>
-              <a:buClrTx/>
-              <a:buSzTx/>
-              <a:buFontTx/>
-              <a:buNone/>
-              <a:tabLst/>
-              <a:defRPr/>
-            </a:pPr>
             <a:r>
               <a:rPr lang="en-US" dirty="0"/>
-              <a:t>=====</a:t>
-            </a:r>
-          </a:p>
-          <a:p>
-            <a:pPr marL="0" marR="0" lvl="0" indent="0" algn="l" defTabSz="914400" rtl="0" eaLnBrk="1" fontAlgn="auto" latinLnBrk="0" hangingPunct="1">
-              <a:lnSpc>
-                <a:spcPct val="100000"/>
-              </a:lnSpc>
-              <a:spcBef>
-                <a:spcPts val="0"/>
-              </a:spcBef>
-              <a:spcAft>
-                <a:spcPts val="0"/>
-              </a:spcAft>
-              <a:buClrTx/>
-              <a:buSzTx/>
-              <a:buFontTx/>
-              <a:buNone/>
-              <a:tabLst/>
-              <a:defRPr/>
-            </a:pPr>
-            <a:r>
-              <a:rPr lang="en-US" dirty="0"/>
-              <a:t>https://pynative.com/python-data-types/</a:t>
+              <a:t>[NEXT SLIDE]</a:t>
             </a:r>
           </a:p>
         </p:txBody>
@@ -1089,7 +1712,7 @@
           <a:p>
             <a:fld id="{3148858F-F1DB-4027-9C85-CCA6849540DD}" type="slidenum">
               <a:rPr lang="en-US" smtClean="0"/>
-              <a:t>16</a:t>
+              <a:t>13</a:t>
             </a:fld>
             <a:endParaRPr lang="en-US"/>
           </a:p>
@@ -1098,7 +1721,7 @@
     </p:spTree>
     <p:extLst>
       <p:ext uri="{BB962C8B-B14F-4D97-AF65-F5344CB8AC3E}">
-        <p14:creationId xmlns:p14="http://schemas.microsoft.com/office/powerpoint/2010/main" val="62286822"/>
+        <p14:creationId xmlns:p14="http://schemas.microsoft.com/office/powerpoint/2010/main" val="4129922841"/>
       </p:ext>
     </p:extLst>
   </p:cSld>
@@ -1152,35 +1775,62 @@
           <a:bodyPr/>
           <a:lstStyle/>
           <a:p>
-            <a:pPr marL="0" marR="0" lvl="0" indent="0" algn="l" defTabSz="914400" rtl="0" eaLnBrk="1" fontAlgn="auto" latinLnBrk="0" hangingPunct="1">
-              <a:lnSpc>
-                <a:spcPct val="100000"/>
-              </a:lnSpc>
-              <a:spcBef>
-                <a:spcPts val="0"/>
-              </a:spcBef>
-              <a:spcAft>
-                <a:spcPts val="0"/>
-              </a:spcAft>
-              <a:buClrTx/>
-              <a:buSzTx/>
-              <a:buFontTx/>
-              <a:buNone/>
-              <a:tabLst/>
-              <a:defRPr/>
-            </a:pPr>
-            <a:r>
-              <a:rPr lang="en-US" dirty="0"/>
-              <a:t>These functions allow you to </a:t>
-            </a:r>
-            <a:r>
-              <a:rPr lang="en-US" b="1" dirty="0"/>
-              <a:t>typecast</a:t>
-            </a:r>
-            <a:r>
-              <a:rPr lang="en-US" dirty="0"/>
-              <a:t> a variable of one type to another type.</a:t>
-            </a:r>
+            <a:r>
+              <a:rPr lang="en-US" altLang="en-US" dirty="0">
+                <a:ea typeface="ＭＳ Ｐゴシック" charset="-128"/>
+              </a:rPr>
+              <a:t>Hello and welcome to this Practicum AI recording</a:t>
+            </a:r>
+            <a:r>
+              <a:rPr lang="en-US" altLang="en-US" baseline="0" dirty="0">
+                <a:ea typeface="ＭＳ Ｐゴシック" charset="-128"/>
+              </a:rPr>
+              <a:t>.</a:t>
+            </a:r>
+          </a:p>
+          <a:p>
+            <a:endParaRPr lang="en-US" altLang="en-US" dirty="0">
+              <a:ea typeface="ＭＳ Ｐゴシック" charset="-128"/>
+            </a:endParaRPr>
+          </a:p>
+          <a:p>
+            <a:r>
+              <a:rPr lang="en-US" altLang="en-US" dirty="0">
+                <a:ea typeface="ＭＳ Ｐゴシック" charset="-128"/>
+              </a:rPr>
+              <a:t>I’m Dan Maxwell, the AI Trainer / Consultant for Research Computing.</a:t>
+            </a:r>
+          </a:p>
+          <a:p>
+            <a:endParaRPr lang="en-US" altLang="en-US" dirty="0">
+              <a:ea typeface="ＭＳ Ｐゴシック" charset="-128"/>
+            </a:endParaRPr>
+          </a:p>
+          <a:p>
+            <a:r>
+              <a:rPr lang="en-US" baseline="0" dirty="0"/>
+              <a:t>In this briefing, I will introduce you to the Python data types.</a:t>
+            </a:r>
+          </a:p>
+          <a:p>
+            <a:endParaRPr lang="en-US" baseline="0" dirty="0"/>
+          </a:p>
+          <a:p>
+            <a:r>
+              <a:rPr lang="en-US" baseline="0" dirty="0"/>
+              <a:t>[NEXT SLIDE]</a:t>
+            </a:r>
+            <a:endParaRPr lang="en-US" dirty="0"/>
+          </a:p>
+          <a:p>
+            <a:endParaRPr lang="en-US" dirty="0">
+              <a:latin typeface="Palatino Linotype" panose="02040502050505030304" pitchFamily="18" charset="0"/>
+            </a:endParaRPr>
+          </a:p>
+          <a:p>
+            <a:endParaRPr lang="en-US" dirty="0">
+              <a:latin typeface="Palatino Linotype" panose="02040502050505030304" pitchFamily="18" charset="0"/>
+            </a:endParaRPr>
           </a:p>
         </p:txBody>
       </p:sp>
@@ -1201,7 +1851,7 @@
           <a:p>
             <a:fld id="{3148858F-F1DB-4027-9C85-CCA6849540DD}" type="slidenum">
               <a:rPr lang="en-US" smtClean="0"/>
-              <a:t>17</a:t>
+              <a:t>14</a:t>
             </a:fld>
             <a:endParaRPr lang="en-US"/>
           </a:p>
@@ -1210,7 +1860,7 @@
     </p:spTree>
     <p:extLst>
       <p:ext uri="{BB962C8B-B14F-4D97-AF65-F5344CB8AC3E}">
-        <p14:creationId xmlns:p14="http://schemas.microsoft.com/office/powerpoint/2010/main" val="651591465"/>
+        <p14:creationId xmlns:p14="http://schemas.microsoft.com/office/powerpoint/2010/main" val="4008361551"/>
       </p:ext>
     </p:extLst>
   </p:cSld>
@@ -1264,14 +1914,186 @@
           <a:bodyPr/>
           <a:lstStyle/>
           <a:p>
-            <a:endParaRPr lang="en-US" dirty="0">
-              <a:latin typeface="Palatino Linotype" panose="02040502050505030304" pitchFamily="18" charset="0"/>
-            </a:endParaRPr>
-          </a:p>
-          <a:p>
-            <a:endParaRPr lang="en-US" dirty="0">
-              <a:latin typeface="Palatino Linotype" panose="02040502050505030304" pitchFamily="18" charset="0"/>
-            </a:endParaRPr>
+            <a:pPr marL="0" marR="0" lvl="0" indent="0" algn="l" defTabSz="914400" rtl="0" eaLnBrk="1" fontAlgn="auto" latinLnBrk="0" hangingPunct="1">
+              <a:lnSpc>
+                <a:spcPct val="100000"/>
+              </a:lnSpc>
+              <a:spcBef>
+                <a:spcPts val="0"/>
+              </a:spcBef>
+              <a:spcAft>
+                <a:spcPts val="0"/>
+              </a:spcAft>
+              <a:buClrTx/>
+              <a:buSzTx/>
+              <a:buFontTx/>
+              <a:buNone/>
+              <a:tabLst/>
+              <a:defRPr/>
+            </a:pPr>
+            <a:r>
+              <a:rPr lang="en-US" dirty="0"/>
+              <a:t>Python’s base datatypes are shown here.</a:t>
+            </a:r>
+          </a:p>
+          <a:p>
+            <a:pPr marL="0" marR="0" lvl="0" indent="0" algn="l" defTabSz="914400" rtl="0" eaLnBrk="1" fontAlgn="auto" latinLnBrk="0" hangingPunct="1">
+              <a:lnSpc>
+                <a:spcPct val="100000"/>
+              </a:lnSpc>
+              <a:spcBef>
+                <a:spcPts val="0"/>
+              </a:spcBef>
+              <a:spcAft>
+                <a:spcPts val="0"/>
+              </a:spcAft>
+              <a:buClrTx/>
+              <a:buSzTx/>
+              <a:buFontTx/>
+              <a:buNone/>
+              <a:tabLst/>
+              <a:defRPr/>
+            </a:pPr>
+            <a:endParaRPr lang="en-US" dirty="0"/>
+          </a:p>
+          <a:p>
+            <a:r>
+              <a:rPr lang="en-US" sz="2200" dirty="0"/>
+              <a:t>Commonly used data types in core Python</a:t>
+            </a:r>
+          </a:p>
+          <a:p>
+            <a:pPr marL="342900" indent="-342900">
+              <a:buFont typeface="Courier New" panose="02070309020205020404" pitchFamily="49" charset="0"/>
+              <a:buChar char="o"/>
+            </a:pPr>
+            <a:r>
+              <a:rPr lang="en-US" sz="2200" dirty="0"/>
+              <a:t>Integer (int)</a:t>
+            </a:r>
+          </a:p>
+          <a:p>
+            <a:pPr marL="342900" indent="-342900">
+              <a:buFont typeface="Courier New" panose="02070309020205020404" pitchFamily="49" charset="0"/>
+              <a:buChar char="o"/>
+            </a:pPr>
+            <a:r>
+              <a:rPr lang="en-US" sz="2200" dirty="0"/>
+              <a:t>Float (float) - double-precision only, 64-bit</a:t>
+            </a:r>
+          </a:p>
+          <a:p>
+            <a:pPr marL="342900" indent="-342900">
+              <a:buFont typeface="Courier New" panose="02070309020205020404" pitchFamily="49" charset="0"/>
+              <a:buChar char="o"/>
+            </a:pPr>
+            <a:r>
+              <a:rPr lang="en-US" sz="2200" dirty="0"/>
+              <a:t>String (str) – delimited by single OR double quotes</a:t>
+            </a:r>
+          </a:p>
+          <a:p>
+            <a:pPr marL="342900" indent="-342900">
+              <a:buFont typeface="Courier New" panose="02070309020205020404" pitchFamily="49" charset="0"/>
+              <a:buChar char="o"/>
+            </a:pPr>
+            <a:r>
+              <a:rPr lang="en-US" sz="2200" dirty="0"/>
+              <a:t>Boolean (bool) – True / False</a:t>
+            </a:r>
+          </a:p>
+          <a:p>
+            <a:pPr lvl="1"/>
+            <a:endParaRPr lang="en-US" sz="2200" dirty="0"/>
+          </a:p>
+          <a:p>
+            <a:pPr marL="0" marR="0" lvl="0" indent="0" algn="l" defTabSz="914400" rtl="0" eaLnBrk="1" fontAlgn="auto" latinLnBrk="0" hangingPunct="1">
+              <a:lnSpc>
+                <a:spcPct val="100000"/>
+              </a:lnSpc>
+              <a:spcBef>
+                <a:spcPts val="0"/>
+              </a:spcBef>
+              <a:spcAft>
+                <a:spcPts val="0"/>
+              </a:spcAft>
+              <a:buClrTx/>
+              <a:buSzTx/>
+              <a:buFontTx/>
+              <a:buNone/>
+              <a:tabLst/>
+              <a:defRPr/>
+            </a:pPr>
+            <a:r>
+              <a:rPr lang="en-US" dirty="0"/>
+              <a:t>[NEXT SLIDE]</a:t>
+            </a:r>
+          </a:p>
+          <a:p>
+            <a:pPr marL="0" marR="0" lvl="0" indent="0" algn="l" defTabSz="914400" rtl="0" eaLnBrk="1" fontAlgn="auto" latinLnBrk="0" hangingPunct="1">
+              <a:lnSpc>
+                <a:spcPct val="100000"/>
+              </a:lnSpc>
+              <a:spcBef>
+                <a:spcPts val="0"/>
+              </a:spcBef>
+              <a:spcAft>
+                <a:spcPts val="0"/>
+              </a:spcAft>
+              <a:buClrTx/>
+              <a:buSzTx/>
+              <a:buFontTx/>
+              <a:buNone/>
+              <a:tabLst/>
+              <a:defRPr/>
+            </a:pPr>
+            <a:endParaRPr lang="en-US" dirty="0"/>
+          </a:p>
+          <a:p>
+            <a:pPr marL="0" marR="0" lvl="0" indent="0" algn="l" defTabSz="914400" rtl="0" eaLnBrk="1" fontAlgn="auto" latinLnBrk="0" hangingPunct="1">
+              <a:lnSpc>
+                <a:spcPct val="100000"/>
+              </a:lnSpc>
+              <a:spcBef>
+                <a:spcPts val="0"/>
+              </a:spcBef>
+              <a:spcAft>
+                <a:spcPts val="0"/>
+              </a:spcAft>
+              <a:buClrTx/>
+              <a:buSzTx/>
+              <a:buFontTx/>
+              <a:buNone/>
+              <a:tabLst/>
+              <a:defRPr/>
+            </a:pPr>
+            <a:r>
+              <a:rPr lang="en-US" dirty="0"/>
+              <a:t>=====</a:t>
+            </a:r>
+          </a:p>
+          <a:p>
+            <a:pPr marL="0" marR="0" lvl="0" indent="0" algn="l" defTabSz="914400" rtl="0" eaLnBrk="1" fontAlgn="auto" latinLnBrk="0" hangingPunct="1">
+              <a:lnSpc>
+                <a:spcPct val="100000"/>
+              </a:lnSpc>
+              <a:spcBef>
+                <a:spcPts val="0"/>
+              </a:spcBef>
+              <a:spcAft>
+                <a:spcPts val="0"/>
+              </a:spcAft>
+              <a:buClrTx/>
+              <a:buSzTx/>
+              <a:buFontTx/>
+              <a:buNone/>
+              <a:tabLst/>
+              <a:defRPr/>
+            </a:pPr>
+            <a:r>
+              <a:rPr lang="en-US" dirty="0"/>
+              <a:t>https://pynative.com/python-data-types/</a:t>
+            </a:r>
           </a:p>
         </p:txBody>
       </p:sp>
@@ -1292,7 +2114,7 @@
           <a:p>
             <a:fld id="{3148858F-F1DB-4027-9C85-CCA6849540DD}" type="slidenum">
               <a:rPr lang="en-US" smtClean="0"/>
-              <a:t>18</a:t>
+              <a:t>15</a:t>
             </a:fld>
             <a:endParaRPr lang="en-US"/>
           </a:p>
@@ -1301,7 +2123,7 @@
     </p:spTree>
     <p:extLst>
       <p:ext uri="{BB962C8B-B14F-4D97-AF65-F5344CB8AC3E}">
-        <p14:creationId xmlns:p14="http://schemas.microsoft.com/office/powerpoint/2010/main" val="1572447306"/>
+        <p14:creationId xmlns:p14="http://schemas.microsoft.com/office/powerpoint/2010/main" val="62286822"/>
       </p:ext>
     </p:extLst>
   </p:cSld>
@@ -1374,7 +2196,58 @@
             </a:pPr>
             <a:r>
               <a:rPr lang="en-US" dirty="0"/>
-              <a:t>Adam naming the animals in the Biblical story.  Variable naming and standards are critically important.</a:t>
+              <a:t>These functions allow you to </a:t>
+            </a:r>
+            <a:r>
+              <a:rPr lang="en-US" b="1" dirty="0"/>
+              <a:t>typecast</a:t>
+            </a:r>
+            <a:r>
+              <a:rPr lang="en-US" dirty="0"/>
+              <a:t> a variable of one type to another type.</a:t>
+            </a:r>
+          </a:p>
+          <a:p>
+            <a:pPr marL="0" marR="0" lvl="0" indent="0" algn="l" defTabSz="914400" rtl="0" eaLnBrk="1" fontAlgn="auto" latinLnBrk="0" hangingPunct="1">
+              <a:lnSpc>
+                <a:spcPct val="100000"/>
+              </a:lnSpc>
+              <a:spcBef>
+                <a:spcPts val="0"/>
+              </a:spcBef>
+              <a:spcAft>
+                <a:spcPts val="0"/>
+              </a:spcAft>
+              <a:buClrTx/>
+              <a:buSzTx/>
+              <a:buFontTx/>
+              <a:buNone/>
+              <a:tabLst/>
+              <a:defRPr/>
+            </a:pPr>
+            <a:endParaRPr lang="en-US" dirty="0"/>
+          </a:p>
+          <a:p>
+            <a:pPr marL="0" marR="0" lvl="0" indent="0" algn="l" defTabSz="914400" rtl="0" eaLnBrk="1" fontAlgn="auto" latinLnBrk="0" hangingPunct="1">
+              <a:lnSpc>
+                <a:spcPct val="100000"/>
+              </a:lnSpc>
+              <a:spcBef>
+                <a:spcPts val="0"/>
+              </a:spcBef>
+              <a:spcAft>
+                <a:spcPts val="0"/>
+              </a:spcAft>
+              <a:buClrTx/>
+              <a:buSzTx/>
+              <a:buFontTx/>
+              <a:buNone/>
+              <a:tabLst/>
+              <a:defRPr/>
+            </a:pPr>
+            <a:r>
+              <a:rPr lang="en-US" dirty="0"/>
+              <a:t>[NEXT SLIDE]</a:t>
             </a:r>
           </a:p>
         </p:txBody>
@@ -1396,7 +2269,7 @@
           <a:p>
             <a:fld id="{3148858F-F1DB-4027-9C85-CCA6849540DD}" type="slidenum">
               <a:rPr lang="en-US" smtClean="0"/>
-              <a:t>19</a:t>
+              <a:t>16</a:t>
             </a:fld>
             <a:endParaRPr lang="en-US"/>
           </a:p>
@@ -1405,7 +2278,7 @@
     </p:spTree>
     <p:extLst>
       <p:ext uri="{BB962C8B-B14F-4D97-AF65-F5344CB8AC3E}">
-        <p14:creationId xmlns:p14="http://schemas.microsoft.com/office/powerpoint/2010/main" val="828379136"/>
+        <p14:creationId xmlns:p14="http://schemas.microsoft.com/office/powerpoint/2010/main" val="651591465"/>
       </p:ext>
     </p:extLst>
   </p:cSld>
@@ -1459,6 +2332,54 @@
           <a:bodyPr/>
           <a:lstStyle/>
           <a:p>
+            <a:r>
+              <a:rPr lang="en-US" altLang="en-US" dirty="0">
+                <a:ea typeface="ＭＳ Ｐゴシック" charset="-128"/>
+              </a:rPr>
+              <a:t>Hello and welcome to this Practicum AI recording</a:t>
+            </a:r>
+            <a:r>
+              <a:rPr lang="en-US" altLang="en-US" baseline="0" dirty="0">
+                <a:ea typeface="ＭＳ Ｐゴシック" charset="-128"/>
+              </a:rPr>
+              <a:t>.</a:t>
+            </a:r>
+          </a:p>
+          <a:p>
+            <a:endParaRPr lang="en-US" altLang="en-US" dirty="0">
+              <a:ea typeface="ＭＳ Ｐゴシック" charset="-128"/>
+            </a:endParaRPr>
+          </a:p>
+          <a:p>
+            <a:r>
+              <a:rPr lang="en-US" altLang="en-US" dirty="0">
+                <a:ea typeface="ＭＳ Ｐゴシック" charset="-128"/>
+              </a:rPr>
+              <a:t>I’m Dan Maxwell, the AI Trainer / Consultant for Research Computing.</a:t>
+            </a:r>
+          </a:p>
+          <a:p>
+            <a:endParaRPr lang="en-US" altLang="en-US" dirty="0">
+              <a:ea typeface="ＭＳ Ｐゴシック" charset="-128"/>
+            </a:endParaRPr>
+          </a:p>
+          <a:p>
+            <a:r>
+              <a:rPr lang="en-US" baseline="0" dirty="0"/>
+              <a:t>In this briefing, I will talk about coding style and documentation.</a:t>
+            </a:r>
+          </a:p>
+          <a:p>
+            <a:endParaRPr lang="en-US" baseline="0" dirty="0"/>
+          </a:p>
+          <a:p>
+            <a:r>
+              <a:rPr lang="en-US" baseline="0" dirty="0"/>
+              <a:t>[NEXT SLIDE]</a:t>
+            </a:r>
+            <a:endParaRPr lang="en-US" dirty="0"/>
+          </a:p>
+          <a:p>
             <a:endParaRPr lang="en-US" dirty="0">
               <a:latin typeface="Palatino Linotype" panose="02040502050505030304" pitchFamily="18" charset="0"/>
             </a:endParaRPr>
@@ -1487,7 +2408,7 @@
           <a:p>
             <a:fld id="{3148858F-F1DB-4027-9C85-CCA6849540DD}" type="slidenum">
               <a:rPr lang="en-US" smtClean="0"/>
-              <a:t>21</a:t>
+              <a:t>17</a:t>
             </a:fld>
             <a:endParaRPr lang="en-US"/>
           </a:p>
@@ -1496,7 +2417,7 @@
     </p:spTree>
     <p:extLst>
       <p:ext uri="{BB962C8B-B14F-4D97-AF65-F5344CB8AC3E}">
-        <p14:creationId xmlns:p14="http://schemas.microsoft.com/office/powerpoint/2010/main" val="94832431"/>
+        <p14:creationId xmlns:p14="http://schemas.microsoft.com/office/powerpoint/2010/main" val="1572447306"/>
       </p:ext>
     </p:extLst>
   </p:cSld>
@@ -1567,7 +2488,53 @@
               <a:tabLst/>
               <a:defRPr/>
             </a:pPr>
+            <a:r>
+              <a:rPr lang="en-US" dirty="0"/>
+              <a:t>The imperative to properly name and classify things has existed for a long time.  The Hebrew scriptures, for example, tell the story of how Adam named the animals.  Here we see him doing just that in this medieval fresco.  I especially like the image of the lion just above the elephant.  Likewise, the names you assign to your variables and functions is critically important.</a:t>
+            </a:r>
+          </a:p>
+          <a:p>
+            <a:pPr marL="0" marR="0" lvl="0" indent="0" algn="l" defTabSz="914400" rtl="0" eaLnBrk="1" fontAlgn="auto" latinLnBrk="0" hangingPunct="1">
+              <a:lnSpc>
+                <a:spcPct val="100000"/>
+              </a:lnSpc>
+              <a:spcBef>
+                <a:spcPts val="0"/>
+              </a:spcBef>
+              <a:spcAft>
+                <a:spcPts val="0"/>
+              </a:spcAft>
+              <a:buClrTx/>
+              <a:buSzTx/>
+              <a:buFontTx/>
+              <a:buNone/>
+              <a:tabLst/>
+              <a:defRPr/>
+            </a:pPr>
             <a:endParaRPr lang="en-US" dirty="0"/>
+          </a:p>
+          <a:p>
+            <a:pPr marL="0" marR="0" lvl="0" indent="0" algn="l" defTabSz="914400" rtl="0" eaLnBrk="1" fontAlgn="auto" latinLnBrk="0" hangingPunct="1">
+              <a:lnSpc>
+                <a:spcPct val="100000"/>
+              </a:lnSpc>
+              <a:spcBef>
+                <a:spcPts val="0"/>
+              </a:spcBef>
+              <a:spcAft>
+                <a:spcPts val="0"/>
+              </a:spcAft>
+              <a:buClrTx/>
+              <a:buSzTx/>
+              <a:buFontTx/>
+              <a:buNone/>
+              <a:tabLst/>
+              <a:defRPr/>
+            </a:pPr>
+            <a:r>
+              <a:rPr lang="en-US" dirty="0"/>
+              <a:t>[NEXT SLIDE]</a:t>
+            </a:r>
           </a:p>
         </p:txBody>
       </p:sp>
@@ -1588,7 +2555,7 @@
           <a:p>
             <a:fld id="{3148858F-F1DB-4027-9C85-CCA6849540DD}" type="slidenum">
               <a:rPr lang="en-US" smtClean="0"/>
-              <a:t>22</a:t>
+              <a:t>18</a:t>
             </a:fld>
             <a:endParaRPr lang="en-US"/>
           </a:p>
@@ -1597,7 +2564,7 @@
     </p:spTree>
     <p:extLst>
       <p:ext uri="{BB962C8B-B14F-4D97-AF65-F5344CB8AC3E}">
-        <p14:creationId xmlns:p14="http://schemas.microsoft.com/office/powerpoint/2010/main" val="2996454508"/>
+        <p14:creationId xmlns:p14="http://schemas.microsoft.com/office/powerpoint/2010/main" val="828379136"/>
       </p:ext>
     </p:extLst>
   </p:cSld>
@@ -1651,24 +2618,284 @@
           <a:bodyPr/>
           <a:lstStyle/>
           <a:p>
-            <a:pPr marL="0" marR="0" lvl="0" indent="0" algn="l" defTabSz="914400" rtl="0" eaLnBrk="1" fontAlgn="auto" latinLnBrk="0" hangingPunct="1">
+            <a:pPr marL="0" indent="0">
               <a:lnSpc>
-                <a:spcPct val="100000"/>
+                <a:spcPct val="110000"/>
               </a:lnSpc>
-              <a:spcBef>
-                <a:spcPts val="0"/>
-              </a:spcBef>
-              <a:spcAft>
-                <a:spcPts val="0"/>
-              </a:spcAft>
-              <a:buClrTx/>
-              <a:buSzTx/>
-              <a:buFontTx/>
               <a:buNone/>
-              <a:tabLst/>
-              <a:defRPr/>
             </a:pPr>
+            <a:r>
+              <a:rPr lang="en-US" dirty="0">
+                <a:solidFill>
+                  <a:srgbClr val="5A5AA8"/>
+                </a:solidFill>
+                <a:latin typeface="Avenir" panose="02000503020000020003" pitchFamily="2" charset="0"/>
+              </a:rPr>
+              <a:t>And a few notes about Python Comments…</a:t>
+            </a:r>
+          </a:p>
+          <a:p>
+            <a:pPr marL="0" indent="0">
+              <a:lnSpc>
+                <a:spcPct val="110000"/>
+              </a:lnSpc>
+              <a:buNone/>
+            </a:pPr>
+            <a:endParaRPr lang="en-US" dirty="0">
+              <a:solidFill>
+                <a:srgbClr val="5A5AA8"/>
+              </a:solidFill>
+              <a:latin typeface="Avenir" panose="02000503020000020003" pitchFamily="2" charset="0"/>
+            </a:endParaRPr>
+          </a:p>
+          <a:p>
+            <a:pPr marL="0" indent="0">
+              <a:lnSpc>
+                <a:spcPct val="110000"/>
+              </a:lnSpc>
+              <a:buNone/>
+            </a:pPr>
+            <a:r>
+              <a:rPr lang="en-US" dirty="0">
+                <a:solidFill>
+                  <a:srgbClr val="5A5AA8"/>
+                </a:solidFill>
+                <a:latin typeface="Avenir" panose="02000503020000020003" pitchFamily="2" charset="0"/>
+              </a:rPr>
+              <a:t>Inline comments </a:t>
+            </a:r>
+          </a:p>
+          <a:p>
+            <a:pPr marL="171450" indent="-171450">
+              <a:lnSpc>
+                <a:spcPct val="110000"/>
+              </a:lnSpc>
+              <a:buFont typeface="Courier New" panose="02070309020205020404" pitchFamily="49" charset="0"/>
+              <a:buChar char="o"/>
+            </a:pPr>
+            <a:r>
+              <a:rPr lang="en-US" dirty="0">
+                <a:latin typeface="Avenir" panose="02000503020000020003" pitchFamily="2" charset="0"/>
+              </a:rPr>
+              <a:t>Precede with</a:t>
+            </a:r>
+            <a:r>
+              <a:rPr lang="en-US" dirty="0">
+                <a:solidFill>
+                  <a:srgbClr val="5A5AA8"/>
+                </a:solidFill>
+                <a:latin typeface="Avenir" panose="02000503020000020003" pitchFamily="2" charset="0"/>
+              </a:rPr>
+              <a:t> #</a:t>
+            </a:r>
+          </a:p>
+          <a:p>
+            <a:pPr marL="0" indent="0">
+              <a:lnSpc>
+                <a:spcPct val="110000"/>
+              </a:lnSpc>
+              <a:buFont typeface="Courier New" panose="02070309020205020404" pitchFamily="49" charset="0"/>
+              <a:buNone/>
+            </a:pPr>
+            <a:endParaRPr lang="en-US" dirty="0">
+              <a:solidFill>
+                <a:schemeClr val="tx1"/>
+              </a:solidFill>
+              <a:latin typeface="Avenir" panose="02000503020000020003" pitchFamily="2" charset="0"/>
+            </a:endParaRPr>
+          </a:p>
+          <a:p>
+            <a:pPr marL="0" indent="0">
+              <a:lnSpc>
+                <a:spcPct val="110000"/>
+              </a:lnSpc>
+              <a:buNone/>
+            </a:pPr>
+            <a:r>
+              <a:rPr lang="en-US" dirty="0">
+                <a:solidFill>
+                  <a:srgbClr val="5A5AA8"/>
+                </a:solidFill>
+                <a:latin typeface="Avenir" panose="02000503020000020003" pitchFamily="2" charset="0"/>
+              </a:rPr>
+              <a:t>Multiline comments</a:t>
+            </a:r>
+          </a:p>
+          <a:p>
+            <a:pPr marL="171450" indent="-171450">
+              <a:lnSpc>
+                <a:spcPct val="110000"/>
+              </a:lnSpc>
+              <a:buFont typeface="Courier New" panose="02070309020205020404" pitchFamily="49" charset="0"/>
+              <a:buChar char="o"/>
+            </a:pPr>
+            <a:r>
+              <a:rPr lang="en-US" dirty="0">
+                <a:solidFill>
+                  <a:schemeClr val="tx1"/>
+                </a:solidFill>
+                <a:latin typeface="Avenir" panose="02000503020000020003" pitchFamily="2" charset="0"/>
+              </a:rPr>
+              <a:t>Precede and end with triple single or double quotes – </a:t>
+            </a:r>
+            <a:r>
+              <a:rPr lang="en-US" dirty="0">
+                <a:solidFill>
+                  <a:srgbClr val="65BB7B"/>
+                </a:solidFill>
+                <a:latin typeface="Avenir" panose="02000503020000020003" pitchFamily="2" charset="0"/>
+              </a:rPr>
+              <a:t>""" </a:t>
+            </a:r>
+          </a:p>
+          <a:p>
+            <a:pPr marL="628650" lvl="1" indent="-171450">
+              <a:lnSpc>
+                <a:spcPct val="110000"/>
+              </a:lnSpc>
+              <a:buFont typeface="Courier New" panose="02070309020205020404" pitchFamily="49" charset="0"/>
+              <a:buChar char="o"/>
+            </a:pPr>
+            <a:r>
+              <a:rPr lang="en-US" dirty="0">
+                <a:solidFill>
+                  <a:schemeClr val="tx1"/>
+                </a:solidFill>
+                <a:latin typeface="Avenir" panose="02000503020000020003" pitchFamily="2" charset="0"/>
+              </a:rPr>
+              <a:t>This is really a multiline string, but it works!</a:t>
+            </a:r>
+          </a:p>
+          <a:p>
+            <a:pPr marL="457200" lvl="1" indent="0">
+              <a:lnSpc>
+                <a:spcPct val="110000"/>
+              </a:lnSpc>
+              <a:buFont typeface="Courier New" panose="02070309020205020404" pitchFamily="49" charset="0"/>
+              <a:buNone/>
+            </a:pPr>
+            <a:endParaRPr lang="en-US" dirty="0">
+              <a:solidFill>
+                <a:schemeClr val="tx1"/>
+              </a:solidFill>
+              <a:latin typeface="Avenir" panose="02000503020000020003" pitchFamily="2" charset="0"/>
+            </a:endParaRPr>
+          </a:p>
+          <a:p>
+            <a:pPr marL="0" indent="0">
+              <a:lnSpc>
+                <a:spcPct val="110000"/>
+              </a:lnSpc>
+              <a:buNone/>
+            </a:pPr>
+            <a:r>
+              <a:rPr lang="en-US" dirty="0">
+                <a:solidFill>
+                  <a:schemeClr val="tx1"/>
+                </a:solidFill>
+                <a:latin typeface="Avenir" panose="02000503020000020003" pitchFamily="2" charset="0"/>
+              </a:rPr>
+              <a:t>Use comments </a:t>
+            </a:r>
+            <a:r>
+              <a:rPr lang="en-US" dirty="0">
+                <a:solidFill>
+                  <a:srgbClr val="5A5AA8"/>
+                </a:solidFill>
+                <a:latin typeface="Avenir" panose="02000503020000020003" pitchFamily="2" charset="0"/>
+              </a:rPr>
+              <a:t>liberally</a:t>
+            </a:r>
+            <a:r>
+              <a:rPr lang="en-US" dirty="0">
+                <a:solidFill>
+                  <a:schemeClr val="tx1"/>
+                </a:solidFill>
+                <a:latin typeface="Avenir" panose="02000503020000020003" pitchFamily="2" charset="0"/>
+              </a:rPr>
+              <a:t>!</a:t>
+            </a:r>
+          </a:p>
+          <a:p>
+            <a:pPr marL="171450" indent="-171450">
+              <a:lnSpc>
+                <a:spcPct val="110000"/>
+              </a:lnSpc>
+              <a:buFont typeface="Courier New" panose="02070309020205020404" pitchFamily="49" charset="0"/>
+              <a:buChar char="o"/>
+            </a:pPr>
+            <a:r>
+              <a:rPr lang="en-US" dirty="0">
+                <a:solidFill>
+                  <a:schemeClr val="tx1"/>
+                </a:solidFill>
+                <a:latin typeface="Avenir" panose="02000503020000020003" pitchFamily="2" charset="0"/>
+              </a:rPr>
+              <a:t>Comments are for the future you – for when you come back to a piece of code at some point in the future.</a:t>
+            </a:r>
+          </a:p>
+          <a:p>
+            <a:pPr marL="171450" indent="-171450">
+              <a:lnSpc>
+                <a:spcPct val="110000"/>
+              </a:lnSpc>
+              <a:buFont typeface="Courier New" panose="02070309020205020404" pitchFamily="49" charset="0"/>
+              <a:buChar char="o"/>
+            </a:pPr>
+            <a:r>
+              <a:rPr lang="en-US" dirty="0">
+                <a:solidFill>
+                  <a:schemeClr val="tx1"/>
+                </a:solidFill>
+                <a:latin typeface="Avenir" panose="02000503020000020003" pitchFamily="2" charset="0"/>
+              </a:rPr>
+              <a:t>They are also good for debugging, by </a:t>
+            </a:r>
+            <a:r>
+              <a:rPr lang="en-US" dirty="0">
+                <a:solidFill>
+                  <a:srgbClr val="5A5AA8"/>
+                </a:solidFill>
+                <a:latin typeface="Avenir" panose="02000503020000020003" pitchFamily="2" charset="0"/>
+              </a:rPr>
+              <a:t>activating</a:t>
+            </a:r>
+            <a:r>
+              <a:rPr lang="en-US" dirty="0">
+                <a:solidFill>
+                  <a:schemeClr val="tx1"/>
+                </a:solidFill>
+                <a:latin typeface="Avenir" panose="02000503020000020003" pitchFamily="2" charset="0"/>
+              </a:rPr>
+              <a:t> or </a:t>
+            </a:r>
+            <a:r>
+              <a:rPr lang="en-US" dirty="0">
+                <a:solidFill>
+                  <a:srgbClr val="5A5AA8"/>
+                </a:solidFill>
+                <a:latin typeface="Avenir" panose="02000503020000020003" pitchFamily="2" charset="0"/>
+              </a:rPr>
+              <a:t>deactivating</a:t>
+            </a:r>
+            <a:r>
+              <a:rPr lang="en-US" dirty="0">
+                <a:solidFill>
+                  <a:schemeClr val="tx1"/>
+                </a:solidFill>
+                <a:latin typeface="Avenir" panose="02000503020000020003" pitchFamily="2" charset="0"/>
+              </a:rPr>
+              <a:t> parts of your code</a:t>
+            </a:r>
+          </a:p>
+          <a:p>
             <a:endParaRPr lang="en-US" dirty="0"/>
+          </a:p>
+          <a:p>
+            <a:r>
+              <a:rPr lang="en-US" dirty="0"/>
+              <a:t>[NEXT SLIDE]</a:t>
+            </a:r>
           </a:p>
         </p:txBody>
       </p:sp>
@@ -1689,7 +2916,7 @@
           <a:p>
             <a:fld id="{3148858F-F1DB-4027-9C85-CCA6849540DD}" type="slidenum">
               <a:rPr lang="en-US" smtClean="0"/>
-              <a:t>23</a:t>
+              <a:t>19</a:t>
             </a:fld>
             <a:endParaRPr lang="en-US"/>
           </a:p>
@@ -1698,7 +2925,7 @@
     </p:spTree>
     <p:extLst>
       <p:ext uri="{BB962C8B-B14F-4D97-AF65-F5344CB8AC3E}">
-        <p14:creationId xmlns:p14="http://schemas.microsoft.com/office/powerpoint/2010/main" val="30799508"/>
+        <p14:creationId xmlns:p14="http://schemas.microsoft.com/office/powerpoint/2010/main" val="1683563883"/>
       </p:ext>
     </p:extLst>
   </p:cSld>
@@ -1754,7 +2981,7 @@
           <a:p>
             <a:r>
               <a:rPr lang="en-US" baseline="0" dirty="0"/>
-              <a:t>In computer science, a variable is a named location in memory.  Consider this clear plastic container with a variety of objects in it.  Each object is a specific size and takes up a certain amount of space.  Now think of this container as your computer’s memory.  Each time you create and assign a specific value to a variable, the software allocates space in memory large enough to contain whatever you assign to it.  Or using a container analogy,  it creates a box to hold its value.  The variable’s </a:t>
+              <a:t>In computer science, a variable is a named location in memory.  Consider this clear plastic container with a variety of objects in it.  Each object is a specific size and takes up a certain amount of space.  Now think of this container as your computer’s memory.  Each time you create and assign a specific value to a variable, the software allocates space in memory large enough to contain whatever you assign to it.  Or using a container analogy, it creates a box to hold its value.  The variable’s </a:t>
             </a:r>
             <a:r>
               <a:rPr lang="en-US" b="1" baseline="0" dirty="0"/>
@@ -1767,6 +2994,15 @@
             <a:r>
               <a:rPr lang="en-US" baseline="0" dirty="0"/>
               <a:t>Behind the name you use for a variable, there’s a hidden address or pointer to its location or compartment in memory.</a:t>
+            </a:r>
+          </a:p>
+          <a:p>
+            <a:endParaRPr lang="en-US" baseline="0" dirty="0"/>
+          </a:p>
+          <a:p>
+            <a:r>
+              <a:rPr lang="en-US" baseline="0" dirty="0"/>
+              <a:t>[NEXT SLIDE}</a:t>
             </a:r>
             <a:endParaRPr lang="en-US" dirty="0"/>
           </a:p>
@@ -1872,24 +3108,57 @@
           <a:bodyPr/>
           <a:lstStyle/>
           <a:p>
-            <a:pPr marL="0" marR="0" lvl="0" indent="0" algn="l" defTabSz="914400" rtl="0" eaLnBrk="1" fontAlgn="auto" latinLnBrk="0" hangingPunct="1">
-              <a:lnSpc>
-                <a:spcPct val="100000"/>
-              </a:lnSpc>
-              <a:spcBef>
-                <a:spcPts val="0"/>
-              </a:spcBef>
-              <a:spcAft>
-                <a:spcPts val="0"/>
-              </a:spcAft>
-              <a:buClrTx/>
-              <a:buSzTx/>
-              <a:buFontTx/>
-              <a:buNone/>
-              <a:tabLst/>
-              <a:defRPr/>
-            </a:pPr>
+            <a:r>
+              <a:rPr lang="en-US" altLang="en-US" dirty="0">
+                <a:ea typeface="ＭＳ Ｐゴシック" charset="-128"/>
+              </a:rPr>
+              <a:t>Hello and welcome to this Practicum AI recording</a:t>
+            </a:r>
+            <a:r>
+              <a:rPr lang="en-US" altLang="en-US" baseline="0" dirty="0">
+                <a:ea typeface="ＭＳ Ｐゴシック" charset="-128"/>
+              </a:rPr>
+              <a:t>.</a:t>
+            </a:r>
+          </a:p>
+          <a:p>
+            <a:endParaRPr lang="en-US" altLang="en-US" dirty="0">
+              <a:ea typeface="ＭＳ Ｐゴシック" charset="-128"/>
+            </a:endParaRPr>
+          </a:p>
+          <a:p>
+            <a:r>
+              <a:rPr lang="en-US" altLang="en-US" dirty="0">
+                <a:ea typeface="ＭＳ Ｐゴシック" charset="-128"/>
+              </a:rPr>
+              <a:t>I’m Dan Maxwell, the AI Trainer / Consultant for Research Computing.</a:t>
+            </a:r>
+          </a:p>
+          <a:p>
+            <a:endParaRPr lang="en-US" altLang="en-US" dirty="0">
+              <a:ea typeface="ＭＳ Ｐゴシック" charset="-128"/>
+            </a:endParaRPr>
+          </a:p>
+          <a:p>
+            <a:r>
+              <a:rPr lang="en-US" baseline="0" dirty="0"/>
+              <a:t>In this briefing, I will introduce you to the Python strings.</a:t>
+            </a:r>
+          </a:p>
+          <a:p>
+            <a:endParaRPr lang="en-US" baseline="0" dirty="0"/>
+          </a:p>
+          <a:p>
+            <a:r>
+              <a:rPr lang="en-US" baseline="0" dirty="0"/>
+              <a:t>[NEXT SLIDE]</a:t>
+            </a:r>
             <a:endParaRPr lang="en-US" dirty="0"/>
+          </a:p>
+          <a:p>
+            <a:endParaRPr lang="en-US" dirty="0">
+              <a:latin typeface="Palatino Linotype" panose="02040502050505030304" pitchFamily="18" charset="0"/>
+            </a:endParaRPr>
           </a:p>
         </p:txBody>
       </p:sp>
@@ -1910,7 +3179,7 @@
           <a:p>
             <a:fld id="{3148858F-F1DB-4027-9C85-CCA6849540DD}" type="slidenum">
               <a:rPr lang="en-US" smtClean="0"/>
-              <a:t>24</a:t>
+              <a:t>20</a:t>
             </a:fld>
             <a:endParaRPr lang="en-US"/>
           </a:p>
@@ -1919,7 +3188,7 @@
     </p:spTree>
     <p:extLst>
       <p:ext uri="{BB962C8B-B14F-4D97-AF65-F5344CB8AC3E}">
-        <p14:creationId xmlns:p14="http://schemas.microsoft.com/office/powerpoint/2010/main" val="555085068"/>
+        <p14:creationId xmlns:p14="http://schemas.microsoft.com/office/powerpoint/2010/main" val="94832431"/>
       </p:ext>
     </p:extLst>
   </p:cSld>
@@ -1992,7 +3261,50 @@
             </a:pPr>
             <a:r>
               <a:rPr lang="en-US" dirty="0"/>
-              <a:t>Setup Instructions…</a:t>
+              <a:t>In Python, individual characters are the building blocks of a string.  A character can be an alphabetical letter, a blank space, or a special character – a punctuation mark, as we see here.</a:t>
+            </a:r>
+          </a:p>
+          <a:p>
+            <a:pPr marL="0" marR="0" lvl="0" indent="0" algn="l" defTabSz="914400" rtl="0" eaLnBrk="1" fontAlgn="auto" latinLnBrk="0" hangingPunct="1">
+              <a:lnSpc>
+                <a:spcPct val="100000"/>
+              </a:lnSpc>
+              <a:spcBef>
+                <a:spcPts val="0"/>
+              </a:spcBef>
+              <a:spcAft>
+                <a:spcPts val="0"/>
+              </a:spcAft>
+              <a:buClrTx/>
+              <a:buSzTx/>
+              <a:buFontTx/>
+              <a:buNone/>
+              <a:tabLst/>
+              <a:defRPr/>
+            </a:pPr>
+            <a:endParaRPr lang="en-US" dirty="0"/>
+          </a:p>
+          <a:p>
+            <a:pPr marL="0" marR="0" lvl="0" indent="0" algn="l" defTabSz="914400" rtl="0" eaLnBrk="1" fontAlgn="auto" latinLnBrk="0" hangingPunct="1">
+              <a:lnSpc>
+                <a:spcPct val="100000"/>
+              </a:lnSpc>
+              <a:spcBef>
+                <a:spcPts val="0"/>
+              </a:spcBef>
+              <a:spcAft>
+                <a:spcPts val="0"/>
+              </a:spcAft>
+              <a:buClrTx/>
+              <a:buSzTx/>
+              <a:buFontTx/>
+              <a:buNone/>
+              <a:tabLst/>
+              <a:defRPr/>
+            </a:pPr>
+            <a:r>
+              <a:rPr lang="en-US" dirty="0"/>
+              <a:t>[NEXT SLIDE]</a:t>
             </a:r>
           </a:p>
         </p:txBody>
@@ -2014,6 +3326,404 @@
           <a:p>
             <a:fld id="{3148858F-F1DB-4027-9C85-CCA6849540DD}" type="slidenum">
               <a:rPr lang="en-US" smtClean="0"/>
+              <a:t>21</a:t>
+            </a:fld>
+            <a:endParaRPr lang="en-US"/>
+          </a:p>
+        </p:txBody>
+      </p:sp>
+    </p:spTree>
+    <p:extLst>
+      <p:ext uri="{BB962C8B-B14F-4D97-AF65-F5344CB8AC3E}">
+        <p14:creationId xmlns:p14="http://schemas.microsoft.com/office/powerpoint/2010/main" val="2996454508"/>
+      </p:ext>
+    </p:extLst>
+  </p:cSld>
+  <p:clrMapOvr>
+    <a:masterClrMapping/>
+  </p:clrMapOvr>
+</p:notes>
+</file>
+
+<file path=ppt/notesSlides/notesSlide22.xml><?xml version="1.0" encoding="utf-8"?>
+<p:notes xmlns:a="http://schemas.openxmlformats.org/drawingml/2006/main" xmlns:r="http://schemas.openxmlformats.org/officeDocument/2006/relationships" xmlns:p="http://schemas.openxmlformats.org/presentationml/2006/main">
+  <p:cSld>
+    <p:spTree>
+      <p:nvGrpSpPr>
+        <p:cNvPr id="1" name=""/>
+        <p:cNvGrpSpPr/>
+        <p:nvPr/>
+      </p:nvGrpSpPr>
+      <p:grpSpPr>
+        <a:xfrm>
+          <a:off x="0" y="0"/>
+          <a:ext cx="0" cy="0"/>
+          <a:chOff x="0" y="0"/>
+          <a:chExt cx="0" cy="0"/>
+        </a:xfrm>
+      </p:grpSpPr>
+      <p:sp>
+        <p:nvSpPr>
+          <p:cNvPr id="2" name="Slide Image Placeholder 1"/>
+          <p:cNvSpPr>
+            <a:spLocks noGrp="1" noRot="1" noChangeAspect="1"/>
+          </p:cNvSpPr>
+          <p:nvPr>
+            <p:ph type="sldImg"/>
+          </p:nvPr>
+        </p:nvSpPr>
+        <p:spPr/>
+      </p:sp>
+      <p:sp>
+        <p:nvSpPr>
+          <p:cNvPr id="3" name="Notes Placeholder 2"/>
+          <p:cNvSpPr>
+            <a:spLocks noGrp="1"/>
+          </p:cNvSpPr>
+          <p:nvPr>
+            <p:ph type="body" idx="1"/>
+          </p:nvPr>
+        </p:nvSpPr>
+        <p:spPr/>
+        <p:txBody>
+          <a:bodyPr/>
+          <a:lstStyle/>
+          <a:p>
+            <a:pPr marL="0" marR="0" lvl="0" indent="0" algn="l" defTabSz="914400" rtl="0" eaLnBrk="1" fontAlgn="auto" latinLnBrk="0" hangingPunct="1">
+              <a:lnSpc>
+                <a:spcPct val="100000"/>
+              </a:lnSpc>
+              <a:spcBef>
+                <a:spcPts val="0"/>
+              </a:spcBef>
+              <a:spcAft>
+                <a:spcPts val="0"/>
+              </a:spcAft>
+              <a:buClrTx/>
+              <a:buSzTx/>
+              <a:buFontTx/>
+              <a:buNone/>
+              <a:tabLst/>
+              <a:defRPr/>
+            </a:pPr>
+            <a:r>
+              <a:rPr lang="en-US" dirty="0"/>
+              <a:t>Keep in mind that Python indexes start at 0.  As we see here, the first letter in this string (S) is at index position 0. </a:t>
+            </a:r>
+          </a:p>
+          <a:p>
+            <a:pPr marL="0" marR="0" lvl="0" indent="0" algn="l" defTabSz="914400" rtl="0" eaLnBrk="1" fontAlgn="auto" latinLnBrk="0" hangingPunct="1">
+              <a:lnSpc>
+                <a:spcPct val="100000"/>
+              </a:lnSpc>
+              <a:spcBef>
+                <a:spcPts val="0"/>
+              </a:spcBef>
+              <a:spcAft>
+                <a:spcPts val="0"/>
+              </a:spcAft>
+              <a:buClrTx/>
+              <a:buSzTx/>
+              <a:buFontTx/>
+              <a:buNone/>
+              <a:tabLst/>
+              <a:defRPr/>
+            </a:pPr>
+            <a:endParaRPr lang="en-US" dirty="0"/>
+          </a:p>
+          <a:p>
+            <a:pPr marL="0" marR="0" lvl="0" indent="0" algn="l" defTabSz="914400" rtl="0" eaLnBrk="1" fontAlgn="auto" latinLnBrk="0" hangingPunct="1">
+              <a:lnSpc>
+                <a:spcPct val="100000"/>
+              </a:lnSpc>
+              <a:spcBef>
+                <a:spcPts val="0"/>
+              </a:spcBef>
+              <a:spcAft>
+                <a:spcPts val="0"/>
+              </a:spcAft>
+              <a:buClrTx/>
+              <a:buSzTx/>
+              <a:buFontTx/>
+              <a:buNone/>
+              <a:tabLst/>
+              <a:defRPr/>
+            </a:pPr>
+            <a:r>
+              <a:rPr lang="en-US" dirty="0"/>
+              <a:t>[NEXT SLIDE]</a:t>
+            </a:r>
+          </a:p>
+        </p:txBody>
+      </p:sp>
+      <p:sp>
+        <p:nvSpPr>
+          <p:cNvPr id="4" name="Slide Number Placeholder 3"/>
+          <p:cNvSpPr>
+            <a:spLocks noGrp="1"/>
+          </p:cNvSpPr>
+          <p:nvPr>
+            <p:ph type="sldNum" sz="quarter" idx="5"/>
+          </p:nvPr>
+        </p:nvSpPr>
+        <p:spPr/>
+        <p:txBody>
+          <a:bodyPr/>
+          <a:lstStyle/>
+          <a:p>
+            <a:fld id="{3148858F-F1DB-4027-9C85-CCA6849540DD}" type="slidenum">
+              <a:rPr lang="en-US" smtClean="0"/>
+              <a:t>22</a:t>
+            </a:fld>
+            <a:endParaRPr lang="en-US"/>
+          </a:p>
+        </p:txBody>
+      </p:sp>
+    </p:spTree>
+    <p:extLst>
+      <p:ext uri="{BB962C8B-B14F-4D97-AF65-F5344CB8AC3E}">
+        <p14:creationId xmlns:p14="http://schemas.microsoft.com/office/powerpoint/2010/main" val="30799508"/>
+      </p:ext>
+    </p:extLst>
+  </p:cSld>
+  <p:clrMapOvr>
+    <a:masterClrMapping/>
+  </p:clrMapOvr>
+</p:notes>
+</file>
+
+<file path=ppt/notesSlides/notesSlide23.xml><?xml version="1.0" encoding="utf-8"?>
+<p:notes xmlns:a="http://schemas.openxmlformats.org/drawingml/2006/main" xmlns:r="http://schemas.openxmlformats.org/officeDocument/2006/relationships" xmlns:p="http://schemas.openxmlformats.org/presentationml/2006/main">
+  <p:cSld>
+    <p:spTree>
+      <p:nvGrpSpPr>
+        <p:cNvPr id="1" name=""/>
+        <p:cNvGrpSpPr/>
+        <p:nvPr/>
+      </p:nvGrpSpPr>
+      <p:grpSpPr>
+        <a:xfrm>
+          <a:off x="0" y="0"/>
+          <a:ext cx="0" cy="0"/>
+          <a:chOff x="0" y="0"/>
+          <a:chExt cx="0" cy="0"/>
+        </a:xfrm>
+      </p:grpSpPr>
+      <p:sp>
+        <p:nvSpPr>
+          <p:cNvPr id="2" name="Slide Image Placeholder 1"/>
+          <p:cNvSpPr>
+            <a:spLocks noGrp="1" noRot="1" noChangeAspect="1"/>
+          </p:cNvSpPr>
+          <p:nvPr>
+            <p:ph type="sldImg"/>
+          </p:nvPr>
+        </p:nvSpPr>
+        <p:spPr/>
+      </p:sp>
+      <p:sp>
+        <p:nvSpPr>
+          <p:cNvPr id="3" name="Notes Placeholder 2"/>
+          <p:cNvSpPr>
+            <a:spLocks noGrp="1"/>
+          </p:cNvSpPr>
+          <p:nvPr>
+            <p:ph type="body" idx="1"/>
+          </p:nvPr>
+        </p:nvSpPr>
+        <p:spPr/>
+        <p:txBody>
+          <a:bodyPr/>
+          <a:lstStyle/>
+          <a:p>
+            <a:pPr marL="0" marR="0" lvl="0" indent="0" algn="l" defTabSz="914400" rtl="0" eaLnBrk="1" fontAlgn="auto" latinLnBrk="0" hangingPunct="1">
+              <a:lnSpc>
+                <a:spcPct val="100000"/>
+              </a:lnSpc>
+              <a:spcBef>
+                <a:spcPts val="0"/>
+              </a:spcBef>
+              <a:spcAft>
+                <a:spcPts val="0"/>
+              </a:spcAft>
+              <a:buClrTx/>
+              <a:buSzTx/>
+              <a:buFontTx/>
+              <a:buNone/>
+              <a:tabLst/>
+              <a:defRPr/>
+            </a:pPr>
+            <a:r>
+              <a:rPr lang="en-US" dirty="0"/>
+              <a:t>And here we see a list of escape sequences that can be embedded in your strings.  Escape sequences are useful when you need to format a text string in a unique way.</a:t>
+            </a:r>
+          </a:p>
+          <a:p>
+            <a:pPr marL="0" marR="0" lvl="0" indent="0" algn="l" defTabSz="914400" rtl="0" eaLnBrk="1" fontAlgn="auto" latinLnBrk="0" hangingPunct="1">
+              <a:lnSpc>
+                <a:spcPct val="100000"/>
+              </a:lnSpc>
+              <a:spcBef>
+                <a:spcPts val="0"/>
+              </a:spcBef>
+              <a:spcAft>
+                <a:spcPts val="0"/>
+              </a:spcAft>
+              <a:buClrTx/>
+              <a:buSzTx/>
+              <a:buFontTx/>
+              <a:buNone/>
+              <a:tabLst/>
+              <a:defRPr/>
+            </a:pPr>
+            <a:endParaRPr lang="en-US" dirty="0"/>
+          </a:p>
+          <a:p>
+            <a:pPr marL="0" marR="0" lvl="0" indent="0" algn="l" defTabSz="914400" rtl="0" eaLnBrk="1" fontAlgn="auto" latinLnBrk="0" hangingPunct="1">
+              <a:lnSpc>
+                <a:spcPct val="100000"/>
+              </a:lnSpc>
+              <a:spcBef>
+                <a:spcPts val="0"/>
+              </a:spcBef>
+              <a:spcAft>
+                <a:spcPts val="0"/>
+              </a:spcAft>
+              <a:buClrTx/>
+              <a:buSzTx/>
+              <a:buFontTx/>
+              <a:buNone/>
+              <a:tabLst/>
+              <a:defRPr/>
+            </a:pPr>
+            <a:r>
+              <a:rPr lang="en-US" dirty="0"/>
+              <a:t>[NEXT SLIDE]</a:t>
+            </a:r>
+          </a:p>
+        </p:txBody>
+      </p:sp>
+      <p:sp>
+        <p:nvSpPr>
+          <p:cNvPr id="4" name="Slide Number Placeholder 3"/>
+          <p:cNvSpPr>
+            <a:spLocks noGrp="1"/>
+          </p:cNvSpPr>
+          <p:nvPr>
+            <p:ph type="sldNum" sz="quarter" idx="5"/>
+          </p:nvPr>
+        </p:nvSpPr>
+        <p:spPr/>
+        <p:txBody>
+          <a:bodyPr/>
+          <a:lstStyle/>
+          <a:p>
+            <a:fld id="{3148858F-F1DB-4027-9C85-CCA6849540DD}" type="slidenum">
+              <a:rPr lang="en-US" smtClean="0"/>
+              <a:t>23</a:t>
+            </a:fld>
+            <a:endParaRPr lang="en-US"/>
+          </a:p>
+        </p:txBody>
+      </p:sp>
+    </p:spTree>
+    <p:extLst>
+      <p:ext uri="{BB962C8B-B14F-4D97-AF65-F5344CB8AC3E}">
+        <p14:creationId xmlns:p14="http://schemas.microsoft.com/office/powerpoint/2010/main" val="555085068"/>
+      </p:ext>
+    </p:extLst>
+  </p:cSld>
+  <p:clrMapOvr>
+    <a:masterClrMapping/>
+  </p:clrMapOvr>
+</p:notes>
+</file>
+
+<file path=ppt/notesSlides/notesSlide24.xml><?xml version="1.0" encoding="utf-8"?>
+<p:notes xmlns:a="http://schemas.openxmlformats.org/drawingml/2006/main" xmlns:r="http://schemas.openxmlformats.org/officeDocument/2006/relationships" xmlns:p="http://schemas.openxmlformats.org/presentationml/2006/main">
+  <p:cSld>
+    <p:spTree>
+      <p:nvGrpSpPr>
+        <p:cNvPr id="1" name=""/>
+        <p:cNvGrpSpPr/>
+        <p:nvPr/>
+      </p:nvGrpSpPr>
+      <p:grpSpPr>
+        <a:xfrm>
+          <a:off x="0" y="0"/>
+          <a:ext cx="0" cy="0"/>
+          <a:chOff x="0" y="0"/>
+          <a:chExt cx="0" cy="0"/>
+        </a:xfrm>
+      </p:grpSpPr>
+      <p:sp>
+        <p:nvSpPr>
+          <p:cNvPr id="2" name="Slide Image Placeholder 1"/>
+          <p:cNvSpPr>
+            <a:spLocks noGrp="1" noRot="1" noChangeAspect="1"/>
+          </p:cNvSpPr>
+          <p:nvPr>
+            <p:ph type="sldImg"/>
+          </p:nvPr>
+        </p:nvSpPr>
+        <p:spPr/>
+      </p:sp>
+      <p:sp>
+        <p:nvSpPr>
+          <p:cNvPr id="3" name="Notes Placeholder 2"/>
+          <p:cNvSpPr>
+            <a:spLocks noGrp="1"/>
+          </p:cNvSpPr>
+          <p:nvPr>
+            <p:ph type="body" idx="1"/>
+          </p:nvPr>
+        </p:nvSpPr>
+        <p:spPr/>
+        <p:txBody>
+          <a:bodyPr/>
+          <a:lstStyle/>
+          <a:p>
+            <a:pPr marL="0" marR="0" lvl="0" indent="0" algn="l" defTabSz="914400" rtl="0" eaLnBrk="1" fontAlgn="auto" latinLnBrk="0" hangingPunct="1">
+              <a:lnSpc>
+                <a:spcPct val="100000"/>
+              </a:lnSpc>
+              <a:spcBef>
+                <a:spcPts val="0"/>
+              </a:spcBef>
+              <a:spcAft>
+                <a:spcPts val="0"/>
+              </a:spcAft>
+              <a:buClrTx/>
+              <a:buSzTx/>
+              <a:buFontTx/>
+              <a:buNone/>
+              <a:tabLst/>
+              <a:defRPr/>
+            </a:pPr>
+            <a:r>
+              <a:rPr lang="en-US" dirty="0"/>
+              <a:t>Setup Instructions…</a:t>
+            </a:r>
+          </a:p>
+        </p:txBody>
+      </p:sp>
+      <p:sp>
+        <p:nvSpPr>
+          <p:cNvPr id="4" name="Slide Number Placeholder 3"/>
+          <p:cNvSpPr>
+            <a:spLocks noGrp="1"/>
+          </p:cNvSpPr>
+          <p:nvPr>
+            <p:ph type="sldNum" sz="quarter" idx="5"/>
+          </p:nvPr>
+        </p:nvSpPr>
+        <p:spPr/>
+        <p:txBody>
+          <a:bodyPr/>
+          <a:lstStyle/>
+          <a:p>
+            <a:fld id="{3148858F-F1DB-4027-9C85-CCA6849540DD}" type="slidenum">
+              <a:rPr lang="en-US" smtClean="0"/>
               <a:t>25</a:t>
             </a:fld>
             <a:endParaRPr lang="en-US"/>
@@ -2024,6 +3734,107 @@
     <p:extLst>
       <p:ext uri="{BB962C8B-B14F-4D97-AF65-F5344CB8AC3E}">
         <p14:creationId xmlns:p14="http://schemas.microsoft.com/office/powerpoint/2010/main" val="1279646560"/>
+      </p:ext>
+    </p:extLst>
+  </p:cSld>
+  <p:clrMapOvr>
+    <a:masterClrMapping/>
+  </p:clrMapOvr>
+</p:notes>
+</file>
+
+<file path=ppt/notesSlides/notesSlide25.xml><?xml version="1.0" encoding="utf-8"?>
+<p:notes xmlns:a="http://schemas.openxmlformats.org/drawingml/2006/main" xmlns:r="http://schemas.openxmlformats.org/officeDocument/2006/relationships" xmlns:p="http://schemas.openxmlformats.org/presentationml/2006/main">
+  <p:cSld>
+    <p:spTree>
+      <p:nvGrpSpPr>
+        <p:cNvPr id="1" name=""/>
+        <p:cNvGrpSpPr/>
+        <p:nvPr/>
+      </p:nvGrpSpPr>
+      <p:grpSpPr>
+        <a:xfrm>
+          <a:off x="0" y="0"/>
+          <a:ext cx="0" cy="0"/>
+          <a:chOff x="0" y="0"/>
+          <a:chExt cx="0" cy="0"/>
+        </a:xfrm>
+      </p:grpSpPr>
+      <p:sp>
+        <p:nvSpPr>
+          <p:cNvPr id="2" name="Slide Image Placeholder 1"/>
+          <p:cNvSpPr>
+            <a:spLocks noGrp="1" noRot="1" noChangeAspect="1"/>
+          </p:cNvSpPr>
+          <p:nvPr>
+            <p:ph type="sldImg"/>
+          </p:nvPr>
+        </p:nvSpPr>
+        <p:spPr/>
+      </p:sp>
+      <p:sp>
+        <p:nvSpPr>
+          <p:cNvPr id="3" name="Notes Placeholder 2"/>
+          <p:cNvSpPr>
+            <a:spLocks noGrp="1"/>
+          </p:cNvSpPr>
+          <p:nvPr>
+            <p:ph type="body" idx="1"/>
+          </p:nvPr>
+        </p:nvSpPr>
+        <p:spPr/>
+        <p:txBody>
+          <a:bodyPr/>
+          <a:lstStyle/>
+          <a:p>
+            <a:pPr marL="0" marR="0" lvl="0" indent="0" algn="l" defTabSz="914400" rtl="0" eaLnBrk="1" fontAlgn="auto" latinLnBrk="0" hangingPunct="1">
+              <a:lnSpc>
+                <a:spcPct val="100000"/>
+              </a:lnSpc>
+              <a:spcBef>
+                <a:spcPts val="0"/>
+              </a:spcBef>
+              <a:spcAft>
+                <a:spcPts val="0"/>
+              </a:spcAft>
+              <a:buClrTx/>
+              <a:buSzTx/>
+              <a:buFontTx/>
+              <a:buNone/>
+              <a:tabLst/>
+              <a:defRPr/>
+            </a:pPr>
+            <a:endParaRPr lang="en-US" dirty="0"/>
+          </a:p>
+        </p:txBody>
+      </p:sp>
+      <p:sp>
+        <p:nvSpPr>
+          <p:cNvPr id="4" name="Slide Number Placeholder 3"/>
+          <p:cNvSpPr>
+            <a:spLocks noGrp="1"/>
+          </p:cNvSpPr>
+          <p:nvPr>
+            <p:ph type="sldNum" sz="quarter" idx="5"/>
+          </p:nvPr>
+        </p:nvSpPr>
+        <p:spPr/>
+        <p:txBody>
+          <a:bodyPr/>
+          <a:lstStyle/>
+          <a:p>
+            <a:fld id="{3148858F-F1DB-4027-9C85-CCA6849540DD}" type="slidenum">
+              <a:rPr lang="en-US" smtClean="0"/>
+              <a:t>26</a:t>
+            </a:fld>
+            <a:endParaRPr lang="en-US"/>
+          </a:p>
+        </p:txBody>
+      </p:sp>
+    </p:spTree>
+    <p:extLst>
+      <p:ext uri="{BB962C8B-B14F-4D97-AF65-F5344CB8AC3E}">
+        <p14:creationId xmlns:p14="http://schemas.microsoft.com/office/powerpoint/2010/main" val="4054386845"/>
       </p:ext>
     </p:extLst>
   </p:cSld>
@@ -2077,7 +3888,206 @@
           <a:bodyPr/>
           <a:lstStyle/>
           <a:p>
-            <a:endParaRPr lang="en-US" dirty="0"/>
+            <a:pPr>
+              <a:lnSpc>
+                <a:spcPct val="120000"/>
+              </a:lnSpc>
+            </a:pPr>
+            <a:r>
+              <a:rPr lang="en-US" sz="1200" dirty="0">
+                <a:latin typeface="+mn-lt"/>
+              </a:rPr>
+              <a:t>Python variables are </a:t>
+            </a:r>
+            <a:r>
+              <a:rPr lang="en-US" sz="1200" dirty="0">
+                <a:solidFill>
+                  <a:srgbClr val="5A5AA8"/>
+                </a:solidFill>
+                <a:latin typeface="+mn-lt"/>
+              </a:rPr>
+              <a:t>dynamically </a:t>
+            </a:r>
+            <a:r>
+              <a:rPr lang="en-US" sz="1200" dirty="0">
+                <a:latin typeface="+mn-lt"/>
+              </a:rPr>
+              <a:t>declared</a:t>
+            </a:r>
+          </a:p>
+          <a:p>
+            <a:pPr>
+              <a:lnSpc>
+                <a:spcPct val="120000"/>
+              </a:lnSpc>
+            </a:pPr>
+            <a:endParaRPr lang="en-US" sz="1200" dirty="0">
+              <a:latin typeface="+mn-lt"/>
+            </a:endParaRPr>
+          </a:p>
+          <a:p>
+            <a:pPr>
+              <a:lnSpc>
+                <a:spcPct val="120000"/>
+              </a:lnSpc>
+            </a:pPr>
+            <a:r>
+              <a:rPr lang="en-US" sz="1200" dirty="0">
+                <a:latin typeface="+mn-lt"/>
+              </a:rPr>
+              <a:t>The data type is inferred by the data that is assigned </a:t>
+            </a:r>
+            <a:r>
+              <a:rPr lang="en-US" sz="1200" dirty="0">
+                <a:solidFill>
+                  <a:srgbClr val="5A5AA8"/>
+                </a:solidFill>
+                <a:latin typeface="+mn-lt"/>
+              </a:rPr>
+              <a:t>(unless specifically defined)</a:t>
+            </a:r>
+          </a:p>
+          <a:p>
+            <a:pPr>
+              <a:lnSpc>
+                <a:spcPct val="120000"/>
+              </a:lnSpc>
+            </a:pPr>
+            <a:endParaRPr lang="en-US" sz="1200" dirty="0">
+              <a:solidFill>
+                <a:srgbClr val="5A5AA8"/>
+              </a:solidFill>
+              <a:latin typeface="+mn-lt"/>
+            </a:endParaRPr>
+          </a:p>
+          <a:p>
+            <a:pPr lvl="0">
+              <a:lnSpc>
+                <a:spcPct val="120000"/>
+              </a:lnSpc>
+            </a:pPr>
+            <a:r>
+              <a:rPr lang="en-US" sz="1200" b="1" dirty="0">
+                <a:solidFill>
+                  <a:srgbClr val="5A5AA8"/>
+                </a:solidFill>
+                <a:latin typeface="+mn-lt"/>
+              </a:rPr>
+              <a:t>Pros</a:t>
+            </a:r>
+            <a:r>
+              <a:rPr lang="en-US" sz="1200" dirty="0">
+                <a:solidFill>
+                  <a:srgbClr val="64BA7F"/>
+                </a:solidFill>
+                <a:latin typeface="+mn-lt"/>
+              </a:rPr>
+              <a:t> </a:t>
+            </a:r>
+          </a:p>
+          <a:p>
+            <a:pPr marL="342900" lvl="0" indent="-342900">
+              <a:lnSpc>
+                <a:spcPct val="120000"/>
+              </a:lnSpc>
+              <a:buFont typeface="Courier New" panose="02070309020205020404" pitchFamily="49" charset="0"/>
+              <a:buChar char="o"/>
+            </a:pPr>
+            <a:r>
+              <a:rPr lang="en-US" sz="1200" dirty="0">
+                <a:latin typeface="+mn-lt"/>
+              </a:rPr>
+              <a:t>Quick</a:t>
+            </a:r>
+          </a:p>
+          <a:p>
+            <a:pPr marL="342900" lvl="0" indent="-342900">
+              <a:lnSpc>
+                <a:spcPct val="120000"/>
+              </a:lnSpc>
+              <a:buFont typeface="Courier New" panose="02070309020205020404" pitchFamily="49" charset="0"/>
+              <a:buChar char="o"/>
+            </a:pPr>
+            <a:r>
+              <a:rPr lang="en-US" sz="1200" dirty="0">
+                <a:latin typeface="+mn-lt"/>
+              </a:rPr>
+              <a:t>Usually correct</a:t>
+            </a:r>
+          </a:p>
+          <a:p>
+            <a:pPr marL="0" lvl="0" indent="0">
+              <a:lnSpc>
+                <a:spcPct val="120000"/>
+              </a:lnSpc>
+              <a:buNone/>
+            </a:pPr>
+            <a:endParaRPr lang="en-US" sz="1200" b="1" dirty="0">
+              <a:solidFill>
+                <a:srgbClr val="5A5AA8"/>
+              </a:solidFill>
+              <a:latin typeface="+mn-lt"/>
+            </a:endParaRPr>
+          </a:p>
+          <a:p>
+            <a:pPr marL="0" lvl="0" indent="0">
+              <a:lnSpc>
+                <a:spcPct val="120000"/>
+              </a:lnSpc>
+              <a:buNone/>
+            </a:pPr>
+            <a:r>
+              <a:rPr lang="en-US" sz="1200" b="1" dirty="0">
+                <a:solidFill>
+                  <a:srgbClr val="5A5AA8"/>
+                </a:solidFill>
+                <a:latin typeface="+mn-lt"/>
+              </a:rPr>
+              <a:t>Cons </a:t>
+            </a:r>
+          </a:p>
+          <a:p>
+            <a:pPr marL="342900" lvl="0" indent="-342900">
+              <a:lnSpc>
+                <a:spcPct val="120000"/>
+              </a:lnSpc>
+              <a:buFont typeface="Courier New" panose="02070309020205020404" pitchFamily="49" charset="0"/>
+              <a:buChar char="o"/>
+            </a:pPr>
+            <a:r>
+              <a:rPr lang="en-US" sz="1200" dirty="0">
+                <a:latin typeface="+mn-lt"/>
+              </a:rPr>
+              <a:t>May get unintended results</a:t>
+            </a:r>
+          </a:p>
+          <a:p>
+            <a:pPr marL="342900" lvl="0" indent="-342900">
+              <a:lnSpc>
+                <a:spcPct val="120000"/>
+              </a:lnSpc>
+              <a:buFont typeface="Courier New" panose="02070309020205020404" pitchFamily="49" charset="0"/>
+              <a:buChar char="o"/>
+            </a:pPr>
+            <a:r>
+              <a:rPr lang="en-US" sz="1200" dirty="0">
+                <a:latin typeface="+mn-lt"/>
+              </a:rPr>
+              <a:t>Doesn't flag errors</a:t>
+            </a:r>
+          </a:p>
+          <a:p>
+            <a:endParaRPr lang="en-US" sz="1200" dirty="0">
+              <a:latin typeface="+mn-lt"/>
+            </a:endParaRPr>
+          </a:p>
+          <a:p>
+            <a:r>
+              <a:rPr lang="en-US" sz="1200" dirty="0">
+                <a:latin typeface="+mn-lt"/>
+              </a:rPr>
+              <a:t>[NEXT SLIDE]</a:t>
+            </a:r>
           </a:p>
         </p:txBody>
       </p:sp>
@@ -2161,7 +4171,315 @@
           <a:bodyPr/>
           <a:lstStyle/>
           <a:p>
-            <a:endParaRPr lang="en-US" dirty="0"/>
+            <a:pPr marL="0" indent="0">
+              <a:lnSpc>
+                <a:spcPct val="100000"/>
+              </a:lnSpc>
+              <a:buNone/>
+            </a:pPr>
+            <a:r>
+              <a:rPr lang="en-US" dirty="0">
+                <a:latin typeface="+mn-lt"/>
+              </a:rPr>
+              <a:t>Variable names (in Python) are </a:t>
+            </a:r>
+            <a:r>
+              <a:rPr lang="en-US" u="sng" dirty="0">
+                <a:solidFill>
+                  <a:srgbClr val="5A5AA8"/>
+                </a:solidFill>
+                <a:latin typeface="+mn-lt"/>
+              </a:rPr>
+              <a:t>case sensitive</a:t>
+            </a:r>
+            <a:r>
+              <a:rPr lang="en-US" dirty="0">
+                <a:solidFill>
+                  <a:srgbClr val="5A5AA8"/>
+                </a:solidFill>
+                <a:latin typeface="+mn-lt"/>
+              </a:rPr>
+              <a:t> </a:t>
+            </a:r>
+            <a:r>
+              <a:rPr lang="en-US" dirty="0">
+                <a:latin typeface="+mn-lt"/>
+              </a:rPr>
+              <a:t>and </a:t>
+            </a:r>
+            <a:r>
+              <a:rPr lang="en-US" dirty="0">
+                <a:solidFill>
+                  <a:srgbClr val="5A5AA8"/>
+                </a:solidFill>
+                <a:latin typeface="+mn-lt"/>
+              </a:rPr>
+              <a:t>MUST</a:t>
+            </a:r>
+          </a:p>
+          <a:p>
+            <a:pPr marL="0" indent="0">
+              <a:lnSpc>
+                <a:spcPct val="100000"/>
+              </a:lnSpc>
+              <a:buNone/>
+            </a:pPr>
+            <a:endParaRPr lang="en-US" dirty="0">
+              <a:solidFill>
+                <a:srgbClr val="5A5AA8"/>
+              </a:solidFill>
+              <a:latin typeface="+mn-lt"/>
+            </a:endParaRPr>
+          </a:p>
+          <a:p>
+            <a:pPr marL="171450" lvl="0" indent="-171450">
+              <a:lnSpc>
+                <a:spcPct val="100000"/>
+              </a:lnSpc>
+              <a:buFont typeface="Courier New" panose="02070309020205020404" pitchFamily="49" charset="0"/>
+              <a:buChar char="o"/>
+            </a:pPr>
+            <a:r>
+              <a:rPr lang="en-US" dirty="0">
+                <a:latin typeface="+mn-lt"/>
+              </a:rPr>
+              <a:t> Begin with a </a:t>
+            </a:r>
+            <a:r>
+              <a:rPr lang="en-US" dirty="0">
+                <a:solidFill>
+                  <a:srgbClr val="5A5AA8"/>
+                </a:solidFill>
+                <a:latin typeface="+mn-lt"/>
+              </a:rPr>
+              <a:t>letter</a:t>
+            </a:r>
+            <a:r>
+              <a:rPr lang="en-US" dirty="0">
+                <a:latin typeface="+mn-lt"/>
+              </a:rPr>
+              <a:t> (or an</a:t>
+            </a:r>
+            <a:r>
+              <a:rPr lang="en-US" dirty="0">
+                <a:solidFill>
+                  <a:schemeClr val="accent5">
+                    <a:lumMod val="75000"/>
+                  </a:schemeClr>
+                </a:solidFill>
+                <a:latin typeface="+mn-lt"/>
+              </a:rPr>
+              <a:t> </a:t>
+            </a:r>
+            <a:r>
+              <a:rPr lang="en-US" dirty="0">
+                <a:solidFill>
+                  <a:srgbClr val="5A5AA8"/>
+                </a:solidFill>
+                <a:latin typeface="+mn-lt"/>
+              </a:rPr>
+              <a:t>underscore</a:t>
+            </a:r>
+            <a:r>
+              <a:rPr lang="en-US" dirty="0">
+                <a:latin typeface="+mn-lt"/>
+              </a:rPr>
+              <a:t>)</a:t>
+            </a:r>
+          </a:p>
+          <a:p>
+            <a:pPr marL="171450" lvl="0" indent="-171450">
+              <a:lnSpc>
+                <a:spcPct val="100000"/>
+              </a:lnSpc>
+              <a:buFont typeface="Courier New" panose="02070309020205020404" pitchFamily="49" charset="0"/>
+              <a:buChar char="o"/>
+            </a:pPr>
+            <a:r>
+              <a:rPr lang="en-US" dirty="0">
+                <a:latin typeface="+mn-lt"/>
+              </a:rPr>
+              <a:t> </a:t>
+            </a:r>
+            <a:r>
+              <a:rPr lang="en-US" dirty="0">
+                <a:solidFill>
+                  <a:srgbClr val="5A5AA8"/>
+                </a:solidFill>
+                <a:latin typeface="+mn-lt"/>
+              </a:rPr>
+              <a:t>Not</a:t>
+            </a:r>
+            <a:r>
+              <a:rPr lang="en-US" dirty="0">
+                <a:solidFill>
+                  <a:srgbClr val="64BA7F"/>
+                </a:solidFill>
+                <a:latin typeface="+mn-lt"/>
+              </a:rPr>
+              <a:t> </a:t>
+            </a:r>
+            <a:r>
+              <a:rPr lang="en-US" dirty="0">
+                <a:latin typeface="+mn-lt"/>
+              </a:rPr>
+              <a:t>contain a space or a period (.)</a:t>
+            </a:r>
+          </a:p>
+          <a:p>
+            <a:pPr marL="171450" lvl="0" indent="-171450">
+              <a:lnSpc>
+                <a:spcPct val="100000"/>
+              </a:lnSpc>
+              <a:buFont typeface="Courier New" panose="02070309020205020404" pitchFamily="49" charset="0"/>
+              <a:buChar char="o"/>
+            </a:pPr>
+            <a:r>
+              <a:rPr lang="en-US" dirty="0">
+                <a:latin typeface="+mn-lt"/>
+              </a:rPr>
+              <a:t> </a:t>
+            </a:r>
+            <a:r>
+              <a:rPr lang="en-US" dirty="0">
+                <a:solidFill>
+                  <a:srgbClr val="5A5AA8"/>
+                </a:solidFill>
+                <a:latin typeface="+mn-lt"/>
+              </a:rPr>
+              <a:t>Not</a:t>
+            </a:r>
+            <a:r>
+              <a:rPr lang="en-US" dirty="0">
+                <a:latin typeface="+mn-lt"/>
+              </a:rPr>
+              <a:t> be the same as a reserved keyword</a:t>
+            </a:r>
+          </a:p>
+          <a:p>
+            <a:pPr marL="628650" lvl="1" indent="-171450">
+              <a:lnSpc>
+                <a:spcPct val="100000"/>
+              </a:lnSpc>
+              <a:buFont typeface="Courier New" panose="02070309020205020404" pitchFamily="49" charset="0"/>
+              <a:buChar char="o"/>
+            </a:pPr>
+            <a:r>
+              <a:rPr lang="en-US" dirty="0">
+                <a:latin typeface="+mn-lt"/>
+              </a:rPr>
+              <a:t>But be careful these can </a:t>
+            </a:r>
+            <a:r>
+              <a:rPr lang="en-US" dirty="0">
+                <a:solidFill>
+                  <a:srgbClr val="5A5AA8"/>
+                </a:solidFill>
+                <a:latin typeface="+mn-lt"/>
+              </a:rPr>
+              <a:t>override</a:t>
+            </a:r>
+            <a:r>
+              <a:rPr lang="en-US" dirty="0">
+                <a:latin typeface="+mn-lt"/>
+              </a:rPr>
+              <a:t> other functions!</a:t>
+            </a:r>
+          </a:p>
+          <a:p>
+            <a:pPr marL="171450" lvl="0" indent="-171450">
+              <a:lnSpc>
+                <a:spcPct val="100000"/>
+              </a:lnSpc>
+              <a:buFont typeface="Courier New" panose="02070309020205020404" pitchFamily="49" charset="0"/>
+              <a:buChar char="o"/>
+            </a:pPr>
+            <a:r>
+              <a:rPr lang="en-US" dirty="0">
+                <a:latin typeface="+mn-lt"/>
+              </a:rPr>
+              <a:t> Be</a:t>
+            </a:r>
+            <a:r>
+              <a:rPr lang="en-US" dirty="0">
+                <a:solidFill>
+                  <a:srgbClr val="5A5AA8"/>
+                </a:solidFill>
+                <a:latin typeface="+mn-lt"/>
+              </a:rPr>
+              <a:t> unique </a:t>
+            </a:r>
+            <a:r>
+              <a:rPr lang="en-US" dirty="0">
+                <a:latin typeface="+mn-lt"/>
+              </a:rPr>
+              <a:t>(can’t be the same as another variable, function, </a:t>
+            </a:r>
+            <a:br>
+              <a:rPr lang="en-US" dirty="0">
+                <a:latin typeface="+mn-lt"/>
+              </a:rPr>
+            </a:br>
+            <a:r>
+              <a:rPr lang="en-US" dirty="0">
+                <a:latin typeface="+mn-lt"/>
+              </a:rPr>
+              <a:t> or subroutine name)</a:t>
+            </a:r>
+          </a:p>
+          <a:p>
+            <a:pPr marL="171450" lvl="0" indent="-171450">
+              <a:lnSpc>
+                <a:spcPct val="100000"/>
+              </a:lnSpc>
+              <a:buFont typeface="Courier New" panose="02070309020205020404" pitchFamily="49" charset="0"/>
+              <a:buChar char="o"/>
+            </a:pPr>
+            <a:r>
+              <a:rPr lang="en-US" dirty="0">
+                <a:latin typeface="+mn-lt"/>
+              </a:rPr>
+              <a:t> Not more than </a:t>
+            </a:r>
+            <a:r>
+              <a:rPr lang="en-US" dirty="0">
+                <a:solidFill>
+                  <a:srgbClr val="5A5AA8"/>
+                </a:solidFill>
+                <a:latin typeface="+mn-lt"/>
+              </a:rPr>
+              <a:t>79 </a:t>
+            </a:r>
+            <a:r>
+              <a:rPr lang="en-US" dirty="0">
+                <a:latin typeface="+mn-lt"/>
+              </a:rPr>
+              <a:t>Characters (if this is a problem, you’re </a:t>
+            </a:r>
+            <a:br>
+              <a:rPr lang="en-US" dirty="0">
+                <a:latin typeface="+mn-lt"/>
+              </a:rPr>
+            </a:br>
+            <a:r>
+              <a:rPr lang="en-US" dirty="0">
+                <a:latin typeface="+mn-lt"/>
+              </a:rPr>
+              <a:t> doing it wrong!)</a:t>
+            </a:r>
+          </a:p>
+          <a:p>
+            <a:endParaRPr lang="en-US" dirty="0">
+              <a:latin typeface="+mn-lt"/>
+            </a:endParaRPr>
+          </a:p>
+          <a:p>
+            <a:r>
+              <a:rPr lang="en-US" dirty="0">
+                <a:latin typeface="+mn-lt"/>
+              </a:rPr>
+              <a:t>[NEXT SLIDE]</a:t>
+            </a:r>
           </a:p>
         </p:txBody>
       </p:sp>
@@ -2245,14 +4563,19 @@
           <a:bodyPr/>
           <a:lstStyle/>
           <a:p>
-            <a:endParaRPr lang="en-US" dirty="0">
-              <a:latin typeface="Palatino Linotype" panose="02040502050505030304" pitchFamily="18" charset="0"/>
-            </a:endParaRPr>
-          </a:p>
-          <a:p>
-            <a:endParaRPr lang="en-US" dirty="0">
-              <a:latin typeface="Palatino Linotype" panose="02040502050505030304" pitchFamily="18" charset="0"/>
-            </a:endParaRPr>
+            <a:r>
+              <a:rPr lang="en-US" dirty="0"/>
+              <a:t>Every language has a set of reserved words.  And Python is no exception.  A reserved word cannot be used as a variable name.  Best practice is to simply avoid these words altogether.</a:t>
+            </a:r>
+          </a:p>
+          <a:p>
+            <a:endParaRPr lang="en-US" dirty="0"/>
+          </a:p>
+          <a:p>
+            <a:r>
+              <a:rPr lang="en-US" dirty="0"/>
+              <a:t>[NEXT SLIDE]</a:t>
+            </a:r>
           </a:p>
         </p:txBody>
       </p:sp>
@@ -2273,7 +4596,7 @@
           <a:p>
             <a:fld id="{3148858F-F1DB-4027-9C85-CCA6849540DD}" type="slidenum">
               <a:rPr lang="en-US" smtClean="0"/>
-              <a:t>7</a:t>
+              <a:t>5</a:t>
             </a:fld>
             <a:endParaRPr lang="en-US"/>
           </a:p>
@@ -2282,7 +4605,7 @@
     </p:spTree>
     <p:extLst>
       <p:ext uri="{BB962C8B-B14F-4D97-AF65-F5344CB8AC3E}">
-        <p14:creationId xmlns:p14="http://schemas.microsoft.com/office/powerpoint/2010/main" val="2552287042"/>
+        <p14:creationId xmlns:p14="http://schemas.microsoft.com/office/powerpoint/2010/main" val="2482006169"/>
       </p:ext>
     </p:extLst>
   </p:cSld>
@@ -2336,24 +4659,284 @@
           <a:bodyPr/>
           <a:lstStyle/>
           <a:p>
-            <a:pPr marL="0" marR="0" lvl="0" indent="0" algn="l" defTabSz="914400" rtl="0" eaLnBrk="1" fontAlgn="auto" latinLnBrk="0" hangingPunct="1">
+            <a:pPr marL="0" indent="0">
               <a:lnSpc>
-                <a:spcPct val="100000"/>
+                <a:spcPct val="120000"/>
               </a:lnSpc>
-              <a:spcBef>
-                <a:spcPts val="0"/>
-              </a:spcBef>
-              <a:spcAft>
-                <a:spcPts val="0"/>
-              </a:spcAft>
-              <a:buClrTx/>
-              <a:buSzTx/>
-              <a:buFontTx/>
               <a:buNone/>
-              <a:tabLst/>
-              <a:defRPr/>
             </a:pPr>
+            <a:r>
+              <a:rPr lang="en-US" u="none" dirty="0">
+                <a:latin typeface="+mn-lt"/>
+              </a:rPr>
+              <a:t>These naming suggests are recommended: </a:t>
+            </a:r>
+          </a:p>
+          <a:p>
+            <a:pPr marL="628650" lvl="1" indent="-171450">
+              <a:lnSpc>
+                <a:spcPct val="120000"/>
+              </a:lnSpc>
+              <a:buFont typeface="Courier New" panose="02070309020205020404" pitchFamily="49" charset="0"/>
+              <a:buChar char="o"/>
+            </a:pPr>
+            <a:r>
+              <a:rPr lang="en-US" dirty="0">
+                <a:latin typeface="+mn-lt"/>
+              </a:rPr>
+              <a:t>Make your names </a:t>
+            </a:r>
+            <a:r>
+              <a:rPr lang="en-US" dirty="0">
+                <a:solidFill>
+                  <a:srgbClr val="5A5AA8"/>
+                </a:solidFill>
+                <a:latin typeface="+mn-lt"/>
+              </a:rPr>
+              <a:t>intuitive, readable, concise, and consistent</a:t>
+            </a:r>
+            <a:r>
+              <a:rPr lang="en-US" dirty="0">
+                <a:latin typeface="+mn-lt"/>
+              </a:rPr>
+              <a:t>!</a:t>
+            </a:r>
+          </a:p>
+          <a:p>
+            <a:pPr marL="628650" lvl="1" indent="-171450">
+              <a:lnSpc>
+                <a:spcPct val="120000"/>
+              </a:lnSpc>
+              <a:buFont typeface="Courier New" panose="02070309020205020404" pitchFamily="49" charset="0"/>
+              <a:buChar char="o"/>
+            </a:pPr>
+            <a:r>
+              <a:rPr lang="en-US" dirty="0">
+                <a:latin typeface="+mn-lt"/>
+              </a:rPr>
+              <a:t>Begin variable names with a letter in lower case  (“</a:t>
+            </a:r>
+            <a:r>
+              <a:rPr lang="en-US" dirty="0">
+                <a:solidFill>
+                  <a:srgbClr val="5A5AA8"/>
+                </a:solidFill>
+                <a:latin typeface="+mn-lt"/>
+              </a:rPr>
+              <a:t>a</a:t>
+            </a:r>
+            <a:r>
+              <a:rPr lang="en-US" dirty="0">
+                <a:latin typeface="+mn-lt"/>
+              </a:rPr>
+              <a:t>” not “</a:t>
+            </a:r>
+            <a:r>
+              <a:rPr lang="en-US" dirty="0">
+                <a:solidFill>
+                  <a:srgbClr val="5A5AA8"/>
+                </a:solidFill>
+                <a:latin typeface="+mn-lt"/>
+              </a:rPr>
+              <a:t>A</a:t>
+            </a:r>
+            <a:r>
+              <a:rPr lang="en-US" dirty="0">
+                <a:latin typeface="+mn-lt"/>
+              </a:rPr>
+              <a:t>”)</a:t>
+            </a:r>
+          </a:p>
+          <a:p>
+            <a:pPr marL="628650" lvl="1" indent="-171450">
+              <a:lnSpc>
+                <a:spcPct val="120000"/>
+              </a:lnSpc>
+              <a:buFont typeface="Courier New" panose="02070309020205020404" pitchFamily="49" charset="0"/>
+              <a:buChar char="o"/>
+            </a:pPr>
+            <a:r>
+              <a:rPr lang="en-US" dirty="0">
+                <a:latin typeface="+mn-lt"/>
+              </a:rPr>
+              <a:t>Use “</a:t>
+            </a:r>
+            <a:r>
+              <a:rPr lang="en-US" dirty="0">
+                <a:solidFill>
+                  <a:srgbClr val="5A5AA8"/>
+                </a:solidFill>
+                <a:latin typeface="+mn-lt"/>
+              </a:rPr>
+              <a:t>camel casing</a:t>
+            </a:r>
+            <a:r>
+              <a:rPr lang="en-US" dirty="0">
+                <a:latin typeface="+mn-lt"/>
+              </a:rPr>
+              <a:t>” – capitalize each new “word”  (</a:t>
+            </a:r>
+            <a:r>
+              <a:rPr lang="en-US" dirty="0" err="1">
+                <a:solidFill>
+                  <a:srgbClr val="5A5AA8"/>
+                </a:solidFill>
+                <a:latin typeface="+mn-lt"/>
+              </a:rPr>
+              <a:t>myVar</a:t>
+            </a:r>
+            <a:r>
+              <a:rPr lang="en-US" dirty="0">
+                <a:solidFill>
+                  <a:srgbClr val="5A5AA8"/>
+                </a:solidFill>
+                <a:latin typeface="+mn-lt"/>
+              </a:rPr>
+              <a:t>, </a:t>
+            </a:r>
+            <a:r>
+              <a:rPr lang="en-US" dirty="0" err="1">
+                <a:solidFill>
+                  <a:srgbClr val="5A5AA8"/>
+                </a:solidFill>
+                <a:latin typeface="+mn-lt"/>
+              </a:rPr>
+              <a:t>sumDollars</a:t>
+            </a:r>
+            <a:r>
+              <a:rPr lang="en-US" dirty="0">
+                <a:latin typeface="+mn-lt"/>
+              </a:rPr>
+              <a:t>)</a:t>
+            </a:r>
+          </a:p>
+          <a:p>
+            <a:pPr marL="0" lvl="0" indent="0">
+              <a:lnSpc>
+                <a:spcPct val="120000"/>
+              </a:lnSpc>
+              <a:buFont typeface="Courier New" panose="02070309020205020404" pitchFamily="49" charset="0"/>
+              <a:buNone/>
+            </a:pPr>
+            <a:r>
+              <a:rPr lang="en-US" b="1" dirty="0">
+                <a:latin typeface="+mn-lt"/>
+              </a:rPr>
+              <a:t>OR</a:t>
+            </a:r>
+          </a:p>
+          <a:p>
+            <a:pPr marL="628650" lvl="1" indent="-171450">
+              <a:lnSpc>
+                <a:spcPct val="120000"/>
+              </a:lnSpc>
+              <a:buFont typeface="Courier New" panose="02070309020205020404" pitchFamily="49" charset="0"/>
+              <a:buChar char="o"/>
+            </a:pPr>
+            <a:r>
+              <a:rPr lang="en-US" dirty="0">
+                <a:latin typeface="+mn-lt"/>
+              </a:rPr>
+              <a:t>Use underscores to separate each “word”  (</a:t>
+            </a:r>
+            <a:r>
+              <a:rPr lang="en-US" dirty="0" err="1">
+                <a:solidFill>
+                  <a:srgbClr val="5A5AA8"/>
+                </a:solidFill>
+                <a:latin typeface="+mn-lt"/>
+              </a:rPr>
+              <a:t>my_var</a:t>
+            </a:r>
+            <a:r>
+              <a:rPr lang="en-US" dirty="0">
+                <a:solidFill>
+                  <a:srgbClr val="5A5AA8"/>
+                </a:solidFill>
+                <a:latin typeface="+mn-lt"/>
+              </a:rPr>
+              <a:t>, </a:t>
+            </a:r>
+            <a:r>
+              <a:rPr lang="en-US" dirty="0" err="1">
+                <a:solidFill>
+                  <a:srgbClr val="5A5AA8"/>
+                </a:solidFill>
+                <a:latin typeface="+mn-lt"/>
+              </a:rPr>
+              <a:t>sum_dollars</a:t>
+            </a:r>
+            <a:r>
+              <a:rPr lang="en-US" dirty="0">
+                <a:latin typeface="+mn-lt"/>
+              </a:rPr>
+              <a:t>)</a:t>
+            </a:r>
+          </a:p>
+          <a:p>
+            <a:pPr marL="628650" lvl="1" indent="-171450">
+              <a:lnSpc>
+                <a:spcPct val="120000"/>
+              </a:lnSpc>
+              <a:buFont typeface="Courier New" panose="02070309020205020404" pitchFamily="49" charset="0"/>
+              <a:buChar char="o"/>
+            </a:pPr>
+            <a:r>
+              <a:rPr lang="en-US" dirty="0">
+                <a:latin typeface="+mn-lt"/>
+              </a:rPr>
+              <a:t>For longer programs, begin variables with prefix indicating </a:t>
+            </a:r>
+            <a:br>
+              <a:rPr lang="en-US" dirty="0">
+                <a:latin typeface="+mn-lt"/>
+              </a:rPr>
+            </a:br>
+            <a:r>
+              <a:rPr lang="en-US" dirty="0">
+                <a:latin typeface="+mn-lt"/>
+              </a:rPr>
+              <a:t>variable type (</a:t>
+            </a:r>
+            <a:r>
+              <a:rPr lang="en-US" dirty="0" err="1">
+                <a:solidFill>
+                  <a:srgbClr val="5A5AA8"/>
+                </a:solidFill>
+                <a:latin typeface="+mn-lt"/>
+              </a:rPr>
+              <a:t>strName</a:t>
+            </a:r>
+            <a:r>
+              <a:rPr lang="en-US" dirty="0">
+                <a:latin typeface="+mn-lt"/>
+              </a:rPr>
+              <a:t>, </a:t>
+            </a:r>
+            <a:r>
+              <a:rPr lang="en-US" dirty="0" err="1">
+                <a:solidFill>
+                  <a:srgbClr val="5A5AA8"/>
+                </a:solidFill>
+                <a:latin typeface="+mn-lt"/>
+              </a:rPr>
+              <a:t>fltDollars</a:t>
+            </a:r>
+            <a:r>
+              <a:rPr lang="en-US" dirty="0">
+                <a:latin typeface="+mn-lt"/>
+              </a:rPr>
+              <a:t>)</a:t>
+            </a:r>
+          </a:p>
+          <a:p>
             <a:endParaRPr lang="en-US" dirty="0"/>
+          </a:p>
+          <a:p>
+            <a:r>
+              <a:rPr lang="en-US" dirty="0"/>
+              <a:t>[NEXT SLIDE]</a:t>
+            </a:r>
           </a:p>
         </p:txBody>
       </p:sp>
@@ -2374,7 +4957,7 @@
           <a:p>
             <a:fld id="{3148858F-F1DB-4027-9C85-CCA6849540DD}" type="slidenum">
               <a:rPr lang="en-US" smtClean="0"/>
-              <a:t>8</a:t>
+              <a:t>6</a:t>
             </a:fld>
             <a:endParaRPr lang="en-US"/>
           </a:p>
@@ -2383,7 +4966,7 @@
     </p:spTree>
     <p:extLst>
       <p:ext uri="{BB962C8B-B14F-4D97-AF65-F5344CB8AC3E}">
-        <p14:creationId xmlns:p14="http://schemas.microsoft.com/office/powerpoint/2010/main" val="4054386845"/>
+        <p14:creationId xmlns:p14="http://schemas.microsoft.com/office/powerpoint/2010/main" val="2601314669"/>
       </p:ext>
     </p:extLst>
   </p:cSld>
@@ -2437,7 +5020,57 @@
           <a:bodyPr/>
           <a:lstStyle/>
           <a:p>
+            <a:r>
+              <a:rPr lang="en-US" altLang="en-US" dirty="0">
+                <a:ea typeface="ＭＳ Ｐゴシック" charset="-128"/>
+              </a:rPr>
+              <a:t>Hello and welcome to this Practicum AI recording</a:t>
+            </a:r>
+            <a:r>
+              <a:rPr lang="en-US" altLang="en-US" baseline="0" dirty="0">
+                <a:ea typeface="ＭＳ Ｐゴシック" charset="-128"/>
+              </a:rPr>
+              <a:t>.</a:t>
+            </a:r>
+          </a:p>
+          <a:p>
+            <a:endParaRPr lang="en-US" altLang="en-US" dirty="0">
+              <a:ea typeface="ＭＳ Ｐゴシック" charset="-128"/>
+            </a:endParaRPr>
+          </a:p>
+          <a:p>
+            <a:r>
+              <a:rPr lang="en-US" altLang="en-US" dirty="0">
+                <a:ea typeface="ＭＳ Ｐゴシック" charset="-128"/>
+              </a:rPr>
+              <a:t>I’m Dan Maxwell, the AI Trainer / Consultant for Research Computing.</a:t>
+            </a:r>
+          </a:p>
+          <a:p>
+            <a:endParaRPr lang="en-US" altLang="en-US" dirty="0">
+              <a:ea typeface="ＭＳ Ｐゴシック" charset="-128"/>
+            </a:endParaRPr>
+          </a:p>
+          <a:p>
+            <a:r>
+              <a:rPr lang="en-US" baseline="0" dirty="0"/>
+              <a:t>In this briefing, I will introduce you to the Python operators.</a:t>
+            </a:r>
+          </a:p>
+          <a:p>
+            <a:endParaRPr lang="en-US" baseline="0" dirty="0"/>
+          </a:p>
+          <a:p>
+            <a:r>
+              <a:rPr lang="en-US" baseline="0" dirty="0"/>
+              <a:t>[NEXT SLIDE]</a:t>
+            </a:r>
             <a:endParaRPr lang="en-US" dirty="0"/>
+          </a:p>
+          <a:p>
+            <a:endParaRPr lang="en-US" dirty="0">
+              <a:latin typeface="Palatino Linotype" panose="02040502050505030304" pitchFamily="18" charset="0"/>
+            </a:endParaRPr>
           </a:p>
         </p:txBody>
       </p:sp>
@@ -2448,7 +5081,7 @@
             <a:spLocks noGrp="1"/>
           </p:cNvSpPr>
           <p:nvPr>
-            <p:ph type="sldNum" sz="quarter" idx="10"/>
+            <p:ph type="sldNum" sz="quarter" idx="5"/>
           </p:nvPr>
         </p:nvSpPr>
         <p:spPr/>
@@ -2456,9 +5089,9 @@
           <a:bodyPr/>
           <a:lstStyle/>
           <a:p>
-            <a:fld id="{41700375-1909-4892-9298-6739184E41A7}" type="slidenum">
+            <a:fld id="{3148858F-F1DB-4027-9C85-CCA6849540DD}" type="slidenum">
               <a:rPr lang="en-US" smtClean="0"/>
-              <a:t>9</a:t>
+              <a:t>7</a:t>
             </a:fld>
             <a:endParaRPr lang="en-US"/>
           </a:p>
@@ -2467,7 +5100,7 @@
     </p:spTree>
     <p:extLst>
       <p:ext uri="{BB962C8B-B14F-4D97-AF65-F5344CB8AC3E}">
-        <p14:creationId xmlns:p14="http://schemas.microsoft.com/office/powerpoint/2010/main" val="1107690951"/>
+        <p14:creationId xmlns:p14="http://schemas.microsoft.com/office/powerpoint/2010/main" val="2552287042"/>
       </p:ext>
     </p:extLst>
   </p:cSld>
@@ -2521,7 +5154,86 @@
           <a:bodyPr/>
           <a:lstStyle/>
           <a:p>
-            <a:endParaRPr lang="en-US" dirty="0"/>
+            <a:r>
+              <a:rPr lang="en-US" dirty="0">
+                <a:latin typeface="+mn-lt"/>
+              </a:rPr>
+              <a:t>Python has a wide variety of arithmetic operators.</a:t>
+            </a:r>
+          </a:p>
+          <a:p>
+            <a:endParaRPr lang="en-US" dirty="0">
+              <a:latin typeface="+mn-lt"/>
+            </a:endParaRPr>
+          </a:p>
+          <a:p>
+            <a:pPr marL="171450" indent="-171450">
+              <a:buFont typeface="Courier New" panose="02070309020205020404" pitchFamily="49" charset="0"/>
+              <a:buChar char="o"/>
+            </a:pPr>
+            <a:r>
+              <a:rPr lang="en-US" dirty="0">
+                <a:latin typeface="+mn-lt"/>
+              </a:rPr>
+              <a:t>Addition and Subtraction</a:t>
+            </a:r>
+          </a:p>
+          <a:p>
+            <a:pPr marL="171450" indent="-171450">
+              <a:buFont typeface="Courier New" panose="02070309020205020404" pitchFamily="49" charset="0"/>
+              <a:buChar char="o"/>
+            </a:pPr>
+            <a:r>
+              <a:rPr lang="en-US" dirty="0">
+                <a:latin typeface="+mn-lt"/>
+              </a:rPr>
+              <a:t>Multiplication and Division</a:t>
+            </a:r>
+          </a:p>
+          <a:p>
+            <a:pPr marL="171450" indent="-171450">
+              <a:buFont typeface="Courier New" panose="02070309020205020404" pitchFamily="49" charset="0"/>
+              <a:buChar char="o"/>
+            </a:pPr>
+            <a:r>
+              <a:rPr lang="en-US" dirty="0">
+                <a:latin typeface="+mn-lt"/>
+              </a:rPr>
+              <a:t>Exponent and Grouping</a:t>
+            </a:r>
+          </a:p>
+          <a:p>
+            <a:pPr marL="171450" indent="-171450">
+              <a:buFont typeface="Courier New" panose="02070309020205020404" pitchFamily="49" charset="0"/>
+              <a:buChar char="o"/>
+            </a:pPr>
+            <a:r>
+              <a:rPr lang="en-US" dirty="0">
+                <a:latin typeface="+mn-lt"/>
+              </a:rPr>
+              <a:t>Integer (floor) Division and Modulus</a:t>
+            </a:r>
+          </a:p>
+          <a:p>
+            <a:pPr marL="171450" indent="-171450">
+              <a:buFont typeface="Courier New" panose="02070309020205020404" pitchFamily="49" charset="0"/>
+              <a:buChar char="o"/>
+            </a:pPr>
+            <a:endParaRPr lang="en-US" dirty="0">
+              <a:latin typeface="+mn-lt"/>
+            </a:endParaRPr>
+          </a:p>
+          <a:p>
+            <a:pPr marL="0" indent="0">
+              <a:buFont typeface="Courier New" panose="02070309020205020404" pitchFamily="49" charset="0"/>
+              <a:buNone/>
+            </a:pPr>
+            <a:r>
+              <a:rPr lang="en-US" dirty="0">
+                <a:latin typeface="+mn-lt"/>
+              </a:rPr>
+              <a:t>[NEXT SLIDE]</a:t>
+            </a:r>
           </a:p>
         </p:txBody>
       </p:sp>
@@ -2542,7 +5254,7 @@
           <a:p>
             <a:fld id="{41700375-1909-4892-9298-6739184E41A7}" type="slidenum">
               <a:rPr lang="en-US" smtClean="0"/>
-              <a:t>10</a:t>
+              <a:t>8</a:t>
             </a:fld>
             <a:endParaRPr lang="en-US"/>
           </a:p>
@@ -2551,7 +5263,7 @@
     </p:spTree>
     <p:extLst>
       <p:ext uri="{BB962C8B-B14F-4D97-AF65-F5344CB8AC3E}">
-        <p14:creationId xmlns:p14="http://schemas.microsoft.com/office/powerpoint/2010/main" val="2575915827"/>
+        <p14:creationId xmlns:p14="http://schemas.microsoft.com/office/powerpoint/2010/main" val="1107690951"/>
       </p:ext>
     </p:extLst>
   </p:cSld>
@@ -2605,7 +5317,208 @@
           <a:bodyPr/>
           <a:lstStyle/>
           <a:p>
-            <a:endParaRPr lang="en-US"/>
+            <a:pPr>
+              <a:lnSpc>
+                <a:spcPct val="110000"/>
+              </a:lnSpc>
+            </a:pPr>
+            <a:r>
+              <a:rPr lang="en-US" dirty="0">
+                <a:latin typeface="Calibri" panose="020F0502020204030204" pitchFamily="34" charset="0"/>
+                <a:cs typeface="Calibri" panose="020F0502020204030204" pitchFamily="34" charset="0"/>
+              </a:rPr>
+              <a:t>Comparison Operators compare 2 numbers or strings.  They always return a </a:t>
+            </a:r>
+            <a:r>
+              <a:rPr lang="en-US" dirty="0">
+                <a:solidFill>
+                  <a:srgbClr val="5A5AA8"/>
+                </a:solidFill>
+                <a:latin typeface="Calibri" panose="020F0502020204030204" pitchFamily="34" charset="0"/>
+                <a:cs typeface="Calibri" panose="020F0502020204030204" pitchFamily="34" charset="0"/>
+              </a:rPr>
+              <a:t>Boolean</a:t>
+            </a:r>
+            <a:r>
+              <a:rPr lang="en-US" dirty="0">
+                <a:latin typeface="Calibri" panose="020F0502020204030204" pitchFamily="34" charset="0"/>
+                <a:cs typeface="Calibri" panose="020F0502020204030204" pitchFamily="34" charset="0"/>
+              </a:rPr>
+              <a:t> value (</a:t>
+            </a:r>
+            <a:r>
+              <a:rPr lang="en-US" dirty="0">
+                <a:solidFill>
+                  <a:srgbClr val="5A5AA8"/>
+                </a:solidFill>
+                <a:latin typeface="Calibri" panose="020F0502020204030204" pitchFamily="34" charset="0"/>
+                <a:cs typeface="Calibri" panose="020F0502020204030204" pitchFamily="34" charset="0"/>
+              </a:rPr>
+              <a:t>True</a:t>
+            </a:r>
+            <a:r>
+              <a:rPr lang="en-US" dirty="0">
+                <a:latin typeface="Calibri" panose="020F0502020204030204" pitchFamily="34" charset="0"/>
+                <a:cs typeface="Calibri" panose="020F0502020204030204" pitchFamily="34" charset="0"/>
+              </a:rPr>
+              <a:t> or </a:t>
+            </a:r>
+            <a:r>
+              <a:rPr lang="en-US" dirty="0">
+                <a:solidFill>
+                  <a:srgbClr val="5A5AA8"/>
+                </a:solidFill>
+                <a:latin typeface="Calibri" panose="020F0502020204030204" pitchFamily="34" charset="0"/>
+                <a:cs typeface="Calibri" panose="020F0502020204030204" pitchFamily="34" charset="0"/>
+              </a:rPr>
+              <a:t>False</a:t>
+            </a:r>
+            <a:r>
+              <a:rPr lang="en-US" dirty="0">
+                <a:latin typeface="Calibri" panose="020F0502020204030204" pitchFamily="34" charset="0"/>
+                <a:cs typeface="Calibri" panose="020F0502020204030204" pitchFamily="34" charset="0"/>
+              </a:rPr>
+              <a:t>).</a:t>
+            </a:r>
+          </a:p>
+          <a:p>
+            <a:pPr>
+              <a:lnSpc>
+                <a:spcPct val="110000"/>
+              </a:lnSpc>
+            </a:pPr>
+            <a:endParaRPr lang="en-US" dirty="0">
+              <a:latin typeface="Calibri" panose="020F0502020204030204" pitchFamily="34" charset="0"/>
+              <a:cs typeface="Calibri" panose="020F0502020204030204" pitchFamily="34" charset="0"/>
+            </a:endParaRPr>
+          </a:p>
+          <a:p>
+            <a:pPr marL="171450" indent="-171450">
+              <a:lnSpc>
+                <a:spcPct val="110000"/>
+              </a:lnSpc>
+              <a:buFont typeface="Courier New" panose="02070309020205020404" pitchFamily="49" charset="0"/>
+              <a:buChar char="o"/>
+            </a:pPr>
+            <a:r>
+              <a:rPr lang="en-US" dirty="0">
+                <a:latin typeface="Calibri" panose="020F0502020204030204" pitchFamily="34" charset="0"/>
+                <a:cs typeface="Calibri" panose="020F0502020204030204" pitchFamily="34" charset="0"/>
+              </a:rPr>
+              <a:t>Equal to – note the double equal signs</a:t>
+            </a:r>
+          </a:p>
+          <a:p>
+            <a:pPr marL="171450" indent="-171450">
+              <a:lnSpc>
+                <a:spcPct val="110000"/>
+              </a:lnSpc>
+              <a:buFont typeface="Courier New" panose="02070309020205020404" pitchFamily="49" charset="0"/>
+              <a:buChar char="o"/>
+            </a:pPr>
+            <a:r>
+              <a:rPr lang="en-US" dirty="0">
+                <a:latin typeface="Calibri" panose="020F0502020204030204" pitchFamily="34" charset="0"/>
+                <a:cs typeface="Calibri" panose="020F0502020204030204" pitchFamily="34" charset="0"/>
+              </a:rPr>
+              <a:t>Less than</a:t>
+            </a:r>
+          </a:p>
+          <a:p>
+            <a:pPr marL="171450" indent="-171450">
+              <a:lnSpc>
+                <a:spcPct val="110000"/>
+              </a:lnSpc>
+              <a:buFont typeface="Courier New" panose="02070309020205020404" pitchFamily="49" charset="0"/>
+              <a:buChar char="o"/>
+            </a:pPr>
+            <a:r>
+              <a:rPr lang="en-US" dirty="0">
+                <a:latin typeface="Calibri" panose="020F0502020204030204" pitchFamily="34" charset="0"/>
+                <a:cs typeface="Calibri" panose="020F0502020204030204" pitchFamily="34" charset="0"/>
+              </a:rPr>
+              <a:t>Greater than</a:t>
+            </a:r>
+          </a:p>
+          <a:p>
+            <a:pPr marL="171450" indent="-171450">
+              <a:lnSpc>
+                <a:spcPct val="110000"/>
+              </a:lnSpc>
+              <a:buFont typeface="Courier New" panose="02070309020205020404" pitchFamily="49" charset="0"/>
+              <a:buChar char="o"/>
+            </a:pPr>
+            <a:r>
+              <a:rPr lang="en-US" dirty="0">
+                <a:latin typeface="Calibri" panose="020F0502020204030204" pitchFamily="34" charset="0"/>
+                <a:cs typeface="Calibri" panose="020F0502020204030204" pitchFamily="34" charset="0"/>
+              </a:rPr>
+              <a:t>Less than or equal to</a:t>
+            </a:r>
+          </a:p>
+          <a:p>
+            <a:pPr marL="171450" indent="-171450">
+              <a:lnSpc>
+                <a:spcPct val="110000"/>
+              </a:lnSpc>
+              <a:buFont typeface="Courier New" panose="02070309020205020404" pitchFamily="49" charset="0"/>
+              <a:buChar char="o"/>
+            </a:pPr>
+            <a:r>
+              <a:rPr lang="en-US" dirty="0">
+                <a:latin typeface="Calibri" panose="020F0502020204030204" pitchFamily="34" charset="0"/>
+                <a:cs typeface="Calibri" panose="020F0502020204030204" pitchFamily="34" charset="0"/>
+              </a:rPr>
+              <a:t>Greater than or equal to</a:t>
+            </a:r>
+          </a:p>
+          <a:p>
+            <a:pPr marL="171450" indent="-171450">
+              <a:lnSpc>
+                <a:spcPct val="110000"/>
+              </a:lnSpc>
+              <a:buFont typeface="Courier New" panose="02070309020205020404" pitchFamily="49" charset="0"/>
+              <a:buChar char="o"/>
+            </a:pPr>
+            <a:r>
+              <a:rPr lang="en-US" dirty="0">
+                <a:latin typeface="Calibri" panose="020F0502020204030204" pitchFamily="34" charset="0"/>
+                <a:cs typeface="Calibri" panose="020F0502020204030204" pitchFamily="34" charset="0"/>
+              </a:rPr>
+              <a:t>Not equal to</a:t>
+            </a:r>
+          </a:p>
+          <a:p>
+            <a:pPr marL="0" indent="0">
+              <a:lnSpc>
+                <a:spcPct val="110000"/>
+              </a:lnSpc>
+              <a:buFont typeface="Courier New" panose="02070309020205020404" pitchFamily="49" charset="0"/>
+              <a:buNone/>
+            </a:pPr>
+            <a:endParaRPr lang="en-US" dirty="0">
+              <a:latin typeface="Calibri" panose="020F0502020204030204" pitchFamily="34" charset="0"/>
+              <a:cs typeface="Calibri" panose="020F0502020204030204" pitchFamily="34" charset="0"/>
+            </a:endParaRPr>
+          </a:p>
+          <a:p>
+            <a:pPr marL="0" indent="0">
+              <a:lnSpc>
+                <a:spcPct val="110000"/>
+              </a:lnSpc>
+              <a:buFont typeface="Courier New" panose="02070309020205020404" pitchFamily="49" charset="0"/>
+              <a:buNone/>
+            </a:pPr>
+            <a:r>
+              <a:rPr lang="en-US" dirty="0">
+                <a:latin typeface="Calibri" panose="020F0502020204030204" pitchFamily="34" charset="0"/>
+                <a:cs typeface="Calibri" panose="020F0502020204030204" pitchFamily="34" charset="0"/>
+              </a:rPr>
+              <a:t>[NEXT SLIDE]</a:t>
+            </a:r>
+          </a:p>
+          <a:p>
+            <a:endParaRPr lang="en-US" dirty="0"/>
           </a:p>
         </p:txBody>
       </p:sp>
@@ -2626,7 +5539,7 @@
           <a:p>
             <a:fld id="{41700375-1909-4892-9298-6739184E41A7}" type="slidenum">
               <a:rPr lang="en-US" smtClean="0"/>
-              <a:t>11</a:t>
+              <a:t>9</a:t>
             </a:fld>
             <a:endParaRPr lang="en-US"/>
           </a:p>
@@ -2635,7 +5548,7 @@
     </p:spTree>
     <p:extLst>
       <p:ext uri="{BB962C8B-B14F-4D97-AF65-F5344CB8AC3E}">
-        <p14:creationId xmlns:p14="http://schemas.microsoft.com/office/powerpoint/2010/main" val="888270255"/>
+        <p14:creationId xmlns:p14="http://schemas.microsoft.com/office/powerpoint/2010/main" val="2575915827"/>
       </p:ext>
     </p:extLst>
   </p:cSld>
@@ -2792,7 +5705,7 @@
           <a:p>
             <a:fld id="{C3F78080-8D0A-4BE8-A5B4-CB115102D524}" type="datetimeFigureOut">
               <a:rPr lang="en-US" smtClean="0"/>
-              <a:t>1/12/2023</a:t>
+              <a:t>1/23/2023</a:t>
             </a:fld>
             <a:endParaRPr lang="en-US"/>
           </a:p>
@@ -2990,7 +5903,7 @@
           <a:p>
             <a:fld id="{C3F78080-8D0A-4BE8-A5B4-CB115102D524}" type="datetimeFigureOut">
               <a:rPr lang="en-US" smtClean="0"/>
-              <a:t>1/12/2023</a:t>
+              <a:t>1/23/2023</a:t>
             </a:fld>
             <a:endParaRPr lang="en-US"/>
           </a:p>
@@ -3198,7 +6111,7 @@
           <a:p>
             <a:fld id="{C3F78080-8D0A-4BE8-A5B4-CB115102D524}" type="datetimeFigureOut">
               <a:rPr lang="en-US" smtClean="0"/>
-              <a:t>1/12/2023</a:t>
+              <a:t>1/23/2023</a:t>
             </a:fld>
             <a:endParaRPr lang="en-US"/>
           </a:p>
@@ -3396,7 +6309,7 @@
           <a:p>
             <a:fld id="{C3F78080-8D0A-4BE8-A5B4-CB115102D524}" type="datetimeFigureOut">
               <a:rPr lang="en-US" smtClean="0"/>
-              <a:t>1/12/2023</a:t>
+              <a:t>1/23/2023</a:t>
             </a:fld>
             <a:endParaRPr lang="en-US"/>
           </a:p>
@@ -3671,7 +6584,7 @@
           <a:p>
             <a:fld id="{C3F78080-8D0A-4BE8-A5B4-CB115102D524}" type="datetimeFigureOut">
               <a:rPr lang="en-US" smtClean="0"/>
-              <a:t>1/12/2023</a:t>
+              <a:t>1/23/2023</a:t>
             </a:fld>
             <a:endParaRPr lang="en-US"/>
           </a:p>
@@ -3936,7 +6849,7 @@
           <a:p>
             <a:fld id="{C3F78080-8D0A-4BE8-A5B4-CB115102D524}" type="datetimeFigureOut">
               <a:rPr lang="en-US" smtClean="0"/>
-              <a:t>1/12/2023</a:t>
+              <a:t>1/23/2023</a:t>
             </a:fld>
             <a:endParaRPr lang="en-US"/>
           </a:p>
@@ -4348,7 +7261,7 @@
           <a:p>
             <a:fld id="{C3F78080-8D0A-4BE8-A5B4-CB115102D524}" type="datetimeFigureOut">
               <a:rPr lang="en-US" smtClean="0"/>
-              <a:t>1/12/2023</a:t>
+              <a:t>1/23/2023</a:t>
             </a:fld>
             <a:endParaRPr lang="en-US"/>
           </a:p>
@@ -4489,7 +7402,7 @@
           <a:p>
             <a:fld id="{C3F78080-8D0A-4BE8-A5B4-CB115102D524}" type="datetimeFigureOut">
               <a:rPr lang="en-US" smtClean="0"/>
-              <a:t>1/12/2023</a:t>
+              <a:t>1/23/2023</a:t>
             </a:fld>
             <a:endParaRPr lang="en-US"/>
           </a:p>
@@ -4602,7 +7515,7 @@
           <a:p>
             <a:fld id="{C3F78080-8D0A-4BE8-A5B4-CB115102D524}" type="datetimeFigureOut">
               <a:rPr lang="en-US" smtClean="0"/>
-              <a:t>1/12/2023</a:t>
+              <a:t>1/23/2023</a:t>
             </a:fld>
             <a:endParaRPr lang="en-US"/>
           </a:p>
@@ -4913,7 +7826,7 @@
           <a:p>
             <a:fld id="{C3F78080-8D0A-4BE8-A5B4-CB115102D524}" type="datetimeFigureOut">
               <a:rPr lang="en-US" smtClean="0"/>
-              <a:t>1/12/2023</a:t>
+              <a:t>1/23/2023</a:t>
             </a:fld>
             <a:endParaRPr lang="en-US"/>
           </a:p>
@@ -5201,7 +8114,7 @@
           <a:p>
             <a:fld id="{C3F78080-8D0A-4BE8-A5B4-CB115102D524}" type="datetimeFigureOut">
               <a:rPr lang="en-US" smtClean="0"/>
-              <a:t>1/12/2023</a:t>
+              <a:t>1/23/2023</a:t>
             </a:fld>
             <a:endParaRPr lang="en-US"/>
           </a:p>
@@ -5442,7 +8355,7 @@
           <a:p>
             <a:fld id="{C3F78080-8D0A-4BE8-A5B4-CB115102D524}" type="datetimeFigureOut">
               <a:rPr lang="en-US" smtClean="0"/>
-              <a:t>1/12/2023</a:t>
+              <a:t>1/23/2023</a:t>
             </a:fld>
             <a:endParaRPr lang="en-US"/>
           </a:p>
@@ -5998,1288 +8911,6 @@
 </file>
 
 <file path=ppt/slides/slide10.xml><?xml version="1.0" encoding="utf-8"?>
-<p:sld xmlns:a="http://schemas.openxmlformats.org/drawingml/2006/main" xmlns:r="http://schemas.openxmlformats.org/officeDocument/2006/relationships" xmlns:p="http://schemas.openxmlformats.org/presentationml/2006/main">
-  <p:cSld>
-    <p:spTree>
-      <p:nvGrpSpPr>
-        <p:cNvPr id="1" name=""/>
-        <p:cNvGrpSpPr/>
-        <p:nvPr/>
-      </p:nvGrpSpPr>
-      <p:grpSpPr>
-        <a:xfrm>
-          <a:off x="0" y="0"/>
-          <a:ext cx="0" cy="0"/>
-          <a:chOff x="0" y="0"/>
-          <a:chExt cx="0" cy="0"/>
-        </a:xfrm>
-      </p:grpSpPr>
-      <p:sp>
-        <p:nvSpPr>
-          <p:cNvPr id="2" name="Title 1"/>
-          <p:cNvSpPr>
-            <a:spLocks noGrp="1"/>
-          </p:cNvSpPr>
-          <p:nvPr>
-            <p:ph type="title"/>
-          </p:nvPr>
-        </p:nvSpPr>
-        <p:spPr/>
-        <p:txBody>
-          <a:bodyPr>
-            <a:normAutofit/>
-          </a:bodyPr>
-          <a:lstStyle/>
-          <a:p>
-            <a:pPr algn="ctr"/>
-            <a:r>
-              <a:rPr lang="en-US" sz="3600" b="1" dirty="0">
-                <a:latin typeface="Avenir Black" panose="02000503020000020003" pitchFamily="2" charset="0"/>
-              </a:rPr>
-              <a:t>Python Operators (Comparison)</a:t>
-            </a:r>
-          </a:p>
-        </p:txBody>
-      </p:sp>
-      <p:sp>
-        <p:nvSpPr>
-          <p:cNvPr id="5" name="Content Placeholder 4"/>
-          <p:cNvSpPr>
-            <a:spLocks noGrp="1"/>
-          </p:cNvSpPr>
-          <p:nvPr>
-            <p:ph idx="1"/>
-          </p:nvPr>
-        </p:nvSpPr>
-        <p:spPr>
-          <a:xfrm>
-            <a:off x="1216152" y="1690689"/>
-            <a:ext cx="10515600" cy="4351338"/>
-          </a:xfrm>
-        </p:spPr>
-        <p:txBody>
-          <a:bodyPr>
-            <a:normAutofit fontScale="85000" lnSpcReduction="20000"/>
-          </a:bodyPr>
-          <a:lstStyle/>
-          <a:p>
-            <a:pPr>
-              <a:lnSpc>
-                <a:spcPct val="110000"/>
-              </a:lnSpc>
-            </a:pPr>
-            <a:r>
-              <a:rPr lang="en-US" dirty="0">
-                <a:latin typeface="Avenir" panose="02000503020000020003" pitchFamily="2" charset="0"/>
-              </a:rPr>
-              <a:t>Comparison Operators compare 2 numbers or strings</a:t>
-            </a:r>
-          </a:p>
-          <a:p>
-            <a:pPr>
-              <a:lnSpc>
-                <a:spcPct val="110000"/>
-              </a:lnSpc>
-            </a:pPr>
-            <a:r>
-              <a:rPr lang="en-US" dirty="0">
-                <a:latin typeface="Avenir" panose="02000503020000020003" pitchFamily="2" charset="0"/>
-              </a:rPr>
-              <a:t>They always return a </a:t>
-            </a:r>
-            <a:r>
-              <a:rPr lang="en-US" dirty="0">
-                <a:solidFill>
-                  <a:srgbClr val="5A5AA8"/>
-                </a:solidFill>
-                <a:latin typeface="Avenir" panose="02000503020000020003" pitchFamily="2" charset="0"/>
-              </a:rPr>
-              <a:t>Boolean</a:t>
-            </a:r>
-            <a:r>
-              <a:rPr lang="en-US" dirty="0">
-                <a:latin typeface="Avenir" panose="02000503020000020003" pitchFamily="2" charset="0"/>
-              </a:rPr>
-              <a:t> value (</a:t>
-            </a:r>
-            <a:r>
-              <a:rPr lang="en-US" dirty="0">
-                <a:solidFill>
-                  <a:srgbClr val="5A5AA8"/>
-                </a:solidFill>
-                <a:latin typeface="Avenir" panose="02000503020000020003" pitchFamily="2" charset="0"/>
-              </a:rPr>
-              <a:t>True</a:t>
-            </a:r>
-            <a:r>
-              <a:rPr lang="en-US" dirty="0">
-                <a:latin typeface="Avenir" panose="02000503020000020003" pitchFamily="2" charset="0"/>
-              </a:rPr>
-              <a:t> or </a:t>
-            </a:r>
-            <a:r>
-              <a:rPr lang="en-US" dirty="0">
-                <a:solidFill>
-                  <a:srgbClr val="5A5AA8"/>
-                </a:solidFill>
-                <a:latin typeface="Avenir" panose="02000503020000020003" pitchFamily="2" charset="0"/>
-              </a:rPr>
-              <a:t>False</a:t>
-            </a:r>
-            <a:r>
-              <a:rPr lang="en-US" dirty="0">
-                <a:latin typeface="Avenir" panose="02000503020000020003" pitchFamily="2" charset="0"/>
-              </a:rPr>
-              <a:t>)</a:t>
-            </a:r>
-          </a:p>
-          <a:p>
-            <a:pPr>
-              <a:lnSpc>
-                <a:spcPct val="110000"/>
-              </a:lnSpc>
-            </a:pPr>
-            <a:endParaRPr lang="en-US" dirty="0">
-              <a:latin typeface="Avenir" panose="02000503020000020003" pitchFamily="2" charset="0"/>
-            </a:endParaRPr>
-          </a:p>
-          <a:p>
-            <a:pPr marL="0" indent="0">
-              <a:lnSpc>
-                <a:spcPct val="110000"/>
-              </a:lnSpc>
-              <a:buNone/>
-            </a:pPr>
-            <a:r>
-              <a:rPr lang="en-US" dirty="0">
-                <a:latin typeface="Avenir" panose="02000503020000020003" pitchFamily="2" charset="0"/>
-              </a:rPr>
-              <a:t>  </a:t>
-            </a:r>
-            <a:r>
-              <a:rPr lang="en-US" dirty="0">
-                <a:highlight>
-                  <a:srgbClr val="D6EECF"/>
-                </a:highlight>
-                <a:latin typeface="Avenir" panose="02000503020000020003" pitchFamily="2" charset="0"/>
-              </a:rPr>
-              <a:t>Equal to  				</a:t>
-            </a:r>
-            <a:r>
-              <a:rPr lang="en-US" b="1" dirty="0">
-                <a:solidFill>
-                  <a:srgbClr val="5A5AA8"/>
-                </a:solidFill>
-                <a:highlight>
-                  <a:srgbClr val="D6EECF"/>
-                </a:highlight>
-                <a:latin typeface="Avenir Black" panose="02000503020000020003" pitchFamily="2" charset="0"/>
-              </a:rPr>
-              <a:t>==</a:t>
-            </a:r>
-            <a:r>
-              <a:rPr lang="en-US" dirty="0">
-                <a:solidFill>
-                  <a:schemeClr val="accent5">
-                    <a:lumMod val="75000"/>
-                  </a:schemeClr>
-                </a:solidFill>
-                <a:highlight>
-                  <a:srgbClr val="D6EECF"/>
-                </a:highlight>
-                <a:latin typeface="Avenir" panose="02000503020000020003" pitchFamily="2" charset="0"/>
-              </a:rPr>
-              <a:t>    </a:t>
-            </a:r>
-            <a:r>
-              <a:rPr lang="en-US" sz="2000" dirty="0">
-                <a:solidFill>
-                  <a:srgbClr val="FF0000"/>
-                </a:solidFill>
-                <a:highlight>
-                  <a:srgbClr val="D6EECF"/>
-                </a:highlight>
-                <a:latin typeface="Avenir" panose="02000503020000020003" pitchFamily="2" charset="0"/>
-              </a:rPr>
-              <a:t>(note that this is different than ‘=‘)</a:t>
-            </a:r>
-            <a:r>
-              <a:rPr lang="en-US" sz="2600" dirty="0">
-                <a:solidFill>
-                  <a:srgbClr val="D6EECF"/>
-                </a:solidFill>
-                <a:highlight>
-                  <a:srgbClr val="D6EECF"/>
-                </a:highlight>
-                <a:latin typeface="Avenir" panose="02000503020000020003" pitchFamily="2" charset="0"/>
-              </a:rPr>
-              <a:t>x</a:t>
-            </a:r>
-            <a:endParaRPr lang="en-US" sz="2400" dirty="0">
-              <a:solidFill>
-                <a:srgbClr val="D6EECF"/>
-              </a:solidFill>
-              <a:highlight>
-                <a:srgbClr val="D6EECF"/>
-              </a:highlight>
-              <a:latin typeface="Avenir" panose="02000503020000020003" pitchFamily="2" charset="0"/>
-            </a:endParaRPr>
-          </a:p>
-          <a:p>
-            <a:pPr marL="0" indent="0">
-              <a:lnSpc>
-                <a:spcPct val="110000"/>
-              </a:lnSpc>
-              <a:buNone/>
-            </a:pPr>
-            <a:r>
-              <a:rPr lang="en-US" dirty="0">
-                <a:latin typeface="Avenir" panose="02000503020000020003" pitchFamily="2" charset="0"/>
-              </a:rPr>
-              <a:t>  Less Than  			 	 </a:t>
-            </a:r>
-            <a:r>
-              <a:rPr lang="en-US" b="1" dirty="0">
-                <a:solidFill>
-                  <a:srgbClr val="5A5AA8"/>
-                </a:solidFill>
-                <a:latin typeface="Avenir Black" panose="02000503020000020003" pitchFamily="2" charset="0"/>
-              </a:rPr>
-              <a:t>&lt;</a:t>
-            </a:r>
-          </a:p>
-          <a:p>
-            <a:pPr marL="0" indent="0">
-              <a:lnSpc>
-                <a:spcPct val="110000"/>
-              </a:lnSpc>
-              <a:buNone/>
-            </a:pPr>
-            <a:r>
-              <a:rPr lang="en-US" dirty="0">
-                <a:latin typeface="Avenir" panose="02000503020000020003" pitchFamily="2" charset="0"/>
-              </a:rPr>
-              <a:t>  </a:t>
-            </a:r>
-            <a:r>
-              <a:rPr lang="en-US" dirty="0">
-                <a:highlight>
-                  <a:srgbClr val="D6EECF"/>
-                </a:highlight>
-                <a:latin typeface="Avenir" panose="02000503020000020003" pitchFamily="2" charset="0"/>
-              </a:rPr>
-              <a:t>Greater Than  			</a:t>
-            </a:r>
-            <a:r>
-              <a:rPr lang="en-US" b="1" dirty="0">
-                <a:solidFill>
-                  <a:srgbClr val="5A5AA8"/>
-                </a:solidFill>
-                <a:highlight>
-                  <a:srgbClr val="D6EECF"/>
-                </a:highlight>
-                <a:latin typeface="Avenir Black" panose="02000503020000020003" pitchFamily="2" charset="0"/>
-              </a:rPr>
-              <a:t> &gt; </a:t>
-            </a:r>
-            <a:r>
-              <a:rPr lang="en-US" b="1" dirty="0">
-                <a:solidFill>
-                  <a:srgbClr val="D6EECF"/>
-                </a:solidFill>
-                <a:highlight>
-                  <a:srgbClr val="D6EECF"/>
-                </a:highlight>
-                <a:latin typeface="Avenir Black" panose="02000503020000020003" pitchFamily="2" charset="0"/>
-              </a:rPr>
-              <a:t>xxxxx    xxxxxxxxxxxxxxxxxx</a:t>
-            </a:r>
-            <a:r>
-              <a:rPr lang="en-US" b="1" dirty="0">
-                <a:solidFill>
-                  <a:schemeClr val="accent5">
-                    <a:lumMod val="75000"/>
-                  </a:schemeClr>
-                </a:solidFill>
-                <a:highlight>
-                  <a:srgbClr val="D6EECF"/>
-                </a:highlight>
-                <a:latin typeface="Avenir Black" panose="02000503020000020003" pitchFamily="2" charset="0"/>
-              </a:rPr>
-              <a:t>                                         </a:t>
-            </a:r>
-          </a:p>
-          <a:p>
-            <a:pPr marL="0" indent="0">
-              <a:lnSpc>
-                <a:spcPct val="110000"/>
-              </a:lnSpc>
-              <a:buNone/>
-            </a:pPr>
-            <a:r>
-              <a:rPr lang="en-US" dirty="0">
-                <a:latin typeface="Avenir" panose="02000503020000020003" pitchFamily="2" charset="0"/>
-              </a:rPr>
-              <a:t>  Less than or equal to 	           </a:t>
-            </a:r>
-            <a:r>
-              <a:rPr lang="en-US" b="1" dirty="0">
-                <a:solidFill>
-                  <a:srgbClr val="5A5AA8"/>
-                </a:solidFill>
-                <a:latin typeface="Avenir Black" panose="02000503020000020003" pitchFamily="2" charset="0"/>
-              </a:rPr>
-              <a:t>&lt;=</a:t>
-            </a:r>
-          </a:p>
-          <a:p>
-            <a:pPr marL="0" indent="0">
-              <a:lnSpc>
-                <a:spcPct val="110000"/>
-              </a:lnSpc>
-              <a:buNone/>
-            </a:pPr>
-            <a:r>
-              <a:rPr lang="en-US" dirty="0">
-                <a:latin typeface="Avenir" panose="02000503020000020003" pitchFamily="2" charset="0"/>
-              </a:rPr>
-              <a:t>  </a:t>
-            </a:r>
-            <a:r>
-              <a:rPr lang="en-US" dirty="0">
-                <a:highlight>
-                  <a:srgbClr val="D6EECF"/>
-                </a:highlight>
-                <a:latin typeface="Avenir" panose="02000503020000020003" pitchFamily="2" charset="0"/>
-              </a:rPr>
-              <a:t>Greater than or equal to	           </a:t>
-            </a:r>
-            <a:r>
-              <a:rPr lang="en-US" b="1" dirty="0">
-                <a:solidFill>
-                  <a:srgbClr val="5A5AA8"/>
-                </a:solidFill>
-                <a:highlight>
-                  <a:srgbClr val="D6EECF"/>
-                </a:highlight>
-                <a:latin typeface="Avenir Black" panose="02000503020000020003" pitchFamily="2" charset="0"/>
-              </a:rPr>
-              <a:t>&gt;=</a:t>
-            </a:r>
-            <a:r>
-              <a:rPr lang="en-US" b="1" dirty="0">
-                <a:solidFill>
-                  <a:srgbClr val="D6EECF"/>
-                </a:solidFill>
-                <a:highlight>
-                  <a:srgbClr val="D6EECF"/>
-                </a:highlight>
-                <a:latin typeface="Avenir Black" panose="02000503020000020003" pitchFamily="2" charset="0"/>
-              </a:rPr>
-              <a:t>xx   xxxxx  xxxxxxxxxxxxxxxx</a:t>
-            </a:r>
-            <a:endParaRPr lang="en-US" b="1" dirty="0">
-              <a:solidFill>
-                <a:srgbClr val="5A5AA8"/>
-              </a:solidFill>
-              <a:highlight>
-                <a:srgbClr val="D6EECF"/>
-              </a:highlight>
-              <a:latin typeface="Avenir Black" panose="02000503020000020003" pitchFamily="2" charset="0"/>
-            </a:endParaRPr>
-          </a:p>
-          <a:p>
-            <a:pPr marL="0" indent="0">
-              <a:lnSpc>
-                <a:spcPct val="110000"/>
-              </a:lnSpc>
-              <a:buNone/>
-            </a:pPr>
-            <a:r>
-              <a:rPr lang="en-US" dirty="0">
-                <a:latin typeface="Avenir" panose="02000503020000020003" pitchFamily="2" charset="0"/>
-              </a:rPr>
-              <a:t>  Not Equal to  			           </a:t>
-            </a:r>
-            <a:r>
-              <a:rPr lang="en-US" b="1" dirty="0">
-                <a:solidFill>
-                  <a:srgbClr val="5A5AA8"/>
-                </a:solidFill>
-                <a:latin typeface="Avenir Black" panose="02000503020000020003" pitchFamily="2" charset="0"/>
-              </a:rPr>
-              <a:t>!=</a:t>
-            </a:r>
-            <a:r>
-              <a:rPr lang="en-US" dirty="0">
-                <a:solidFill>
-                  <a:srgbClr val="FFFF00"/>
-                </a:solidFill>
-                <a:latin typeface="Avenir" panose="02000503020000020003" pitchFamily="2" charset="0"/>
-              </a:rPr>
-              <a:t>		</a:t>
-            </a:r>
-          </a:p>
-        </p:txBody>
-      </p:sp>
-      <p:sp>
-        <p:nvSpPr>
-          <p:cNvPr id="4" name="TextBox 3">
-            <a:extLst>
-              <a:ext uri="{FF2B5EF4-FFF2-40B4-BE49-F238E27FC236}">
-                <a16:creationId xmlns:a16="http://schemas.microsoft.com/office/drawing/2014/main" id="{89D9A475-551D-492A-83BD-B8FFE64D8010}"/>
-              </a:ext>
-            </a:extLst>
-          </p:cNvPr>
-          <p:cNvSpPr txBox="1"/>
-          <p:nvPr/>
-        </p:nvSpPr>
-        <p:spPr>
-          <a:xfrm>
-            <a:off x="6258717" y="5516531"/>
-            <a:ext cx="3764514" cy="707886"/>
-          </a:xfrm>
-          <a:prstGeom prst="rect">
-            <a:avLst/>
-          </a:prstGeom>
-          <a:noFill/>
-        </p:spPr>
-        <p:txBody>
-          <a:bodyPr wrap="square" rtlCol="0">
-            <a:spAutoFit/>
-          </a:bodyPr>
-          <a:lstStyle/>
-          <a:p>
-            <a:pPr algn="ctr"/>
-            <a:r>
-              <a:rPr lang="en-US" sz="2000" dirty="0">
-                <a:solidFill>
-                  <a:srgbClr val="FF0000"/>
-                </a:solidFill>
-                <a:latin typeface="Avenir" panose="02000503020000020003" pitchFamily="2" charset="0"/>
-              </a:rPr>
-              <a:t>(! is often called "bang" </a:t>
-            </a:r>
-            <a:br>
-              <a:rPr lang="en-US" sz="2000" dirty="0">
-                <a:solidFill>
-                  <a:srgbClr val="FF0000"/>
-                </a:solidFill>
-                <a:latin typeface="Avenir" panose="02000503020000020003" pitchFamily="2" charset="0"/>
-              </a:rPr>
-            </a:br>
-            <a:r>
-              <a:rPr lang="en-US" sz="2000" dirty="0">
-                <a:solidFill>
-                  <a:srgbClr val="FF0000"/>
-                </a:solidFill>
-                <a:latin typeface="Avenir" panose="02000503020000020003" pitchFamily="2" charset="0"/>
-              </a:rPr>
-              <a:t>and stands for "not")</a:t>
-            </a:r>
-          </a:p>
-        </p:txBody>
-      </p:sp>
-      <p:pic>
-        <p:nvPicPr>
-          <p:cNvPr id="3" name="Picture 2" descr="A picture containing dark, gauge&#10;&#10;Description automatically generated">
-            <a:extLst>
-              <a:ext uri="{FF2B5EF4-FFF2-40B4-BE49-F238E27FC236}">
-                <a16:creationId xmlns:a16="http://schemas.microsoft.com/office/drawing/2014/main" id="{E87D4C2C-1DF2-5EF3-F162-1FFB677A2FE2}"/>
-              </a:ext>
-            </a:extLst>
-          </p:cNvPr>
-          <p:cNvPicPr>
-            <a:picLocks noChangeAspect="1"/>
-          </p:cNvPicPr>
-          <p:nvPr/>
-        </p:nvPicPr>
-        <p:blipFill>
-          <a:blip r:embed="rId3">
-            <a:extLst>
-              <a:ext uri="{28A0092B-C50C-407E-A947-70E740481C1C}">
-                <a14:useLocalDpi xmlns:a14="http://schemas.microsoft.com/office/drawing/2010/main" val="0"/>
-              </a:ext>
-            </a:extLst>
-          </a:blip>
-          <a:stretch>
-            <a:fillRect/>
-          </a:stretch>
-        </p:blipFill>
-        <p:spPr>
-          <a:xfrm>
-            <a:off x="11378037" y="6031948"/>
-            <a:ext cx="800100" cy="812800"/>
-          </a:xfrm>
-          <a:prstGeom prst="rect">
-            <a:avLst/>
-          </a:prstGeom>
-        </p:spPr>
-      </p:pic>
-    </p:spTree>
-    <p:extLst>
-      <p:ext uri="{BB962C8B-B14F-4D97-AF65-F5344CB8AC3E}">
-        <p14:creationId xmlns:p14="http://schemas.microsoft.com/office/powerpoint/2010/main" val="1201263647"/>
-      </p:ext>
-    </p:extLst>
-  </p:cSld>
-  <p:clrMapOvr>
-    <a:masterClrMapping/>
-  </p:clrMapOvr>
-  <p:timing>
-    <p:tnLst>
-      <p:par>
-        <p:cTn id="1" dur="indefinite" restart="never" nodeType="tmRoot">
-          <p:childTnLst>
-            <p:seq concurrent="1" nextAc="seek">
-              <p:cTn id="2" dur="indefinite" nodeType="mainSeq">
-                <p:childTnLst>
-                  <p:par>
-                    <p:cTn id="3" fill="hold">
-                      <p:stCondLst>
-                        <p:cond delay="indefinite"/>
-                      </p:stCondLst>
-                      <p:childTnLst>
-                        <p:par>
-                          <p:cTn id="4" fill="hold">
-                            <p:stCondLst>
-                              <p:cond delay="0"/>
-                            </p:stCondLst>
-                            <p:childTnLst>
-                              <p:par>
-                                <p:cTn id="5" presetID="2" presetClass="entr" presetSubtype="4" fill="hold" nodeType="clickEffect">
-                                  <p:stCondLst>
-                                    <p:cond delay="0"/>
-                                  </p:stCondLst>
-                                  <p:childTnLst>
-                                    <p:set>
-                                      <p:cBhvr>
-                                        <p:cTn id="6" dur="1" fill="hold">
-                                          <p:stCondLst>
-                                            <p:cond delay="0"/>
-                                          </p:stCondLst>
-                                        </p:cTn>
-                                        <p:tgtEl>
-                                          <p:spTgt spid="5">
-                                            <p:txEl>
-                                              <p:pRg st="3" end="3"/>
-                                            </p:txEl>
-                                          </p:spTgt>
-                                        </p:tgtEl>
-                                        <p:attrNameLst>
-                                          <p:attrName>style.visibility</p:attrName>
-                                        </p:attrNameLst>
-                                      </p:cBhvr>
-                                      <p:to>
-                                        <p:strVal val="visible"/>
-                                      </p:to>
-                                    </p:set>
-                                    <p:anim calcmode="lin" valueType="num">
-                                      <p:cBhvr additive="base">
-                                        <p:cTn id="7" dur="500" fill="hold"/>
-                                        <p:tgtEl>
-                                          <p:spTgt spid="5">
-                                            <p:txEl>
-                                              <p:pRg st="3" end="3"/>
-                                            </p:txEl>
-                                          </p:spTgt>
-                                        </p:tgtEl>
-                                        <p:attrNameLst>
-                                          <p:attrName>ppt_x</p:attrName>
-                                        </p:attrNameLst>
-                                      </p:cBhvr>
-                                      <p:tavLst>
-                                        <p:tav tm="0">
-                                          <p:val>
-                                            <p:strVal val="#ppt_x"/>
-                                          </p:val>
-                                        </p:tav>
-                                        <p:tav tm="100000">
-                                          <p:val>
-                                            <p:strVal val="#ppt_x"/>
-                                          </p:val>
-                                        </p:tav>
-                                      </p:tavLst>
-                                    </p:anim>
-                                    <p:anim calcmode="lin" valueType="num">
-                                      <p:cBhvr additive="base">
-                                        <p:cTn id="8" dur="500" fill="hold"/>
-                                        <p:tgtEl>
-                                          <p:spTgt spid="5">
-                                            <p:txEl>
-                                              <p:pRg st="3" end="3"/>
-                                            </p:txEl>
-                                          </p:spTgt>
-                                        </p:tgtEl>
-                                        <p:attrNameLst>
-                                          <p:attrName>ppt_y</p:attrName>
-                                        </p:attrNameLst>
-                                      </p:cBhvr>
-                                      <p:tavLst>
-                                        <p:tav tm="0">
-                                          <p:val>
-                                            <p:strVal val="1+#ppt_h/2"/>
-                                          </p:val>
-                                        </p:tav>
-                                        <p:tav tm="100000">
-                                          <p:val>
-                                            <p:strVal val="#ppt_y"/>
-                                          </p:val>
-                                        </p:tav>
-                                      </p:tavLst>
-                                    </p:anim>
-                                  </p:childTnLst>
-                                </p:cTn>
-                              </p:par>
-                            </p:childTnLst>
-                          </p:cTn>
-                        </p:par>
-                      </p:childTnLst>
-                    </p:cTn>
-                  </p:par>
-                  <p:par>
-                    <p:cTn id="9" fill="hold">
-                      <p:stCondLst>
-                        <p:cond delay="indefinite"/>
-                      </p:stCondLst>
-                      <p:childTnLst>
-                        <p:par>
-                          <p:cTn id="10" fill="hold">
-                            <p:stCondLst>
-                              <p:cond delay="0"/>
-                            </p:stCondLst>
-                            <p:childTnLst>
-                              <p:par>
-                                <p:cTn id="11" presetID="2" presetClass="entr" presetSubtype="4" fill="hold" nodeType="clickEffect">
-                                  <p:stCondLst>
-                                    <p:cond delay="0"/>
-                                  </p:stCondLst>
-                                  <p:childTnLst>
-                                    <p:set>
-                                      <p:cBhvr>
-                                        <p:cTn id="12" dur="1" fill="hold">
-                                          <p:stCondLst>
-                                            <p:cond delay="0"/>
-                                          </p:stCondLst>
-                                        </p:cTn>
-                                        <p:tgtEl>
-                                          <p:spTgt spid="5">
-                                            <p:txEl>
-                                              <p:pRg st="4" end="4"/>
-                                            </p:txEl>
-                                          </p:spTgt>
-                                        </p:tgtEl>
-                                        <p:attrNameLst>
-                                          <p:attrName>style.visibility</p:attrName>
-                                        </p:attrNameLst>
-                                      </p:cBhvr>
-                                      <p:to>
-                                        <p:strVal val="visible"/>
-                                      </p:to>
-                                    </p:set>
-                                    <p:anim calcmode="lin" valueType="num">
-                                      <p:cBhvr additive="base">
-                                        <p:cTn id="13" dur="500" fill="hold"/>
-                                        <p:tgtEl>
-                                          <p:spTgt spid="5">
-                                            <p:txEl>
-                                              <p:pRg st="4" end="4"/>
-                                            </p:txEl>
-                                          </p:spTgt>
-                                        </p:tgtEl>
-                                        <p:attrNameLst>
-                                          <p:attrName>ppt_x</p:attrName>
-                                        </p:attrNameLst>
-                                      </p:cBhvr>
-                                      <p:tavLst>
-                                        <p:tav tm="0">
-                                          <p:val>
-                                            <p:strVal val="#ppt_x"/>
-                                          </p:val>
-                                        </p:tav>
-                                        <p:tav tm="100000">
-                                          <p:val>
-                                            <p:strVal val="#ppt_x"/>
-                                          </p:val>
-                                        </p:tav>
-                                      </p:tavLst>
-                                    </p:anim>
-                                    <p:anim calcmode="lin" valueType="num">
-                                      <p:cBhvr additive="base">
-                                        <p:cTn id="14" dur="500" fill="hold"/>
-                                        <p:tgtEl>
-                                          <p:spTgt spid="5">
-                                            <p:txEl>
-                                              <p:pRg st="4" end="4"/>
-                                            </p:txEl>
-                                          </p:spTgt>
-                                        </p:tgtEl>
-                                        <p:attrNameLst>
-                                          <p:attrName>ppt_y</p:attrName>
-                                        </p:attrNameLst>
-                                      </p:cBhvr>
-                                      <p:tavLst>
-                                        <p:tav tm="0">
-                                          <p:val>
-                                            <p:strVal val="1+#ppt_h/2"/>
-                                          </p:val>
-                                        </p:tav>
-                                        <p:tav tm="100000">
-                                          <p:val>
-                                            <p:strVal val="#ppt_y"/>
-                                          </p:val>
-                                        </p:tav>
-                                      </p:tavLst>
-                                    </p:anim>
-                                  </p:childTnLst>
-                                </p:cTn>
-                              </p:par>
-                            </p:childTnLst>
-                          </p:cTn>
-                        </p:par>
-                      </p:childTnLst>
-                    </p:cTn>
-                  </p:par>
-                  <p:par>
-                    <p:cTn id="15" fill="hold">
-                      <p:stCondLst>
-                        <p:cond delay="indefinite"/>
-                      </p:stCondLst>
-                      <p:childTnLst>
-                        <p:par>
-                          <p:cTn id="16" fill="hold">
-                            <p:stCondLst>
-                              <p:cond delay="0"/>
-                            </p:stCondLst>
-                            <p:childTnLst>
-                              <p:par>
-                                <p:cTn id="17" presetID="2" presetClass="entr" presetSubtype="4" fill="hold" nodeType="clickEffect">
-                                  <p:stCondLst>
-                                    <p:cond delay="0"/>
-                                  </p:stCondLst>
-                                  <p:childTnLst>
-                                    <p:set>
-                                      <p:cBhvr>
-                                        <p:cTn id="18" dur="1" fill="hold">
-                                          <p:stCondLst>
-                                            <p:cond delay="0"/>
-                                          </p:stCondLst>
-                                        </p:cTn>
-                                        <p:tgtEl>
-                                          <p:spTgt spid="5">
-                                            <p:txEl>
-                                              <p:pRg st="5" end="5"/>
-                                            </p:txEl>
-                                          </p:spTgt>
-                                        </p:tgtEl>
-                                        <p:attrNameLst>
-                                          <p:attrName>style.visibility</p:attrName>
-                                        </p:attrNameLst>
-                                      </p:cBhvr>
-                                      <p:to>
-                                        <p:strVal val="visible"/>
-                                      </p:to>
-                                    </p:set>
-                                    <p:anim calcmode="lin" valueType="num">
-                                      <p:cBhvr additive="base">
-                                        <p:cTn id="19" dur="500" fill="hold"/>
-                                        <p:tgtEl>
-                                          <p:spTgt spid="5">
-                                            <p:txEl>
-                                              <p:pRg st="5" end="5"/>
-                                            </p:txEl>
-                                          </p:spTgt>
-                                        </p:tgtEl>
-                                        <p:attrNameLst>
-                                          <p:attrName>ppt_x</p:attrName>
-                                        </p:attrNameLst>
-                                      </p:cBhvr>
-                                      <p:tavLst>
-                                        <p:tav tm="0">
-                                          <p:val>
-                                            <p:strVal val="#ppt_x"/>
-                                          </p:val>
-                                        </p:tav>
-                                        <p:tav tm="100000">
-                                          <p:val>
-                                            <p:strVal val="#ppt_x"/>
-                                          </p:val>
-                                        </p:tav>
-                                      </p:tavLst>
-                                    </p:anim>
-                                    <p:anim calcmode="lin" valueType="num">
-                                      <p:cBhvr additive="base">
-                                        <p:cTn id="20" dur="500" fill="hold"/>
-                                        <p:tgtEl>
-                                          <p:spTgt spid="5">
-                                            <p:txEl>
-                                              <p:pRg st="5" end="5"/>
-                                            </p:txEl>
-                                          </p:spTgt>
-                                        </p:tgtEl>
-                                        <p:attrNameLst>
-                                          <p:attrName>ppt_y</p:attrName>
-                                        </p:attrNameLst>
-                                      </p:cBhvr>
-                                      <p:tavLst>
-                                        <p:tav tm="0">
-                                          <p:val>
-                                            <p:strVal val="1+#ppt_h/2"/>
-                                          </p:val>
-                                        </p:tav>
-                                        <p:tav tm="100000">
-                                          <p:val>
-                                            <p:strVal val="#ppt_y"/>
-                                          </p:val>
-                                        </p:tav>
-                                      </p:tavLst>
-                                    </p:anim>
-                                  </p:childTnLst>
-                                </p:cTn>
-                              </p:par>
-                            </p:childTnLst>
-                          </p:cTn>
-                        </p:par>
-                      </p:childTnLst>
-                    </p:cTn>
-                  </p:par>
-                  <p:par>
-                    <p:cTn id="21" fill="hold">
-                      <p:stCondLst>
-                        <p:cond delay="indefinite"/>
-                      </p:stCondLst>
-                      <p:childTnLst>
-                        <p:par>
-                          <p:cTn id="22" fill="hold">
-                            <p:stCondLst>
-                              <p:cond delay="0"/>
-                            </p:stCondLst>
-                            <p:childTnLst>
-                              <p:par>
-                                <p:cTn id="23" presetID="2" presetClass="entr" presetSubtype="4" fill="hold" nodeType="clickEffect">
-                                  <p:stCondLst>
-                                    <p:cond delay="0"/>
-                                  </p:stCondLst>
-                                  <p:childTnLst>
-                                    <p:set>
-                                      <p:cBhvr>
-                                        <p:cTn id="24" dur="1" fill="hold">
-                                          <p:stCondLst>
-                                            <p:cond delay="0"/>
-                                          </p:stCondLst>
-                                        </p:cTn>
-                                        <p:tgtEl>
-                                          <p:spTgt spid="5">
-                                            <p:txEl>
-                                              <p:pRg st="6" end="6"/>
-                                            </p:txEl>
-                                          </p:spTgt>
-                                        </p:tgtEl>
-                                        <p:attrNameLst>
-                                          <p:attrName>style.visibility</p:attrName>
-                                        </p:attrNameLst>
-                                      </p:cBhvr>
-                                      <p:to>
-                                        <p:strVal val="visible"/>
-                                      </p:to>
-                                    </p:set>
-                                    <p:anim calcmode="lin" valueType="num">
-                                      <p:cBhvr additive="base">
-                                        <p:cTn id="25" dur="500" fill="hold"/>
-                                        <p:tgtEl>
-                                          <p:spTgt spid="5">
-                                            <p:txEl>
-                                              <p:pRg st="6" end="6"/>
-                                            </p:txEl>
-                                          </p:spTgt>
-                                        </p:tgtEl>
-                                        <p:attrNameLst>
-                                          <p:attrName>ppt_x</p:attrName>
-                                        </p:attrNameLst>
-                                      </p:cBhvr>
-                                      <p:tavLst>
-                                        <p:tav tm="0">
-                                          <p:val>
-                                            <p:strVal val="#ppt_x"/>
-                                          </p:val>
-                                        </p:tav>
-                                        <p:tav tm="100000">
-                                          <p:val>
-                                            <p:strVal val="#ppt_x"/>
-                                          </p:val>
-                                        </p:tav>
-                                      </p:tavLst>
-                                    </p:anim>
-                                    <p:anim calcmode="lin" valueType="num">
-                                      <p:cBhvr additive="base">
-                                        <p:cTn id="26" dur="500" fill="hold"/>
-                                        <p:tgtEl>
-                                          <p:spTgt spid="5">
-                                            <p:txEl>
-                                              <p:pRg st="6" end="6"/>
-                                            </p:txEl>
-                                          </p:spTgt>
-                                        </p:tgtEl>
-                                        <p:attrNameLst>
-                                          <p:attrName>ppt_y</p:attrName>
-                                        </p:attrNameLst>
-                                      </p:cBhvr>
-                                      <p:tavLst>
-                                        <p:tav tm="0">
-                                          <p:val>
-                                            <p:strVal val="1+#ppt_h/2"/>
-                                          </p:val>
-                                        </p:tav>
-                                        <p:tav tm="100000">
-                                          <p:val>
-                                            <p:strVal val="#ppt_y"/>
-                                          </p:val>
-                                        </p:tav>
-                                      </p:tavLst>
-                                    </p:anim>
-                                  </p:childTnLst>
-                                </p:cTn>
-                              </p:par>
-                            </p:childTnLst>
-                          </p:cTn>
-                        </p:par>
-                      </p:childTnLst>
-                    </p:cTn>
-                  </p:par>
-                  <p:par>
-                    <p:cTn id="27" fill="hold">
-                      <p:stCondLst>
-                        <p:cond delay="indefinite"/>
-                      </p:stCondLst>
-                      <p:childTnLst>
-                        <p:par>
-                          <p:cTn id="28" fill="hold">
-                            <p:stCondLst>
-                              <p:cond delay="0"/>
-                            </p:stCondLst>
-                            <p:childTnLst>
-                              <p:par>
-                                <p:cTn id="29" presetID="2" presetClass="entr" presetSubtype="4" fill="hold" nodeType="clickEffect">
-                                  <p:stCondLst>
-                                    <p:cond delay="0"/>
-                                  </p:stCondLst>
-                                  <p:childTnLst>
-                                    <p:set>
-                                      <p:cBhvr>
-                                        <p:cTn id="30" dur="1" fill="hold">
-                                          <p:stCondLst>
-                                            <p:cond delay="0"/>
-                                          </p:stCondLst>
-                                        </p:cTn>
-                                        <p:tgtEl>
-                                          <p:spTgt spid="5">
-                                            <p:txEl>
-                                              <p:pRg st="7" end="7"/>
-                                            </p:txEl>
-                                          </p:spTgt>
-                                        </p:tgtEl>
-                                        <p:attrNameLst>
-                                          <p:attrName>style.visibility</p:attrName>
-                                        </p:attrNameLst>
-                                      </p:cBhvr>
-                                      <p:to>
-                                        <p:strVal val="visible"/>
-                                      </p:to>
-                                    </p:set>
-                                    <p:anim calcmode="lin" valueType="num">
-                                      <p:cBhvr additive="base">
-                                        <p:cTn id="31" dur="500" fill="hold"/>
-                                        <p:tgtEl>
-                                          <p:spTgt spid="5">
-                                            <p:txEl>
-                                              <p:pRg st="7" end="7"/>
-                                            </p:txEl>
-                                          </p:spTgt>
-                                        </p:tgtEl>
-                                        <p:attrNameLst>
-                                          <p:attrName>ppt_x</p:attrName>
-                                        </p:attrNameLst>
-                                      </p:cBhvr>
-                                      <p:tavLst>
-                                        <p:tav tm="0">
-                                          <p:val>
-                                            <p:strVal val="#ppt_x"/>
-                                          </p:val>
-                                        </p:tav>
-                                        <p:tav tm="100000">
-                                          <p:val>
-                                            <p:strVal val="#ppt_x"/>
-                                          </p:val>
-                                        </p:tav>
-                                      </p:tavLst>
-                                    </p:anim>
-                                    <p:anim calcmode="lin" valueType="num">
-                                      <p:cBhvr additive="base">
-                                        <p:cTn id="32" dur="500" fill="hold"/>
-                                        <p:tgtEl>
-                                          <p:spTgt spid="5">
-                                            <p:txEl>
-                                              <p:pRg st="7" end="7"/>
-                                            </p:txEl>
-                                          </p:spTgt>
-                                        </p:tgtEl>
-                                        <p:attrNameLst>
-                                          <p:attrName>ppt_y</p:attrName>
-                                        </p:attrNameLst>
-                                      </p:cBhvr>
-                                      <p:tavLst>
-                                        <p:tav tm="0">
-                                          <p:val>
-                                            <p:strVal val="1+#ppt_h/2"/>
-                                          </p:val>
-                                        </p:tav>
-                                        <p:tav tm="100000">
-                                          <p:val>
-                                            <p:strVal val="#ppt_y"/>
-                                          </p:val>
-                                        </p:tav>
-                                      </p:tavLst>
-                                    </p:anim>
-                                  </p:childTnLst>
-                                </p:cTn>
-                              </p:par>
-                            </p:childTnLst>
-                          </p:cTn>
-                        </p:par>
-                      </p:childTnLst>
-                    </p:cTn>
-                  </p:par>
-                  <p:par>
-                    <p:cTn id="33" fill="hold">
-                      <p:stCondLst>
-                        <p:cond delay="indefinite"/>
-                      </p:stCondLst>
-                      <p:childTnLst>
-                        <p:par>
-                          <p:cTn id="34" fill="hold">
-                            <p:stCondLst>
-                              <p:cond delay="0"/>
-                            </p:stCondLst>
-                            <p:childTnLst>
-                              <p:par>
-                                <p:cTn id="35" presetID="2" presetClass="entr" presetSubtype="4" fill="hold" nodeType="clickEffect">
-                                  <p:stCondLst>
-                                    <p:cond delay="0"/>
-                                  </p:stCondLst>
-                                  <p:childTnLst>
-                                    <p:set>
-                                      <p:cBhvr>
-                                        <p:cTn id="36" dur="1" fill="hold">
-                                          <p:stCondLst>
-                                            <p:cond delay="0"/>
-                                          </p:stCondLst>
-                                        </p:cTn>
-                                        <p:tgtEl>
-                                          <p:spTgt spid="5">
-                                            <p:txEl>
-                                              <p:pRg st="8" end="8"/>
-                                            </p:txEl>
-                                          </p:spTgt>
-                                        </p:tgtEl>
-                                        <p:attrNameLst>
-                                          <p:attrName>style.visibility</p:attrName>
-                                        </p:attrNameLst>
-                                      </p:cBhvr>
-                                      <p:to>
-                                        <p:strVal val="visible"/>
-                                      </p:to>
-                                    </p:set>
-                                    <p:anim calcmode="lin" valueType="num">
-                                      <p:cBhvr additive="base">
-                                        <p:cTn id="37" dur="500" fill="hold"/>
-                                        <p:tgtEl>
-                                          <p:spTgt spid="5">
-                                            <p:txEl>
-                                              <p:pRg st="8" end="8"/>
-                                            </p:txEl>
-                                          </p:spTgt>
-                                        </p:tgtEl>
-                                        <p:attrNameLst>
-                                          <p:attrName>ppt_x</p:attrName>
-                                        </p:attrNameLst>
-                                      </p:cBhvr>
-                                      <p:tavLst>
-                                        <p:tav tm="0">
-                                          <p:val>
-                                            <p:strVal val="#ppt_x"/>
-                                          </p:val>
-                                        </p:tav>
-                                        <p:tav tm="100000">
-                                          <p:val>
-                                            <p:strVal val="#ppt_x"/>
-                                          </p:val>
-                                        </p:tav>
-                                      </p:tavLst>
-                                    </p:anim>
-                                    <p:anim calcmode="lin" valueType="num">
-                                      <p:cBhvr additive="base">
-                                        <p:cTn id="38" dur="500" fill="hold"/>
-                                        <p:tgtEl>
-                                          <p:spTgt spid="5">
-                                            <p:txEl>
-                                              <p:pRg st="8" end="8"/>
-                                            </p:txEl>
-                                          </p:spTgt>
-                                        </p:tgtEl>
-                                        <p:attrNameLst>
-                                          <p:attrName>ppt_y</p:attrName>
-                                        </p:attrNameLst>
-                                      </p:cBhvr>
-                                      <p:tavLst>
-                                        <p:tav tm="0">
-                                          <p:val>
-                                            <p:strVal val="1+#ppt_h/2"/>
-                                          </p:val>
-                                        </p:tav>
-                                        <p:tav tm="100000">
-                                          <p:val>
-                                            <p:strVal val="#ppt_y"/>
-                                          </p:val>
-                                        </p:tav>
-                                      </p:tavLst>
-                                    </p:anim>
-                                  </p:childTnLst>
-                                </p:cTn>
-                              </p:par>
-                            </p:childTnLst>
-                          </p:cTn>
-                        </p:par>
-                      </p:childTnLst>
-                    </p:cTn>
-                  </p:par>
-                  <p:par>
-                    <p:cTn id="39" fill="hold">
-                      <p:stCondLst>
-                        <p:cond delay="indefinite"/>
-                      </p:stCondLst>
-                      <p:childTnLst>
-                        <p:par>
-                          <p:cTn id="40" fill="hold">
-                            <p:stCondLst>
-                              <p:cond delay="0"/>
-                            </p:stCondLst>
-                            <p:childTnLst>
-                              <p:par>
-                                <p:cTn id="41" presetID="53" presetClass="entr" presetSubtype="16" fill="hold" grpId="0" nodeType="clickEffect">
-                                  <p:stCondLst>
-                                    <p:cond delay="0"/>
-                                  </p:stCondLst>
-                                  <p:childTnLst>
-                                    <p:set>
-                                      <p:cBhvr>
-                                        <p:cTn id="42" dur="1" fill="hold">
-                                          <p:stCondLst>
-                                            <p:cond delay="0"/>
-                                          </p:stCondLst>
-                                        </p:cTn>
-                                        <p:tgtEl>
-                                          <p:spTgt spid="4"/>
-                                        </p:tgtEl>
-                                        <p:attrNameLst>
-                                          <p:attrName>style.visibility</p:attrName>
-                                        </p:attrNameLst>
-                                      </p:cBhvr>
-                                      <p:to>
-                                        <p:strVal val="visible"/>
-                                      </p:to>
-                                    </p:set>
-                                    <p:anim calcmode="lin" valueType="num">
-                                      <p:cBhvr>
-                                        <p:cTn id="43" dur="500" fill="hold"/>
-                                        <p:tgtEl>
-                                          <p:spTgt spid="4"/>
-                                        </p:tgtEl>
-                                        <p:attrNameLst>
-                                          <p:attrName>ppt_w</p:attrName>
-                                        </p:attrNameLst>
-                                      </p:cBhvr>
-                                      <p:tavLst>
-                                        <p:tav tm="0">
-                                          <p:val>
-                                            <p:fltVal val="0"/>
-                                          </p:val>
-                                        </p:tav>
-                                        <p:tav tm="100000">
-                                          <p:val>
-                                            <p:strVal val="#ppt_w"/>
-                                          </p:val>
-                                        </p:tav>
-                                      </p:tavLst>
-                                    </p:anim>
-                                    <p:anim calcmode="lin" valueType="num">
-                                      <p:cBhvr>
-                                        <p:cTn id="44" dur="500" fill="hold"/>
-                                        <p:tgtEl>
-                                          <p:spTgt spid="4"/>
-                                        </p:tgtEl>
-                                        <p:attrNameLst>
-                                          <p:attrName>ppt_h</p:attrName>
-                                        </p:attrNameLst>
-                                      </p:cBhvr>
-                                      <p:tavLst>
-                                        <p:tav tm="0">
-                                          <p:val>
-                                            <p:fltVal val="0"/>
-                                          </p:val>
-                                        </p:tav>
-                                        <p:tav tm="100000">
-                                          <p:val>
-                                            <p:strVal val="#ppt_h"/>
-                                          </p:val>
-                                        </p:tav>
-                                      </p:tavLst>
-                                    </p:anim>
-                                    <p:animEffect transition="in" filter="fade">
-                                      <p:cBhvr>
-                                        <p:cTn id="45" dur="500"/>
-                                        <p:tgtEl>
-                                          <p:spTgt spid="4"/>
-                                        </p:tgtEl>
-                                      </p:cBhvr>
-                                    </p:animEffect>
-                                  </p:childTnLst>
-                                </p:cTn>
-                              </p:par>
-                            </p:childTnLst>
-                          </p:cTn>
-                        </p:par>
-                      </p:childTnLst>
-                    </p:cTn>
-                  </p:par>
-                </p:childTnLst>
-              </p:cTn>
-              <p:prevCondLst>
-                <p:cond evt="onPrev" delay="0">
-                  <p:tgtEl>
-                    <p:sldTgt/>
-                  </p:tgtEl>
-                </p:cond>
-              </p:prevCondLst>
-              <p:nextCondLst>
-                <p:cond evt="onNext" delay="0">
-                  <p:tgtEl>
-                    <p:sldTgt/>
-                  </p:tgtEl>
-                </p:cond>
-              </p:nextCondLst>
-            </p:seq>
-          </p:childTnLst>
-        </p:cTn>
-      </p:par>
-    </p:tnLst>
-    <p:bldLst>
-      <p:bldP spid="4" grpId="0"/>
-    </p:bldLst>
-  </p:timing>
-</p:sld>
-</file>
-
-<file path=ppt/slides/slide11.xml><?xml version="1.0" encoding="utf-8"?>
 <p:sld xmlns:a="http://schemas.openxmlformats.org/drawingml/2006/main" xmlns:r="http://schemas.openxmlformats.org/officeDocument/2006/relationships" xmlns:p="http://schemas.openxmlformats.org/presentationml/2006/main">
   <p:cSld>
     <p:spTree>
@@ -8796,7 +10427,7 @@
 </p:sld>
 </file>
 
-<file path=ppt/slides/slide12.xml><?xml version="1.0" encoding="utf-8"?>
+<file path=ppt/slides/slide11.xml><?xml version="1.0" encoding="utf-8"?>
 <p:sld xmlns:a="http://schemas.openxmlformats.org/drawingml/2006/main" xmlns:r="http://schemas.openxmlformats.org/officeDocument/2006/relationships" xmlns:p="http://schemas.openxmlformats.org/presentationml/2006/main">
   <p:cSld>
     <p:spTree>
@@ -9137,7 +10768,7 @@
           <p:nvPr/>
         </p:nvPicPr>
         <p:blipFill>
-          <a:blip r:embed="rId2">
+          <a:blip r:embed="rId3">
             <a:extLst>
               <a:ext uri="{28A0092B-C50C-407E-A947-70E740481C1C}">
                 <a14:useLocalDpi xmlns:a14="http://schemas.microsoft.com/office/drawing/2010/main" val="0"/>
@@ -9632,7 +11263,7 @@
 </p:sld>
 </file>
 
-<file path=ppt/slides/slide13.xml><?xml version="1.0" encoding="utf-8"?>
+<file path=ppt/slides/slide12.xml><?xml version="1.0" encoding="utf-8"?>
 <p:sld xmlns:a="http://schemas.openxmlformats.org/drawingml/2006/main" xmlns:r="http://schemas.openxmlformats.org/officeDocument/2006/relationships" xmlns:p="http://schemas.openxmlformats.org/presentationml/2006/main">
   <p:cSld>
     <p:spTree>
@@ -10811,7 +12442,7 @@
 </p:sld>
 </file>
 
-<file path=ppt/slides/slide14.xml><?xml version="1.0" encoding="utf-8"?>
+<file path=ppt/slides/slide13.xml><?xml version="1.0" encoding="utf-8"?>
 <p:sld xmlns:a="http://schemas.openxmlformats.org/drawingml/2006/main" xmlns:r="http://schemas.openxmlformats.org/officeDocument/2006/relationships" xmlns:p="http://schemas.openxmlformats.org/presentationml/2006/main">
   <p:cSld>
     <p:spTree>
@@ -12049,7 +13680,7 @@
 </p:sld>
 </file>
 
-<file path=ppt/slides/slide15.xml><?xml version="1.0" encoding="utf-8"?>
+<file path=ppt/slides/slide14.xml><?xml version="1.0" encoding="utf-8"?>
 <p:sld xmlns:a="http://schemas.openxmlformats.org/drawingml/2006/main" xmlns:r="http://schemas.openxmlformats.org/officeDocument/2006/relationships" xmlns:p="http://schemas.openxmlformats.org/presentationml/2006/main">
   <p:cSld>
     <p:spTree>
@@ -12208,7 +13839,7 @@
 </p:sld>
 </file>
 
-<file path=ppt/slides/slide16.xml><?xml version="1.0" encoding="utf-8"?>
+<file path=ppt/slides/slide15.xml><?xml version="1.0" encoding="utf-8"?>
 <p:sld xmlns:a="http://schemas.openxmlformats.org/drawingml/2006/main" xmlns:r="http://schemas.openxmlformats.org/officeDocument/2006/relationships" xmlns:p="http://schemas.openxmlformats.org/presentationml/2006/main">
   <p:cSld>
     <p:spTree>
@@ -14539,7 +16170,7 @@
 </p:sld>
 </file>
 
-<file path=ppt/slides/slide17.xml><?xml version="1.0" encoding="utf-8"?>
+<file path=ppt/slides/slide16.xml><?xml version="1.0" encoding="utf-8"?>
 <p:sld xmlns:a="http://schemas.openxmlformats.org/drawingml/2006/main" xmlns:r="http://schemas.openxmlformats.org/officeDocument/2006/relationships" xmlns:p="http://schemas.openxmlformats.org/presentationml/2006/main">
   <p:cSld>
     <p:spTree>
@@ -15569,7 +17200,7 @@
 </p:sld>
 </file>
 
-<file path=ppt/slides/slide18.xml><?xml version="1.0" encoding="utf-8"?>
+<file path=ppt/slides/slide17.xml><?xml version="1.0" encoding="utf-8"?>
 <p:sld xmlns:a="http://schemas.openxmlformats.org/drawingml/2006/main" xmlns:r="http://schemas.openxmlformats.org/officeDocument/2006/relationships" xmlns:p="http://schemas.openxmlformats.org/presentationml/2006/main">
   <p:cSld>
     <p:spTree>
@@ -15724,7 +17355,7 @@
 </p:sld>
 </file>
 
-<file path=ppt/slides/slide19.xml><?xml version="1.0" encoding="utf-8"?>
+<file path=ppt/slides/slide18.xml><?xml version="1.0" encoding="utf-8"?>
 <p:sld xmlns:a="http://schemas.openxmlformats.org/drawingml/2006/main" xmlns:r="http://schemas.openxmlformats.org/officeDocument/2006/relationships" xmlns:p="http://schemas.openxmlformats.org/presentationml/2006/main">
   <p:cSld>
     <p:spTree>
@@ -15930,174 +17561,7 @@
 </p:sld>
 </file>
 
-<file path=ppt/slides/slide2.xml><?xml version="1.0" encoding="utf-8"?>
-<p:sld xmlns:a="http://schemas.openxmlformats.org/drawingml/2006/main" xmlns:r="http://schemas.openxmlformats.org/officeDocument/2006/relationships" xmlns:p="http://schemas.openxmlformats.org/presentationml/2006/main">
-  <p:cSld>
-    <p:spTree>
-      <p:nvGrpSpPr>
-        <p:cNvPr id="1" name=""/>
-        <p:cNvGrpSpPr/>
-        <p:nvPr/>
-      </p:nvGrpSpPr>
-      <p:grpSpPr>
-        <a:xfrm>
-          <a:off x="0" y="0"/>
-          <a:ext cx="0" cy="0"/>
-          <a:chOff x="0" y="0"/>
-          <a:chExt cx="0" cy="0"/>
-        </a:xfrm>
-      </p:grpSpPr>
-      <p:sp>
-        <p:nvSpPr>
-          <p:cNvPr id="2" name="Title 1">
-            <a:extLst>
-              <a:ext uri="{FF2B5EF4-FFF2-40B4-BE49-F238E27FC236}">
-                <a16:creationId xmlns:a16="http://schemas.microsoft.com/office/drawing/2014/main" id="{8306FF31-301F-43F0-8202-A782726E446A}"/>
-              </a:ext>
-            </a:extLst>
-          </p:cNvPr>
-          <p:cNvSpPr>
-            <a:spLocks noGrp="1"/>
-          </p:cNvSpPr>
-          <p:nvPr>
-            <p:ph type="title"/>
-          </p:nvPr>
-        </p:nvSpPr>
-        <p:spPr>
-          <a:xfrm>
-            <a:off x="0" y="529250"/>
-            <a:ext cx="12191999" cy="827416"/>
-          </a:xfrm>
-        </p:spPr>
-        <p:txBody>
-          <a:bodyPr>
-            <a:normAutofit/>
-          </a:bodyPr>
-          <a:lstStyle/>
-          <a:p>
-            <a:pPr algn="ctr"/>
-            <a:r>
-              <a:rPr lang="en-US" sz="4000" b="1" dirty="0">
-                <a:solidFill>
-                  <a:schemeClr val="tx1">
-                    <a:lumMod val="75000"/>
-                    <a:lumOff val="25000"/>
-                  </a:schemeClr>
-                </a:solidFill>
-                <a:latin typeface="Avenir Black" panose="02000503020000020003" pitchFamily="2" charset="0"/>
-                <a:cs typeface="Segoe UI Light" panose="020B0502040204020203" pitchFamily="34" charset="0"/>
-              </a:rPr>
-              <a:t> Variables</a:t>
-            </a:r>
-          </a:p>
-        </p:txBody>
-      </p:sp>
-      <p:pic>
-        <p:nvPicPr>
-          <p:cNvPr id="7" name="Content Placeholder 3">
-            <a:extLst>
-              <a:ext uri="{FF2B5EF4-FFF2-40B4-BE49-F238E27FC236}">
-                <a16:creationId xmlns:a16="http://schemas.microsoft.com/office/drawing/2014/main" id="{79EF0D20-244D-4570-B07B-49B241ECC7E1}"/>
-              </a:ext>
-            </a:extLst>
-          </p:cNvPr>
-          <p:cNvPicPr>
-            <a:picLocks noGrp="1" noChangeAspect="1"/>
-          </p:cNvPicPr>
-          <p:nvPr>
-            <p:ph idx="1"/>
-          </p:nvPr>
-        </p:nvPicPr>
-        <p:blipFill>
-          <a:blip r:embed="rId3">
-            <a:extLst>
-              <a:ext uri="{28A0092B-C50C-407E-A947-70E740481C1C}">
-                <a14:useLocalDpi xmlns:a14="http://schemas.microsoft.com/office/drawing/2010/main" val="0"/>
-              </a:ext>
-            </a:extLst>
-          </a:blip>
-          <a:stretch>
-            <a:fillRect/>
-          </a:stretch>
-        </p:blipFill>
-        <p:spPr>
-          <a:xfrm>
-            <a:off x="3920331" y="1825625"/>
-            <a:ext cx="4351338" cy="4351338"/>
-          </a:xfrm>
-          <a:solidFill>
-            <a:schemeClr val="accent1">
-              <a:lumMod val="20000"/>
-              <a:lumOff val="80000"/>
-            </a:schemeClr>
-          </a:solidFill>
-          <a:effectLst>
-            <a:softEdge rad="0"/>
-          </a:effectLst>
-        </p:spPr>
-      </p:pic>
-      <p:pic>
-        <p:nvPicPr>
-          <p:cNvPr id="3" name="Picture 2" descr="A picture containing dark, gauge&#10;&#10;Description automatically generated">
-            <a:extLst>
-              <a:ext uri="{FF2B5EF4-FFF2-40B4-BE49-F238E27FC236}">
-                <a16:creationId xmlns:a16="http://schemas.microsoft.com/office/drawing/2014/main" id="{D746B46A-4F8F-08B3-1D79-7FD788402B9B}"/>
-              </a:ext>
-            </a:extLst>
-          </p:cNvPr>
-          <p:cNvPicPr>
-            <a:picLocks noChangeAspect="1"/>
-          </p:cNvPicPr>
-          <p:nvPr/>
-        </p:nvPicPr>
-        <p:blipFill>
-          <a:blip r:embed="rId4">
-            <a:extLst>
-              <a:ext uri="{28A0092B-C50C-407E-A947-70E740481C1C}">
-                <a14:useLocalDpi xmlns:a14="http://schemas.microsoft.com/office/drawing/2010/main" val="0"/>
-              </a:ext>
-            </a:extLst>
-          </a:blip>
-          <a:stretch>
-            <a:fillRect/>
-          </a:stretch>
-        </p:blipFill>
-        <p:spPr>
-          <a:xfrm>
-            <a:off x="11378037" y="6031948"/>
-            <a:ext cx="800100" cy="812800"/>
-          </a:xfrm>
-          <a:prstGeom prst="rect">
-            <a:avLst/>
-          </a:prstGeom>
-        </p:spPr>
-      </p:pic>
-    </p:spTree>
-    <p:extLst>
-      <p:ext uri="{BB962C8B-B14F-4D97-AF65-F5344CB8AC3E}">
-        <p14:creationId xmlns:p14="http://schemas.microsoft.com/office/powerpoint/2010/main" val="337556145"/>
-      </p:ext>
-    </p:extLst>
-  </p:cSld>
-  <p:clrMapOvr>
-    <a:masterClrMapping/>
-  </p:clrMapOvr>
-  <mc:AlternateContent xmlns:mc="http://schemas.openxmlformats.org/markup-compatibility/2006" xmlns:p14="http://schemas.microsoft.com/office/powerpoint/2010/main">
-    <mc:Choice Requires="p14">
-      <p:transition spd="med" p14:dur="700">
-        <p:fade/>
-      </p:transition>
-    </mc:Choice>
-    <mc:Fallback xmlns="">
-      <p:transition spd="med">
-        <p:fade/>
-      </p:transition>
-    </mc:Fallback>
-  </mc:AlternateContent>
-</p:sld>
-</file>
-
-<file path=ppt/slides/slide20.xml><?xml version="1.0" encoding="utf-8"?>
+<file path=ppt/slides/slide19.xml><?xml version="1.0" encoding="utf-8"?>
 <p:sld xmlns:a="http://schemas.openxmlformats.org/drawingml/2006/main" xmlns:r="http://schemas.openxmlformats.org/officeDocument/2006/relationships" xmlns:p="http://schemas.openxmlformats.org/presentationml/2006/main">
   <p:cSld>
     <p:spTree>
@@ -16175,7 +17639,7 @@
         </p:spPr>
         <p:txBody>
           <a:bodyPr>
-            <a:normAutofit fontScale="92500" lnSpcReduction="10000"/>
+            <a:normAutofit/>
           </a:bodyPr>
           <a:lstStyle/>
           <a:p>
@@ -16218,67 +17682,6 @@
             </a:r>
           </a:p>
           <a:p>
-            <a:pPr lvl="1">
-              <a:lnSpc>
-                <a:spcPct val="110000"/>
-              </a:lnSpc>
-            </a:pPr>
-            <a:r>
-              <a:rPr lang="en-US" dirty="0">
-                <a:solidFill>
-                  <a:schemeClr val="tx1"/>
-                </a:solidFill>
-                <a:latin typeface="Avenir" panose="02000503020000020003" pitchFamily="2" charset="0"/>
-              </a:rPr>
-              <a:t>To quickly comment out a section, select the section and press</a:t>
-            </a:r>
-            <a:r>
-              <a:rPr lang="en-US" dirty="0">
-                <a:solidFill>
-                  <a:srgbClr val="65BB7B"/>
-                </a:solidFill>
-                <a:latin typeface="Avenir" panose="02000503020000020003" pitchFamily="2" charset="0"/>
-              </a:rPr>
-              <a:t> </a:t>
-            </a:r>
-            <a:r>
-              <a:rPr lang="en-US" dirty="0">
-                <a:solidFill>
-                  <a:srgbClr val="5A5AA8"/>
-                </a:solidFill>
-                <a:latin typeface="Avenir" panose="02000503020000020003" pitchFamily="2" charset="0"/>
-              </a:rPr>
-              <a:t>&lt;ctl-1</a:t>
-            </a:r>
-            <a:r>
-              <a:rPr lang="en-US" dirty="0">
-                <a:solidFill>
-                  <a:schemeClr val="accent5">
-                    <a:lumMod val="75000"/>
-                  </a:schemeClr>
-                </a:solidFill>
-                <a:latin typeface="Avenir" panose="02000503020000020003" pitchFamily="2" charset="0"/>
-              </a:rPr>
-              <a:t>&gt;</a:t>
-            </a:r>
-          </a:p>
-          <a:p>
-            <a:pPr lvl="2">
-              <a:lnSpc>
-                <a:spcPct val="110000"/>
-              </a:lnSpc>
-            </a:pPr>
-            <a:r>
-              <a:rPr lang="en-US" dirty="0">
-                <a:solidFill>
-                  <a:schemeClr val="tx1"/>
-                </a:solidFill>
-                <a:latin typeface="Avenir" panose="02000503020000020003" pitchFamily="2" charset="0"/>
-              </a:rPr>
-              <a:t>Highlight and press again to uncomment</a:t>
-            </a:r>
-          </a:p>
-          <a:p>
             <a:pPr marL="0" indent="0">
               <a:lnSpc>
                 <a:spcPct val="110000"/>
@@ -16379,29 +17782,18 @@
             </a:pPr>
             <a:r>
               <a:rPr lang="en-US" dirty="0">
-                <a:solidFill>
-                  <a:schemeClr val="tx1"/>
-                </a:solidFill>
                 <a:latin typeface="Avenir" panose="02000503020000020003" pitchFamily="2" charset="0"/>
               </a:rPr>
-              <a:t>If comments clarify what you are trying to accomplish, they can </a:t>
-            </a:r>
-            <a:br>
+              <a:t>Comments are for the future you</a:t>
+            </a:r>
+            <a:r>
               <a:rPr lang="en-US" dirty="0">
                 <a:solidFill>
                   <a:schemeClr val="tx1"/>
                 </a:solidFill>
                 <a:latin typeface="Avenir" panose="02000503020000020003" pitchFamily="2" charset="0"/>
               </a:rPr>
-            </a:br>
-            <a:r>
-              <a:rPr lang="en-US" dirty="0">
-                <a:solidFill>
-                  <a:schemeClr val="tx1"/>
-                </a:solidFill>
-                <a:latin typeface="Avenir" panose="02000503020000020003" pitchFamily="2" charset="0"/>
-              </a:rPr>
-              <a:t>improve your score!</a:t>
+              <a:t>!</a:t>
             </a:r>
           </a:p>
           <a:p>
@@ -16481,7 +17873,7 @@
           <p:nvPr/>
         </p:nvPicPr>
         <p:blipFill>
-          <a:blip r:embed="rId2">
+          <a:blip r:embed="rId3">
             <a:extLst>
               <a:ext uri="{28A0092B-C50C-407E-A947-70E740481C1C}">
                 <a14:useLocalDpi xmlns:a14="http://schemas.microsoft.com/office/drawing/2010/main" val="0"/>
@@ -16697,7 +18089,7 @@
                             </p:stCondLst>
                             <p:childTnLst>
                               <p:par>
-                                <p:cTn id="16" presetID="10" presetClass="entr" presetSubtype="0" fill="hold" nodeType="clickEffect">
+                                <p:cTn id="16" presetID="2" presetClass="entr" presetSubtype="4" fill="hold" nodeType="clickEffect">
                                   <p:stCondLst>
                                     <p:cond delay="0"/>
                                   </p:stCondLst>
@@ -16724,126 +18116,13 @@
                                         <p:strVal val="visible"/>
                                       </p:to>
                                     </p:set>
-                                    <p:animEffect transition="in" filter="fade">
-                                      <p:cBhvr>
-                                        <p:cTn id="18" dur="500"/>
+                                    <p:anim calcmode="lin" valueType="num">
+                                      <p:cBhvr additive="base">
+                                        <p:cTn id="18" dur="500" fill="hold"/>
                                         <p:tgtEl>
                                           <p:spTgt spid="3">
                                             <p:txEl>
                                               <p:pRg st="2" end="2"/>
-                                            </p:txEl>
-                                          </p:spTgt>
-                                        </p:tgtEl>
-                                      </p:cBhvr>
-                                    </p:animEffect>
-                                  </p:childTnLst>
-                                </p:cTn>
-                              </p:par>
-                            </p:childTnLst>
-                          </p:cTn>
-                        </p:par>
-                        <p:par>
-                          <p:cTn id="19" fill="hold">
-                            <p:stCondLst>
-                              <p:cond delay="500"/>
-                            </p:stCondLst>
-                            <p:childTnLst>
-                              <p:par>
-                                <p:cTn id="20" presetID="10" presetClass="entr" presetSubtype="0" fill="hold" nodeType="afterEffect">
-                                  <p:stCondLst>
-                                    <p:cond delay="0"/>
-                                  </p:stCondLst>
-                                  <p:childTnLst>
-                                    <p:set>
-                                      <p:cBhvr>
-                                        <p:cTn id="21" dur="1" fill="hold">
-                                          <p:stCondLst>
-                                            <p:cond delay="0"/>
-                                          </p:stCondLst>
-                                        </p:cTn>
-                                        <p:tgtEl>
-                                          <p:spTgt spid="3">
-                                            <p:txEl>
-                                              <p:pRg st="3" end="3"/>
-                                            </p:txEl>
-                                          </p:spTgt>
-                                        </p:tgtEl>
-                                        <p:attrNameLst>
-                                          <p:attrName>style.visibility</p:attrName>
-                                        </p:attrNameLst>
-                                      </p:cBhvr>
-                                      <p:to>
-                                        <p:strVal val="visible"/>
-                                      </p:to>
-                                    </p:set>
-                                    <p:animEffect transition="in" filter="fade">
-                                      <p:cBhvr>
-                                        <p:cTn id="22" dur="500"/>
-                                        <p:tgtEl>
-                                          <p:spTgt spid="3">
-                                            <p:txEl>
-                                              <p:pRg st="3" end="3"/>
-                                            </p:txEl>
-                                          </p:spTgt>
-                                        </p:tgtEl>
-                                      </p:cBhvr>
-                                    </p:animEffect>
-                                  </p:childTnLst>
-                                </p:cTn>
-                              </p:par>
-                            </p:childTnLst>
-                          </p:cTn>
-                        </p:par>
-                      </p:childTnLst>
-                    </p:cTn>
-                  </p:par>
-                  <p:par>
-                    <p:cTn id="23" fill="hold">
-                      <p:stCondLst>
-                        <p:cond delay="indefinite"/>
-                      </p:stCondLst>
-                      <p:childTnLst>
-                        <p:par>
-                          <p:cTn id="24" fill="hold">
-                            <p:stCondLst>
-                              <p:cond delay="0"/>
-                            </p:stCondLst>
-                            <p:childTnLst>
-                              <p:par>
-                                <p:cTn id="25" presetID="2" presetClass="entr" presetSubtype="4" fill="hold" nodeType="clickEffect">
-                                  <p:stCondLst>
-                                    <p:cond delay="0"/>
-                                  </p:stCondLst>
-                                  <p:childTnLst>
-                                    <p:set>
-                                      <p:cBhvr>
-                                        <p:cTn id="26" dur="1" fill="hold">
-                                          <p:stCondLst>
-                                            <p:cond delay="0"/>
-                                          </p:stCondLst>
-                                        </p:cTn>
-                                        <p:tgtEl>
-                                          <p:spTgt spid="3">
-                                            <p:txEl>
-                                              <p:pRg st="4" end="4"/>
-                                            </p:txEl>
-                                          </p:spTgt>
-                                        </p:tgtEl>
-                                        <p:attrNameLst>
-                                          <p:attrName>style.visibility</p:attrName>
-                                        </p:attrNameLst>
-                                      </p:cBhvr>
-                                      <p:to>
-                                        <p:strVal val="visible"/>
-                                      </p:to>
-                                    </p:set>
-                                    <p:anim calcmode="lin" valueType="num">
-                                      <p:cBhvr additive="base">
-                                        <p:cTn id="27" dur="500" fill="hold"/>
-                                        <p:tgtEl>
-                                          <p:spTgt spid="3">
-                                            <p:txEl>
-                                              <p:pRg st="4" end="4"/>
                                             </p:txEl>
                                           </p:spTgt>
                                         </p:tgtEl>
@@ -16866,11 +18145,11 @@
                                     </p:anim>
                                     <p:anim calcmode="lin" valueType="num">
                                       <p:cBhvr additive="base">
-                                        <p:cTn id="28" dur="500" fill="hold"/>
+                                        <p:cTn id="19" dur="500" fill="hold"/>
                                         <p:tgtEl>
                                           <p:spTgt spid="3">
                                             <p:txEl>
-                                              <p:pRg st="4" end="4"/>
+                                              <p:pRg st="2" end="2"/>
                                             </p:txEl>
                                           </p:spTgt>
                                         </p:tgtEl>
@@ -16901,26 +18180,148 @@
                     </p:cTn>
                   </p:par>
                   <p:par>
-                    <p:cTn id="29" fill="hold">
+                    <p:cTn id="20" fill="hold">
                       <p:stCondLst>
                         <p:cond delay="indefinite"/>
                       </p:stCondLst>
                       <p:childTnLst>
                         <p:par>
-                          <p:cTn id="30" fill="hold">
+                          <p:cTn id="21" fill="hold">
                             <p:stCondLst>
                               <p:cond delay="0"/>
                             </p:stCondLst>
                             <p:childTnLst>
                               <p:par>
-                                <p:cTn id="31" presetID="10" presetClass="entr" presetSubtype="0" fill="hold" nodeType="clickEffect">
+                                <p:cTn id="22" presetID="10" presetClass="entr" presetSubtype="0" fill="hold" nodeType="clickEffect">
                                   <p:stCondLst>
                                     <p:cond delay="0"/>
                                   </p:stCondLst>
                                   <p:childTnLst>
                                     <p:set>
                                       <p:cBhvr>
-                                        <p:cTn id="32" dur="1" fill="hold">
+                                        <p:cTn id="23" dur="1" fill="hold">
+                                          <p:stCondLst>
+                                            <p:cond delay="0"/>
+                                          </p:stCondLst>
+                                        </p:cTn>
+                                        <p:tgtEl>
+                                          <p:spTgt spid="3">
+                                            <p:txEl>
+                                              <p:pRg st="3" end="3"/>
+                                            </p:txEl>
+                                          </p:spTgt>
+                                        </p:tgtEl>
+                                        <p:attrNameLst>
+                                          <p:attrName>style.visibility</p:attrName>
+                                        </p:attrNameLst>
+                                      </p:cBhvr>
+                                      <p:to>
+                                        <p:strVal val="visible"/>
+                                      </p:to>
+                                    </p:set>
+                                    <p:animEffect transition="in" filter="fade">
+                                      <p:cBhvr>
+                                        <p:cTn id="24" dur="500"/>
+                                        <p:tgtEl>
+                                          <p:spTgt spid="3">
+                                            <p:txEl>
+                                              <p:pRg st="3" end="3"/>
+                                            </p:txEl>
+                                          </p:spTgt>
+                                        </p:tgtEl>
+                                      </p:cBhvr>
+                                    </p:animEffect>
+                                  </p:childTnLst>
+                                </p:cTn>
+                              </p:par>
+                            </p:childTnLst>
+                          </p:cTn>
+                        </p:par>
+                      </p:childTnLst>
+                    </p:cTn>
+                  </p:par>
+                  <p:par>
+                    <p:cTn id="25" fill="hold">
+                      <p:stCondLst>
+                        <p:cond delay="indefinite"/>
+                      </p:stCondLst>
+                      <p:childTnLst>
+                        <p:par>
+                          <p:cTn id="26" fill="hold">
+                            <p:stCondLst>
+                              <p:cond delay="0"/>
+                            </p:stCondLst>
+                            <p:childTnLst>
+                              <p:par>
+                                <p:cTn id="27" presetID="10" presetClass="entr" presetSubtype="0" fill="hold" nodeType="clickEffect">
+                                  <p:stCondLst>
+                                    <p:cond delay="0"/>
+                                  </p:stCondLst>
+                                  <p:childTnLst>
+                                    <p:set>
+                                      <p:cBhvr>
+                                        <p:cTn id="28" dur="1" fill="hold">
+                                          <p:stCondLst>
+                                            <p:cond delay="0"/>
+                                          </p:stCondLst>
+                                        </p:cTn>
+                                        <p:tgtEl>
+                                          <p:spTgt spid="3">
+                                            <p:txEl>
+                                              <p:pRg st="4" end="4"/>
+                                            </p:txEl>
+                                          </p:spTgt>
+                                        </p:tgtEl>
+                                        <p:attrNameLst>
+                                          <p:attrName>style.visibility</p:attrName>
+                                        </p:attrNameLst>
+                                      </p:cBhvr>
+                                      <p:to>
+                                        <p:strVal val="visible"/>
+                                      </p:to>
+                                    </p:set>
+                                    <p:animEffect transition="in" filter="fade">
+                                      <p:cBhvr>
+                                        <p:cTn id="29" dur="500"/>
+                                        <p:tgtEl>
+                                          <p:spTgt spid="3">
+                                            <p:txEl>
+                                              <p:pRg st="4" end="4"/>
+                                            </p:txEl>
+                                          </p:spTgt>
+                                        </p:tgtEl>
+                                      </p:cBhvr>
+                                    </p:animEffect>
+                                  </p:childTnLst>
+                                </p:cTn>
+                              </p:par>
+                            </p:childTnLst>
+                          </p:cTn>
+                        </p:par>
+                      </p:childTnLst>
+                    </p:cTn>
+                  </p:par>
+                  <p:par>
+                    <p:cTn id="30" fill="hold">
+                      <p:stCondLst>
+                        <p:cond delay="indefinite"/>
+                      </p:stCondLst>
+                      <p:childTnLst>
+                        <p:par>
+                          <p:cTn id="31" fill="hold">
+                            <p:stCondLst>
+                              <p:cond delay="0"/>
+                            </p:stCondLst>
+                            <p:childTnLst>
+                              <p:par>
+                                <p:cTn id="32" presetID="2" presetClass="entr" presetSubtype="4" fill="hold" nodeType="clickEffect">
+                                  <p:stCondLst>
+                                    <p:cond delay="0"/>
+                                  </p:stCondLst>
+                                  <p:childTnLst>
+                                    <p:set>
+                                      <p:cBhvr>
+                                        <p:cTn id="33" dur="1" fill="hold">
                                           <p:stCondLst>
                                             <p:cond delay="0"/>
                                           </p:stCondLst>
@@ -16940,135 +18341,13 @@
                                         <p:strVal val="visible"/>
                                       </p:to>
                                     </p:set>
-                                    <p:animEffect transition="in" filter="fade">
-                                      <p:cBhvr>
-                                        <p:cTn id="33" dur="500"/>
+                                    <p:anim calcmode="lin" valueType="num">
+                                      <p:cBhvr additive="base">
+                                        <p:cTn id="34" dur="500" fill="hold"/>
                                         <p:tgtEl>
                                           <p:spTgt spid="3">
                                             <p:txEl>
                                               <p:pRg st="5" end="5"/>
-                                            </p:txEl>
-                                          </p:spTgt>
-                                        </p:tgtEl>
-                                      </p:cBhvr>
-                                    </p:animEffect>
-                                  </p:childTnLst>
-                                </p:cTn>
-                              </p:par>
-                            </p:childTnLst>
-                          </p:cTn>
-                        </p:par>
-                      </p:childTnLst>
-                    </p:cTn>
-                  </p:par>
-                  <p:par>
-                    <p:cTn id="34" fill="hold">
-                      <p:stCondLst>
-                        <p:cond delay="indefinite"/>
-                      </p:stCondLst>
-                      <p:childTnLst>
-                        <p:par>
-                          <p:cTn id="35" fill="hold">
-                            <p:stCondLst>
-                              <p:cond delay="0"/>
-                            </p:stCondLst>
-                            <p:childTnLst>
-                              <p:par>
-                                <p:cTn id="36" presetID="10" presetClass="entr" presetSubtype="0" fill="hold" nodeType="clickEffect">
-                                  <p:stCondLst>
-                                    <p:cond delay="0"/>
-                                  </p:stCondLst>
-                                  <p:childTnLst>
-                                    <p:set>
-                                      <p:cBhvr>
-                                        <p:cTn id="37" dur="1" fill="hold">
-                                          <p:stCondLst>
-                                            <p:cond delay="0"/>
-                                          </p:stCondLst>
-                                        </p:cTn>
-                                        <p:tgtEl>
-                                          <p:spTgt spid="3">
-                                            <p:txEl>
-                                              <p:pRg st="6" end="6"/>
-                                            </p:txEl>
-                                          </p:spTgt>
-                                        </p:tgtEl>
-                                        <p:attrNameLst>
-                                          <p:attrName>style.visibility</p:attrName>
-                                        </p:attrNameLst>
-                                      </p:cBhvr>
-                                      <p:to>
-                                        <p:strVal val="visible"/>
-                                      </p:to>
-                                    </p:set>
-                                    <p:animEffect transition="in" filter="fade">
-                                      <p:cBhvr>
-                                        <p:cTn id="38" dur="500"/>
-                                        <p:tgtEl>
-                                          <p:spTgt spid="3">
-                                            <p:txEl>
-                                              <p:pRg st="6" end="6"/>
-                                            </p:txEl>
-                                          </p:spTgt>
-                                        </p:tgtEl>
-                                      </p:cBhvr>
-                                    </p:animEffect>
-                                  </p:childTnLst>
-                                </p:cTn>
-                              </p:par>
-                            </p:childTnLst>
-                          </p:cTn>
-                        </p:par>
-                      </p:childTnLst>
-                    </p:cTn>
-                  </p:par>
-                  <p:par>
-                    <p:cTn id="39" fill="hold">
-                      <p:stCondLst>
-                        <p:cond delay="indefinite"/>
-                      </p:stCondLst>
-                      <p:childTnLst>
-                        <p:par>
-                          <p:cTn id="40" fill="hold">
-                            <p:stCondLst>
-                              <p:cond delay="0"/>
-                            </p:stCondLst>
-                            <p:childTnLst>
-                              <p:par>
-                                <p:cTn id="41" presetID="2" presetClass="entr" presetSubtype="4" fill="hold" nodeType="clickEffect">
-                                  <p:stCondLst>
-                                    <p:cond delay="0"/>
-                                  </p:stCondLst>
-                                  <p:childTnLst>
-                                    <p:set>
-                                      <p:cBhvr>
-                                        <p:cTn id="42" dur="1" fill="hold">
-                                          <p:stCondLst>
-                                            <p:cond delay="0"/>
-                                          </p:stCondLst>
-                                        </p:cTn>
-                                        <p:tgtEl>
-                                          <p:spTgt spid="3">
-                                            <p:txEl>
-                                              <p:pRg st="7" end="7"/>
-                                            </p:txEl>
-                                          </p:spTgt>
-                                        </p:tgtEl>
-                                        <p:attrNameLst>
-                                          <p:attrName>style.visibility</p:attrName>
-                                        </p:attrNameLst>
-                                      </p:cBhvr>
-                                      <p:to>
-                                        <p:strVal val="visible"/>
-                                      </p:to>
-                                    </p:set>
-                                    <p:anim calcmode="lin" valueType="num">
-                                      <p:cBhvr additive="base">
-                                        <p:cTn id="43" dur="500" fill="hold"/>
-                                        <p:tgtEl>
-                                          <p:spTgt spid="3">
-                                            <p:txEl>
-                                              <p:pRg st="7" end="7"/>
                                             </p:txEl>
                                           </p:spTgt>
                                         </p:tgtEl>
@@ -17091,11 +18370,11 @@
                                     </p:anim>
                                     <p:anim calcmode="lin" valueType="num">
                                       <p:cBhvr additive="base">
-                                        <p:cTn id="44" dur="500" fill="hold"/>
+                                        <p:cTn id="35" dur="500" fill="hold"/>
                                         <p:tgtEl>
                                           <p:spTgt spid="3">
                                             <p:txEl>
-                                              <p:pRg st="7" end="7"/>
+                                              <p:pRg st="5" end="5"/>
                                             </p:txEl>
                                           </p:spTgt>
                                         </p:tgtEl>
@@ -17126,26 +18405,26 @@
                     </p:cTn>
                   </p:par>
                   <p:par>
-                    <p:cTn id="45" fill="hold">
+                    <p:cTn id="36" fill="hold">
                       <p:stCondLst>
                         <p:cond delay="indefinite"/>
                       </p:stCondLst>
                       <p:childTnLst>
                         <p:par>
-                          <p:cTn id="46" fill="hold">
+                          <p:cTn id="37" fill="hold">
                             <p:stCondLst>
                               <p:cond delay="0"/>
                             </p:stCondLst>
                             <p:childTnLst>
                               <p:par>
-                                <p:cTn id="47" presetID="10" presetClass="entr" presetSubtype="0" fill="hold" nodeType="clickEffect">
+                                <p:cTn id="38" presetID="10" presetClass="entr" presetSubtype="0" fill="hold" nodeType="clickEffect">
                                   <p:stCondLst>
                                     <p:cond delay="0"/>
                                   </p:stCondLst>
                                   <p:childTnLst>
                                     <p:set>
                                       <p:cBhvr>
-                                        <p:cTn id="48" dur="1" fill="hold">
+                                        <p:cTn id="39" dur="1" fill="hold">
                                           <p:stCondLst>
                                             <p:cond delay="0"/>
                                           </p:stCondLst>
@@ -17153,7 +18432,7 @@
                                         <p:tgtEl>
                                           <p:spTgt spid="3">
                                             <p:txEl>
-                                              <p:pRg st="8" end="8"/>
+                                              <p:pRg st="6" end="6"/>
                                             </p:txEl>
                                           </p:spTgt>
                                         </p:tgtEl>
@@ -17167,11 +18446,11 @@
                                     </p:set>
                                     <p:animEffect transition="in" filter="fade">
                                       <p:cBhvr>
-                                        <p:cTn id="49" dur="500"/>
+                                        <p:cTn id="40" dur="500"/>
                                         <p:tgtEl>
                                           <p:spTgt spid="3">
                                             <p:txEl>
-                                              <p:pRg st="8" end="8"/>
+                                              <p:pRg st="6" end="6"/>
                                             </p:txEl>
                                           </p:spTgt>
                                         </p:tgtEl>
@@ -17187,26 +18466,26 @@
                     </p:cTn>
                   </p:par>
                   <p:par>
-                    <p:cTn id="50" fill="hold">
+                    <p:cTn id="41" fill="hold">
                       <p:stCondLst>
                         <p:cond delay="indefinite"/>
                       </p:stCondLst>
                       <p:childTnLst>
                         <p:par>
-                          <p:cTn id="51" fill="hold">
+                          <p:cTn id="42" fill="hold">
                             <p:stCondLst>
                               <p:cond delay="0"/>
                             </p:stCondLst>
                             <p:childTnLst>
                               <p:par>
-                                <p:cTn id="52" presetID="10" presetClass="entr" presetSubtype="0" fill="hold" nodeType="clickEffect">
+                                <p:cTn id="43" presetID="10" presetClass="entr" presetSubtype="0" fill="hold" nodeType="clickEffect">
                                   <p:stCondLst>
                                     <p:cond delay="0"/>
                                   </p:stCondLst>
                                   <p:childTnLst>
                                     <p:set>
                                       <p:cBhvr>
-                                        <p:cTn id="53" dur="1" fill="hold">
+                                        <p:cTn id="44" dur="1" fill="hold">
                                           <p:stCondLst>
                                             <p:cond delay="0"/>
                                           </p:stCondLst>
@@ -17214,7 +18493,7 @@
                                         <p:tgtEl>
                                           <p:spTgt spid="3">
                                             <p:txEl>
-                                              <p:pRg st="9" end="9"/>
+                                              <p:pRg st="7" end="7"/>
                                             </p:txEl>
                                           </p:spTgt>
                                         </p:tgtEl>
@@ -17228,11 +18507,11 @@
                                     </p:set>
                                     <p:animEffect transition="in" filter="fade">
                                       <p:cBhvr>
-                                        <p:cTn id="54" dur="500"/>
+                                        <p:cTn id="45" dur="500"/>
                                         <p:tgtEl>
                                           <p:spTgt spid="3">
                                             <p:txEl>
-                                              <p:pRg st="9" end="9"/>
+                                              <p:pRg st="7" end="7"/>
                                             </p:txEl>
                                           </p:spTgt>
                                         </p:tgtEl>
@@ -17272,7 +18551,174 @@
 </p:sld>
 </file>
 
-<file path=ppt/slides/slide21.xml><?xml version="1.0" encoding="utf-8"?>
+<file path=ppt/slides/slide2.xml><?xml version="1.0" encoding="utf-8"?>
+<p:sld xmlns:a="http://schemas.openxmlformats.org/drawingml/2006/main" xmlns:r="http://schemas.openxmlformats.org/officeDocument/2006/relationships" xmlns:p="http://schemas.openxmlformats.org/presentationml/2006/main">
+  <p:cSld>
+    <p:spTree>
+      <p:nvGrpSpPr>
+        <p:cNvPr id="1" name=""/>
+        <p:cNvGrpSpPr/>
+        <p:nvPr/>
+      </p:nvGrpSpPr>
+      <p:grpSpPr>
+        <a:xfrm>
+          <a:off x="0" y="0"/>
+          <a:ext cx="0" cy="0"/>
+          <a:chOff x="0" y="0"/>
+          <a:chExt cx="0" cy="0"/>
+        </a:xfrm>
+      </p:grpSpPr>
+      <p:sp>
+        <p:nvSpPr>
+          <p:cNvPr id="2" name="Title 1">
+            <a:extLst>
+              <a:ext uri="{FF2B5EF4-FFF2-40B4-BE49-F238E27FC236}">
+                <a16:creationId xmlns:a16="http://schemas.microsoft.com/office/drawing/2014/main" id="{8306FF31-301F-43F0-8202-A782726E446A}"/>
+              </a:ext>
+            </a:extLst>
+          </p:cNvPr>
+          <p:cNvSpPr>
+            <a:spLocks noGrp="1"/>
+          </p:cNvSpPr>
+          <p:nvPr>
+            <p:ph type="title"/>
+          </p:nvPr>
+        </p:nvSpPr>
+        <p:spPr>
+          <a:xfrm>
+            <a:off x="0" y="529250"/>
+            <a:ext cx="12191999" cy="827416"/>
+          </a:xfrm>
+        </p:spPr>
+        <p:txBody>
+          <a:bodyPr>
+            <a:normAutofit/>
+          </a:bodyPr>
+          <a:lstStyle/>
+          <a:p>
+            <a:pPr algn="ctr"/>
+            <a:r>
+              <a:rPr lang="en-US" sz="4000" b="1" dirty="0">
+                <a:solidFill>
+                  <a:schemeClr val="tx1">
+                    <a:lumMod val="75000"/>
+                    <a:lumOff val="25000"/>
+                  </a:schemeClr>
+                </a:solidFill>
+                <a:latin typeface="Avenir Black" panose="02000503020000020003" pitchFamily="2" charset="0"/>
+                <a:cs typeface="Segoe UI Light" panose="020B0502040204020203" pitchFamily="34" charset="0"/>
+              </a:rPr>
+              <a:t> Variables</a:t>
+            </a:r>
+          </a:p>
+        </p:txBody>
+      </p:sp>
+      <p:pic>
+        <p:nvPicPr>
+          <p:cNvPr id="7" name="Content Placeholder 3">
+            <a:extLst>
+              <a:ext uri="{FF2B5EF4-FFF2-40B4-BE49-F238E27FC236}">
+                <a16:creationId xmlns:a16="http://schemas.microsoft.com/office/drawing/2014/main" id="{79EF0D20-244D-4570-B07B-49B241ECC7E1}"/>
+              </a:ext>
+            </a:extLst>
+          </p:cNvPr>
+          <p:cNvPicPr>
+            <a:picLocks noGrp="1" noChangeAspect="1"/>
+          </p:cNvPicPr>
+          <p:nvPr>
+            <p:ph idx="1"/>
+          </p:nvPr>
+        </p:nvPicPr>
+        <p:blipFill>
+          <a:blip r:embed="rId3">
+            <a:extLst>
+              <a:ext uri="{28A0092B-C50C-407E-A947-70E740481C1C}">
+                <a14:useLocalDpi xmlns:a14="http://schemas.microsoft.com/office/drawing/2010/main" val="0"/>
+              </a:ext>
+            </a:extLst>
+          </a:blip>
+          <a:stretch>
+            <a:fillRect/>
+          </a:stretch>
+        </p:blipFill>
+        <p:spPr>
+          <a:xfrm>
+            <a:off x="3920331" y="1825625"/>
+            <a:ext cx="4351338" cy="4351338"/>
+          </a:xfrm>
+          <a:solidFill>
+            <a:schemeClr val="accent1">
+              <a:lumMod val="20000"/>
+              <a:lumOff val="80000"/>
+            </a:schemeClr>
+          </a:solidFill>
+          <a:effectLst>
+            <a:softEdge rad="0"/>
+          </a:effectLst>
+        </p:spPr>
+      </p:pic>
+      <p:pic>
+        <p:nvPicPr>
+          <p:cNvPr id="3" name="Picture 2" descr="A picture containing dark, gauge&#10;&#10;Description automatically generated">
+            <a:extLst>
+              <a:ext uri="{FF2B5EF4-FFF2-40B4-BE49-F238E27FC236}">
+                <a16:creationId xmlns:a16="http://schemas.microsoft.com/office/drawing/2014/main" id="{D746B46A-4F8F-08B3-1D79-7FD788402B9B}"/>
+              </a:ext>
+            </a:extLst>
+          </p:cNvPr>
+          <p:cNvPicPr>
+            <a:picLocks noChangeAspect="1"/>
+          </p:cNvPicPr>
+          <p:nvPr/>
+        </p:nvPicPr>
+        <p:blipFill>
+          <a:blip r:embed="rId4">
+            <a:extLst>
+              <a:ext uri="{28A0092B-C50C-407E-A947-70E740481C1C}">
+                <a14:useLocalDpi xmlns:a14="http://schemas.microsoft.com/office/drawing/2010/main" val="0"/>
+              </a:ext>
+            </a:extLst>
+          </a:blip>
+          <a:stretch>
+            <a:fillRect/>
+          </a:stretch>
+        </p:blipFill>
+        <p:spPr>
+          <a:xfrm>
+            <a:off x="11378037" y="6031948"/>
+            <a:ext cx="800100" cy="812800"/>
+          </a:xfrm>
+          <a:prstGeom prst="rect">
+            <a:avLst/>
+          </a:prstGeom>
+        </p:spPr>
+      </p:pic>
+    </p:spTree>
+    <p:extLst>
+      <p:ext uri="{BB962C8B-B14F-4D97-AF65-F5344CB8AC3E}">
+        <p14:creationId xmlns:p14="http://schemas.microsoft.com/office/powerpoint/2010/main" val="337556145"/>
+      </p:ext>
+    </p:extLst>
+  </p:cSld>
+  <p:clrMapOvr>
+    <a:masterClrMapping/>
+  </p:clrMapOvr>
+  <mc:AlternateContent xmlns:mc="http://schemas.openxmlformats.org/markup-compatibility/2006" xmlns:p14="http://schemas.microsoft.com/office/powerpoint/2010/main">
+    <mc:Choice Requires="p14">
+      <p:transition spd="med" p14:dur="700">
+        <p:fade/>
+      </p:transition>
+    </mc:Choice>
+    <mc:Fallback xmlns="">
+      <p:transition spd="med">
+        <p:fade/>
+      </p:transition>
+    </mc:Fallback>
+  </mc:AlternateContent>
+</p:sld>
+</file>
+
+<file path=ppt/slides/slide20.xml><?xml version="1.0" encoding="utf-8"?>
 <p:sld xmlns:a="http://schemas.openxmlformats.org/drawingml/2006/main" xmlns:r="http://schemas.openxmlformats.org/officeDocument/2006/relationships" xmlns:p="http://schemas.openxmlformats.org/presentationml/2006/main">
   <p:cSld>
     <p:spTree>
@@ -17427,7 +18873,7 @@
 </p:sld>
 </file>
 
-<file path=ppt/slides/slide22.xml><?xml version="1.0" encoding="utf-8"?>
+<file path=ppt/slides/slide21.xml><?xml version="1.0" encoding="utf-8"?>
 <p:sld xmlns:a="http://schemas.openxmlformats.org/drawingml/2006/main" xmlns:r="http://schemas.openxmlformats.org/officeDocument/2006/relationships" xmlns:p="http://schemas.openxmlformats.org/presentationml/2006/main">
   <p:cSld>
     <p:spTree>
@@ -19475,7 +20921,7 @@
 </p:sld>
 </file>
 
-<file path=ppt/slides/slide23.xml><?xml version="1.0" encoding="utf-8"?>
+<file path=ppt/slides/slide22.xml><?xml version="1.0" encoding="utf-8"?>
 <p:sld xmlns:a="http://schemas.openxmlformats.org/drawingml/2006/main" xmlns:r="http://schemas.openxmlformats.org/officeDocument/2006/relationships" xmlns:p="http://schemas.openxmlformats.org/presentationml/2006/main">
   <p:cSld>
     <p:spTree>
@@ -20251,7 +21697,7 @@
 </p:sld>
 </file>
 
-<file path=ppt/slides/slide24.xml><?xml version="1.0" encoding="utf-8"?>
+<file path=ppt/slides/slide23.xml><?xml version="1.0" encoding="utf-8"?>
 <p:sld xmlns:a="http://schemas.openxmlformats.org/drawingml/2006/main" xmlns:r="http://schemas.openxmlformats.org/officeDocument/2006/relationships" xmlns:p="http://schemas.openxmlformats.org/presentationml/2006/main">
   <p:cSld>
     <p:spTree>
@@ -22102,6 +23548,36 @@
       </p:transition>
     </mc:Fallback>
   </mc:AlternateContent>
+</p:sld>
+</file>
+
+<file path=ppt/slides/slide24.xml><?xml version="1.0" encoding="utf-8"?>
+<p:sld xmlns:a="http://schemas.openxmlformats.org/drawingml/2006/main" xmlns:r="http://schemas.openxmlformats.org/officeDocument/2006/relationships" xmlns:p="http://schemas.openxmlformats.org/presentationml/2006/main">
+  <p:cSld>
+    <p:spTree>
+      <p:nvGrpSpPr>
+        <p:cNvPr id="1" name=""/>
+        <p:cNvGrpSpPr/>
+        <p:nvPr/>
+      </p:nvGrpSpPr>
+      <p:grpSpPr>
+        <a:xfrm>
+          <a:off x="0" y="0"/>
+          <a:ext cx="0" cy="0"/>
+          <a:chOff x="0" y="0"/>
+          <a:chExt cx="0" cy="0"/>
+        </a:xfrm>
+      </p:grpSpPr>
+    </p:spTree>
+    <p:extLst>
+      <p:ext uri="{BB962C8B-B14F-4D97-AF65-F5344CB8AC3E}">
+        <p14:creationId xmlns:p14="http://schemas.microsoft.com/office/powerpoint/2010/main" val="1859151050"/>
+      </p:ext>
+    </p:extLst>
+  </p:cSld>
+  <p:clrMapOvr>
+    <a:masterClrMapping/>
+  </p:clrMapOvr>
 </p:sld>
 </file>
 
@@ -22209,6 +23685,1092 @@
     <p:extLst>
       <p:ext uri="{BB962C8B-B14F-4D97-AF65-F5344CB8AC3E}">
         <p14:creationId xmlns:p14="http://schemas.microsoft.com/office/powerpoint/2010/main" val="2383651979"/>
+      </p:ext>
+    </p:extLst>
+  </p:cSld>
+  <p:clrMapOvr>
+    <a:masterClrMapping/>
+  </p:clrMapOvr>
+  <mc:AlternateContent xmlns:mc="http://schemas.openxmlformats.org/markup-compatibility/2006" xmlns:p14="http://schemas.microsoft.com/office/powerpoint/2010/main">
+    <mc:Choice Requires="p14">
+      <p:transition spd="med" p14:dur="700">
+        <p:fade/>
+      </p:transition>
+    </mc:Choice>
+    <mc:Fallback xmlns="">
+      <p:transition spd="med">
+        <p:fade/>
+      </p:transition>
+    </mc:Fallback>
+  </mc:AlternateContent>
+</p:sld>
+</file>
+
+<file path=ppt/slides/slide26.xml><?xml version="1.0" encoding="utf-8"?>
+<p:sld xmlns:a="http://schemas.openxmlformats.org/drawingml/2006/main" xmlns:r="http://schemas.openxmlformats.org/officeDocument/2006/relationships" xmlns:p="http://schemas.openxmlformats.org/presentationml/2006/main">
+  <p:cSld>
+    <p:spTree>
+      <p:nvGrpSpPr>
+        <p:cNvPr id="1" name=""/>
+        <p:cNvGrpSpPr/>
+        <p:nvPr/>
+      </p:nvGrpSpPr>
+      <p:grpSpPr>
+        <a:xfrm>
+          <a:off x="0" y="0"/>
+          <a:ext cx="0" cy="0"/>
+          <a:chOff x="0" y="0"/>
+          <a:chExt cx="0" cy="0"/>
+        </a:xfrm>
+      </p:grpSpPr>
+      <p:graphicFrame>
+        <p:nvGraphicFramePr>
+          <p:cNvPr id="2" name="Table 2">
+            <a:extLst>
+              <a:ext uri="{FF2B5EF4-FFF2-40B4-BE49-F238E27FC236}">
+                <a16:creationId xmlns:a16="http://schemas.microsoft.com/office/drawing/2014/main" id="{740FF6A9-DDBF-A07B-9687-3D9272F2B443}"/>
+              </a:ext>
+            </a:extLst>
+          </p:cNvPr>
+          <p:cNvGraphicFramePr>
+            <a:graphicFrameLocks noGrp="1"/>
+          </p:cNvGraphicFramePr>
+          <p:nvPr>
+            <p:extLst>
+              <p:ext uri="{D42A27DB-BD31-4B8C-83A1-F6EECF244321}">
+                <p14:modId xmlns:p14="http://schemas.microsoft.com/office/powerpoint/2010/main" val="796081443"/>
+              </p:ext>
+            </p:extLst>
+          </p:nvPr>
+        </p:nvGraphicFramePr>
+        <p:xfrm>
+          <a:off x="4197350" y="1488544"/>
+          <a:ext cx="3797300" cy="3880912"/>
+        </p:xfrm>
+        <a:graphic>
+          <a:graphicData uri="http://schemas.openxmlformats.org/drawingml/2006/table">
+            <a:tbl>
+              <a:tblPr firstRow="1" bandRow="1">
+                <a:tableStyleId>{5C22544A-7EE6-4342-B048-85BDC9FD1C3A}</a:tableStyleId>
+              </a:tblPr>
+              <a:tblGrid>
+                <a:gridCol w="2701819">
+                  <a:extLst>
+                    <a:ext uri="{9D8B030D-6E8A-4147-A177-3AD203B41FA5}">
+                      <a16:colId xmlns:a16="http://schemas.microsoft.com/office/drawing/2014/main" val="3211576592"/>
+                    </a:ext>
+                  </a:extLst>
+                </a:gridCol>
+                <a:gridCol w="1095481">
+                  <a:extLst>
+                    <a:ext uri="{9D8B030D-6E8A-4147-A177-3AD203B41FA5}">
+                      <a16:colId xmlns:a16="http://schemas.microsoft.com/office/drawing/2014/main" val="3930761887"/>
+                    </a:ext>
+                  </a:extLst>
+                </a:gridCol>
+              </a:tblGrid>
+              <a:tr h="485114">
+                <a:tc>
+                  <a:txBody>
+                    <a:bodyPr/>
+                    <a:lstStyle/>
+                    <a:p>
+                      <a:pPr algn="ctr"/>
+                      <a:r>
+                        <a:rPr lang="en-US" sz="1800" b="1" i="0" dirty="0">
+                          <a:solidFill>
+                            <a:schemeClr val="tx1"/>
+                          </a:solidFill>
+                          <a:latin typeface="Avenir Black" panose="02000503020000020003" pitchFamily="2" charset="0"/>
+                        </a:rPr>
+                        <a:t>Operation</a:t>
+                      </a:r>
+                    </a:p>
+                  </a:txBody>
+                  <a:tcPr anchor="ctr">
+                    <a:lnL w="12700" cap="flat" cmpd="sng" algn="ctr">
+                      <a:solidFill>
+                        <a:schemeClr val="tx1"/>
+                      </a:solidFill>
+                      <a:prstDash val="solid"/>
+                      <a:round/>
+                      <a:headEnd type="none" w="med" len="med"/>
+                      <a:tailEnd type="none" w="med" len="med"/>
+                    </a:lnL>
+                    <a:lnR w="12700" cap="flat" cmpd="sng" algn="ctr">
+                      <a:solidFill>
+                        <a:schemeClr val="tx1"/>
+                      </a:solidFill>
+                      <a:prstDash val="solid"/>
+                      <a:round/>
+                      <a:headEnd type="none" w="med" len="med"/>
+                      <a:tailEnd type="none" w="med" len="med"/>
+                    </a:lnR>
+                    <a:lnT w="12700" cap="flat" cmpd="sng" algn="ctr">
+                      <a:solidFill>
+                        <a:schemeClr val="tx1"/>
+                      </a:solidFill>
+                      <a:prstDash val="solid"/>
+                      <a:round/>
+                      <a:headEnd type="none" w="med" len="med"/>
+                      <a:tailEnd type="none" w="med" len="med"/>
+                    </a:lnT>
+                    <a:lnB w="12700" cap="flat" cmpd="sng" algn="ctr">
+                      <a:solidFill>
+                        <a:schemeClr val="tx1"/>
+                      </a:solidFill>
+                      <a:prstDash val="solid"/>
+                      <a:round/>
+                      <a:headEnd type="none" w="med" len="med"/>
+                      <a:tailEnd type="none" w="med" len="med"/>
+                    </a:lnB>
+                    <a:solidFill>
+                      <a:srgbClr val="D6EECF"/>
+                    </a:solidFill>
+                  </a:tcPr>
+                </a:tc>
+                <a:tc>
+                  <a:txBody>
+                    <a:bodyPr/>
+                    <a:lstStyle/>
+                    <a:p>
+                      <a:pPr algn="ctr"/>
+                      <a:r>
+                        <a:rPr lang="en-US" sz="1800" b="1" i="0" dirty="0">
+                          <a:solidFill>
+                            <a:schemeClr val="tx1"/>
+                          </a:solidFill>
+                          <a:latin typeface="Avenir Black" panose="02000503020000020003" pitchFamily="2" charset="0"/>
+                        </a:rPr>
+                        <a:t>Symbol</a:t>
+                      </a:r>
+                    </a:p>
+                  </a:txBody>
+                  <a:tcPr anchor="ctr">
+                    <a:lnL w="12700" cap="flat" cmpd="sng" algn="ctr">
+                      <a:solidFill>
+                        <a:schemeClr val="tx1"/>
+                      </a:solidFill>
+                      <a:prstDash val="solid"/>
+                      <a:round/>
+                      <a:headEnd type="none" w="med" len="med"/>
+                      <a:tailEnd type="none" w="med" len="med"/>
+                    </a:lnL>
+                    <a:lnR w="12700" cap="flat" cmpd="sng" algn="ctr">
+                      <a:solidFill>
+                        <a:schemeClr val="tx1"/>
+                      </a:solidFill>
+                      <a:prstDash val="solid"/>
+                      <a:round/>
+                      <a:headEnd type="none" w="med" len="med"/>
+                      <a:tailEnd type="none" w="med" len="med"/>
+                    </a:lnR>
+                    <a:lnT w="12700" cap="flat" cmpd="sng" algn="ctr">
+                      <a:solidFill>
+                        <a:schemeClr val="tx1"/>
+                      </a:solidFill>
+                      <a:prstDash val="solid"/>
+                      <a:round/>
+                      <a:headEnd type="none" w="med" len="med"/>
+                      <a:tailEnd type="none" w="med" len="med"/>
+                    </a:lnT>
+                    <a:lnB w="12700" cap="flat" cmpd="sng" algn="ctr">
+                      <a:solidFill>
+                        <a:schemeClr val="tx1"/>
+                      </a:solidFill>
+                      <a:prstDash val="solid"/>
+                      <a:round/>
+                      <a:headEnd type="none" w="med" len="med"/>
+                      <a:tailEnd type="none" w="med" len="med"/>
+                    </a:lnB>
+                    <a:solidFill>
+                      <a:srgbClr val="D6EECF"/>
+                    </a:solidFill>
+                  </a:tcPr>
+                </a:tc>
+                <a:extLst>
+                  <a:ext uri="{0D108BD9-81ED-4DB2-BD59-A6C34878D82A}">
+                    <a16:rowId xmlns:a16="http://schemas.microsoft.com/office/drawing/2014/main" val="856425074"/>
+                  </a:ext>
+                </a:extLst>
+              </a:tr>
+              <a:tr h="485114">
+                <a:tc>
+                  <a:txBody>
+                    <a:bodyPr/>
+                    <a:lstStyle/>
+                    <a:p>
+                      <a:pPr algn="l"/>
+                      <a:r>
+                        <a:rPr lang="en-US" sz="1800" b="0" i="0" dirty="0">
+                          <a:latin typeface="Avenir" panose="02000503020000020003" pitchFamily="2" charset="0"/>
+                        </a:rPr>
+                        <a:t>Addition</a:t>
+                      </a:r>
+                    </a:p>
+                  </a:txBody>
+                  <a:tcPr anchor="ctr">
+                    <a:lnL w="12700" cap="flat" cmpd="sng" algn="ctr">
+                      <a:solidFill>
+                        <a:schemeClr val="tx1"/>
+                      </a:solidFill>
+                      <a:prstDash val="solid"/>
+                      <a:round/>
+                      <a:headEnd type="none" w="med" len="med"/>
+                      <a:tailEnd type="none" w="med" len="med"/>
+                    </a:lnL>
+                    <a:lnR w="12700" cap="flat" cmpd="sng" algn="ctr">
+                      <a:solidFill>
+                        <a:schemeClr val="tx1"/>
+                      </a:solidFill>
+                      <a:prstDash val="solid"/>
+                      <a:round/>
+                      <a:headEnd type="none" w="med" len="med"/>
+                      <a:tailEnd type="none" w="med" len="med"/>
+                    </a:lnR>
+                    <a:lnT w="12700" cap="flat" cmpd="sng" algn="ctr">
+                      <a:solidFill>
+                        <a:schemeClr val="tx1"/>
+                      </a:solidFill>
+                      <a:prstDash val="solid"/>
+                      <a:round/>
+                      <a:headEnd type="none" w="med" len="med"/>
+                      <a:tailEnd type="none" w="med" len="med"/>
+                    </a:lnT>
+                    <a:lnB w="12700" cap="flat" cmpd="sng" algn="ctr">
+                      <a:solidFill>
+                        <a:schemeClr val="tx1"/>
+                      </a:solidFill>
+                      <a:prstDash val="solid"/>
+                      <a:round/>
+                      <a:headEnd type="none" w="med" len="med"/>
+                      <a:tailEnd type="none" w="med" len="med"/>
+                    </a:lnB>
+                    <a:solidFill>
+                      <a:schemeClr val="bg1"/>
+                    </a:solidFill>
+                  </a:tcPr>
+                </a:tc>
+                <a:tc>
+                  <a:txBody>
+                    <a:bodyPr/>
+                    <a:lstStyle/>
+                    <a:p>
+                      <a:pPr algn="ctr"/>
+                      <a:r>
+                        <a:rPr lang="en-US" sz="1800" b="0" i="0" dirty="0">
+                          <a:latin typeface="Avenir" panose="02000503020000020003" pitchFamily="2" charset="0"/>
+                        </a:rPr>
+                        <a:t>+</a:t>
+                      </a:r>
+                    </a:p>
+                  </a:txBody>
+                  <a:tcPr anchor="ctr">
+                    <a:lnL w="12700" cap="flat" cmpd="sng" algn="ctr">
+                      <a:solidFill>
+                        <a:schemeClr val="tx1"/>
+                      </a:solidFill>
+                      <a:prstDash val="solid"/>
+                      <a:round/>
+                      <a:headEnd type="none" w="med" len="med"/>
+                      <a:tailEnd type="none" w="med" len="med"/>
+                    </a:lnL>
+                    <a:lnR w="12700" cap="flat" cmpd="sng" algn="ctr">
+                      <a:solidFill>
+                        <a:schemeClr val="tx1"/>
+                      </a:solidFill>
+                      <a:prstDash val="solid"/>
+                      <a:round/>
+                      <a:headEnd type="none" w="med" len="med"/>
+                      <a:tailEnd type="none" w="med" len="med"/>
+                    </a:lnR>
+                    <a:lnT w="12700" cap="flat" cmpd="sng" algn="ctr">
+                      <a:solidFill>
+                        <a:schemeClr val="tx1"/>
+                      </a:solidFill>
+                      <a:prstDash val="solid"/>
+                      <a:round/>
+                      <a:headEnd type="none" w="med" len="med"/>
+                      <a:tailEnd type="none" w="med" len="med"/>
+                    </a:lnT>
+                    <a:lnB w="12700" cap="flat" cmpd="sng" algn="ctr">
+                      <a:solidFill>
+                        <a:schemeClr val="tx1"/>
+                      </a:solidFill>
+                      <a:prstDash val="solid"/>
+                      <a:round/>
+                      <a:headEnd type="none" w="med" len="med"/>
+                      <a:tailEnd type="none" w="med" len="med"/>
+                    </a:lnB>
+                    <a:solidFill>
+                      <a:schemeClr val="bg1"/>
+                    </a:solidFill>
+                  </a:tcPr>
+                </a:tc>
+                <a:extLst>
+                  <a:ext uri="{0D108BD9-81ED-4DB2-BD59-A6C34878D82A}">
+                    <a16:rowId xmlns:a16="http://schemas.microsoft.com/office/drawing/2014/main" val="2363736385"/>
+                  </a:ext>
+                </a:extLst>
+              </a:tr>
+              <a:tr h="485114">
+                <a:tc>
+                  <a:txBody>
+                    <a:bodyPr/>
+                    <a:lstStyle/>
+                    <a:p>
+                      <a:pPr algn="l"/>
+                      <a:r>
+                        <a:rPr lang="en-US" sz="1800" b="0" i="0" dirty="0">
+                          <a:latin typeface="Avenir" panose="02000503020000020003" pitchFamily="2" charset="0"/>
+                        </a:rPr>
+                        <a:t>Subtraction</a:t>
+                      </a:r>
+                    </a:p>
+                  </a:txBody>
+                  <a:tcPr anchor="ctr">
+                    <a:lnL w="12700" cap="flat" cmpd="sng" algn="ctr">
+                      <a:solidFill>
+                        <a:schemeClr val="tx1"/>
+                      </a:solidFill>
+                      <a:prstDash val="solid"/>
+                      <a:round/>
+                      <a:headEnd type="none" w="med" len="med"/>
+                      <a:tailEnd type="none" w="med" len="med"/>
+                    </a:lnL>
+                    <a:lnR w="12700" cap="flat" cmpd="sng" algn="ctr">
+                      <a:solidFill>
+                        <a:schemeClr val="tx1"/>
+                      </a:solidFill>
+                      <a:prstDash val="solid"/>
+                      <a:round/>
+                      <a:headEnd type="none" w="med" len="med"/>
+                      <a:tailEnd type="none" w="med" len="med"/>
+                    </a:lnR>
+                    <a:lnT w="12700" cap="flat" cmpd="sng" algn="ctr">
+                      <a:solidFill>
+                        <a:schemeClr val="tx1"/>
+                      </a:solidFill>
+                      <a:prstDash val="solid"/>
+                      <a:round/>
+                      <a:headEnd type="none" w="med" len="med"/>
+                      <a:tailEnd type="none" w="med" len="med"/>
+                    </a:lnT>
+                    <a:lnB w="12700" cap="flat" cmpd="sng" algn="ctr">
+                      <a:solidFill>
+                        <a:schemeClr val="tx1"/>
+                      </a:solidFill>
+                      <a:prstDash val="solid"/>
+                      <a:round/>
+                      <a:headEnd type="none" w="med" len="med"/>
+                      <a:tailEnd type="none" w="med" len="med"/>
+                    </a:lnB>
+                    <a:solidFill>
+                      <a:schemeClr val="bg1"/>
+                    </a:solidFill>
+                  </a:tcPr>
+                </a:tc>
+                <a:tc>
+                  <a:txBody>
+                    <a:bodyPr/>
+                    <a:lstStyle/>
+                    <a:p>
+                      <a:pPr algn="ctr"/>
+                      <a:r>
+                        <a:rPr lang="en-US" sz="1800" b="0" i="0" dirty="0">
+                          <a:latin typeface="Avenir" panose="02000503020000020003" pitchFamily="2" charset="0"/>
+                        </a:rPr>
+                        <a:t>-</a:t>
+                      </a:r>
+                    </a:p>
+                  </a:txBody>
+                  <a:tcPr anchor="ctr">
+                    <a:lnL w="12700" cap="flat" cmpd="sng" algn="ctr">
+                      <a:solidFill>
+                        <a:schemeClr val="tx1"/>
+                      </a:solidFill>
+                      <a:prstDash val="solid"/>
+                      <a:round/>
+                      <a:headEnd type="none" w="med" len="med"/>
+                      <a:tailEnd type="none" w="med" len="med"/>
+                    </a:lnL>
+                    <a:lnR w="12700" cap="flat" cmpd="sng" algn="ctr">
+                      <a:solidFill>
+                        <a:schemeClr val="tx1"/>
+                      </a:solidFill>
+                      <a:prstDash val="solid"/>
+                      <a:round/>
+                      <a:headEnd type="none" w="med" len="med"/>
+                      <a:tailEnd type="none" w="med" len="med"/>
+                    </a:lnR>
+                    <a:lnT w="12700" cap="flat" cmpd="sng" algn="ctr">
+                      <a:solidFill>
+                        <a:schemeClr val="tx1"/>
+                      </a:solidFill>
+                      <a:prstDash val="solid"/>
+                      <a:round/>
+                      <a:headEnd type="none" w="med" len="med"/>
+                      <a:tailEnd type="none" w="med" len="med"/>
+                    </a:lnT>
+                    <a:lnB w="12700" cap="flat" cmpd="sng" algn="ctr">
+                      <a:solidFill>
+                        <a:schemeClr val="tx1"/>
+                      </a:solidFill>
+                      <a:prstDash val="solid"/>
+                      <a:round/>
+                      <a:headEnd type="none" w="med" len="med"/>
+                      <a:tailEnd type="none" w="med" len="med"/>
+                    </a:lnB>
+                    <a:solidFill>
+                      <a:schemeClr val="bg1"/>
+                    </a:solidFill>
+                  </a:tcPr>
+                </a:tc>
+                <a:extLst>
+                  <a:ext uri="{0D108BD9-81ED-4DB2-BD59-A6C34878D82A}">
+                    <a16:rowId xmlns:a16="http://schemas.microsoft.com/office/drawing/2014/main" val="3239697911"/>
+                  </a:ext>
+                </a:extLst>
+              </a:tr>
+              <a:tr h="485114">
+                <a:tc>
+                  <a:txBody>
+                    <a:bodyPr/>
+                    <a:lstStyle/>
+                    <a:p>
+                      <a:pPr algn="l"/>
+                      <a:r>
+                        <a:rPr lang="en-US" sz="1800" b="0" i="0" dirty="0">
+                          <a:latin typeface="Avenir" panose="02000503020000020003" pitchFamily="2" charset="0"/>
+                        </a:rPr>
+                        <a:t>Multiplication</a:t>
+                      </a:r>
+                    </a:p>
+                  </a:txBody>
+                  <a:tcPr anchor="ctr">
+                    <a:lnL w="12700" cap="flat" cmpd="sng" algn="ctr">
+                      <a:solidFill>
+                        <a:schemeClr val="tx1"/>
+                      </a:solidFill>
+                      <a:prstDash val="solid"/>
+                      <a:round/>
+                      <a:headEnd type="none" w="med" len="med"/>
+                      <a:tailEnd type="none" w="med" len="med"/>
+                    </a:lnL>
+                    <a:lnR w="12700" cap="flat" cmpd="sng" algn="ctr">
+                      <a:solidFill>
+                        <a:schemeClr val="tx1"/>
+                      </a:solidFill>
+                      <a:prstDash val="solid"/>
+                      <a:round/>
+                      <a:headEnd type="none" w="med" len="med"/>
+                      <a:tailEnd type="none" w="med" len="med"/>
+                    </a:lnR>
+                    <a:lnT w="12700" cap="flat" cmpd="sng" algn="ctr">
+                      <a:solidFill>
+                        <a:schemeClr val="tx1"/>
+                      </a:solidFill>
+                      <a:prstDash val="solid"/>
+                      <a:round/>
+                      <a:headEnd type="none" w="med" len="med"/>
+                      <a:tailEnd type="none" w="med" len="med"/>
+                    </a:lnT>
+                    <a:lnB w="12700" cap="flat" cmpd="sng" algn="ctr">
+                      <a:solidFill>
+                        <a:schemeClr val="tx1"/>
+                      </a:solidFill>
+                      <a:prstDash val="solid"/>
+                      <a:round/>
+                      <a:headEnd type="none" w="med" len="med"/>
+                      <a:tailEnd type="none" w="med" len="med"/>
+                    </a:lnB>
+                    <a:solidFill>
+                      <a:schemeClr val="bg1"/>
+                    </a:solidFill>
+                  </a:tcPr>
+                </a:tc>
+                <a:tc>
+                  <a:txBody>
+                    <a:bodyPr/>
+                    <a:lstStyle/>
+                    <a:p>
+                      <a:pPr algn="ctr"/>
+                      <a:r>
+                        <a:rPr lang="en-US" sz="1800" b="0" i="0" dirty="0">
+                          <a:latin typeface="Avenir" panose="02000503020000020003" pitchFamily="2" charset="0"/>
+                        </a:rPr>
+                        <a:t>*</a:t>
+                      </a:r>
+                    </a:p>
+                  </a:txBody>
+                  <a:tcPr anchor="ctr">
+                    <a:lnL w="12700" cap="flat" cmpd="sng" algn="ctr">
+                      <a:solidFill>
+                        <a:schemeClr val="tx1"/>
+                      </a:solidFill>
+                      <a:prstDash val="solid"/>
+                      <a:round/>
+                      <a:headEnd type="none" w="med" len="med"/>
+                      <a:tailEnd type="none" w="med" len="med"/>
+                    </a:lnL>
+                    <a:lnR w="12700" cap="flat" cmpd="sng" algn="ctr">
+                      <a:solidFill>
+                        <a:schemeClr val="tx1"/>
+                      </a:solidFill>
+                      <a:prstDash val="solid"/>
+                      <a:round/>
+                      <a:headEnd type="none" w="med" len="med"/>
+                      <a:tailEnd type="none" w="med" len="med"/>
+                    </a:lnR>
+                    <a:lnT w="12700" cap="flat" cmpd="sng" algn="ctr">
+                      <a:solidFill>
+                        <a:schemeClr val="tx1"/>
+                      </a:solidFill>
+                      <a:prstDash val="solid"/>
+                      <a:round/>
+                      <a:headEnd type="none" w="med" len="med"/>
+                      <a:tailEnd type="none" w="med" len="med"/>
+                    </a:lnT>
+                    <a:lnB w="12700" cap="flat" cmpd="sng" algn="ctr">
+                      <a:solidFill>
+                        <a:schemeClr val="tx1"/>
+                      </a:solidFill>
+                      <a:prstDash val="solid"/>
+                      <a:round/>
+                      <a:headEnd type="none" w="med" len="med"/>
+                      <a:tailEnd type="none" w="med" len="med"/>
+                    </a:lnB>
+                    <a:solidFill>
+                      <a:schemeClr val="bg1"/>
+                    </a:solidFill>
+                  </a:tcPr>
+                </a:tc>
+                <a:extLst>
+                  <a:ext uri="{0D108BD9-81ED-4DB2-BD59-A6C34878D82A}">
+                    <a16:rowId xmlns:a16="http://schemas.microsoft.com/office/drawing/2014/main" val="734827052"/>
+                  </a:ext>
+                </a:extLst>
+              </a:tr>
+              <a:tr h="485114">
+                <a:tc>
+                  <a:txBody>
+                    <a:bodyPr/>
+                    <a:lstStyle/>
+                    <a:p>
+                      <a:pPr algn="l"/>
+                      <a:r>
+                        <a:rPr lang="en-US" sz="1800" b="0" i="0" dirty="0">
+                          <a:latin typeface="Avenir" panose="02000503020000020003" pitchFamily="2" charset="0"/>
+                        </a:rPr>
+                        <a:t>Division</a:t>
+                      </a:r>
+                    </a:p>
+                  </a:txBody>
+                  <a:tcPr anchor="ctr">
+                    <a:lnL w="12700" cap="flat" cmpd="sng" algn="ctr">
+                      <a:solidFill>
+                        <a:schemeClr val="tx1"/>
+                      </a:solidFill>
+                      <a:prstDash val="solid"/>
+                      <a:round/>
+                      <a:headEnd type="none" w="med" len="med"/>
+                      <a:tailEnd type="none" w="med" len="med"/>
+                    </a:lnL>
+                    <a:lnR w="12700" cap="flat" cmpd="sng" algn="ctr">
+                      <a:solidFill>
+                        <a:schemeClr val="tx1"/>
+                      </a:solidFill>
+                      <a:prstDash val="solid"/>
+                      <a:round/>
+                      <a:headEnd type="none" w="med" len="med"/>
+                      <a:tailEnd type="none" w="med" len="med"/>
+                    </a:lnR>
+                    <a:lnT w="12700" cap="flat" cmpd="sng" algn="ctr">
+                      <a:solidFill>
+                        <a:schemeClr val="tx1"/>
+                      </a:solidFill>
+                      <a:prstDash val="solid"/>
+                      <a:round/>
+                      <a:headEnd type="none" w="med" len="med"/>
+                      <a:tailEnd type="none" w="med" len="med"/>
+                    </a:lnT>
+                    <a:lnB w="12700" cap="flat" cmpd="sng" algn="ctr">
+                      <a:solidFill>
+                        <a:schemeClr val="tx1"/>
+                      </a:solidFill>
+                      <a:prstDash val="solid"/>
+                      <a:round/>
+                      <a:headEnd type="none" w="med" len="med"/>
+                      <a:tailEnd type="none" w="med" len="med"/>
+                    </a:lnB>
+                    <a:solidFill>
+                      <a:schemeClr val="bg1"/>
+                    </a:solidFill>
+                  </a:tcPr>
+                </a:tc>
+                <a:tc>
+                  <a:txBody>
+                    <a:bodyPr/>
+                    <a:lstStyle/>
+                    <a:p>
+                      <a:pPr algn="ctr"/>
+                      <a:r>
+                        <a:rPr lang="en-US" sz="1800" b="0" i="0" dirty="0">
+                          <a:latin typeface="Avenir" panose="02000503020000020003" pitchFamily="2" charset="0"/>
+                        </a:rPr>
+                        <a:t>/</a:t>
+                      </a:r>
+                    </a:p>
+                  </a:txBody>
+                  <a:tcPr anchor="ctr">
+                    <a:lnL w="12700" cap="flat" cmpd="sng" algn="ctr">
+                      <a:solidFill>
+                        <a:schemeClr val="tx1"/>
+                      </a:solidFill>
+                      <a:prstDash val="solid"/>
+                      <a:round/>
+                      <a:headEnd type="none" w="med" len="med"/>
+                      <a:tailEnd type="none" w="med" len="med"/>
+                    </a:lnL>
+                    <a:lnR w="12700" cap="flat" cmpd="sng" algn="ctr">
+                      <a:solidFill>
+                        <a:schemeClr val="tx1"/>
+                      </a:solidFill>
+                      <a:prstDash val="solid"/>
+                      <a:round/>
+                      <a:headEnd type="none" w="med" len="med"/>
+                      <a:tailEnd type="none" w="med" len="med"/>
+                    </a:lnR>
+                    <a:lnT w="12700" cap="flat" cmpd="sng" algn="ctr">
+                      <a:solidFill>
+                        <a:schemeClr val="tx1"/>
+                      </a:solidFill>
+                      <a:prstDash val="solid"/>
+                      <a:round/>
+                      <a:headEnd type="none" w="med" len="med"/>
+                      <a:tailEnd type="none" w="med" len="med"/>
+                    </a:lnT>
+                    <a:lnB w="12700" cap="flat" cmpd="sng" algn="ctr">
+                      <a:solidFill>
+                        <a:schemeClr val="tx1"/>
+                      </a:solidFill>
+                      <a:prstDash val="solid"/>
+                      <a:round/>
+                      <a:headEnd type="none" w="med" len="med"/>
+                      <a:tailEnd type="none" w="med" len="med"/>
+                    </a:lnB>
+                    <a:solidFill>
+                      <a:schemeClr val="bg1"/>
+                    </a:solidFill>
+                  </a:tcPr>
+                </a:tc>
+                <a:extLst>
+                  <a:ext uri="{0D108BD9-81ED-4DB2-BD59-A6C34878D82A}">
+                    <a16:rowId xmlns:a16="http://schemas.microsoft.com/office/drawing/2014/main" val="2210495695"/>
+                  </a:ext>
+                </a:extLst>
+              </a:tr>
+              <a:tr h="485114">
+                <a:tc>
+                  <a:txBody>
+                    <a:bodyPr/>
+                    <a:lstStyle/>
+                    <a:p>
+                      <a:pPr algn="l"/>
+                      <a:r>
+                        <a:rPr lang="en-US" sz="1800" b="0" i="0" dirty="0">
+                          <a:latin typeface="Avenir" panose="02000503020000020003" pitchFamily="2" charset="0"/>
+                        </a:rPr>
+                        <a:t>Integer Division</a:t>
+                      </a:r>
+                    </a:p>
+                  </a:txBody>
+                  <a:tcPr anchor="ctr">
+                    <a:lnL w="12700" cap="flat" cmpd="sng" algn="ctr">
+                      <a:solidFill>
+                        <a:schemeClr val="tx1"/>
+                      </a:solidFill>
+                      <a:prstDash val="solid"/>
+                      <a:round/>
+                      <a:headEnd type="none" w="med" len="med"/>
+                      <a:tailEnd type="none" w="med" len="med"/>
+                    </a:lnL>
+                    <a:lnR w="12700" cap="flat" cmpd="sng" algn="ctr">
+                      <a:solidFill>
+                        <a:schemeClr val="tx1"/>
+                      </a:solidFill>
+                      <a:prstDash val="solid"/>
+                      <a:round/>
+                      <a:headEnd type="none" w="med" len="med"/>
+                      <a:tailEnd type="none" w="med" len="med"/>
+                    </a:lnR>
+                    <a:lnT w="12700" cap="flat" cmpd="sng" algn="ctr">
+                      <a:solidFill>
+                        <a:schemeClr val="tx1"/>
+                      </a:solidFill>
+                      <a:prstDash val="solid"/>
+                      <a:round/>
+                      <a:headEnd type="none" w="med" len="med"/>
+                      <a:tailEnd type="none" w="med" len="med"/>
+                    </a:lnT>
+                    <a:lnB w="12700" cap="flat" cmpd="sng" algn="ctr">
+                      <a:solidFill>
+                        <a:schemeClr val="tx1"/>
+                      </a:solidFill>
+                      <a:prstDash val="solid"/>
+                      <a:round/>
+                      <a:headEnd type="none" w="med" len="med"/>
+                      <a:tailEnd type="none" w="med" len="med"/>
+                    </a:lnB>
+                    <a:solidFill>
+                      <a:schemeClr val="bg1"/>
+                    </a:solidFill>
+                  </a:tcPr>
+                </a:tc>
+                <a:tc>
+                  <a:txBody>
+                    <a:bodyPr/>
+                    <a:lstStyle/>
+                    <a:p>
+                      <a:pPr algn="ctr"/>
+                      <a:r>
+                        <a:rPr lang="en-US" sz="1800" b="0" i="0" dirty="0">
+                          <a:latin typeface="Avenir" panose="02000503020000020003" pitchFamily="2" charset="0"/>
+                        </a:rPr>
+                        <a:t>/ /</a:t>
+                      </a:r>
+                    </a:p>
+                  </a:txBody>
+                  <a:tcPr anchor="ctr">
+                    <a:lnL w="12700" cap="flat" cmpd="sng" algn="ctr">
+                      <a:solidFill>
+                        <a:schemeClr val="tx1"/>
+                      </a:solidFill>
+                      <a:prstDash val="solid"/>
+                      <a:round/>
+                      <a:headEnd type="none" w="med" len="med"/>
+                      <a:tailEnd type="none" w="med" len="med"/>
+                    </a:lnL>
+                    <a:lnR w="12700" cap="flat" cmpd="sng" algn="ctr">
+                      <a:solidFill>
+                        <a:schemeClr val="tx1"/>
+                      </a:solidFill>
+                      <a:prstDash val="solid"/>
+                      <a:round/>
+                      <a:headEnd type="none" w="med" len="med"/>
+                      <a:tailEnd type="none" w="med" len="med"/>
+                    </a:lnR>
+                    <a:lnT w="12700" cap="flat" cmpd="sng" algn="ctr">
+                      <a:solidFill>
+                        <a:schemeClr val="tx1"/>
+                      </a:solidFill>
+                      <a:prstDash val="solid"/>
+                      <a:round/>
+                      <a:headEnd type="none" w="med" len="med"/>
+                      <a:tailEnd type="none" w="med" len="med"/>
+                    </a:lnT>
+                    <a:lnB w="12700" cap="flat" cmpd="sng" algn="ctr">
+                      <a:solidFill>
+                        <a:schemeClr val="tx1"/>
+                      </a:solidFill>
+                      <a:prstDash val="solid"/>
+                      <a:round/>
+                      <a:headEnd type="none" w="med" len="med"/>
+                      <a:tailEnd type="none" w="med" len="med"/>
+                    </a:lnB>
+                    <a:solidFill>
+                      <a:schemeClr val="bg1"/>
+                    </a:solidFill>
+                  </a:tcPr>
+                </a:tc>
+                <a:extLst>
+                  <a:ext uri="{0D108BD9-81ED-4DB2-BD59-A6C34878D82A}">
+                    <a16:rowId xmlns:a16="http://schemas.microsoft.com/office/drawing/2014/main" val="280126331"/>
+                  </a:ext>
+                </a:extLst>
+              </a:tr>
+              <a:tr h="485114">
+                <a:tc>
+                  <a:txBody>
+                    <a:bodyPr/>
+                    <a:lstStyle/>
+                    <a:p>
+                      <a:pPr algn="l"/>
+                      <a:r>
+                        <a:rPr lang="en-US" sz="1800" b="0" i="0" dirty="0">
+                          <a:latin typeface="Avenir" panose="02000503020000020003" pitchFamily="2" charset="0"/>
+                        </a:rPr>
+                        <a:t>Exponentiation</a:t>
+                      </a:r>
+                    </a:p>
+                  </a:txBody>
+                  <a:tcPr anchor="ctr">
+                    <a:lnL w="12700" cap="flat" cmpd="sng" algn="ctr">
+                      <a:solidFill>
+                        <a:schemeClr val="tx1"/>
+                      </a:solidFill>
+                      <a:prstDash val="solid"/>
+                      <a:round/>
+                      <a:headEnd type="none" w="med" len="med"/>
+                      <a:tailEnd type="none" w="med" len="med"/>
+                    </a:lnL>
+                    <a:lnR w="12700" cap="flat" cmpd="sng" algn="ctr">
+                      <a:solidFill>
+                        <a:schemeClr val="tx1"/>
+                      </a:solidFill>
+                      <a:prstDash val="solid"/>
+                      <a:round/>
+                      <a:headEnd type="none" w="med" len="med"/>
+                      <a:tailEnd type="none" w="med" len="med"/>
+                    </a:lnR>
+                    <a:lnT w="12700" cap="flat" cmpd="sng" algn="ctr">
+                      <a:solidFill>
+                        <a:schemeClr val="tx1"/>
+                      </a:solidFill>
+                      <a:prstDash val="solid"/>
+                      <a:round/>
+                      <a:headEnd type="none" w="med" len="med"/>
+                      <a:tailEnd type="none" w="med" len="med"/>
+                    </a:lnT>
+                    <a:lnB w="12700" cap="flat" cmpd="sng" algn="ctr">
+                      <a:solidFill>
+                        <a:schemeClr val="tx1"/>
+                      </a:solidFill>
+                      <a:prstDash val="solid"/>
+                      <a:round/>
+                      <a:headEnd type="none" w="med" len="med"/>
+                      <a:tailEnd type="none" w="med" len="med"/>
+                    </a:lnB>
+                    <a:solidFill>
+                      <a:schemeClr val="bg1"/>
+                    </a:solidFill>
+                  </a:tcPr>
+                </a:tc>
+                <a:tc>
+                  <a:txBody>
+                    <a:bodyPr/>
+                    <a:lstStyle/>
+                    <a:p>
+                      <a:pPr algn="ctr"/>
+                      <a:r>
+                        <a:rPr lang="en-US" sz="1800" b="0" i="0" dirty="0">
+                          <a:latin typeface="Avenir" panose="02000503020000020003" pitchFamily="2" charset="0"/>
+                        </a:rPr>
+                        <a:t>**</a:t>
+                      </a:r>
+                    </a:p>
+                  </a:txBody>
+                  <a:tcPr anchor="ctr">
+                    <a:lnL w="12700" cap="flat" cmpd="sng" algn="ctr">
+                      <a:solidFill>
+                        <a:schemeClr val="tx1"/>
+                      </a:solidFill>
+                      <a:prstDash val="solid"/>
+                      <a:round/>
+                      <a:headEnd type="none" w="med" len="med"/>
+                      <a:tailEnd type="none" w="med" len="med"/>
+                    </a:lnL>
+                    <a:lnR w="12700" cap="flat" cmpd="sng" algn="ctr">
+                      <a:solidFill>
+                        <a:schemeClr val="tx1"/>
+                      </a:solidFill>
+                      <a:prstDash val="solid"/>
+                      <a:round/>
+                      <a:headEnd type="none" w="med" len="med"/>
+                      <a:tailEnd type="none" w="med" len="med"/>
+                    </a:lnR>
+                    <a:lnT w="12700" cap="flat" cmpd="sng" algn="ctr">
+                      <a:solidFill>
+                        <a:schemeClr val="tx1"/>
+                      </a:solidFill>
+                      <a:prstDash val="solid"/>
+                      <a:round/>
+                      <a:headEnd type="none" w="med" len="med"/>
+                      <a:tailEnd type="none" w="med" len="med"/>
+                    </a:lnT>
+                    <a:lnB w="12700" cap="flat" cmpd="sng" algn="ctr">
+                      <a:solidFill>
+                        <a:schemeClr val="tx1"/>
+                      </a:solidFill>
+                      <a:prstDash val="solid"/>
+                      <a:round/>
+                      <a:headEnd type="none" w="med" len="med"/>
+                      <a:tailEnd type="none" w="med" len="med"/>
+                    </a:lnB>
+                    <a:solidFill>
+                      <a:schemeClr val="bg1"/>
+                    </a:solidFill>
+                  </a:tcPr>
+                </a:tc>
+                <a:extLst>
+                  <a:ext uri="{0D108BD9-81ED-4DB2-BD59-A6C34878D82A}">
+                    <a16:rowId xmlns:a16="http://schemas.microsoft.com/office/drawing/2014/main" val="225937441"/>
+                  </a:ext>
+                </a:extLst>
+              </a:tr>
+              <a:tr h="485114">
+                <a:tc>
+                  <a:txBody>
+                    <a:bodyPr/>
+                    <a:lstStyle/>
+                    <a:p>
+                      <a:pPr algn="l"/>
+                      <a:r>
+                        <a:rPr lang="en-US" sz="1800" b="0" i="0" dirty="0">
+                          <a:latin typeface="Avenir" panose="02000503020000020003" pitchFamily="2" charset="0"/>
+                        </a:rPr>
+                        <a:t>Modulo/Remainder</a:t>
+                      </a:r>
+                    </a:p>
+                  </a:txBody>
+                  <a:tcPr anchor="ctr">
+                    <a:lnL w="12700" cap="flat" cmpd="sng" algn="ctr">
+                      <a:solidFill>
+                        <a:schemeClr val="tx1"/>
+                      </a:solidFill>
+                      <a:prstDash val="solid"/>
+                      <a:round/>
+                      <a:headEnd type="none" w="med" len="med"/>
+                      <a:tailEnd type="none" w="med" len="med"/>
+                    </a:lnL>
+                    <a:lnR w="12700" cap="flat" cmpd="sng" algn="ctr">
+                      <a:solidFill>
+                        <a:schemeClr val="tx1"/>
+                      </a:solidFill>
+                      <a:prstDash val="solid"/>
+                      <a:round/>
+                      <a:headEnd type="none" w="med" len="med"/>
+                      <a:tailEnd type="none" w="med" len="med"/>
+                    </a:lnR>
+                    <a:lnT w="12700" cap="flat" cmpd="sng" algn="ctr">
+                      <a:solidFill>
+                        <a:schemeClr val="tx1"/>
+                      </a:solidFill>
+                      <a:prstDash val="solid"/>
+                      <a:round/>
+                      <a:headEnd type="none" w="med" len="med"/>
+                      <a:tailEnd type="none" w="med" len="med"/>
+                    </a:lnT>
+                    <a:lnB w="12700" cap="flat" cmpd="sng" algn="ctr">
+                      <a:solidFill>
+                        <a:schemeClr val="tx1"/>
+                      </a:solidFill>
+                      <a:prstDash val="solid"/>
+                      <a:round/>
+                      <a:headEnd type="none" w="med" len="med"/>
+                      <a:tailEnd type="none" w="med" len="med"/>
+                    </a:lnB>
+                    <a:solidFill>
+                      <a:schemeClr val="bg1"/>
+                    </a:solidFill>
+                  </a:tcPr>
+                </a:tc>
+                <a:tc>
+                  <a:txBody>
+                    <a:bodyPr/>
+                    <a:lstStyle/>
+                    <a:p>
+                      <a:pPr algn="ctr"/>
+                      <a:r>
+                        <a:rPr lang="en-US" sz="1800" b="0" i="0" dirty="0">
+                          <a:latin typeface="Avenir" panose="02000503020000020003" pitchFamily="2" charset="0"/>
+                        </a:rPr>
+                        <a:t>%</a:t>
+                      </a:r>
+                    </a:p>
+                  </a:txBody>
+                  <a:tcPr anchor="ctr">
+                    <a:lnL w="12700" cap="flat" cmpd="sng" algn="ctr">
+                      <a:solidFill>
+                        <a:schemeClr val="tx1"/>
+                      </a:solidFill>
+                      <a:prstDash val="solid"/>
+                      <a:round/>
+                      <a:headEnd type="none" w="med" len="med"/>
+                      <a:tailEnd type="none" w="med" len="med"/>
+                    </a:lnL>
+                    <a:lnR w="12700" cap="flat" cmpd="sng" algn="ctr">
+                      <a:solidFill>
+                        <a:schemeClr val="tx1"/>
+                      </a:solidFill>
+                      <a:prstDash val="solid"/>
+                      <a:round/>
+                      <a:headEnd type="none" w="med" len="med"/>
+                      <a:tailEnd type="none" w="med" len="med"/>
+                    </a:lnR>
+                    <a:lnT w="12700" cap="flat" cmpd="sng" algn="ctr">
+                      <a:solidFill>
+                        <a:schemeClr val="tx1"/>
+                      </a:solidFill>
+                      <a:prstDash val="solid"/>
+                      <a:round/>
+                      <a:headEnd type="none" w="med" len="med"/>
+                      <a:tailEnd type="none" w="med" len="med"/>
+                    </a:lnT>
+                    <a:lnB w="12700" cap="flat" cmpd="sng" algn="ctr">
+                      <a:solidFill>
+                        <a:schemeClr val="tx1"/>
+                      </a:solidFill>
+                      <a:prstDash val="solid"/>
+                      <a:round/>
+                      <a:headEnd type="none" w="med" len="med"/>
+                      <a:tailEnd type="none" w="med" len="med"/>
+                    </a:lnB>
+                    <a:solidFill>
+                      <a:schemeClr val="bg1"/>
+                    </a:solidFill>
+                  </a:tcPr>
+                </a:tc>
+                <a:extLst>
+                  <a:ext uri="{0D108BD9-81ED-4DB2-BD59-A6C34878D82A}">
+                    <a16:rowId xmlns:a16="http://schemas.microsoft.com/office/drawing/2014/main" val="1355114781"/>
+                  </a:ext>
+                </a:extLst>
+              </a:tr>
+            </a:tbl>
+          </a:graphicData>
+        </a:graphic>
+      </p:graphicFrame>
+      <p:pic>
+        <p:nvPicPr>
+          <p:cNvPr id="3" name="Picture 2" descr="A picture containing dark, gauge&#10;&#10;Description automatically generated">
+            <a:extLst>
+              <a:ext uri="{FF2B5EF4-FFF2-40B4-BE49-F238E27FC236}">
+                <a16:creationId xmlns:a16="http://schemas.microsoft.com/office/drawing/2014/main" id="{9CF09021-5426-EBA7-6080-7C821C863C87}"/>
+              </a:ext>
+            </a:extLst>
+          </p:cNvPr>
+          <p:cNvPicPr>
+            <a:picLocks noChangeAspect="1"/>
+          </p:cNvPicPr>
+          <p:nvPr/>
+        </p:nvPicPr>
+        <p:blipFill>
+          <a:blip r:embed="rId3">
+            <a:extLst>
+              <a:ext uri="{28A0092B-C50C-407E-A947-70E740481C1C}">
+                <a14:useLocalDpi xmlns:a14="http://schemas.microsoft.com/office/drawing/2010/main" val="0"/>
+              </a:ext>
+            </a:extLst>
+          </a:blip>
+          <a:stretch>
+            <a:fillRect/>
+          </a:stretch>
+        </p:blipFill>
+        <p:spPr>
+          <a:xfrm>
+            <a:off x="11378037" y="6031948"/>
+            <a:ext cx="800100" cy="812800"/>
+          </a:xfrm>
+          <a:prstGeom prst="rect">
+            <a:avLst/>
+          </a:prstGeom>
+        </p:spPr>
+      </p:pic>
+    </p:spTree>
+    <p:extLst>
+      <p:ext uri="{BB962C8B-B14F-4D97-AF65-F5344CB8AC3E}">
+        <p14:creationId xmlns:p14="http://schemas.microsoft.com/office/powerpoint/2010/main" val="811428612"/>
       </p:ext>
     </p:extLst>
   </p:cSld>
@@ -29307,7 +31869,7 @@
           <p:nvPr/>
         </p:nvPicPr>
         <p:blipFill>
-          <a:blip r:embed="rId2">
+          <a:blip r:embed="rId3">
             <a:extLst>
               <a:ext uri="{28A0092B-C50C-407E-A947-70E740481C1C}">
                 <a14:useLocalDpi xmlns:a14="http://schemas.microsoft.com/office/drawing/2010/main" val="0"/>
@@ -29781,7 +32343,7 @@
           <p:nvPr/>
         </p:nvPicPr>
         <p:blipFill>
-          <a:blip r:embed="rId2">
+          <a:blip r:embed="rId3">
             <a:extLst>
               <a:ext uri="{28A0092B-C50C-407E-A947-70E740481C1C}">
                 <a14:useLocalDpi xmlns:a14="http://schemas.microsoft.com/office/drawing/2010/main" val="0"/>
@@ -30619,1092 +33181,6 @@
 </file>
 
 <file path=ppt/slides/slide8.xml><?xml version="1.0" encoding="utf-8"?>
-<p:sld xmlns:a="http://schemas.openxmlformats.org/drawingml/2006/main" xmlns:r="http://schemas.openxmlformats.org/officeDocument/2006/relationships" xmlns:p="http://schemas.openxmlformats.org/presentationml/2006/main">
-  <p:cSld>
-    <p:spTree>
-      <p:nvGrpSpPr>
-        <p:cNvPr id="1" name=""/>
-        <p:cNvGrpSpPr/>
-        <p:nvPr/>
-      </p:nvGrpSpPr>
-      <p:grpSpPr>
-        <a:xfrm>
-          <a:off x="0" y="0"/>
-          <a:ext cx="0" cy="0"/>
-          <a:chOff x="0" y="0"/>
-          <a:chExt cx="0" cy="0"/>
-        </a:xfrm>
-      </p:grpSpPr>
-      <p:graphicFrame>
-        <p:nvGraphicFramePr>
-          <p:cNvPr id="2" name="Table 2">
-            <a:extLst>
-              <a:ext uri="{FF2B5EF4-FFF2-40B4-BE49-F238E27FC236}">
-                <a16:creationId xmlns:a16="http://schemas.microsoft.com/office/drawing/2014/main" id="{740FF6A9-DDBF-A07B-9687-3D9272F2B443}"/>
-              </a:ext>
-            </a:extLst>
-          </p:cNvPr>
-          <p:cNvGraphicFramePr>
-            <a:graphicFrameLocks noGrp="1"/>
-          </p:cNvGraphicFramePr>
-          <p:nvPr>
-            <p:extLst>
-              <p:ext uri="{D42A27DB-BD31-4B8C-83A1-F6EECF244321}">
-                <p14:modId xmlns:p14="http://schemas.microsoft.com/office/powerpoint/2010/main" val="796081443"/>
-              </p:ext>
-            </p:extLst>
-          </p:nvPr>
-        </p:nvGraphicFramePr>
-        <p:xfrm>
-          <a:off x="4197350" y="1488544"/>
-          <a:ext cx="3797300" cy="3880912"/>
-        </p:xfrm>
-        <a:graphic>
-          <a:graphicData uri="http://schemas.openxmlformats.org/drawingml/2006/table">
-            <a:tbl>
-              <a:tblPr firstRow="1" bandRow="1">
-                <a:tableStyleId>{5C22544A-7EE6-4342-B048-85BDC9FD1C3A}</a:tableStyleId>
-              </a:tblPr>
-              <a:tblGrid>
-                <a:gridCol w="2701819">
-                  <a:extLst>
-                    <a:ext uri="{9D8B030D-6E8A-4147-A177-3AD203B41FA5}">
-                      <a16:colId xmlns:a16="http://schemas.microsoft.com/office/drawing/2014/main" val="3211576592"/>
-                    </a:ext>
-                  </a:extLst>
-                </a:gridCol>
-                <a:gridCol w="1095481">
-                  <a:extLst>
-                    <a:ext uri="{9D8B030D-6E8A-4147-A177-3AD203B41FA5}">
-                      <a16:colId xmlns:a16="http://schemas.microsoft.com/office/drawing/2014/main" val="3930761887"/>
-                    </a:ext>
-                  </a:extLst>
-                </a:gridCol>
-              </a:tblGrid>
-              <a:tr h="485114">
-                <a:tc>
-                  <a:txBody>
-                    <a:bodyPr/>
-                    <a:lstStyle/>
-                    <a:p>
-                      <a:pPr algn="ctr"/>
-                      <a:r>
-                        <a:rPr lang="en-US" sz="1800" b="1" i="0" dirty="0">
-                          <a:solidFill>
-                            <a:schemeClr val="tx1"/>
-                          </a:solidFill>
-                          <a:latin typeface="Avenir Black" panose="02000503020000020003" pitchFamily="2" charset="0"/>
-                        </a:rPr>
-                        <a:t>Operation</a:t>
-                      </a:r>
-                    </a:p>
-                  </a:txBody>
-                  <a:tcPr anchor="ctr">
-                    <a:lnL w="12700" cap="flat" cmpd="sng" algn="ctr">
-                      <a:solidFill>
-                        <a:schemeClr val="tx1"/>
-                      </a:solidFill>
-                      <a:prstDash val="solid"/>
-                      <a:round/>
-                      <a:headEnd type="none" w="med" len="med"/>
-                      <a:tailEnd type="none" w="med" len="med"/>
-                    </a:lnL>
-                    <a:lnR w="12700" cap="flat" cmpd="sng" algn="ctr">
-                      <a:solidFill>
-                        <a:schemeClr val="tx1"/>
-                      </a:solidFill>
-                      <a:prstDash val="solid"/>
-                      <a:round/>
-                      <a:headEnd type="none" w="med" len="med"/>
-                      <a:tailEnd type="none" w="med" len="med"/>
-                    </a:lnR>
-                    <a:lnT w="12700" cap="flat" cmpd="sng" algn="ctr">
-                      <a:solidFill>
-                        <a:schemeClr val="tx1"/>
-                      </a:solidFill>
-                      <a:prstDash val="solid"/>
-                      <a:round/>
-                      <a:headEnd type="none" w="med" len="med"/>
-                      <a:tailEnd type="none" w="med" len="med"/>
-                    </a:lnT>
-                    <a:lnB w="12700" cap="flat" cmpd="sng" algn="ctr">
-                      <a:solidFill>
-                        <a:schemeClr val="tx1"/>
-                      </a:solidFill>
-                      <a:prstDash val="solid"/>
-                      <a:round/>
-                      <a:headEnd type="none" w="med" len="med"/>
-                      <a:tailEnd type="none" w="med" len="med"/>
-                    </a:lnB>
-                    <a:solidFill>
-                      <a:srgbClr val="D6EECF"/>
-                    </a:solidFill>
-                  </a:tcPr>
-                </a:tc>
-                <a:tc>
-                  <a:txBody>
-                    <a:bodyPr/>
-                    <a:lstStyle/>
-                    <a:p>
-                      <a:pPr algn="ctr"/>
-                      <a:r>
-                        <a:rPr lang="en-US" sz="1800" b="1" i="0" dirty="0">
-                          <a:solidFill>
-                            <a:schemeClr val="tx1"/>
-                          </a:solidFill>
-                          <a:latin typeface="Avenir Black" panose="02000503020000020003" pitchFamily="2" charset="0"/>
-                        </a:rPr>
-                        <a:t>Symbol</a:t>
-                      </a:r>
-                    </a:p>
-                  </a:txBody>
-                  <a:tcPr anchor="ctr">
-                    <a:lnL w="12700" cap="flat" cmpd="sng" algn="ctr">
-                      <a:solidFill>
-                        <a:schemeClr val="tx1"/>
-                      </a:solidFill>
-                      <a:prstDash val="solid"/>
-                      <a:round/>
-                      <a:headEnd type="none" w="med" len="med"/>
-                      <a:tailEnd type="none" w="med" len="med"/>
-                    </a:lnL>
-                    <a:lnR w="12700" cap="flat" cmpd="sng" algn="ctr">
-                      <a:solidFill>
-                        <a:schemeClr val="tx1"/>
-                      </a:solidFill>
-                      <a:prstDash val="solid"/>
-                      <a:round/>
-                      <a:headEnd type="none" w="med" len="med"/>
-                      <a:tailEnd type="none" w="med" len="med"/>
-                    </a:lnR>
-                    <a:lnT w="12700" cap="flat" cmpd="sng" algn="ctr">
-                      <a:solidFill>
-                        <a:schemeClr val="tx1"/>
-                      </a:solidFill>
-                      <a:prstDash val="solid"/>
-                      <a:round/>
-                      <a:headEnd type="none" w="med" len="med"/>
-                      <a:tailEnd type="none" w="med" len="med"/>
-                    </a:lnT>
-                    <a:lnB w="12700" cap="flat" cmpd="sng" algn="ctr">
-                      <a:solidFill>
-                        <a:schemeClr val="tx1"/>
-                      </a:solidFill>
-                      <a:prstDash val="solid"/>
-                      <a:round/>
-                      <a:headEnd type="none" w="med" len="med"/>
-                      <a:tailEnd type="none" w="med" len="med"/>
-                    </a:lnB>
-                    <a:solidFill>
-                      <a:srgbClr val="D6EECF"/>
-                    </a:solidFill>
-                  </a:tcPr>
-                </a:tc>
-                <a:extLst>
-                  <a:ext uri="{0D108BD9-81ED-4DB2-BD59-A6C34878D82A}">
-                    <a16:rowId xmlns:a16="http://schemas.microsoft.com/office/drawing/2014/main" val="856425074"/>
-                  </a:ext>
-                </a:extLst>
-              </a:tr>
-              <a:tr h="485114">
-                <a:tc>
-                  <a:txBody>
-                    <a:bodyPr/>
-                    <a:lstStyle/>
-                    <a:p>
-                      <a:pPr algn="l"/>
-                      <a:r>
-                        <a:rPr lang="en-US" sz="1800" b="0" i="0" dirty="0">
-                          <a:latin typeface="Avenir" panose="02000503020000020003" pitchFamily="2" charset="0"/>
-                        </a:rPr>
-                        <a:t>Addition</a:t>
-                      </a:r>
-                    </a:p>
-                  </a:txBody>
-                  <a:tcPr anchor="ctr">
-                    <a:lnL w="12700" cap="flat" cmpd="sng" algn="ctr">
-                      <a:solidFill>
-                        <a:schemeClr val="tx1"/>
-                      </a:solidFill>
-                      <a:prstDash val="solid"/>
-                      <a:round/>
-                      <a:headEnd type="none" w="med" len="med"/>
-                      <a:tailEnd type="none" w="med" len="med"/>
-                    </a:lnL>
-                    <a:lnR w="12700" cap="flat" cmpd="sng" algn="ctr">
-                      <a:solidFill>
-                        <a:schemeClr val="tx1"/>
-                      </a:solidFill>
-                      <a:prstDash val="solid"/>
-                      <a:round/>
-                      <a:headEnd type="none" w="med" len="med"/>
-                      <a:tailEnd type="none" w="med" len="med"/>
-                    </a:lnR>
-                    <a:lnT w="12700" cap="flat" cmpd="sng" algn="ctr">
-                      <a:solidFill>
-                        <a:schemeClr val="tx1"/>
-                      </a:solidFill>
-                      <a:prstDash val="solid"/>
-                      <a:round/>
-                      <a:headEnd type="none" w="med" len="med"/>
-                      <a:tailEnd type="none" w="med" len="med"/>
-                    </a:lnT>
-                    <a:lnB w="12700" cap="flat" cmpd="sng" algn="ctr">
-                      <a:solidFill>
-                        <a:schemeClr val="tx1"/>
-                      </a:solidFill>
-                      <a:prstDash val="solid"/>
-                      <a:round/>
-                      <a:headEnd type="none" w="med" len="med"/>
-                      <a:tailEnd type="none" w="med" len="med"/>
-                    </a:lnB>
-                    <a:solidFill>
-                      <a:schemeClr val="bg1"/>
-                    </a:solidFill>
-                  </a:tcPr>
-                </a:tc>
-                <a:tc>
-                  <a:txBody>
-                    <a:bodyPr/>
-                    <a:lstStyle/>
-                    <a:p>
-                      <a:pPr algn="ctr"/>
-                      <a:r>
-                        <a:rPr lang="en-US" sz="1800" b="0" i="0" dirty="0">
-                          <a:latin typeface="Avenir" panose="02000503020000020003" pitchFamily="2" charset="0"/>
-                        </a:rPr>
-                        <a:t>+</a:t>
-                      </a:r>
-                    </a:p>
-                  </a:txBody>
-                  <a:tcPr anchor="ctr">
-                    <a:lnL w="12700" cap="flat" cmpd="sng" algn="ctr">
-                      <a:solidFill>
-                        <a:schemeClr val="tx1"/>
-                      </a:solidFill>
-                      <a:prstDash val="solid"/>
-                      <a:round/>
-                      <a:headEnd type="none" w="med" len="med"/>
-                      <a:tailEnd type="none" w="med" len="med"/>
-                    </a:lnL>
-                    <a:lnR w="12700" cap="flat" cmpd="sng" algn="ctr">
-                      <a:solidFill>
-                        <a:schemeClr val="tx1"/>
-                      </a:solidFill>
-                      <a:prstDash val="solid"/>
-                      <a:round/>
-                      <a:headEnd type="none" w="med" len="med"/>
-                      <a:tailEnd type="none" w="med" len="med"/>
-                    </a:lnR>
-                    <a:lnT w="12700" cap="flat" cmpd="sng" algn="ctr">
-                      <a:solidFill>
-                        <a:schemeClr val="tx1"/>
-                      </a:solidFill>
-                      <a:prstDash val="solid"/>
-                      <a:round/>
-                      <a:headEnd type="none" w="med" len="med"/>
-                      <a:tailEnd type="none" w="med" len="med"/>
-                    </a:lnT>
-                    <a:lnB w="12700" cap="flat" cmpd="sng" algn="ctr">
-                      <a:solidFill>
-                        <a:schemeClr val="tx1"/>
-                      </a:solidFill>
-                      <a:prstDash val="solid"/>
-                      <a:round/>
-                      <a:headEnd type="none" w="med" len="med"/>
-                      <a:tailEnd type="none" w="med" len="med"/>
-                    </a:lnB>
-                    <a:solidFill>
-                      <a:schemeClr val="bg1"/>
-                    </a:solidFill>
-                  </a:tcPr>
-                </a:tc>
-                <a:extLst>
-                  <a:ext uri="{0D108BD9-81ED-4DB2-BD59-A6C34878D82A}">
-                    <a16:rowId xmlns:a16="http://schemas.microsoft.com/office/drawing/2014/main" val="2363736385"/>
-                  </a:ext>
-                </a:extLst>
-              </a:tr>
-              <a:tr h="485114">
-                <a:tc>
-                  <a:txBody>
-                    <a:bodyPr/>
-                    <a:lstStyle/>
-                    <a:p>
-                      <a:pPr algn="l"/>
-                      <a:r>
-                        <a:rPr lang="en-US" sz="1800" b="0" i="0" dirty="0">
-                          <a:latin typeface="Avenir" panose="02000503020000020003" pitchFamily="2" charset="0"/>
-                        </a:rPr>
-                        <a:t>Subtraction</a:t>
-                      </a:r>
-                    </a:p>
-                  </a:txBody>
-                  <a:tcPr anchor="ctr">
-                    <a:lnL w="12700" cap="flat" cmpd="sng" algn="ctr">
-                      <a:solidFill>
-                        <a:schemeClr val="tx1"/>
-                      </a:solidFill>
-                      <a:prstDash val="solid"/>
-                      <a:round/>
-                      <a:headEnd type="none" w="med" len="med"/>
-                      <a:tailEnd type="none" w="med" len="med"/>
-                    </a:lnL>
-                    <a:lnR w="12700" cap="flat" cmpd="sng" algn="ctr">
-                      <a:solidFill>
-                        <a:schemeClr val="tx1"/>
-                      </a:solidFill>
-                      <a:prstDash val="solid"/>
-                      <a:round/>
-                      <a:headEnd type="none" w="med" len="med"/>
-                      <a:tailEnd type="none" w="med" len="med"/>
-                    </a:lnR>
-                    <a:lnT w="12700" cap="flat" cmpd="sng" algn="ctr">
-                      <a:solidFill>
-                        <a:schemeClr val="tx1"/>
-                      </a:solidFill>
-                      <a:prstDash val="solid"/>
-                      <a:round/>
-                      <a:headEnd type="none" w="med" len="med"/>
-                      <a:tailEnd type="none" w="med" len="med"/>
-                    </a:lnT>
-                    <a:lnB w="12700" cap="flat" cmpd="sng" algn="ctr">
-                      <a:solidFill>
-                        <a:schemeClr val="tx1"/>
-                      </a:solidFill>
-                      <a:prstDash val="solid"/>
-                      <a:round/>
-                      <a:headEnd type="none" w="med" len="med"/>
-                      <a:tailEnd type="none" w="med" len="med"/>
-                    </a:lnB>
-                    <a:solidFill>
-                      <a:schemeClr val="bg1"/>
-                    </a:solidFill>
-                  </a:tcPr>
-                </a:tc>
-                <a:tc>
-                  <a:txBody>
-                    <a:bodyPr/>
-                    <a:lstStyle/>
-                    <a:p>
-                      <a:pPr algn="ctr"/>
-                      <a:r>
-                        <a:rPr lang="en-US" sz="1800" b="0" i="0" dirty="0">
-                          <a:latin typeface="Avenir" panose="02000503020000020003" pitchFamily="2" charset="0"/>
-                        </a:rPr>
-                        <a:t>-</a:t>
-                      </a:r>
-                    </a:p>
-                  </a:txBody>
-                  <a:tcPr anchor="ctr">
-                    <a:lnL w="12700" cap="flat" cmpd="sng" algn="ctr">
-                      <a:solidFill>
-                        <a:schemeClr val="tx1"/>
-                      </a:solidFill>
-                      <a:prstDash val="solid"/>
-                      <a:round/>
-                      <a:headEnd type="none" w="med" len="med"/>
-                      <a:tailEnd type="none" w="med" len="med"/>
-                    </a:lnL>
-                    <a:lnR w="12700" cap="flat" cmpd="sng" algn="ctr">
-                      <a:solidFill>
-                        <a:schemeClr val="tx1"/>
-                      </a:solidFill>
-                      <a:prstDash val="solid"/>
-                      <a:round/>
-                      <a:headEnd type="none" w="med" len="med"/>
-                      <a:tailEnd type="none" w="med" len="med"/>
-                    </a:lnR>
-                    <a:lnT w="12700" cap="flat" cmpd="sng" algn="ctr">
-                      <a:solidFill>
-                        <a:schemeClr val="tx1"/>
-                      </a:solidFill>
-                      <a:prstDash val="solid"/>
-                      <a:round/>
-                      <a:headEnd type="none" w="med" len="med"/>
-                      <a:tailEnd type="none" w="med" len="med"/>
-                    </a:lnT>
-                    <a:lnB w="12700" cap="flat" cmpd="sng" algn="ctr">
-                      <a:solidFill>
-                        <a:schemeClr val="tx1"/>
-                      </a:solidFill>
-                      <a:prstDash val="solid"/>
-                      <a:round/>
-                      <a:headEnd type="none" w="med" len="med"/>
-                      <a:tailEnd type="none" w="med" len="med"/>
-                    </a:lnB>
-                    <a:solidFill>
-                      <a:schemeClr val="bg1"/>
-                    </a:solidFill>
-                  </a:tcPr>
-                </a:tc>
-                <a:extLst>
-                  <a:ext uri="{0D108BD9-81ED-4DB2-BD59-A6C34878D82A}">
-                    <a16:rowId xmlns:a16="http://schemas.microsoft.com/office/drawing/2014/main" val="3239697911"/>
-                  </a:ext>
-                </a:extLst>
-              </a:tr>
-              <a:tr h="485114">
-                <a:tc>
-                  <a:txBody>
-                    <a:bodyPr/>
-                    <a:lstStyle/>
-                    <a:p>
-                      <a:pPr algn="l"/>
-                      <a:r>
-                        <a:rPr lang="en-US" sz="1800" b="0" i="0" dirty="0">
-                          <a:latin typeface="Avenir" panose="02000503020000020003" pitchFamily="2" charset="0"/>
-                        </a:rPr>
-                        <a:t>Multiplication</a:t>
-                      </a:r>
-                    </a:p>
-                  </a:txBody>
-                  <a:tcPr anchor="ctr">
-                    <a:lnL w="12700" cap="flat" cmpd="sng" algn="ctr">
-                      <a:solidFill>
-                        <a:schemeClr val="tx1"/>
-                      </a:solidFill>
-                      <a:prstDash val="solid"/>
-                      <a:round/>
-                      <a:headEnd type="none" w="med" len="med"/>
-                      <a:tailEnd type="none" w="med" len="med"/>
-                    </a:lnL>
-                    <a:lnR w="12700" cap="flat" cmpd="sng" algn="ctr">
-                      <a:solidFill>
-                        <a:schemeClr val="tx1"/>
-                      </a:solidFill>
-                      <a:prstDash val="solid"/>
-                      <a:round/>
-                      <a:headEnd type="none" w="med" len="med"/>
-                      <a:tailEnd type="none" w="med" len="med"/>
-                    </a:lnR>
-                    <a:lnT w="12700" cap="flat" cmpd="sng" algn="ctr">
-                      <a:solidFill>
-                        <a:schemeClr val="tx1"/>
-                      </a:solidFill>
-                      <a:prstDash val="solid"/>
-                      <a:round/>
-                      <a:headEnd type="none" w="med" len="med"/>
-                      <a:tailEnd type="none" w="med" len="med"/>
-                    </a:lnT>
-                    <a:lnB w="12700" cap="flat" cmpd="sng" algn="ctr">
-                      <a:solidFill>
-                        <a:schemeClr val="tx1"/>
-                      </a:solidFill>
-                      <a:prstDash val="solid"/>
-                      <a:round/>
-                      <a:headEnd type="none" w="med" len="med"/>
-                      <a:tailEnd type="none" w="med" len="med"/>
-                    </a:lnB>
-                    <a:solidFill>
-                      <a:schemeClr val="bg1"/>
-                    </a:solidFill>
-                  </a:tcPr>
-                </a:tc>
-                <a:tc>
-                  <a:txBody>
-                    <a:bodyPr/>
-                    <a:lstStyle/>
-                    <a:p>
-                      <a:pPr algn="ctr"/>
-                      <a:r>
-                        <a:rPr lang="en-US" sz="1800" b="0" i="0" dirty="0">
-                          <a:latin typeface="Avenir" panose="02000503020000020003" pitchFamily="2" charset="0"/>
-                        </a:rPr>
-                        <a:t>*</a:t>
-                      </a:r>
-                    </a:p>
-                  </a:txBody>
-                  <a:tcPr anchor="ctr">
-                    <a:lnL w="12700" cap="flat" cmpd="sng" algn="ctr">
-                      <a:solidFill>
-                        <a:schemeClr val="tx1"/>
-                      </a:solidFill>
-                      <a:prstDash val="solid"/>
-                      <a:round/>
-                      <a:headEnd type="none" w="med" len="med"/>
-                      <a:tailEnd type="none" w="med" len="med"/>
-                    </a:lnL>
-                    <a:lnR w="12700" cap="flat" cmpd="sng" algn="ctr">
-                      <a:solidFill>
-                        <a:schemeClr val="tx1"/>
-                      </a:solidFill>
-                      <a:prstDash val="solid"/>
-                      <a:round/>
-                      <a:headEnd type="none" w="med" len="med"/>
-                      <a:tailEnd type="none" w="med" len="med"/>
-                    </a:lnR>
-                    <a:lnT w="12700" cap="flat" cmpd="sng" algn="ctr">
-                      <a:solidFill>
-                        <a:schemeClr val="tx1"/>
-                      </a:solidFill>
-                      <a:prstDash val="solid"/>
-                      <a:round/>
-                      <a:headEnd type="none" w="med" len="med"/>
-                      <a:tailEnd type="none" w="med" len="med"/>
-                    </a:lnT>
-                    <a:lnB w="12700" cap="flat" cmpd="sng" algn="ctr">
-                      <a:solidFill>
-                        <a:schemeClr val="tx1"/>
-                      </a:solidFill>
-                      <a:prstDash val="solid"/>
-                      <a:round/>
-                      <a:headEnd type="none" w="med" len="med"/>
-                      <a:tailEnd type="none" w="med" len="med"/>
-                    </a:lnB>
-                    <a:solidFill>
-                      <a:schemeClr val="bg1"/>
-                    </a:solidFill>
-                  </a:tcPr>
-                </a:tc>
-                <a:extLst>
-                  <a:ext uri="{0D108BD9-81ED-4DB2-BD59-A6C34878D82A}">
-                    <a16:rowId xmlns:a16="http://schemas.microsoft.com/office/drawing/2014/main" val="734827052"/>
-                  </a:ext>
-                </a:extLst>
-              </a:tr>
-              <a:tr h="485114">
-                <a:tc>
-                  <a:txBody>
-                    <a:bodyPr/>
-                    <a:lstStyle/>
-                    <a:p>
-                      <a:pPr algn="l"/>
-                      <a:r>
-                        <a:rPr lang="en-US" sz="1800" b="0" i="0" dirty="0">
-                          <a:latin typeface="Avenir" panose="02000503020000020003" pitchFamily="2" charset="0"/>
-                        </a:rPr>
-                        <a:t>Division</a:t>
-                      </a:r>
-                    </a:p>
-                  </a:txBody>
-                  <a:tcPr anchor="ctr">
-                    <a:lnL w="12700" cap="flat" cmpd="sng" algn="ctr">
-                      <a:solidFill>
-                        <a:schemeClr val="tx1"/>
-                      </a:solidFill>
-                      <a:prstDash val="solid"/>
-                      <a:round/>
-                      <a:headEnd type="none" w="med" len="med"/>
-                      <a:tailEnd type="none" w="med" len="med"/>
-                    </a:lnL>
-                    <a:lnR w="12700" cap="flat" cmpd="sng" algn="ctr">
-                      <a:solidFill>
-                        <a:schemeClr val="tx1"/>
-                      </a:solidFill>
-                      <a:prstDash val="solid"/>
-                      <a:round/>
-                      <a:headEnd type="none" w="med" len="med"/>
-                      <a:tailEnd type="none" w="med" len="med"/>
-                    </a:lnR>
-                    <a:lnT w="12700" cap="flat" cmpd="sng" algn="ctr">
-                      <a:solidFill>
-                        <a:schemeClr val="tx1"/>
-                      </a:solidFill>
-                      <a:prstDash val="solid"/>
-                      <a:round/>
-                      <a:headEnd type="none" w="med" len="med"/>
-                      <a:tailEnd type="none" w="med" len="med"/>
-                    </a:lnT>
-                    <a:lnB w="12700" cap="flat" cmpd="sng" algn="ctr">
-                      <a:solidFill>
-                        <a:schemeClr val="tx1"/>
-                      </a:solidFill>
-                      <a:prstDash val="solid"/>
-                      <a:round/>
-                      <a:headEnd type="none" w="med" len="med"/>
-                      <a:tailEnd type="none" w="med" len="med"/>
-                    </a:lnB>
-                    <a:solidFill>
-                      <a:schemeClr val="bg1"/>
-                    </a:solidFill>
-                  </a:tcPr>
-                </a:tc>
-                <a:tc>
-                  <a:txBody>
-                    <a:bodyPr/>
-                    <a:lstStyle/>
-                    <a:p>
-                      <a:pPr algn="ctr"/>
-                      <a:r>
-                        <a:rPr lang="en-US" sz="1800" b="0" i="0" dirty="0">
-                          <a:latin typeface="Avenir" panose="02000503020000020003" pitchFamily="2" charset="0"/>
-                        </a:rPr>
-                        <a:t>/</a:t>
-                      </a:r>
-                    </a:p>
-                  </a:txBody>
-                  <a:tcPr anchor="ctr">
-                    <a:lnL w="12700" cap="flat" cmpd="sng" algn="ctr">
-                      <a:solidFill>
-                        <a:schemeClr val="tx1"/>
-                      </a:solidFill>
-                      <a:prstDash val="solid"/>
-                      <a:round/>
-                      <a:headEnd type="none" w="med" len="med"/>
-                      <a:tailEnd type="none" w="med" len="med"/>
-                    </a:lnL>
-                    <a:lnR w="12700" cap="flat" cmpd="sng" algn="ctr">
-                      <a:solidFill>
-                        <a:schemeClr val="tx1"/>
-                      </a:solidFill>
-                      <a:prstDash val="solid"/>
-                      <a:round/>
-                      <a:headEnd type="none" w="med" len="med"/>
-                      <a:tailEnd type="none" w="med" len="med"/>
-                    </a:lnR>
-                    <a:lnT w="12700" cap="flat" cmpd="sng" algn="ctr">
-                      <a:solidFill>
-                        <a:schemeClr val="tx1"/>
-                      </a:solidFill>
-                      <a:prstDash val="solid"/>
-                      <a:round/>
-                      <a:headEnd type="none" w="med" len="med"/>
-                      <a:tailEnd type="none" w="med" len="med"/>
-                    </a:lnT>
-                    <a:lnB w="12700" cap="flat" cmpd="sng" algn="ctr">
-                      <a:solidFill>
-                        <a:schemeClr val="tx1"/>
-                      </a:solidFill>
-                      <a:prstDash val="solid"/>
-                      <a:round/>
-                      <a:headEnd type="none" w="med" len="med"/>
-                      <a:tailEnd type="none" w="med" len="med"/>
-                    </a:lnB>
-                    <a:solidFill>
-                      <a:schemeClr val="bg1"/>
-                    </a:solidFill>
-                  </a:tcPr>
-                </a:tc>
-                <a:extLst>
-                  <a:ext uri="{0D108BD9-81ED-4DB2-BD59-A6C34878D82A}">
-                    <a16:rowId xmlns:a16="http://schemas.microsoft.com/office/drawing/2014/main" val="2210495695"/>
-                  </a:ext>
-                </a:extLst>
-              </a:tr>
-              <a:tr h="485114">
-                <a:tc>
-                  <a:txBody>
-                    <a:bodyPr/>
-                    <a:lstStyle/>
-                    <a:p>
-                      <a:pPr algn="l"/>
-                      <a:r>
-                        <a:rPr lang="en-US" sz="1800" b="0" i="0" dirty="0">
-                          <a:latin typeface="Avenir" panose="02000503020000020003" pitchFamily="2" charset="0"/>
-                        </a:rPr>
-                        <a:t>Integer Division</a:t>
-                      </a:r>
-                    </a:p>
-                  </a:txBody>
-                  <a:tcPr anchor="ctr">
-                    <a:lnL w="12700" cap="flat" cmpd="sng" algn="ctr">
-                      <a:solidFill>
-                        <a:schemeClr val="tx1"/>
-                      </a:solidFill>
-                      <a:prstDash val="solid"/>
-                      <a:round/>
-                      <a:headEnd type="none" w="med" len="med"/>
-                      <a:tailEnd type="none" w="med" len="med"/>
-                    </a:lnL>
-                    <a:lnR w="12700" cap="flat" cmpd="sng" algn="ctr">
-                      <a:solidFill>
-                        <a:schemeClr val="tx1"/>
-                      </a:solidFill>
-                      <a:prstDash val="solid"/>
-                      <a:round/>
-                      <a:headEnd type="none" w="med" len="med"/>
-                      <a:tailEnd type="none" w="med" len="med"/>
-                    </a:lnR>
-                    <a:lnT w="12700" cap="flat" cmpd="sng" algn="ctr">
-                      <a:solidFill>
-                        <a:schemeClr val="tx1"/>
-                      </a:solidFill>
-                      <a:prstDash val="solid"/>
-                      <a:round/>
-                      <a:headEnd type="none" w="med" len="med"/>
-                      <a:tailEnd type="none" w="med" len="med"/>
-                    </a:lnT>
-                    <a:lnB w="12700" cap="flat" cmpd="sng" algn="ctr">
-                      <a:solidFill>
-                        <a:schemeClr val="tx1"/>
-                      </a:solidFill>
-                      <a:prstDash val="solid"/>
-                      <a:round/>
-                      <a:headEnd type="none" w="med" len="med"/>
-                      <a:tailEnd type="none" w="med" len="med"/>
-                    </a:lnB>
-                    <a:solidFill>
-                      <a:schemeClr val="bg1"/>
-                    </a:solidFill>
-                  </a:tcPr>
-                </a:tc>
-                <a:tc>
-                  <a:txBody>
-                    <a:bodyPr/>
-                    <a:lstStyle/>
-                    <a:p>
-                      <a:pPr algn="ctr"/>
-                      <a:r>
-                        <a:rPr lang="en-US" sz="1800" b="0" i="0" dirty="0">
-                          <a:latin typeface="Avenir" panose="02000503020000020003" pitchFamily="2" charset="0"/>
-                        </a:rPr>
-                        <a:t>/ /</a:t>
-                      </a:r>
-                    </a:p>
-                  </a:txBody>
-                  <a:tcPr anchor="ctr">
-                    <a:lnL w="12700" cap="flat" cmpd="sng" algn="ctr">
-                      <a:solidFill>
-                        <a:schemeClr val="tx1"/>
-                      </a:solidFill>
-                      <a:prstDash val="solid"/>
-                      <a:round/>
-                      <a:headEnd type="none" w="med" len="med"/>
-                      <a:tailEnd type="none" w="med" len="med"/>
-                    </a:lnL>
-                    <a:lnR w="12700" cap="flat" cmpd="sng" algn="ctr">
-                      <a:solidFill>
-                        <a:schemeClr val="tx1"/>
-                      </a:solidFill>
-                      <a:prstDash val="solid"/>
-                      <a:round/>
-                      <a:headEnd type="none" w="med" len="med"/>
-                      <a:tailEnd type="none" w="med" len="med"/>
-                    </a:lnR>
-                    <a:lnT w="12700" cap="flat" cmpd="sng" algn="ctr">
-                      <a:solidFill>
-                        <a:schemeClr val="tx1"/>
-                      </a:solidFill>
-                      <a:prstDash val="solid"/>
-                      <a:round/>
-                      <a:headEnd type="none" w="med" len="med"/>
-                      <a:tailEnd type="none" w="med" len="med"/>
-                    </a:lnT>
-                    <a:lnB w="12700" cap="flat" cmpd="sng" algn="ctr">
-                      <a:solidFill>
-                        <a:schemeClr val="tx1"/>
-                      </a:solidFill>
-                      <a:prstDash val="solid"/>
-                      <a:round/>
-                      <a:headEnd type="none" w="med" len="med"/>
-                      <a:tailEnd type="none" w="med" len="med"/>
-                    </a:lnB>
-                    <a:solidFill>
-                      <a:schemeClr val="bg1"/>
-                    </a:solidFill>
-                  </a:tcPr>
-                </a:tc>
-                <a:extLst>
-                  <a:ext uri="{0D108BD9-81ED-4DB2-BD59-A6C34878D82A}">
-                    <a16:rowId xmlns:a16="http://schemas.microsoft.com/office/drawing/2014/main" val="280126331"/>
-                  </a:ext>
-                </a:extLst>
-              </a:tr>
-              <a:tr h="485114">
-                <a:tc>
-                  <a:txBody>
-                    <a:bodyPr/>
-                    <a:lstStyle/>
-                    <a:p>
-                      <a:pPr algn="l"/>
-                      <a:r>
-                        <a:rPr lang="en-US" sz="1800" b="0" i="0" dirty="0">
-                          <a:latin typeface="Avenir" panose="02000503020000020003" pitchFamily="2" charset="0"/>
-                        </a:rPr>
-                        <a:t>Exponentiation</a:t>
-                      </a:r>
-                    </a:p>
-                  </a:txBody>
-                  <a:tcPr anchor="ctr">
-                    <a:lnL w="12700" cap="flat" cmpd="sng" algn="ctr">
-                      <a:solidFill>
-                        <a:schemeClr val="tx1"/>
-                      </a:solidFill>
-                      <a:prstDash val="solid"/>
-                      <a:round/>
-                      <a:headEnd type="none" w="med" len="med"/>
-                      <a:tailEnd type="none" w="med" len="med"/>
-                    </a:lnL>
-                    <a:lnR w="12700" cap="flat" cmpd="sng" algn="ctr">
-                      <a:solidFill>
-                        <a:schemeClr val="tx1"/>
-                      </a:solidFill>
-                      <a:prstDash val="solid"/>
-                      <a:round/>
-                      <a:headEnd type="none" w="med" len="med"/>
-                      <a:tailEnd type="none" w="med" len="med"/>
-                    </a:lnR>
-                    <a:lnT w="12700" cap="flat" cmpd="sng" algn="ctr">
-                      <a:solidFill>
-                        <a:schemeClr val="tx1"/>
-                      </a:solidFill>
-                      <a:prstDash val="solid"/>
-                      <a:round/>
-                      <a:headEnd type="none" w="med" len="med"/>
-                      <a:tailEnd type="none" w="med" len="med"/>
-                    </a:lnT>
-                    <a:lnB w="12700" cap="flat" cmpd="sng" algn="ctr">
-                      <a:solidFill>
-                        <a:schemeClr val="tx1"/>
-                      </a:solidFill>
-                      <a:prstDash val="solid"/>
-                      <a:round/>
-                      <a:headEnd type="none" w="med" len="med"/>
-                      <a:tailEnd type="none" w="med" len="med"/>
-                    </a:lnB>
-                    <a:solidFill>
-                      <a:schemeClr val="bg1"/>
-                    </a:solidFill>
-                  </a:tcPr>
-                </a:tc>
-                <a:tc>
-                  <a:txBody>
-                    <a:bodyPr/>
-                    <a:lstStyle/>
-                    <a:p>
-                      <a:pPr algn="ctr"/>
-                      <a:r>
-                        <a:rPr lang="en-US" sz="1800" b="0" i="0" dirty="0">
-                          <a:latin typeface="Avenir" panose="02000503020000020003" pitchFamily="2" charset="0"/>
-                        </a:rPr>
-                        <a:t>**</a:t>
-                      </a:r>
-                    </a:p>
-                  </a:txBody>
-                  <a:tcPr anchor="ctr">
-                    <a:lnL w="12700" cap="flat" cmpd="sng" algn="ctr">
-                      <a:solidFill>
-                        <a:schemeClr val="tx1"/>
-                      </a:solidFill>
-                      <a:prstDash val="solid"/>
-                      <a:round/>
-                      <a:headEnd type="none" w="med" len="med"/>
-                      <a:tailEnd type="none" w="med" len="med"/>
-                    </a:lnL>
-                    <a:lnR w="12700" cap="flat" cmpd="sng" algn="ctr">
-                      <a:solidFill>
-                        <a:schemeClr val="tx1"/>
-                      </a:solidFill>
-                      <a:prstDash val="solid"/>
-                      <a:round/>
-                      <a:headEnd type="none" w="med" len="med"/>
-                      <a:tailEnd type="none" w="med" len="med"/>
-                    </a:lnR>
-                    <a:lnT w="12700" cap="flat" cmpd="sng" algn="ctr">
-                      <a:solidFill>
-                        <a:schemeClr val="tx1"/>
-                      </a:solidFill>
-                      <a:prstDash val="solid"/>
-                      <a:round/>
-                      <a:headEnd type="none" w="med" len="med"/>
-                      <a:tailEnd type="none" w="med" len="med"/>
-                    </a:lnT>
-                    <a:lnB w="12700" cap="flat" cmpd="sng" algn="ctr">
-                      <a:solidFill>
-                        <a:schemeClr val="tx1"/>
-                      </a:solidFill>
-                      <a:prstDash val="solid"/>
-                      <a:round/>
-                      <a:headEnd type="none" w="med" len="med"/>
-                      <a:tailEnd type="none" w="med" len="med"/>
-                    </a:lnB>
-                    <a:solidFill>
-                      <a:schemeClr val="bg1"/>
-                    </a:solidFill>
-                  </a:tcPr>
-                </a:tc>
-                <a:extLst>
-                  <a:ext uri="{0D108BD9-81ED-4DB2-BD59-A6C34878D82A}">
-                    <a16:rowId xmlns:a16="http://schemas.microsoft.com/office/drawing/2014/main" val="225937441"/>
-                  </a:ext>
-                </a:extLst>
-              </a:tr>
-              <a:tr h="485114">
-                <a:tc>
-                  <a:txBody>
-                    <a:bodyPr/>
-                    <a:lstStyle/>
-                    <a:p>
-                      <a:pPr algn="l"/>
-                      <a:r>
-                        <a:rPr lang="en-US" sz="1800" b="0" i="0" dirty="0">
-                          <a:latin typeface="Avenir" panose="02000503020000020003" pitchFamily="2" charset="0"/>
-                        </a:rPr>
-                        <a:t>Modulo/Remainder</a:t>
-                      </a:r>
-                    </a:p>
-                  </a:txBody>
-                  <a:tcPr anchor="ctr">
-                    <a:lnL w="12700" cap="flat" cmpd="sng" algn="ctr">
-                      <a:solidFill>
-                        <a:schemeClr val="tx1"/>
-                      </a:solidFill>
-                      <a:prstDash val="solid"/>
-                      <a:round/>
-                      <a:headEnd type="none" w="med" len="med"/>
-                      <a:tailEnd type="none" w="med" len="med"/>
-                    </a:lnL>
-                    <a:lnR w="12700" cap="flat" cmpd="sng" algn="ctr">
-                      <a:solidFill>
-                        <a:schemeClr val="tx1"/>
-                      </a:solidFill>
-                      <a:prstDash val="solid"/>
-                      <a:round/>
-                      <a:headEnd type="none" w="med" len="med"/>
-                      <a:tailEnd type="none" w="med" len="med"/>
-                    </a:lnR>
-                    <a:lnT w="12700" cap="flat" cmpd="sng" algn="ctr">
-                      <a:solidFill>
-                        <a:schemeClr val="tx1"/>
-                      </a:solidFill>
-                      <a:prstDash val="solid"/>
-                      <a:round/>
-                      <a:headEnd type="none" w="med" len="med"/>
-                      <a:tailEnd type="none" w="med" len="med"/>
-                    </a:lnT>
-                    <a:lnB w="12700" cap="flat" cmpd="sng" algn="ctr">
-                      <a:solidFill>
-                        <a:schemeClr val="tx1"/>
-                      </a:solidFill>
-                      <a:prstDash val="solid"/>
-                      <a:round/>
-                      <a:headEnd type="none" w="med" len="med"/>
-                      <a:tailEnd type="none" w="med" len="med"/>
-                    </a:lnB>
-                    <a:solidFill>
-                      <a:schemeClr val="bg1"/>
-                    </a:solidFill>
-                  </a:tcPr>
-                </a:tc>
-                <a:tc>
-                  <a:txBody>
-                    <a:bodyPr/>
-                    <a:lstStyle/>
-                    <a:p>
-                      <a:pPr algn="ctr"/>
-                      <a:r>
-                        <a:rPr lang="en-US" sz="1800" b="0" i="0" dirty="0">
-                          <a:latin typeface="Avenir" panose="02000503020000020003" pitchFamily="2" charset="0"/>
-                        </a:rPr>
-                        <a:t>%</a:t>
-                      </a:r>
-                    </a:p>
-                  </a:txBody>
-                  <a:tcPr anchor="ctr">
-                    <a:lnL w="12700" cap="flat" cmpd="sng" algn="ctr">
-                      <a:solidFill>
-                        <a:schemeClr val="tx1"/>
-                      </a:solidFill>
-                      <a:prstDash val="solid"/>
-                      <a:round/>
-                      <a:headEnd type="none" w="med" len="med"/>
-                      <a:tailEnd type="none" w="med" len="med"/>
-                    </a:lnL>
-                    <a:lnR w="12700" cap="flat" cmpd="sng" algn="ctr">
-                      <a:solidFill>
-                        <a:schemeClr val="tx1"/>
-                      </a:solidFill>
-                      <a:prstDash val="solid"/>
-                      <a:round/>
-                      <a:headEnd type="none" w="med" len="med"/>
-                      <a:tailEnd type="none" w="med" len="med"/>
-                    </a:lnR>
-                    <a:lnT w="12700" cap="flat" cmpd="sng" algn="ctr">
-                      <a:solidFill>
-                        <a:schemeClr val="tx1"/>
-                      </a:solidFill>
-                      <a:prstDash val="solid"/>
-                      <a:round/>
-                      <a:headEnd type="none" w="med" len="med"/>
-                      <a:tailEnd type="none" w="med" len="med"/>
-                    </a:lnT>
-                    <a:lnB w="12700" cap="flat" cmpd="sng" algn="ctr">
-                      <a:solidFill>
-                        <a:schemeClr val="tx1"/>
-                      </a:solidFill>
-                      <a:prstDash val="solid"/>
-                      <a:round/>
-                      <a:headEnd type="none" w="med" len="med"/>
-                      <a:tailEnd type="none" w="med" len="med"/>
-                    </a:lnB>
-                    <a:solidFill>
-                      <a:schemeClr val="bg1"/>
-                    </a:solidFill>
-                  </a:tcPr>
-                </a:tc>
-                <a:extLst>
-                  <a:ext uri="{0D108BD9-81ED-4DB2-BD59-A6C34878D82A}">
-                    <a16:rowId xmlns:a16="http://schemas.microsoft.com/office/drawing/2014/main" val="1355114781"/>
-                  </a:ext>
-                </a:extLst>
-              </a:tr>
-            </a:tbl>
-          </a:graphicData>
-        </a:graphic>
-      </p:graphicFrame>
-      <p:pic>
-        <p:nvPicPr>
-          <p:cNvPr id="3" name="Picture 2" descr="A picture containing dark, gauge&#10;&#10;Description automatically generated">
-            <a:extLst>
-              <a:ext uri="{FF2B5EF4-FFF2-40B4-BE49-F238E27FC236}">
-                <a16:creationId xmlns:a16="http://schemas.microsoft.com/office/drawing/2014/main" id="{9CF09021-5426-EBA7-6080-7C821C863C87}"/>
-              </a:ext>
-            </a:extLst>
-          </p:cNvPr>
-          <p:cNvPicPr>
-            <a:picLocks noChangeAspect="1"/>
-          </p:cNvPicPr>
-          <p:nvPr/>
-        </p:nvPicPr>
-        <p:blipFill>
-          <a:blip r:embed="rId3">
-            <a:extLst>
-              <a:ext uri="{28A0092B-C50C-407E-A947-70E740481C1C}">
-                <a14:useLocalDpi xmlns:a14="http://schemas.microsoft.com/office/drawing/2010/main" val="0"/>
-              </a:ext>
-            </a:extLst>
-          </a:blip>
-          <a:stretch>
-            <a:fillRect/>
-          </a:stretch>
-        </p:blipFill>
-        <p:spPr>
-          <a:xfrm>
-            <a:off x="11378037" y="6031948"/>
-            <a:ext cx="800100" cy="812800"/>
-          </a:xfrm>
-          <a:prstGeom prst="rect">
-            <a:avLst/>
-          </a:prstGeom>
-        </p:spPr>
-      </p:pic>
-    </p:spTree>
-    <p:extLst>
-      <p:ext uri="{BB962C8B-B14F-4D97-AF65-F5344CB8AC3E}">
-        <p14:creationId xmlns:p14="http://schemas.microsoft.com/office/powerpoint/2010/main" val="811428612"/>
-      </p:ext>
-    </p:extLst>
-  </p:cSld>
-  <p:clrMapOvr>
-    <a:masterClrMapping/>
-  </p:clrMapOvr>
-  <mc:AlternateContent xmlns:mc="http://schemas.openxmlformats.org/markup-compatibility/2006" xmlns:p14="http://schemas.microsoft.com/office/powerpoint/2010/main">
-    <mc:Choice Requires="p14">
-      <p:transition spd="med" p14:dur="700">
-        <p:fade/>
-      </p:transition>
-    </mc:Choice>
-    <mc:Fallback xmlns="">
-      <p:transition spd="med">
-        <p:fade/>
-      </p:transition>
-    </mc:Fallback>
-  </mc:AlternateContent>
-</p:sld>
-</file>
-
-<file path=ppt/slides/slide9.xml><?xml version="1.0" encoding="utf-8"?>
 <p:sld xmlns:a="http://schemas.openxmlformats.org/drawingml/2006/main" xmlns:r="http://schemas.openxmlformats.org/officeDocument/2006/relationships" xmlns:p="http://schemas.openxmlformats.org/presentationml/2006/main">
   <p:cSld>
     <p:spTree>
@@ -33005,6 +34481,1288 @@
 </p:sld>
 </file>
 
+<file path=ppt/slides/slide9.xml><?xml version="1.0" encoding="utf-8"?>
+<p:sld xmlns:a="http://schemas.openxmlformats.org/drawingml/2006/main" xmlns:r="http://schemas.openxmlformats.org/officeDocument/2006/relationships" xmlns:p="http://schemas.openxmlformats.org/presentationml/2006/main">
+  <p:cSld>
+    <p:spTree>
+      <p:nvGrpSpPr>
+        <p:cNvPr id="1" name=""/>
+        <p:cNvGrpSpPr/>
+        <p:nvPr/>
+      </p:nvGrpSpPr>
+      <p:grpSpPr>
+        <a:xfrm>
+          <a:off x="0" y="0"/>
+          <a:ext cx="0" cy="0"/>
+          <a:chOff x="0" y="0"/>
+          <a:chExt cx="0" cy="0"/>
+        </a:xfrm>
+      </p:grpSpPr>
+      <p:sp>
+        <p:nvSpPr>
+          <p:cNvPr id="2" name="Title 1"/>
+          <p:cNvSpPr>
+            <a:spLocks noGrp="1"/>
+          </p:cNvSpPr>
+          <p:nvPr>
+            <p:ph type="title"/>
+          </p:nvPr>
+        </p:nvSpPr>
+        <p:spPr/>
+        <p:txBody>
+          <a:bodyPr>
+            <a:normAutofit/>
+          </a:bodyPr>
+          <a:lstStyle/>
+          <a:p>
+            <a:pPr algn="ctr"/>
+            <a:r>
+              <a:rPr lang="en-US" sz="3600" b="1" dirty="0">
+                <a:latin typeface="Avenir Black" panose="02000503020000020003" pitchFamily="2" charset="0"/>
+              </a:rPr>
+              <a:t>Python Operators (Comparison)</a:t>
+            </a:r>
+          </a:p>
+        </p:txBody>
+      </p:sp>
+      <p:sp>
+        <p:nvSpPr>
+          <p:cNvPr id="5" name="Content Placeholder 4"/>
+          <p:cNvSpPr>
+            <a:spLocks noGrp="1"/>
+          </p:cNvSpPr>
+          <p:nvPr>
+            <p:ph idx="1"/>
+          </p:nvPr>
+        </p:nvSpPr>
+        <p:spPr>
+          <a:xfrm>
+            <a:off x="1216152" y="1690689"/>
+            <a:ext cx="10515600" cy="4351338"/>
+          </a:xfrm>
+        </p:spPr>
+        <p:txBody>
+          <a:bodyPr>
+            <a:normAutofit fontScale="85000" lnSpcReduction="20000"/>
+          </a:bodyPr>
+          <a:lstStyle/>
+          <a:p>
+            <a:pPr>
+              <a:lnSpc>
+                <a:spcPct val="110000"/>
+              </a:lnSpc>
+            </a:pPr>
+            <a:r>
+              <a:rPr lang="en-US" dirty="0">
+                <a:latin typeface="Avenir" panose="02000503020000020003" pitchFamily="2" charset="0"/>
+              </a:rPr>
+              <a:t>Comparison Operators compare 2 numbers or strings</a:t>
+            </a:r>
+          </a:p>
+          <a:p>
+            <a:pPr>
+              <a:lnSpc>
+                <a:spcPct val="110000"/>
+              </a:lnSpc>
+            </a:pPr>
+            <a:r>
+              <a:rPr lang="en-US" dirty="0">
+                <a:latin typeface="Avenir" panose="02000503020000020003" pitchFamily="2" charset="0"/>
+              </a:rPr>
+              <a:t>They always return a </a:t>
+            </a:r>
+            <a:r>
+              <a:rPr lang="en-US" dirty="0">
+                <a:solidFill>
+                  <a:srgbClr val="5A5AA8"/>
+                </a:solidFill>
+                <a:latin typeface="Avenir" panose="02000503020000020003" pitchFamily="2" charset="0"/>
+              </a:rPr>
+              <a:t>Boolean</a:t>
+            </a:r>
+            <a:r>
+              <a:rPr lang="en-US" dirty="0">
+                <a:latin typeface="Avenir" panose="02000503020000020003" pitchFamily="2" charset="0"/>
+              </a:rPr>
+              <a:t> value (</a:t>
+            </a:r>
+            <a:r>
+              <a:rPr lang="en-US" dirty="0">
+                <a:solidFill>
+                  <a:srgbClr val="5A5AA8"/>
+                </a:solidFill>
+                <a:latin typeface="Avenir" panose="02000503020000020003" pitchFamily="2" charset="0"/>
+              </a:rPr>
+              <a:t>True</a:t>
+            </a:r>
+            <a:r>
+              <a:rPr lang="en-US" dirty="0">
+                <a:latin typeface="Avenir" panose="02000503020000020003" pitchFamily="2" charset="0"/>
+              </a:rPr>
+              <a:t> or </a:t>
+            </a:r>
+            <a:r>
+              <a:rPr lang="en-US" dirty="0">
+                <a:solidFill>
+                  <a:srgbClr val="5A5AA8"/>
+                </a:solidFill>
+                <a:latin typeface="Avenir" panose="02000503020000020003" pitchFamily="2" charset="0"/>
+              </a:rPr>
+              <a:t>False</a:t>
+            </a:r>
+            <a:r>
+              <a:rPr lang="en-US" dirty="0">
+                <a:latin typeface="Avenir" panose="02000503020000020003" pitchFamily="2" charset="0"/>
+              </a:rPr>
+              <a:t>)</a:t>
+            </a:r>
+          </a:p>
+          <a:p>
+            <a:pPr>
+              <a:lnSpc>
+                <a:spcPct val="110000"/>
+              </a:lnSpc>
+            </a:pPr>
+            <a:endParaRPr lang="en-US" dirty="0">
+              <a:latin typeface="Avenir" panose="02000503020000020003" pitchFamily="2" charset="0"/>
+            </a:endParaRPr>
+          </a:p>
+          <a:p>
+            <a:pPr marL="0" indent="0">
+              <a:lnSpc>
+                <a:spcPct val="110000"/>
+              </a:lnSpc>
+              <a:buNone/>
+            </a:pPr>
+            <a:r>
+              <a:rPr lang="en-US" dirty="0">
+                <a:latin typeface="Avenir" panose="02000503020000020003" pitchFamily="2" charset="0"/>
+              </a:rPr>
+              <a:t>  </a:t>
+            </a:r>
+            <a:r>
+              <a:rPr lang="en-US" dirty="0">
+                <a:highlight>
+                  <a:srgbClr val="D6EECF"/>
+                </a:highlight>
+                <a:latin typeface="Avenir" panose="02000503020000020003" pitchFamily="2" charset="0"/>
+              </a:rPr>
+              <a:t>Equal to  				</a:t>
+            </a:r>
+            <a:r>
+              <a:rPr lang="en-US" b="1" dirty="0">
+                <a:solidFill>
+                  <a:srgbClr val="5A5AA8"/>
+                </a:solidFill>
+                <a:highlight>
+                  <a:srgbClr val="D6EECF"/>
+                </a:highlight>
+                <a:latin typeface="Avenir Black" panose="02000503020000020003" pitchFamily="2" charset="0"/>
+              </a:rPr>
+              <a:t>==</a:t>
+            </a:r>
+            <a:r>
+              <a:rPr lang="en-US" dirty="0">
+                <a:solidFill>
+                  <a:schemeClr val="accent5">
+                    <a:lumMod val="75000"/>
+                  </a:schemeClr>
+                </a:solidFill>
+                <a:highlight>
+                  <a:srgbClr val="D6EECF"/>
+                </a:highlight>
+                <a:latin typeface="Avenir" panose="02000503020000020003" pitchFamily="2" charset="0"/>
+              </a:rPr>
+              <a:t>    </a:t>
+            </a:r>
+            <a:r>
+              <a:rPr lang="en-US" sz="2000" dirty="0">
+                <a:solidFill>
+                  <a:srgbClr val="FF0000"/>
+                </a:solidFill>
+                <a:highlight>
+                  <a:srgbClr val="D6EECF"/>
+                </a:highlight>
+                <a:latin typeface="Avenir" panose="02000503020000020003" pitchFamily="2" charset="0"/>
+              </a:rPr>
+              <a:t>(note that this is different than ‘=‘)</a:t>
+            </a:r>
+            <a:r>
+              <a:rPr lang="en-US" sz="2600" dirty="0">
+                <a:solidFill>
+                  <a:srgbClr val="D6EECF"/>
+                </a:solidFill>
+                <a:highlight>
+                  <a:srgbClr val="D6EECF"/>
+                </a:highlight>
+                <a:latin typeface="Avenir" panose="02000503020000020003" pitchFamily="2" charset="0"/>
+              </a:rPr>
+              <a:t>x</a:t>
+            </a:r>
+            <a:endParaRPr lang="en-US" sz="2400" dirty="0">
+              <a:solidFill>
+                <a:srgbClr val="D6EECF"/>
+              </a:solidFill>
+              <a:highlight>
+                <a:srgbClr val="D6EECF"/>
+              </a:highlight>
+              <a:latin typeface="Avenir" panose="02000503020000020003" pitchFamily="2" charset="0"/>
+            </a:endParaRPr>
+          </a:p>
+          <a:p>
+            <a:pPr marL="0" indent="0">
+              <a:lnSpc>
+                <a:spcPct val="110000"/>
+              </a:lnSpc>
+              <a:buNone/>
+            </a:pPr>
+            <a:r>
+              <a:rPr lang="en-US" dirty="0">
+                <a:latin typeface="Avenir" panose="02000503020000020003" pitchFamily="2" charset="0"/>
+              </a:rPr>
+              <a:t>  Less Than  			 	 </a:t>
+            </a:r>
+            <a:r>
+              <a:rPr lang="en-US" b="1" dirty="0">
+                <a:solidFill>
+                  <a:srgbClr val="5A5AA8"/>
+                </a:solidFill>
+                <a:latin typeface="Avenir Black" panose="02000503020000020003" pitchFamily="2" charset="0"/>
+              </a:rPr>
+              <a:t>&lt;</a:t>
+            </a:r>
+          </a:p>
+          <a:p>
+            <a:pPr marL="0" indent="0">
+              <a:lnSpc>
+                <a:spcPct val="110000"/>
+              </a:lnSpc>
+              <a:buNone/>
+            </a:pPr>
+            <a:r>
+              <a:rPr lang="en-US" dirty="0">
+                <a:latin typeface="Avenir" panose="02000503020000020003" pitchFamily="2" charset="0"/>
+              </a:rPr>
+              <a:t>  </a:t>
+            </a:r>
+            <a:r>
+              <a:rPr lang="en-US" dirty="0">
+                <a:highlight>
+                  <a:srgbClr val="D6EECF"/>
+                </a:highlight>
+                <a:latin typeface="Avenir" panose="02000503020000020003" pitchFamily="2" charset="0"/>
+              </a:rPr>
+              <a:t>Greater Than  			</a:t>
+            </a:r>
+            <a:r>
+              <a:rPr lang="en-US" b="1" dirty="0">
+                <a:solidFill>
+                  <a:srgbClr val="5A5AA8"/>
+                </a:solidFill>
+                <a:highlight>
+                  <a:srgbClr val="D6EECF"/>
+                </a:highlight>
+                <a:latin typeface="Avenir Black" panose="02000503020000020003" pitchFamily="2" charset="0"/>
+              </a:rPr>
+              <a:t> &gt; </a:t>
+            </a:r>
+            <a:r>
+              <a:rPr lang="en-US" b="1" dirty="0">
+                <a:solidFill>
+                  <a:srgbClr val="D6EECF"/>
+                </a:solidFill>
+                <a:highlight>
+                  <a:srgbClr val="D6EECF"/>
+                </a:highlight>
+                <a:latin typeface="Avenir Black" panose="02000503020000020003" pitchFamily="2" charset="0"/>
+              </a:rPr>
+              <a:t>xxxxx    xxxxxxxxxxxxxxxxxx</a:t>
+            </a:r>
+            <a:r>
+              <a:rPr lang="en-US" b="1" dirty="0">
+                <a:solidFill>
+                  <a:schemeClr val="accent5">
+                    <a:lumMod val="75000"/>
+                  </a:schemeClr>
+                </a:solidFill>
+                <a:highlight>
+                  <a:srgbClr val="D6EECF"/>
+                </a:highlight>
+                <a:latin typeface="Avenir Black" panose="02000503020000020003" pitchFamily="2" charset="0"/>
+              </a:rPr>
+              <a:t>                                         </a:t>
+            </a:r>
+          </a:p>
+          <a:p>
+            <a:pPr marL="0" indent="0">
+              <a:lnSpc>
+                <a:spcPct val="110000"/>
+              </a:lnSpc>
+              <a:buNone/>
+            </a:pPr>
+            <a:r>
+              <a:rPr lang="en-US" dirty="0">
+                <a:latin typeface="Avenir" panose="02000503020000020003" pitchFamily="2" charset="0"/>
+              </a:rPr>
+              <a:t>  Less than or equal to 	            </a:t>
+            </a:r>
+            <a:r>
+              <a:rPr lang="en-US" b="1" dirty="0">
+                <a:solidFill>
+                  <a:srgbClr val="5A5AA8"/>
+                </a:solidFill>
+                <a:latin typeface="Avenir Black" panose="02000503020000020003" pitchFamily="2" charset="0"/>
+              </a:rPr>
+              <a:t>&lt;=</a:t>
+            </a:r>
+          </a:p>
+          <a:p>
+            <a:pPr marL="0" indent="0">
+              <a:lnSpc>
+                <a:spcPct val="110000"/>
+              </a:lnSpc>
+              <a:buNone/>
+            </a:pPr>
+            <a:r>
+              <a:rPr lang="en-US" dirty="0">
+                <a:latin typeface="Avenir" panose="02000503020000020003" pitchFamily="2" charset="0"/>
+              </a:rPr>
+              <a:t>  </a:t>
+            </a:r>
+            <a:r>
+              <a:rPr lang="en-US" dirty="0">
+                <a:highlight>
+                  <a:srgbClr val="D6EECF"/>
+                </a:highlight>
+                <a:latin typeface="Avenir" panose="02000503020000020003" pitchFamily="2" charset="0"/>
+              </a:rPr>
+              <a:t>Greater than or equal to	            </a:t>
+            </a:r>
+            <a:r>
+              <a:rPr lang="en-US" b="1" dirty="0">
+                <a:solidFill>
+                  <a:srgbClr val="5A5AA8"/>
+                </a:solidFill>
+                <a:highlight>
+                  <a:srgbClr val="D6EECF"/>
+                </a:highlight>
+                <a:latin typeface="Avenir Black" panose="02000503020000020003" pitchFamily="2" charset="0"/>
+              </a:rPr>
+              <a:t>&gt;=</a:t>
+            </a:r>
+            <a:r>
+              <a:rPr lang="en-US" b="1" dirty="0">
+                <a:solidFill>
+                  <a:srgbClr val="D6EECF"/>
+                </a:solidFill>
+                <a:highlight>
+                  <a:srgbClr val="D6EECF"/>
+                </a:highlight>
+                <a:latin typeface="Avenir Black" panose="02000503020000020003" pitchFamily="2" charset="0"/>
+              </a:rPr>
+              <a:t>xx   xxxxx  xxxxxxxxxxxxxxxx</a:t>
+            </a:r>
+            <a:endParaRPr lang="en-US" b="1" dirty="0">
+              <a:solidFill>
+                <a:srgbClr val="5A5AA8"/>
+              </a:solidFill>
+              <a:highlight>
+                <a:srgbClr val="D6EECF"/>
+              </a:highlight>
+              <a:latin typeface="Avenir Black" panose="02000503020000020003" pitchFamily="2" charset="0"/>
+            </a:endParaRPr>
+          </a:p>
+          <a:p>
+            <a:pPr marL="0" indent="0">
+              <a:lnSpc>
+                <a:spcPct val="110000"/>
+              </a:lnSpc>
+              <a:buNone/>
+            </a:pPr>
+            <a:r>
+              <a:rPr lang="en-US" dirty="0">
+                <a:latin typeface="Avenir" panose="02000503020000020003" pitchFamily="2" charset="0"/>
+              </a:rPr>
+              <a:t>  Not Equal to  			            </a:t>
+            </a:r>
+            <a:r>
+              <a:rPr lang="en-US" b="1" dirty="0">
+                <a:solidFill>
+                  <a:srgbClr val="5A5AA8"/>
+                </a:solidFill>
+                <a:latin typeface="Avenir Black" panose="02000503020000020003" pitchFamily="2" charset="0"/>
+              </a:rPr>
+              <a:t>!=</a:t>
+            </a:r>
+            <a:r>
+              <a:rPr lang="en-US" dirty="0">
+                <a:solidFill>
+                  <a:srgbClr val="FFFF00"/>
+                </a:solidFill>
+                <a:latin typeface="Avenir" panose="02000503020000020003" pitchFamily="2" charset="0"/>
+              </a:rPr>
+              <a:t>		</a:t>
+            </a:r>
+          </a:p>
+        </p:txBody>
+      </p:sp>
+      <p:sp>
+        <p:nvSpPr>
+          <p:cNvPr id="4" name="TextBox 3">
+            <a:extLst>
+              <a:ext uri="{FF2B5EF4-FFF2-40B4-BE49-F238E27FC236}">
+                <a16:creationId xmlns:a16="http://schemas.microsoft.com/office/drawing/2014/main" id="{89D9A475-551D-492A-83BD-B8FFE64D8010}"/>
+              </a:ext>
+            </a:extLst>
+          </p:cNvPr>
+          <p:cNvSpPr txBox="1"/>
+          <p:nvPr/>
+        </p:nvSpPr>
+        <p:spPr>
+          <a:xfrm>
+            <a:off x="6258717" y="5516531"/>
+            <a:ext cx="3764514" cy="707886"/>
+          </a:xfrm>
+          <a:prstGeom prst="rect">
+            <a:avLst/>
+          </a:prstGeom>
+          <a:noFill/>
+        </p:spPr>
+        <p:txBody>
+          <a:bodyPr wrap="square" rtlCol="0">
+            <a:spAutoFit/>
+          </a:bodyPr>
+          <a:lstStyle/>
+          <a:p>
+            <a:pPr algn="ctr"/>
+            <a:r>
+              <a:rPr lang="en-US" sz="2000" dirty="0">
+                <a:solidFill>
+                  <a:srgbClr val="FF0000"/>
+                </a:solidFill>
+                <a:latin typeface="Avenir" panose="02000503020000020003" pitchFamily="2" charset="0"/>
+              </a:rPr>
+              <a:t>(! is often called "bang" </a:t>
+            </a:r>
+            <a:br>
+              <a:rPr lang="en-US" sz="2000" dirty="0">
+                <a:solidFill>
+                  <a:srgbClr val="FF0000"/>
+                </a:solidFill>
+                <a:latin typeface="Avenir" panose="02000503020000020003" pitchFamily="2" charset="0"/>
+              </a:rPr>
+            </a:br>
+            <a:r>
+              <a:rPr lang="en-US" sz="2000" dirty="0">
+                <a:solidFill>
+                  <a:srgbClr val="FF0000"/>
+                </a:solidFill>
+                <a:latin typeface="Avenir" panose="02000503020000020003" pitchFamily="2" charset="0"/>
+              </a:rPr>
+              <a:t>and stands for "not")</a:t>
+            </a:r>
+          </a:p>
+        </p:txBody>
+      </p:sp>
+      <p:pic>
+        <p:nvPicPr>
+          <p:cNvPr id="3" name="Picture 2" descr="A picture containing dark, gauge&#10;&#10;Description automatically generated">
+            <a:extLst>
+              <a:ext uri="{FF2B5EF4-FFF2-40B4-BE49-F238E27FC236}">
+                <a16:creationId xmlns:a16="http://schemas.microsoft.com/office/drawing/2014/main" id="{E87D4C2C-1DF2-5EF3-F162-1FFB677A2FE2}"/>
+              </a:ext>
+            </a:extLst>
+          </p:cNvPr>
+          <p:cNvPicPr>
+            <a:picLocks noChangeAspect="1"/>
+          </p:cNvPicPr>
+          <p:nvPr/>
+        </p:nvPicPr>
+        <p:blipFill>
+          <a:blip r:embed="rId3">
+            <a:extLst>
+              <a:ext uri="{28A0092B-C50C-407E-A947-70E740481C1C}">
+                <a14:useLocalDpi xmlns:a14="http://schemas.microsoft.com/office/drawing/2010/main" val="0"/>
+              </a:ext>
+            </a:extLst>
+          </a:blip>
+          <a:stretch>
+            <a:fillRect/>
+          </a:stretch>
+        </p:blipFill>
+        <p:spPr>
+          <a:xfrm>
+            <a:off x="11378037" y="6031948"/>
+            <a:ext cx="800100" cy="812800"/>
+          </a:xfrm>
+          <a:prstGeom prst="rect">
+            <a:avLst/>
+          </a:prstGeom>
+        </p:spPr>
+      </p:pic>
+    </p:spTree>
+    <p:extLst>
+      <p:ext uri="{BB962C8B-B14F-4D97-AF65-F5344CB8AC3E}">
+        <p14:creationId xmlns:p14="http://schemas.microsoft.com/office/powerpoint/2010/main" val="1201263647"/>
+      </p:ext>
+    </p:extLst>
+  </p:cSld>
+  <p:clrMapOvr>
+    <a:masterClrMapping/>
+  </p:clrMapOvr>
+  <p:timing>
+    <p:tnLst>
+      <p:par>
+        <p:cTn id="1" dur="indefinite" restart="never" nodeType="tmRoot">
+          <p:childTnLst>
+            <p:seq concurrent="1" nextAc="seek">
+              <p:cTn id="2" dur="indefinite" nodeType="mainSeq">
+                <p:childTnLst>
+                  <p:par>
+                    <p:cTn id="3" fill="hold">
+                      <p:stCondLst>
+                        <p:cond delay="indefinite"/>
+                      </p:stCondLst>
+                      <p:childTnLst>
+                        <p:par>
+                          <p:cTn id="4" fill="hold">
+                            <p:stCondLst>
+                              <p:cond delay="0"/>
+                            </p:stCondLst>
+                            <p:childTnLst>
+                              <p:par>
+                                <p:cTn id="5" presetID="2" presetClass="entr" presetSubtype="4" fill="hold" nodeType="clickEffect">
+                                  <p:stCondLst>
+                                    <p:cond delay="0"/>
+                                  </p:stCondLst>
+                                  <p:childTnLst>
+                                    <p:set>
+                                      <p:cBhvr>
+                                        <p:cTn id="6" dur="1" fill="hold">
+                                          <p:stCondLst>
+                                            <p:cond delay="0"/>
+                                          </p:stCondLst>
+                                        </p:cTn>
+                                        <p:tgtEl>
+                                          <p:spTgt spid="5">
+                                            <p:txEl>
+                                              <p:pRg st="3" end="3"/>
+                                            </p:txEl>
+                                          </p:spTgt>
+                                        </p:tgtEl>
+                                        <p:attrNameLst>
+                                          <p:attrName>style.visibility</p:attrName>
+                                        </p:attrNameLst>
+                                      </p:cBhvr>
+                                      <p:to>
+                                        <p:strVal val="visible"/>
+                                      </p:to>
+                                    </p:set>
+                                    <p:anim calcmode="lin" valueType="num">
+                                      <p:cBhvr additive="base">
+                                        <p:cTn id="7" dur="500" fill="hold"/>
+                                        <p:tgtEl>
+                                          <p:spTgt spid="5">
+                                            <p:txEl>
+                                              <p:pRg st="3" end="3"/>
+                                            </p:txEl>
+                                          </p:spTgt>
+                                        </p:tgtEl>
+                                        <p:attrNameLst>
+                                          <p:attrName>ppt_x</p:attrName>
+                                        </p:attrNameLst>
+                                      </p:cBhvr>
+                                      <p:tavLst>
+                                        <p:tav tm="0">
+                                          <p:val>
+                                            <p:strVal val="#ppt_x"/>
+                                          </p:val>
+                                        </p:tav>
+                                        <p:tav tm="100000">
+                                          <p:val>
+                                            <p:strVal val="#ppt_x"/>
+                                          </p:val>
+                                        </p:tav>
+                                      </p:tavLst>
+                                    </p:anim>
+                                    <p:anim calcmode="lin" valueType="num">
+                                      <p:cBhvr additive="base">
+                                        <p:cTn id="8" dur="500" fill="hold"/>
+                                        <p:tgtEl>
+                                          <p:spTgt spid="5">
+                                            <p:txEl>
+                                              <p:pRg st="3" end="3"/>
+                                            </p:txEl>
+                                          </p:spTgt>
+                                        </p:tgtEl>
+                                        <p:attrNameLst>
+                                          <p:attrName>ppt_y</p:attrName>
+                                        </p:attrNameLst>
+                                      </p:cBhvr>
+                                      <p:tavLst>
+                                        <p:tav tm="0">
+                                          <p:val>
+                                            <p:strVal val="1+#ppt_h/2"/>
+                                          </p:val>
+                                        </p:tav>
+                                        <p:tav tm="100000">
+                                          <p:val>
+                                            <p:strVal val="#ppt_y"/>
+                                          </p:val>
+                                        </p:tav>
+                                      </p:tavLst>
+                                    </p:anim>
+                                  </p:childTnLst>
+                                </p:cTn>
+                              </p:par>
+                            </p:childTnLst>
+                          </p:cTn>
+                        </p:par>
+                      </p:childTnLst>
+                    </p:cTn>
+                  </p:par>
+                  <p:par>
+                    <p:cTn id="9" fill="hold">
+                      <p:stCondLst>
+                        <p:cond delay="indefinite"/>
+                      </p:stCondLst>
+                      <p:childTnLst>
+                        <p:par>
+                          <p:cTn id="10" fill="hold">
+                            <p:stCondLst>
+                              <p:cond delay="0"/>
+                            </p:stCondLst>
+                            <p:childTnLst>
+                              <p:par>
+                                <p:cTn id="11" presetID="2" presetClass="entr" presetSubtype="4" fill="hold" nodeType="clickEffect">
+                                  <p:stCondLst>
+                                    <p:cond delay="0"/>
+                                  </p:stCondLst>
+                                  <p:childTnLst>
+                                    <p:set>
+                                      <p:cBhvr>
+                                        <p:cTn id="12" dur="1" fill="hold">
+                                          <p:stCondLst>
+                                            <p:cond delay="0"/>
+                                          </p:stCondLst>
+                                        </p:cTn>
+                                        <p:tgtEl>
+                                          <p:spTgt spid="5">
+                                            <p:txEl>
+                                              <p:pRg st="4" end="4"/>
+                                            </p:txEl>
+                                          </p:spTgt>
+                                        </p:tgtEl>
+                                        <p:attrNameLst>
+                                          <p:attrName>style.visibility</p:attrName>
+                                        </p:attrNameLst>
+                                      </p:cBhvr>
+                                      <p:to>
+                                        <p:strVal val="visible"/>
+                                      </p:to>
+                                    </p:set>
+                                    <p:anim calcmode="lin" valueType="num">
+                                      <p:cBhvr additive="base">
+                                        <p:cTn id="13" dur="500" fill="hold"/>
+                                        <p:tgtEl>
+                                          <p:spTgt spid="5">
+                                            <p:txEl>
+                                              <p:pRg st="4" end="4"/>
+                                            </p:txEl>
+                                          </p:spTgt>
+                                        </p:tgtEl>
+                                        <p:attrNameLst>
+                                          <p:attrName>ppt_x</p:attrName>
+                                        </p:attrNameLst>
+                                      </p:cBhvr>
+                                      <p:tavLst>
+                                        <p:tav tm="0">
+                                          <p:val>
+                                            <p:strVal val="#ppt_x"/>
+                                          </p:val>
+                                        </p:tav>
+                                        <p:tav tm="100000">
+                                          <p:val>
+                                            <p:strVal val="#ppt_x"/>
+                                          </p:val>
+                                        </p:tav>
+                                      </p:tavLst>
+                                    </p:anim>
+                                    <p:anim calcmode="lin" valueType="num">
+                                      <p:cBhvr additive="base">
+                                        <p:cTn id="14" dur="500" fill="hold"/>
+                                        <p:tgtEl>
+                                          <p:spTgt spid="5">
+                                            <p:txEl>
+                                              <p:pRg st="4" end="4"/>
+                                            </p:txEl>
+                                          </p:spTgt>
+                                        </p:tgtEl>
+                                        <p:attrNameLst>
+                                          <p:attrName>ppt_y</p:attrName>
+                                        </p:attrNameLst>
+                                      </p:cBhvr>
+                                      <p:tavLst>
+                                        <p:tav tm="0">
+                                          <p:val>
+                                            <p:strVal val="1+#ppt_h/2"/>
+                                          </p:val>
+                                        </p:tav>
+                                        <p:tav tm="100000">
+                                          <p:val>
+                                            <p:strVal val="#ppt_y"/>
+                                          </p:val>
+                                        </p:tav>
+                                      </p:tavLst>
+                                    </p:anim>
+                                  </p:childTnLst>
+                                </p:cTn>
+                              </p:par>
+                            </p:childTnLst>
+                          </p:cTn>
+                        </p:par>
+                      </p:childTnLst>
+                    </p:cTn>
+                  </p:par>
+                  <p:par>
+                    <p:cTn id="15" fill="hold">
+                      <p:stCondLst>
+                        <p:cond delay="indefinite"/>
+                      </p:stCondLst>
+                      <p:childTnLst>
+                        <p:par>
+                          <p:cTn id="16" fill="hold">
+                            <p:stCondLst>
+                              <p:cond delay="0"/>
+                            </p:stCondLst>
+                            <p:childTnLst>
+                              <p:par>
+                                <p:cTn id="17" presetID="2" presetClass="entr" presetSubtype="4" fill="hold" nodeType="clickEffect">
+                                  <p:stCondLst>
+                                    <p:cond delay="0"/>
+                                  </p:stCondLst>
+                                  <p:childTnLst>
+                                    <p:set>
+                                      <p:cBhvr>
+                                        <p:cTn id="18" dur="1" fill="hold">
+                                          <p:stCondLst>
+                                            <p:cond delay="0"/>
+                                          </p:stCondLst>
+                                        </p:cTn>
+                                        <p:tgtEl>
+                                          <p:spTgt spid="5">
+                                            <p:txEl>
+                                              <p:pRg st="5" end="5"/>
+                                            </p:txEl>
+                                          </p:spTgt>
+                                        </p:tgtEl>
+                                        <p:attrNameLst>
+                                          <p:attrName>style.visibility</p:attrName>
+                                        </p:attrNameLst>
+                                      </p:cBhvr>
+                                      <p:to>
+                                        <p:strVal val="visible"/>
+                                      </p:to>
+                                    </p:set>
+                                    <p:anim calcmode="lin" valueType="num">
+                                      <p:cBhvr additive="base">
+                                        <p:cTn id="19" dur="500" fill="hold"/>
+                                        <p:tgtEl>
+                                          <p:spTgt spid="5">
+                                            <p:txEl>
+                                              <p:pRg st="5" end="5"/>
+                                            </p:txEl>
+                                          </p:spTgt>
+                                        </p:tgtEl>
+                                        <p:attrNameLst>
+                                          <p:attrName>ppt_x</p:attrName>
+                                        </p:attrNameLst>
+                                      </p:cBhvr>
+                                      <p:tavLst>
+                                        <p:tav tm="0">
+                                          <p:val>
+                                            <p:strVal val="#ppt_x"/>
+                                          </p:val>
+                                        </p:tav>
+                                        <p:tav tm="100000">
+                                          <p:val>
+                                            <p:strVal val="#ppt_x"/>
+                                          </p:val>
+                                        </p:tav>
+                                      </p:tavLst>
+                                    </p:anim>
+                                    <p:anim calcmode="lin" valueType="num">
+                                      <p:cBhvr additive="base">
+                                        <p:cTn id="20" dur="500" fill="hold"/>
+                                        <p:tgtEl>
+                                          <p:spTgt spid="5">
+                                            <p:txEl>
+                                              <p:pRg st="5" end="5"/>
+                                            </p:txEl>
+                                          </p:spTgt>
+                                        </p:tgtEl>
+                                        <p:attrNameLst>
+                                          <p:attrName>ppt_y</p:attrName>
+                                        </p:attrNameLst>
+                                      </p:cBhvr>
+                                      <p:tavLst>
+                                        <p:tav tm="0">
+                                          <p:val>
+                                            <p:strVal val="1+#ppt_h/2"/>
+                                          </p:val>
+                                        </p:tav>
+                                        <p:tav tm="100000">
+                                          <p:val>
+                                            <p:strVal val="#ppt_y"/>
+                                          </p:val>
+                                        </p:tav>
+                                      </p:tavLst>
+                                    </p:anim>
+                                  </p:childTnLst>
+                                </p:cTn>
+                              </p:par>
+                            </p:childTnLst>
+                          </p:cTn>
+                        </p:par>
+                      </p:childTnLst>
+                    </p:cTn>
+                  </p:par>
+                  <p:par>
+                    <p:cTn id="21" fill="hold">
+                      <p:stCondLst>
+                        <p:cond delay="indefinite"/>
+                      </p:stCondLst>
+                      <p:childTnLst>
+                        <p:par>
+                          <p:cTn id="22" fill="hold">
+                            <p:stCondLst>
+                              <p:cond delay="0"/>
+                            </p:stCondLst>
+                            <p:childTnLst>
+                              <p:par>
+                                <p:cTn id="23" presetID="2" presetClass="entr" presetSubtype="4" fill="hold" nodeType="clickEffect">
+                                  <p:stCondLst>
+                                    <p:cond delay="0"/>
+                                  </p:stCondLst>
+                                  <p:childTnLst>
+                                    <p:set>
+                                      <p:cBhvr>
+                                        <p:cTn id="24" dur="1" fill="hold">
+                                          <p:stCondLst>
+                                            <p:cond delay="0"/>
+                                          </p:stCondLst>
+                                        </p:cTn>
+                                        <p:tgtEl>
+                                          <p:spTgt spid="5">
+                                            <p:txEl>
+                                              <p:pRg st="6" end="6"/>
+                                            </p:txEl>
+                                          </p:spTgt>
+                                        </p:tgtEl>
+                                        <p:attrNameLst>
+                                          <p:attrName>style.visibility</p:attrName>
+                                        </p:attrNameLst>
+                                      </p:cBhvr>
+                                      <p:to>
+                                        <p:strVal val="visible"/>
+                                      </p:to>
+                                    </p:set>
+                                    <p:anim calcmode="lin" valueType="num">
+                                      <p:cBhvr additive="base">
+                                        <p:cTn id="25" dur="500" fill="hold"/>
+                                        <p:tgtEl>
+                                          <p:spTgt spid="5">
+                                            <p:txEl>
+                                              <p:pRg st="6" end="6"/>
+                                            </p:txEl>
+                                          </p:spTgt>
+                                        </p:tgtEl>
+                                        <p:attrNameLst>
+                                          <p:attrName>ppt_x</p:attrName>
+                                        </p:attrNameLst>
+                                      </p:cBhvr>
+                                      <p:tavLst>
+                                        <p:tav tm="0">
+                                          <p:val>
+                                            <p:strVal val="#ppt_x"/>
+                                          </p:val>
+                                        </p:tav>
+                                        <p:tav tm="100000">
+                                          <p:val>
+                                            <p:strVal val="#ppt_x"/>
+                                          </p:val>
+                                        </p:tav>
+                                      </p:tavLst>
+                                    </p:anim>
+                                    <p:anim calcmode="lin" valueType="num">
+                                      <p:cBhvr additive="base">
+                                        <p:cTn id="26" dur="500" fill="hold"/>
+                                        <p:tgtEl>
+                                          <p:spTgt spid="5">
+                                            <p:txEl>
+                                              <p:pRg st="6" end="6"/>
+                                            </p:txEl>
+                                          </p:spTgt>
+                                        </p:tgtEl>
+                                        <p:attrNameLst>
+                                          <p:attrName>ppt_y</p:attrName>
+                                        </p:attrNameLst>
+                                      </p:cBhvr>
+                                      <p:tavLst>
+                                        <p:tav tm="0">
+                                          <p:val>
+                                            <p:strVal val="1+#ppt_h/2"/>
+                                          </p:val>
+                                        </p:tav>
+                                        <p:tav tm="100000">
+                                          <p:val>
+                                            <p:strVal val="#ppt_y"/>
+                                          </p:val>
+                                        </p:tav>
+                                      </p:tavLst>
+                                    </p:anim>
+                                  </p:childTnLst>
+                                </p:cTn>
+                              </p:par>
+                            </p:childTnLst>
+                          </p:cTn>
+                        </p:par>
+                      </p:childTnLst>
+                    </p:cTn>
+                  </p:par>
+                  <p:par>
+                    <p:cTn id="27" fill="hold">
+                      <p:stCondLst>
+                        <p:cond delay="indefinite"/>
+                      </p:stCondLst>
+                      <p:childTnLst>
+                        <p:par>
+                          <p:cTn id="28" fill="hold">
+                            <p:stCondLst>
+                              <p:cond delay="0"/>
+                            </p:stCondLst>
+                            <p:childTnLst>
+                              <p:par>
+                                <p:cTn id="29" presetID="2" presetClass="entr" presetSubtype="4" fill="hold" nodeType="clickEffect">
+                                  <p:stCondLst>
+                                    <p:cond delay="0"/>
+                                  </p:stCondLst>
+                                  <p:childTnLst>
+                                    <p:set>
+                                      <p:cBhvr>
+                                        <p:cTn id="30" dur="1" fill="hold">
+                                          <p:stCondLst>
+                                            <p:cond delay="0"/>
+                                          </p:stCondLst>
+                                        </p:cTn>
+                                        <p:tgtEl>
+                                          <p:spTgt spid="5">
+                                            <p:txEl>
+                                              <p:pRg st="7" end="7"/>
+                                            </p:txEl>
+                                          </p:spTgt>
+                                        </p:tgtEl>
+                                        <p:attrNameLst>
+                                          <p:attrName>style.visibility</p:attrName>
+                                        </p:attrNameLst>
+                                      </p:cBhvr>
+                                      <p:to>
+                                        <p:strVal val="visible"/>
+                                      </p:to>
+                                    </p:set>
+                                    <p:anim calcmode="lin" valueType="num">
+                                      <p:cBhvr additive="base">
+                                        <p:cTn id="31" dur="500" fill="hold"/>
+                                        <p:tgtEl>
+                                          <p:spTgt spid="5">
+                                            <p:txEl>
+                                              <p:pRg st="7" end="7"/>
+                                            </p:txEl>
+                                          </p:spTgt>
+                                        </p:tgtEl>
+                                        <p:attrNameLst>
+                                          <p:attrName>ppt_x</p:attrName>
+                                        </p:attrNameLst>
+                                      </p:cBhvr>
+                                      <p:tavLst>
+                                        <p:tav tm="0">
+                                          <p:val>
+                                            <p:strVal val="#ppt_x"/>
+                                          </p:val>
+                                        </p:tav>
+                                        <p:tav tm="100000">
+                                          <p:val>
+                                            <p:strVal val="#ppt_x"/>
+                                          </p:val>
+                                        </p:tav>
+                                      </p:tavLst>
+                                    </p:anim>
+                                    <p:anim calcmode="lin" valueType="num">
+                                      <p:cBhvr additive="base">
+                                        <p:cTn id="32" dur="500" fill="hold"/>
+                                        <p:tgtEl>
+                                          <p:spTgt spid="5">
+                                            <p:txEl>
+                                              <p:pRg st="7" end="7"/>
+                                            </p:txEl>
+                                          </p:spTgt>
+                                        </p:tgtEl>
+                                        <p:attrNameLst>
+                                          <p:attrName>ppt_y</p:attrName>
+                                        </p:attrNameLst>
+                                      </p:cBhvr>
+                                      <p:tavLst>
+                                        <p:tav tm="0">
+                                          <p:val>
+                                            <p:strVal val="1+#ppt_h/2"/>
+                                          </p:val>
+                                        </p:tav>
+                                        <p:tav tm="100000">
+                                          <p:val>
+                                            <p:strVal val="#ppt_y"/>
+                                          </p:val>
+                                        </p:tav>
+                                      </p:tavLst>
+                                    </p:anim>
+                                  </p:childTnLst>
+                                </p:cTn>
+                              </p:par>
+                            </p:childTnLst>
+                          </p:cTn>
+                        </p:par>
+                      </p:childTnLst>
+                    </p:cTn>
+                  </p:par>
+                  <p:par>
+                    <p:cTn id="33" fill="hold">
+                      <p:stCondLst>
+                        <p:cond delay="indefinite"/>
+                      </p:stCondLst>
+                      <p:childTnLst>
+                        <p:par>
+                          <p:cTn id="34" fill="hold">
+                            <p:stCondLst>
+                              <p:cond delay="0"/>
+                            </p:stCondLst>
+                            <p:childTnLst>
+                              <p:par>
+                                <p:cTn id="35" presetID="2" presetClass="entr" presetSubtype="4" fill="hold" nodeType="clickEffect">
+                                  <p:stCondLst>
+                                    <p:cond delay="0"/>
+                                  </p:stCondLst>
+                                  <p:childTnLst>
+                                    <p:set>
+                                      <p:cBhvr>
+                                        <p:cTn id="36" dur="1" fill="hold">
+                                          <p:stCondLst>
+                                            <p:cond delay="0"/>
+                                          </p:stCondLst>
+                                        </p:cTn>
+                                        <p:tgtEl>
+                                          <p:spTgt spid="5">
+                                            <p:txEl>
+                                              <p:pRg st="8" end="8"/>
+                                            </p:txEl>
+                                          </p:spTgt>
+                                        </p:tgtEl>
+                                        <p:attrNameLst>
+                                          <p:attrName>style.visibility</p:attrName>
+                                        </p:attrNameLst>
+                                      </p:cBhvr>
+                                      <p:to>
+                                        <p:strVal val="visible"/>
+                                      </p:to>
+                                    </p:set>
+                                    <p:anim calcmode="lin" valueType="num">
+                                      <p:cBhvr additive="base">
+                                        <p:cTn id="37" dur="500" fill="hold"/>
+                                        <p:tgtEl>
+                                          <p:spTgt spid="5">
+                                            <p:txEl>
+                                              <p:pRg st="8" end="8"/>
+                                            </p:txEl>
+                                          </p:spTgt>
+                                        </p:tgtEl>
+                                        <p:attrNameLst>
+                                          <p:attrName>ppt_x</p:attrName>
+                                        </p:attrNameLst>
+                                      </p:cBhvr>
+                                      <p:tavLst>
+                                        <p:tav tm="0">
+                                          <p:val>
+                                            <p:strVal val="#ppt_x"/>
+                                          </p:val>
+                                        </p:tav>
+                                        <p:tav tm="100000">
+                                          <p:val>
+                                            <p:strVal val="#ppt_x"/>
+                                          </p:val>
+                                        </p:tav>
+                                      </p:tavLst>
+                                    </p:anim>
+                                    <p:anim calcmode="lin" valueType="num">
+                                      <p:cBhvr additive="base">
+                                        <p:cTn id="38" dur="500" fill="hold"/>
+                                        <p:tgtEl>
+                                          <p:spTgt spid="5">
+                                            <p:txEl>
+                                              <p:pRg st="8" end="8"/>
+                                            </p:txEl>
+                                          </p:spTgt>
+                                        </p:tgtEl>
+                                        <p:attrNameLst>
+                                          <p:attrName>ppt_y</p:attrName>
+                                        </p:attrNameLst>
+                                      </p:cBhvr>
+                                      <p:tavLst>
+                                        <p:tav tm="0">
+                                          <p:val>
+                                            <p:strVal val="1+#ppt_h/2"/>
+                                          </p:val>
+                                        </p:tav>
+                                        <p:tav tm="100000">
+                                          <p:val>
+                                            <p:strVal val="#ppt_y"/>
+                                          </p:val>
+                                        </p:tav>
+                                      </p:tavLst>
+                                    </p:anim>
+                                  </p:childTnLst>
+                                </p:cTn>
+                              </p:par>
+                            </p:childTnLst>
+                          </p:cTn>
+                        </p:par>
+                      </p:childTnLst>
+                    </p:cTn>
+                  </p:par>
+                  <p:par>
+                    <p:cTn id="39" fill="hold">
+                      <p:stCondLst>
+                        <p:cond delay="indefinite"/>
+                      </p:stCondLst>
+                      <p:childTnLst>
+                        <p:par>
+                          <p:cTn id="40" fill="hold">
+                            <p:stCondLst>
+                              <p:cond delay="0"/>
+                            </p:stCondLst>
+                            <p:childTnLst>
+                              <p:par>
+                                <p:cTn id="41" presetID="53" presetClass="entr" presetSubtype="16" fill="hold" grpId="0" nodeType="clickEffect">
+                                  <p:stCondLst>
+                                    <p:cond delay="0"/>
+                                  </p:stCondLst>
+                                  <p:childTnLst>
+                                    <p:set>
+                                      <p:cBhvr>
+                                        <p:cTn id="42" dur="1" fill="hold">
+                                          <p:stCondLst>
+                                            <p:cond delay="0"/>
+                                          </p:stCondLst>
+                                        </p:cTn>
+                                        <p:tgtEl>
+                                          <p:spTgt spid="4"/>
+                                        </p:tgtEl>
+                                        <p:attrNameLst>
+                                          <p:attrName>style.visibility</p:attrName>
+                                        </p:attrNameLst>
+                                      </p:cBhvr>
+                                      <p:to>
+                                        <p:strVal val="visible"/>
+                                      </p:to>
+                                    </p:set>
+                                    <p:anim calcmode="lin" valueType="num">
+                                      <p:cBhvr>
+                                        <p:cTn id="43" dur="500" fill="hold"/>
+                                        <p:tgtEl>
+                                          <p:spTgt spid="4"/>
+                                        </p:tgtEl>
+                                        <p:attrNameLst>
+                                          <p:attrName>ppt_w</p:attrName>
+                                        </p:attrNameLst>
+                                      </p:cBhvr>
+                                      <p:tavLst>
+                                        <p:tav tm="0">
+                                          <p:val>
+                                            <p:fltVal val="0"/>
+                                          </p:val>
+                                        </p:tav>
+                                        <p:tav tm="100000">
+                                          <p:val>
+                                            <p:strVal val="#ppt_w"/>
+                                          </p:val>
+                                        </p:tav>
+                                      </p:tavLst>
+                                    </p:anim>
+                                    <p:anim calcmode="lin" valueType="num">
+                                      <p:cBhvr>
+                                        <p:cTn id="44" dur="500" fill="hold"/>
+                                        <p:tgtEl>
+                                          <p:spTgt spid="4"/>
+                                        </p:tgtEl>
+                                        <p:attrNameLst>
+                                          <p:attrName>ppt_h</p:attrName>
+                                        </p:attrNameLst>
+                                      </p:cBhvr>
+                                      <p:tavLst>
+                                        <p:tav tm="0">
+                                          <p:val>
+                                            <p:fltVal val="0"/>
+                                          </p:val>
+                                        </p:tav>
+                                        <p:tav tm="100000">
+                                          <p:val>
+                                            <p:strVal val="#ppt_h"/>
+                                          </p:val>
+                                        </p:tav>
+                                      </p:tavLst>
+                                    </p:anim>
+                                    <p:animEffect transition="in" filter="fade">
+                                      <p:cBhvr>
+                                        <p:cTn id="45" dur="500"/>
+                                        <p:tgtEl>
+                                          <p:spTgt spid="4"/>
+                                        </p:tgtEl>
+                                      </p:cBhvr>
+                                    </p:animEffect>
+                                  </p:childTnLst>
+                                </p:cTn>
+                              </p:par>
+                            </p:childTnLst>
+                          </p:cTn>
+                        </p:par>
+                      </p:childTnLst>
+                    </p:cTn>
+                  </p:par>
+                </p:childTnLst>
+              </p:cTn>
+              <p:prevCondLst>
+                <p:cond evt="onPrev" delay="0">
+                  <p:tgtEl>
+                    <p:sldTgt/>
+                  </p:tgtEl>
+                </p:cond>
+              </p:prevCondLst>
+              <p:nextCondLst>
+                <p:cond evt="onNext" delay="0">
+                  <p:tgtEl>
+                    <p:sldTgt/>
+                  </p:tgtEl>
+                </p:cond>
+              </p:nextCondLst>
+            </p:seq>
+          </p:childTnLst>
+        </p:cTn>
+      </p:par>
+    </p:tnLst>
+    <p:bldLst>
+      <p:bldP spid="4" grpId="0"/>
+    </p:bldLst>
+  </p:timing>
+</p:sld>
+</file>
+
 <file path=ppt/theme/theme1.xml><?xml version="1.0" encoding="utf-8"?>
 <a:theme xmlns:a="http://schemas.openxmlformats.org/drawingml/2006/main" name="Office Theme">
   <a:themeElements>
